--- a/02-identity-and-access-management/02-identity-and-access-management.pptx
+++ b/02-identity-and-access-management/02-identity-and-access-management.pptx
@@ -5,15 +5,19 @@
     <p:sldMasterId id="2147483648" r:id="rId1"/>
   </p:sldMasterIdLst>
   <p:notesMasterIdLst>
-    <p:notesMasterId r:id="rId8"/>
+    <p:notesMasterId r:id="rId12"/>
   </p:notesMasterIdLst>
   <p:sldIdLst>
     <p:sldId id="256" r:id="rId2"/>
     <p:sldId id="2563" r:id="rId3"/>
     <p:sldId id="2564" r:id="rId4"/>
     <p:sldId id="2565" r:id="rId5"/>
-    <p:sldId id="2566" r:id="rId6"/>
-    <p:sldId id="2562" r:id="rId7"/>
+    <p:sldId id="2571" r:id="rId6"/>
+    <p:sldId id="2566" r:id="rId7"/>
+    <p:sldId id="2562" r:id="rId8"/>
+    <p:sldId id="2570" r:id="rId9"/>
+    <p:sldId id="2569" r:id="rId10"/>
+    <p:sldId id="2568" r:id="rId11"/>
   </p:sldIdLst>
   <p:sldSz cx="12192000" cy="6858000"/>
   <p:notesSz cx="6858000" cy="9144000"/>
@@ -631,7 +635,7 @@
             <a:fld id="{006BE02D-20C0-F840-AFAC-BEA99C74FDC2}" type="slidenum">
               <a:rPr lang="en-US" smtClean="0"/>
               <a:pPr/>
-              <a:t>6</a:t>
+              <a:t>7</a:t>
             </a:fld>
             <a:endParaRPr lang="en-US" dirty="0"/>
           </a:p>
@@ -641,6 +645,150 @@
     <p:extLst>
       <p:ext uri="{BB962C8B-B14F-4D97-AF65-F5344CB8AC3E}">
         <p14:creationId xmlns:p14="http://schemas.microsoft.com/office/powerpoint/2010/main" val="456561551"/>
+      </p:ext>
+    </p:extLst>
+  </p:cSld>
+  <p:clrMapOvr>
+    <a:masterClrMapping/>
+  </p:clrMapOvr>
+</p:notes>
+</file>
+
+<file path=ppt/notesSlides/notesSlide3.xml><?xml version="1.0" encoding="utf-8"?>
+<p:notes xmlns:a="http://schemas.openxmlformats.org/drawingml/2006/main" xmlns:r="http://schemas.openxmlformats.org/officeDocument/2006/relationships" xmlns:p="http://schemas.openxmlformats.org/presentationml/2006/main">
+  <p:cSld>
+    <p:spTree>
+      <p:nvGrpSpPr>
+        <p:cNvPr id="1" name=""/>
+        <p:cNvGrpSpPr/>
+        <p:nvPr/>
+      </p:nvGrpSpPr>
+      <p:grpSpPr>
+        <a:xfrm>
+          <a:off x="0" y="0"/>
+          <a:ext cx="0" cy="0"/>
+          <a:chOff x="0" y="0"/>
+          <a:chExt cx="0" cy="0"/>
+        </a:xfrm>
+      </p:grpSpPr>
+      <p:sp>
+        <p:nvSpPr>
+          <p:cNvPr id="2" name="Slide Image Placeholder 1"/>
+          <p:cNvSpPr>
+            <a:spLocks noGrp="1" noRot="1" noChangeAspect="1"/>
+          </p:cNvSpPr>
+          <p:nvPr>
+            <p:ph type="sldImg"/>
+          </p:nvPr>
+        </p:nvSpPr>
+        <p:spPr/>
+      </p:sp>
+      <p:sp>
+        <p:nvSpPr>
+          <p:cNvPr id="3" name="Notes Placeholder 2"/>
+          <p:cNvSpPr>
+            <a:spLocks noGrp="1"/>
+          </p:cNvSpPr>
+          <p:nvPr>
+            <p:ph type="body" idx="1"/>
+          </p:nvPr>
+        </p:nvSpPr>
+        <p:spPr/>
+        <p:txBody>
+          <a:bodyPr/>
+          <a:lstStyle/>
+          <a:p>
+            <a:endParaRPr lang="en-US" dirty="0"/>
+          </a:p>
+        </p:txBody>
+      </p:sp>
+      <p:sp>
+        <p:nvSpPr>
+          <p:cNvPr id="4" name="Slide Number Placeholder 3"/>
+          <p:cNvSpPr>
+            <a:spLocks noGrp="1"/>
+          </p:cNvSpPr>
+          <p:nvPr>
+            <p:ph type="sldNum" sz="quarter" idx="10"/>
+          </p:nvPr>
+        </p:nvSpPr>
+        <p:spPr/>
+        <p:txBody>
+          <a:bodyPr/>
+          <a:lstStyle/>
+          <a:p>
+            <a:pPr marL="0" marR="0" lvl="0" indent="0" algn="r" defTabSz="914400" rtl="0" eaLnBrk="1" fontAlgn="auto" latinLnBrk="0" hangingPunct="1">
+              <a:lnSpc>
+                <a:spcPct val="100000"/>
+              </a:lnSpc>
+              <a:spcBef>
+                <a:spcPts val="0"/>
+              </a:spcBef>
+              <a:spcAft>
+                <a:spcPts val="0"/>
+              </a:spcAft>
+              <a:buClrTx/>
+              <a:buSzTx/>
+              <a:buFontTx/>
+              <a:buNone/>
+              <a:tabLst/>
+              <a:defRPr/>
+            </a:pPr>
+            <a:fld id="{006BE02D-20C0-F840-AFAC-BEA99C74FDC2}" type="slidenum">
+              <a:rPr kumimoji="0" lang="en-US" sz="1200" b="0" i="0" u="none" strike="noStrike" kern="1200" cap="none" spc="0" normalizeH="0" baseline="0" noProof="0" smtClean="0">
+                <a:ln>
+                  <a:noFill/>
+                </a:ln>
+                <a:solidFill>
+                  <a:prstClr val="black"/>
+                </a:solidFill>
+                <a:effectLst/>
+                <a:uLnTx/>
+                <a:uFillTx/>
+                <a:latin typeface="Calibri" panose="020F0502020204030204"/>
+                <a:ea typeface="+mn-ea"/>
+                <a:cs typeface="+mn-cs"/>
+              </a:rPr>
+              <a:pPr marL="0" marR="0" lvl="0" indent="0" algn="r" defTabSz="914400" rtl="0" eaLnBrk="1" fontAlgn="auto" latinLnBrk="0" hangingPunct="1">
+                <a:lnSpc>
+                  <a:spcPct val="100000"/>
+                </a:lnSpc>
+                <a:spcBef>
+                  <a:spcPts val="0"/>
+                </a:spcBef>
+                <a:spcAft>
+                  <a:spcPts val="0"/>
+                </a:spcAft>
+                <a:buClrTx/>
+                <a:buSzTx/>
+                <a:buFontTx/>
+                <a:buNone/>
+                <a:tabLst/>
+                <a:defRPr/>
+              </a:pPr>
+              <a:t>10</a:t>
+            </a:fld>
+            <a:endParaRPr kumimoji="0" lang="en-US" sz="1200" b="0" i="0" u="none" strike="noStrike" kern="1200" cap="none" spc="0" normalizeH="0" baseline="0" noProof="0" dirty="0">
+              <a:ln>
+                <a:noFill/>
+              </a:ln>
+              <a:solidFill>
+                <a:prstClr val="black"/>
+              </a:solidFill>
+              <a:effectLst/>
+              <a:uLnTx/>
+              <a:uFillTx/>
+              <a:latin typeface="Calibri" panose="020F0502020204030204"/>
+              <a:ea typeface="+mn-ea"/>
+              <a:cs typeface="+mn-cs"/>
+            </a:endParaRPr>
+          </a:p>
+        </p:txBody>
+      </p:sp>
+    </p:spTree>
+    <p:extLst>
+      <p:ext uri="{BB962C8B-B14F-4D97-AF65-F5344CB8AC3E}">
+        <p14:creationId xmlns:p14="http://schemas.microsoft.com/office/powerpoint/2010/main" val="2592650310"/>
       </p:ext>
     </p:extLst>
   </p:cSld>
@@ -775,8 +923,8 @@
 </file>
 
 <file path=ppt/slideLayouts/slideLayout10.xml><?xml version="1.0" encoding="utf-8"?>
-<p:sldLayout xmlns:a="http://schemas.openxmlformats.org/drawingml/2006/main" xmlns:r="http://schemas.openxmlformats.org/officeDocument/2006/relationships" xmlns:p="http://schemas.openxmlformats.org/presentationml/2006/main" type="vertTx" preserve="1">
-  <p:cSld name="Title and Vertical Text">
+<p:sldLayout xmlns:a="http://schemas.openxmlformats.org/drawingml/2006/main" xmlns:r="http://schemas.openxmlformats.org/officeDocument/2006/relationships" xmlns:p="http://schemas.openxmlformats.org/presentationml/2006/main" type="picTx" preserve="1">
+  <p:cSld name="Picture with Caption">
     <p:spTree>
       <p:nvGrpSpPr>
         <p:cNvPr id="1" name=""/>
@@ -796,7 +944,7 @@
           <p:cNvPr id="2" name="Title 1">
             <a:extLst>
               <a:ext uri="{FF2B5EF4-FFF2-40B4-BE49-F238E27FC236}">
-                <a16:creationId xmlns:a16="http://schemas.microsoft.com/office/drawing/2014/main" id="{980E6301-0129-D947-9B3C-CB9A91546F85}"/>
+                <a16:creationId xmlns:a16="http://schemas.microsoft.com/office/drawing/2014/main" id="{6BC36CE6-23D3-AD4E-BC5D-4DE77A95B376}"/>
               </a:ext>
             </a:extLst>
           </p:cNvPr>
@@ -807,10 +955,19 @@
             <p:ph type="title"/>
           </p:nvPr>
         </p:nvSpPr>
-        <p:spPr/>
+        <p:spPr>
+          <a:xfrm>
+            <a:off x="839788" y="457200"/>
+            <a:ext cx="3932237" cy="1600200"/>
+          </a:xfrm>
+        </p:spPr>
         <p:txBody>
-          <a:bodyPr/>
-          <a:lstStyle/>
+          <a:bodyPr anchor="b"/>
+          <a:lstStyle>
+            <a:lvl1pPr>
+              <a:defRPr sz="3200"/>
+            </a:lvl1pPr>
+          </a:lstStyle>
           <a:p>
             <a:r>
               <a:rPr lang="en-GB"/>
@@ -822,10 +979,10 @@
       </p:sp>
       <p:sp>
         <p:nvSpPr>
-          <p:cNvPr id="3" name="Vertical Text Placeholder 2">
+          <p:cNvPr id="3" name="Picture Placeholder 2">
             <a:extLst>
               <a:ext uri="{FF2B5EF4-FFF2-40B4-BE49-F238E27FC236}">
-                <a16:creationId xmlns:a16="http://schemas.microsoft.com/office/drawing/2014/main" id="{479315D6-77B0-1847-BDE6-6210C2FB3999}"/>
+                <a16:creationId xmlns:a16="http://schemas.microsoft.com/office/drawing/2014/main" id="{415272EA-E112-A04C-922A-6497E225C90D}"/>
               </a:ext>
             </a:extLst>
           </p:cNvPr>
@@ -833,13 +990,122 @@
             <a:spLocks noGrp="1"/>
           </p:cNvSpPr>
           <p:nvPr>
-            <p:ph type="body" orient="vert" idx="1"/>
+            <p:ph type="pic" idx="1"/>
           </p:nvPr>
         </p:nvSpPr>
-        <p:spPr/>
+        <p:spPr>
+          <a:xfrm>
+            <a:off x="5183188" y="987425"/>
+            <a:ext cx="6172200" cy="4873625"/>
+          </a:xfrm>
+        </p:spPr>
         <p:txBody>
-          <a:bodyPr vert="eaVert"/>
-          <a:lstStyle/>
+          <a:bodyPr/>
+          <a:lstStyle>
+            <a:lvl1pPr marL="0" indent="0">
+              <a:buNone/>
+              <a:defRPr sz="3200"/>
+            </a:lvl1pPr>
+            <a:lvl2pPr marL="457200" indent="0">
+              <a:buNone/>
+              <a:defRPr sz="2800"/>
+            </a:lvl2pPr>
+            <a:lvl3pPr marL="914400" indent="0">
+              <a:buNone/>
+              <a:defRPr sz="2400"/>
+            </a:lvl3pPr>
+            <a:lvl4pPr marL="1371600" indent="0">
+              <a:buNone/>
+              <a:defRPr sz="2000"/>
+            </a:lvl4pPr>
+            <a:lvl5pPr marL="1828800" indent="0">
+              <a:buNone/>
+              <a:defRPr sz="2000"/>
+            </a:lvl5pPr>
+            <a:lvl6pPr marL="2286000" indent="0">
+              <a:buNone/>
+              <a:defRPr sz="2000"/>
+            </a:lvl6pPr>
+            <a:lvl7pPr marL="2743200" indent="0">
+              <a:buNone/>
+              <a:defRPr sz="2000"/>
+            </a:lvl7pPr>
+            <a:lvl8pPr marL="3200400" indent="0">
+              <a:buNone/>
+              <a:defRPr sz="2000"/>
+            </a:lvl8pPr>
+            <a:lvl9pPr marL="3657600" indent="0">
+              <a:buNone/>
+              <a:defRPr sz="2000"/>
+            </a:lvl9pPr>
+          </a:lstStyle>
+          <a:p>
+            <a:endParaRPr lang="en-US"/>
+          </a:p>
+        </p:txBody>
+      </p:sp>
+      <p:sp>
+        <p:nvSpPr>
+          <p:cNvPr id="4" name="Text Placeholder 3">
+            <a:extLst>
+              <a:ext uri="{FF2B5EF4-FFF2-40B4-BE49-F238E27FC236}">
+                <a16:creationId xmlns:a16="http://schemas.microsoft.com/office/drawing/2014/main" id="{6E66E274-1AAA-CF40-8AF3-9AC301183F40}"/>
+              </a:ext>
+            </a:extLst>
+          </p:cNvPr>
+          <p:cNvSpPr>
+            <a:spLocks noGrp="1"/>
+          </p:cNvSpPr>
+          <p:nvPr>
+            <p:ph type="body" sz="half" idx="2"/>
+          </p:nvPr>
+        </p:nvSpPr>
+        <p:spPr>
+          <a:xfrm>
+            <a:off x="839788" y="2057400"/>
+            <a:ext cx="3932237" cy="3811588"/>
+          </a:xfrm>
+        </p:spPr>
+        <p:txBody>
+          <a:bodyPr/>
+          <a:lstStyle>
+            <a:lvl1pPr marL="0" indent="0">
+              <a:buNone/>
+              <a:defRPr sz="1600"/>
+            </a:lvl1pPr>
+            <a:lvl2pPr marL="457200" indent="0">
+              <a:buNone/>
+              <a:defRPr sz="1400"/>
+            </a:lvl2pPr>
+            <a:lvl3pPr marL="914400" indent="0">
+              <a:buNone/>
+              <a:defRPr sz="1200"/>
+            </a:lvl3pPr>
+            <a:lvl4pPr marL="1371600" indent="0">
+              <a:buNone/>
+              <a:defRPr sz="1000"/>
+            </a:lvl4pPr>
+            <a:lvl5pPr marL="1828800" indent="0">
+              <a:buNone/>
+              <a:defRPr sz="1000"/>
+            </a:lvl5pPr>
+            <a:lvl6pPr marL="2286000" indent="0">
+              <a:buNone/>
+              <a:defRPr sz="1000"/>
+            </a:lvl6pPr>
+            <a:lvl7pPr marL="2743200" indent="0">
+              <a:buNone/>
+              <a:defRPr sz="1000"/>
+            </a:lvl7pPr>
+            <a:lvl8pPr marL="3200400" indent="0">
+              <a:buNone/>
+              <a:defRPr sz="1000"/>
+            </a:lvl8pPr>
+            <a:lvl9pPr marL="3657600" indent="0">
+              <a:buNone/>
+              <a:defRPr sz="1000"/>
+            </a:lvl9pPr>
+          </a:lstStyle>
           <a:p>
             <a:pPr lvl="0"/>
             <a:r>
@@ -847,43 +1113,14 @@
               <a:t>Click to edit Master text styles</a:t>
             </a:r>
           </a:p>
-          <a:p>
-            <a:pPr lvl="1"/>
-            <a:r>
-              <a:rPr lang="en-GB"/>
-              <a:t>Second level</a:t>
-            </a:r>
-          </a:p>
-          <a:p>
-            <a:pPr lvl="2"/>
-            <a:r>
-              <a:rPr lang="en-GB"/>
-              <a:t>Third level</a:t>
-            </a:r>
-          </a:p>
-          <a:p>
-            <a:pPr lvl="3"/>
-            <a:r>
-              <a:rPr lang="en-GB"/>
-              <a:t>Fourth level</a:t>
-            </a:r>
-          </a:p>
-          <a:p>
-            <a:pPr lvl="4"/>
-            <a:r>
-              <a:rPr lang="en-GB"/>
-              <a:t>Fifth level</a:t>
-            </a:r>
-            <a:endParaRPr lang="en-US"/>
-          </a:p>
         </p:txBody>
       </p:sp>
       <p:sp>
         <p:nvSpPr>
-          <p:cNvPr id="4" name="Date Placeholder 3">
+          <p:cNvPr id="5" name="Date Placeholder 4">
             <a:extLst>
               <a:ext uri="{FF2B5EF4-FFF2-40B4-BE49-F238E27FC236}">
-                <a16:creationId xmlns:a16="http://schemas.microsoft.com/office/drawing/2014/main" id="{B50B5945-A15B-1B47-BBE5-65EEEB060389}"/>
+                <a16:creationId xmlns:a16="http://schemas.microsoft.com/office/drawing/2014/main" id="{F6DACF90-501E-3B48-A33B-B8D299D59F6A}"/>
               </a:ext>
             </a:extLst>
           </p:cNvPr>
@@ -917,10 +1154,10 @@
       </p:sp>
       <p:sp>
         <p:nvSpPr>
-          <p:cNvPr id="5" name="Footer Placeholder 4">
+          <p:cNvPr id="6" name="Footer Placeholder 5">
             <a:extLst>
               <a:ext uri="{FF2B5EF4-FFF2-40B4-BE49-F238E27FC236}">
-                <a16:creationId xmlns:a16="http://schemas.microsoft.com/office/drawing/2014/main" id="{B6E0A9C4-843F-0D4F-9B64-F9A083B0A239}"/>
+                <a16:creationId xmlns:a16="http://schemas.microsoft.com/office/drawing/2014/main" id="{D3805EF1-2D9C-F94B-B395-B87BA337758D}"/>
               </a:ext>
             </a:extLst>
           </p:cNvPr>
@@ -950,10 +1187,10 @@
       </p:sp>
       <p:sp>
         <p:nvSpPr>
-          <p:cNvPr id="6" name="Slide Number Placeholder 5">
+          <p:cNvPr id="7" name="Slide Number Placeholder 6">
             <a:extLst>
               <a:ext uri="{FF2B5EF4-FFF2-40B4-BE49-F238E27FC236}">
-                <a16:creationId xmlns:a16="http://schemas.microsoft.com/office/drawing/2014/main" id="{8A557354-E922-8D44-B2D2-0D03C432ADE9}"/>
+                <a16:creationId xmlns:a16="http://schemas.microsoft.com/office/drawing/2014/main" id="{5B32C62D-CD56-274A-98CF-572DD895BF90}"/>
               </a:ext>
             </a:extLst>
           </p:cNvPr>
@@ -988,7 +1225,7 @@
     </p:spTree>
     <p:extLst>
       <p:ext uri="{BB962C8B-B14F-4D97-AF65-F5344CB8AC3E}">
-        <p14:creationId xmlns:p14="http://schemas.microsoft.com/office/powerpoint/2010/main" val="4251525371"/>
+        <p14:creationId xmlns:p14="http://schemas.microsoft.com/office/powerpoint/2010/main" val="1030721991"/>
       </p:ext>
     </p:extLst>
   </p:cSld>
@@ -999,8 +1236,8 @@
 </file>
 
 <file path=ppt/slideLayouts/slideLayout11.xml><?xml version="1.0" encoding="utf-8"?>
-<p:sldLayout xmlns:a="http://schemas.openxmlformats.org/drawingml/2006/main" xmlns:r="http://schemas.openxmlformats.org/officeDocument/2006/relationships" xmlns:p="http://schemas.openxmlformats.org/presentationml/2006/main" type="vertTitleAndTx" preserve="1">
-  <p:cSld name="Vertical Title and Text">
+<p:sldLayout xmlns:a="http://schemas.openxmlformats.org/drawingml/2006/main" xmlns:r="http://schemas.openxmlformats.org/officeDocument/2006/relationships" xmlns:p="http://schemas.openxmlformats.org/presentationml/2006/main" type="vertTx" preserve="1">
+  <p:cSld name="Title and Vertical Text">
     <p:spTree>
       <p:nvGrpSpPr>
         <p:cNvPr id="1" name=""/>
@@ -1017,10 +1254,10 @@
       </p:grpSpPr>
       <p:sp>
         <p:nvSpPr>
-          <p:cNvPr id="2" name="Vertical Title 1">
+          <p:cNvPr id="2" name="Title 1">
             <a:extLst>
               <a:ext uri="{FF2B5EF4-FFF2-40B4-BE49-F238E27FC236}">
-                <a16:creationId xmlns:a16="http://schemas.microsoft.com/office/drawing/2014/main" id="{1C93EDCC-CA34-3049-BCD1-15E716337F50}"/>
+                <a16:creationId xmlns:a16="http://schemas.microsoft.com/office/drawing/2014/main" id="{980E6301-0129-D947-9B3C-CB9A91546F85}"/>
               </a:ext>
             </a:extLst>
           </p:cNvPr>
@@ -1028,17 +1265,12 @@
             <a:spLocks noGrp="1"/>
           </p:cNvSpPr>
           <p:nvPr>
-            <p:ph type="title" orient="vert"/>
+            <p:ph type="title"/>
           </p:nvPr>
         </p:nvSpPr>
-        <p:spPr>
-          <a:xfrm>
-            <a:off x="8724900" y="365125"/>
-            <a:ext cx="2628900" cy="5811838"/>
-          </a:xfrm>
-        </p:spPr>
+        <p:spPr/>
         <p:txBody>
-          <a:bodyPr vert="eaVert"/>
+          <a:bodyPr/>
           <a:lstStyle/>
           <a:p>
             <a:r>
@@ -1054,7 +1286,7 @@
           <p:cNvPr id="3" name="Vertical Text Placeholder 2">
             <a:extLst>
               <a:ext uri="{FF2B5EF4-FFF2-40B4-BE49-F238E27FC236}">
-                <a16:creationId xmlns:a16="http://schemas.microsoft.com/office/drawing/2014/main" id="{A47FC04A-3F29-8747-8CBA-0550C27E5774}"/>
+                <a16:creationId xmlns:a16="http://schemas.microsoft.com/office/drawing/2014/main" id="{479315D6-77B0-1847-BDE6-6210C2FB3999}"/>
               </a:ext>
             </a:extLst>
           </p:cNvPr>
@@ -1065,12 +1297,7 @@
             <p:ph type="body" orient="vert" idx="1"/>
           </p:nvPr>
         </p:nvSpPr>
-        <p:spPr>
-          <a:xfrm>
-            <a:off x="838200" y="365125"/>
-            <a:ext cx="7734300" cy="5811838"/>
-          </a:xfrm>
-        </p:spPr>
+        <p:spPr/>
         <p:txBody>
           <a:bodyPr vert="eaVert"/>
           <a:lstStyle/>
@@ -1117,7 +1344,7 @@
           <p:cNvPr id="4" name="Date Placeholder 3">
             <a:extLst>
               <a:ext uri="{FF2B5EF4-FFF2-40B4-BE49-F238E27FC236}">
-                <a16:creationId xmlns:a16="http://schemas.microsoft.com/office/drawing/2014/main" id="{DFFF511A-2949-DF41-B37C-31B4B7EACB33}"/>
+                <a16:creationId xmlns:a16="http://schemas.microsoft.com/office/drawing/2014/main" id="{B50B5945-A15B-1B47-BBE5-65EEEB060389}"/>
               </a:ext>
             </a:extLst>
           </p:cNvPr>
@@ -1154,7 +1381,7 @@
           <p:cNvPr id="5" name="Footer Placeholder 4">
             <a:extLst>
               <a:ext uri="{FF2B5EF4-FFF2-40B4-BE49-F238E27FC236}">
-                <a16:creationId xmlns:a16="http://schemas.microsoft.com/office/drawing/2014/main" id="{6BBA2389-0D49-0448-B51D-5B1F9F91AFCB}"/>
+                <a16:creationId xmlns:a16="http://schemas.microsoft.com/office/drawing/2014/main" id="{B6E0A9C4-843F-0D4F-9B64-F9A083B0A239}"/>
               </a:ext>
             </a:extLst>
           </p:cNvPr>
@@ -1187,7 +1414,7 @@
           <p:cNvPr id="6" name="Slide Number Placeholder 5">
             <a:extLst>
               <a:ext uri="{FF2B5EF4-FFF2-40B4-BE49-F238E27FC236}">
-                <a16:creationId xmlns:a16="http://schemas.microsoft.com/office/drawing/2014/main" id="{B16A0865-4DCD-DB4B-829B-C3A2CA0F5AC2}"/>
+                <a16:creationId xmlns:a16="http://schemas.microsoft.com/office/drawing/2014/main" id="{8A557354-E922-8D44-B2D2-0D03C432ADE9}"/>
               </a:ext>
             </a:extLst>
           </p:cNvPr>
@@ -1222,6 +1449,240 @@
     </p:spTree>
     <p:extLst>
       <p:ext uri="{BB962C8B-B14F-4D97-AF65-F5344CB8AC3E}">
+        <p14:creationId xmlns:p14="http://schemas.microsoft.com/office/powerpoint/2010/main" val="4251525371"/>
+      </p:ext>
+    </p:extLst>
+  </p:cSld>
+  <p:clrMapOvr>
+    <a:masterClrMapping/>
+  </p:clrMapOvr>
+</p:sldLayout>
+</file>
+
+<file path=ppt/slideLayouts/slideLayout12.xml><?xml version="1.0" encoding="utf-8"?>
+<p:sldLayout xmlns:a="http://schemas.openxmlformats.org/drawingml/2006/main" xmlns:r="http://schemas.openxmlformats.org/officeDocument/2006/relationships" xmlns:p="http://schemas.openxmlformats.org/presentationml/2006/main" type="vertTitleAndTx" preserve="1">
+  <p:cSld name="Vertical Title and Text">
+    <p:spTree>
+      <p:nvGrpSpPr>
+        <p:cNvPr id="1" name=""/>
+        <p:cNvGrpSpPr/>
+        <p:nvPr/>
+      </p:nvGrpSpPr>
+      <p:grpSpPr>
+        <a:xfrm>
+          <a:off x="0" y="0"/>
+          <a:ext cx="0" cy="0"/>
+          <a:chOff x="0" y="0"/>
+          <a:chExt cx="0" cy="0"/>
+        </a:xfrm>
+      </p:grpSpPr>
+      <p:sp>
+        <p:nvSpPr>
+          <p:cNvPr id="2" name="Vertical Title 1">
+            <a:extLst>
+              <a:ext uri="{FF2B5EF4-FFF2-40B4-BE49-F238E27FC236}">
+                <a16:creationId xmlns:a16="http://schemas.microsoft.com/office/drawing/2014/main" id="{1C93EDCC-CA34-3049-BCD1-15E716337F50}"/>
+              </a:ext>
+            </a:extLst>
+          </p:cNvPr>
+          <p:cNvSpPr>
+            <a:spLocks noGrp="1"/>
+          </p:cNvSpPr>
+          <p:nvPr>
+            <p:ph type="title" orient="vert"/>
+          </p:nvPr>
+        </p:nvSpPr>
+        <p:spPr>
+          <a:xfrm>
+            <a:off x="8724900" y="365125"/>
+            <a:ext cx="2628900" cy="5811838"/>
+          </a:xfrm>
+        </p:spPr>
+        <p:txBody>
+          <a:bodyPr vert="eaVert"/>
+          <a:lstStyle/>
+          <a:p>
+            <a:r>
+              <a:rPr lang="en-GB"/>
+              <a:t>Click to edit Master title style</a:t>
+            </a:r>
+            <a:endParaRPr lang="en-US"/>
+          </a:p>
+        </p:txBody>
+      </p:sp>
+      <p:sp>
+        <p:nvSpPr>
+          <p:cNvPr id="3" name="Vertical Text Placeholder 2">
+            <a:extLst>
+              <a:ext uri="{FF2B5EF4-FFF2-40B4-BE49-F238E27FC236}">
+                <a16:creationId xmlns:a16="http://schemas.microsoft.com/office/drawing/2014/main" id="{A47FC04A-3F29-8747-8CBA-0550C27E5774}"/>
+              </a:ext>
+            </a:extLst>
+          </p:cNvPr>
+          <p:cNvSpPr>
+            <a:spLocks noGrp="1"/>
+          </p:cNvSpPr>
+          <p:nvPr>
+            <p:ph type="body" orient="vert" idx="1"/>
+          </p:nvPr>
+        </p:nvSpPr>
+        <p:spPr>
+          <a:xfrm>
+            <a:off x="838200" y="365125"/>
+            <a:ext cx="7734300" cy="5811838"/>
+          </a:xfrm>
+        </p:spPr>
+        <p:txBody>
+          <a:bodyPr vert="eaVert"/>
+          <a:lstStyle/>
+          <a:p>
+            <a:pPr lvl="0"/>
+            <a:r>
+              <a:rPr lang="en-GB"/>
+              <a:t>Click to edit Master text styles</a:t>
+            </a:r>
+          </a:p>
+          <a:p>
+            <a:pPr lvl="1"/>
+            <a:r>
+              <a:rPr lang="en-GB"/>
+              <a:t>Second level</a:t>
+            </a:r>
+          </a:p>
+          <a:p>
+            <a:pPr lvl="2"/>
+            <a:r>
+              <a:rPr lang="en-GB"/>
+              <a:t>Third level</a:t>
+            </a:r>
+          </a:p>
+          <a:p>
+            <a:pPr lvl="3"/>
+            <a:r>
+              <a:rPr lang="en-GB"/>
+              <a:t>Fourth level</a:t>
+            </a:r>
+          </a:p>
+          <a:p>
+            <a:pPr lvl="4"/>
+            <a:r>
+              <a:rPr lang="en-GB"/>
+              <a:t>Fifth level</a:t>
+            </a:r>
+            <a:endParaRPr lang="en-US"/>
+          </a:p>
+        </p:txBody>
+      </p:sp>
+      <p:sp>
+        <p:nvSpPr>
+          <p:cNvPr id="4" name="Date Placeholder 3">
+            <a:extLst>
+              <a:ext uri="{FF2B5EF4-FFF2-40B4-BE49-F238E27FC236}">
+                <a16:creationId xmlns:a16="http://schemas.microsoft.com/office/drawing/2014/main" id="{DFFF511A-2949-DF41-B37C-31B4B7EACB33}"/>
+              </a:ext>
+            </a:extLst>
+          </p:cNvPr>
+          <p:cNvSpPr>
+            <a:spLocks noGrp="1"/>
+          </p:cNvSpPr>
+          <p:nvPr>
+            <p:ph type="dt" sz="half" idx="10"/>
+          </p:nvPr>
+        </p:nvSpPr>
+        <p:spPr>
+          <a:xfrm>
+            <a:off x="838200" y="6356350"/>
+            <a:ext cx="2743200" cy="365125"/>
+          </a:xfrm>
+          <a:prstGeom prst="rect">
+            <a:avLst/>
+          </a:prstGeom>
+        </p:spPr>
+        <p:txBody>
+          <a:bodyPr/>
+          <a:lstStyle/>
+          <a:p>
+            <a:fld id="{5940F215-8337-114F-9F3D-71B1107C1CD3}" type="datetimeFigureOut">
+              <a:rPr lang="en-US" smtClean="0"/>
+              <a:t>6/1/21</a:t>
+            </a:fld>
+            <a:endParaRPr lang="en-US"/>
+          </a:p>
+        </p:txBody>
+      </p:sp>
+      <p:sp>
+        <p:nvSpPr>
+          <p:cNvPr id="5" name="Footer Placeholder 4">
+            <a:extLst>
+              <a:ext uri="{FF2B5EF4-FFF2-40B4-BE49-F238E27FC236}">
+                <a16:creationId xmlns:a16="http://schemas.microsoft.com/office/drawing/2014/main" id="{6BBA2389-0D49-0448-B51D-5B1F9F91AFCB}"/>
+              </a:ext>
+            </a:extLst>
+          </p:cNvPr>
+          <p:cNvSpPr>
+            <a:spLocks noGrp="1"/>
+          </p:cNvSpPr>
+          <p:nvPr>
+            <p:ph type="ftr" sz="quarter" idx="11"/>
+          </p:nvPr>
+        </p:nvSpPr>
+        <p:spPr>
+          <a:xfrm>
+            <a:off x="4038600" y="6356350"/>
+            <a:ext cx="4114800" cy="365125"/>
+          </a:xfrm>
+          <a:prstGeom prst="rect">
+            <a:avLst/>
+          </a:prstGeom>
+        </p:spPr>
+        <p:txBody>
+          <a:bodyPr/>
+          <a:lstStyle/>
+          <a:p>
+            <a:endParaRPr lang="en-US"/>
+          </a:p>
+        </p:txBody>
+      </p:sp>
+      <p:sp>
+        <p:nvSpPr>
+          <p:cNvPr id="6" name="Slide Number Placeholder 5">
+            <a:extLst>
+              <a:ext uri="{FF2B5EF4-FFF2-40B4-BE49-F238E27FC236}">
+                <a16:creationId xmlns:a16="http://schemas.microsoft.com/office/drawing/2014/main" id="{B16A0865-4DCD-DB4B-829B-C3A2CA0F5AC2}"/>
+              </a:ext>
+            </a:extLst>
+          </p:cNvPr>
+          <p:cNvSpPr>
+            <a:spLocks noGrp="1"/>
+          </p:cNvSpPr>
+          <p:nvPr>
+            <p:ph type="sldNum" sz="quarter" idx="12"/>
+          </p:nvPr>
+        </p:nvSpPr>
+        <p:spPr>
+          <a:xfrm>
+            <a:off x="8610600" y="6356350"/>
+            <a:ext cx="2743200" cy="365125"/>
+          </a:xfrm>
+          <a:prstGeom prst="rect">
+            <a:avLst/>
+          </a:prstGeom>
+        </p:spPr>
+        <p:txBody>
+          <a:bodyPr/>
+          <a:lstStyle/>
+          <a:p>
+            <a:fld id="{32C22F88-62C5-2644-B791-2ED748792D1D}" type="slidenum">
+              <a:rPr lang="en-US" smtClean="0"/>
+              <a:t>‹#›</a:t>
+            </a:fld>
+            <a:endParaRPr lang="en-US"/>
+          </a:p>
+        </p:txBody>
+      </p:sp>
+    </p:spTree>
+    <p:extLst>
+      <p:ext uri="{BB962C8B-B14F-4D97-AF65-F5344CB8AC3E}">
         <p14:creationId xmlns:p14="http://schemas.microsoft.com/office/powerpoint/2010/main" val="714050925"/>
       </p:ext>
     </p:extLst>
@@ -1232,7 +1693,7 @@
 </p:sldLayout>
 </file>
 
-<file path=ppt/slideLayouts/slideLayout12.xml><?xml version="1.0" encoding="utf-8"?>
+<file path=ppt/slideLayouts/slideLayout13.xml><?xml version="1.0" encoding="utf-8"?>
 <p:sldLayout xmlns:a="http://schemas.openxmlformats.org/drawingml/2006/main" xmlns:r="http://schemas.openxmlformats.org/officeDocument/2006/relationships" xmlns:p="http://schemas.openxmlformats.org/presentationml/2006/main" userDrawn="1">
   <p:cSld name="2_Default Slide">
     <p:spTree>
@@ -1404,7 +1865,7 @@
 
 <file path=ppt/slideLayouts/slideLayout2.xml><?xml version="1.0" encoding="utf-8"?>
 <p:sldLayout xmlns:a="http://schemas.openxmlformats.org/drawingml/2006/main" xmlns:r="http://schemas.openxmlformats.org/officeDocument/2006/relationships" xmlns:p="http://schemas.openxmlformats.org/presentationml/2006/main" type="obj" preserve="1">
-  <p:cSld name="Title and Content">
+  <p:cSld name="1_Title and Content">
     <p:spTree>
       <p:nvGrpSpPr>
         <p:cNvPr id="1" name=""/>
@@ -1537,7 +1998,7 @@
           <a:p>
             <a:fld id="{5940F215-8337-114F-9F3D-71B1107C1CD3}" type="datetimeFigureOut">
               <a:rPr lang="en-US" smtClean="0"/>
-              <a:t>6/1/21</a:t>
+              <a:t>6/4/21</a:t>
             </a:fld>
             <a:endParaRPr lang="en-US"/>
           </a:p>
@@ -1616,6 +2077,138 @@
     </p:spTree>
     <p:extLst>
       <p:ext uri="{BB962C8B-B14F-4D97-AF65-F5344CB8AC3E}">
+        <p14:creationId xmlns:p14="http://schemas.microsoft.com/office/powerpoint/2010/main" val="1161651231"/>
+      </p:ext>
+    </p:extLst>
+  </p:cSld>
+  <p:clrMapOvr>
+    <a:masterClrMapping/>
+  </p:clrMapOvr>
+</p:sldLayout>
+</file>
+
+<file path=ppt/slideLayouts/slideLayout3.xml><?xml version="1.0" encoding="utf-8"?>
+<p:sldLayout xmlns:a="http://schemas.openxmlformats.org/drawingml/2006/main" xmlns:r="http://schemas.openxmlformats.org/officeDocument/2006/relationships" xmlns:p="http://schemas.openxmlformats.org/presentationml/2006/main" type="obj" preserve="1">
+  <p:cSld name="Title and Content">
+    <p:bg>
+      <p:bgPr>
+        <a:blipFill dpi="0" rotWithShape="1">
+          <a:blip r:embed="rId2">
+            <a:alphaModFix amt="20086"/>
+            <a:lum/>
+          </a:blip>
+          <a:srcRect/>
+          <a:stretch>
+            <a:fillRect b="-11000"/>
+          </a:stretch>
+        </a:blipFill>
+        <a:effectLst/>
+      </p:bgPr>
+    </p:bg>
+    <p:spTree>
+      <p:nvGrpSpPr>
+        <p:cNvPr id="1" name=""/>
+        <p:cNvGrpSpPr/>
+        <p:nvPr/>
+      </p:nvGrpSpPr>
+      <p:grpSpPr>
+        <a:xfrm>
+          <a:off x="0" y="0"/>
+          <a:ext cx="0" cy="0"/>
+          <a:chOff x="0" y="0"/>
+          <a:chExt cx="0" cy="0"/>
+        </a:xfrm>
+      </p:grpSpPr>
+      <p:sp>
+        <p:nvSpPr>
+          <p:cNvPr id="2" name="Title 1">
+            <a:extLst>
+              <a:ext uri="{FF2B5EF4-FFF2-40B4-BE49-F238E27FC236}">
+                <a16:creationId xmlns:a16="http://schemas.microsoft.com/office/drawing/2014/main" id="{68A2ABF8-04E3-2348-8044-9E9F3E1DC52F}"/>
+              </a:ext>
+            </a:extLst>
+          </p:cNvPr>
+          <p:cNvSpPr>
+            <a:spLocks noGrp="1"/>
+          </p:cNvSpPr>
+          <p:nvPr>
+            <p:ph type="title"/>
+          </p:nvPr>
+        </p:nvSpPr>
+        <p:spPr/>
+        <p:txBody>
+          <a:bodyPr/>
+          <a:lstStyle/>
+          <a:p>
+            <a:r>
+              <a:rPr lang="en-GB"/>
+              <a:t>Click to edit Master title style</a:t>
+            </a:r>
+            <a:endParaRPr lang="en-US"/>
+          </a:p>
+        </p:txBody>
+      </p:sp>
+      <p:sp>
+        <p:nvSpPr>
+          <p:cNvPr id="3" name="Content Placeholder 2">
+            <a:extLst>
+              <a:ext uri="{FF2B5EF4-FFF2-40B4-BE49-F238E27FC236}">
+                <a16:creationId xmlns:a16="http://schemas.microsoft.com/office/drawing/2014/main" id="{C302E2EF-8C74-E84E-B938-3486465DBD37}"/>
+              </a:ext>
+            </a:extLst>
+          </p:cNvPr>
+          <p:cNvSpPr>
+            <a:spLocks noGrp="1"/>
+          </p:cNvSpPr>
+          <p:nvPr>
+            <p:ph idx="1"/>
+          </p:nvPr>
+        </p:nvSpPr>
+        <p:spPr/>
+        <p:txBody>
+          <a:bodyPr/>
+          <a:lstStyle/>
+          <a:p>
+            <a:pPr lvl="0"/>
+            <a:r>
+              <a:rPr lang="en-GB"/>
+              <a:t>Click to edit Master text styles</a:t>
+            </a:r>
+          </a:p>
+          <a:p>
+            <a:pPr lvl="1"/>
+            <a:r>
+              <a:rPr lang="en-GB"/>
+              <a:t>Second level</a:t>
+            </a:r>
+          </a:p>
+          <a:p>
+            <a:pPr lvl="2"/>
+            <a:r>
+              <a:rPr lang="en-GB"/>
+              <a:t>Third level</a:t>
+            </a:r>
+          </a:p>
+          <a:p>
+            <a:pPr lvl="3"/>
+            <a:r>
+              <a:rPr lang="en-GB"/>
+              <a:t>Fourth level</a:t>
+            </a:r>
+          </a:p>
+          <a:p>
+            <a:pPr lvl="4"/>
+            <a:r>
+              <a:rPr lang="en-GB"/>
+              <a:t>Fifth level</a:t>
+            </a:r>
+            <a:endParaRPr lang="en-US"/>
+          </a:p>
+        </p:txBody>
+      </p:sp>
+    </p:spTree>
+    <p:extLst>
+      <p:ext uri="{BB962C8B-B14F-4D97-AF65-F5344CB8AC3E}">
         <p14:creationId xmlns:p14="http://schemas.microsoft.com/office/powerpoint/2010/main" val="1073301285"/>
       </p:ext>
     </p:extLst>
@@ -1626,7 +2219,7 @@
 </p:sldLayout>
 </file>
 
-<file path=ppt/slideLayouts/slideLayout3.xml><?xml version="1.0" encoding="utf-8"?>
+<file path=ppt/slideLayouts/slideLayout4.xml><?xml version="1.0" encoding="utf-8"?>
 <p:sldLayout xmlns:a="http://schemas.openxmlformats.org/drawingml/2006/main" xmlns:r="http://schemas.openxmlformats.org/officeDocument/2006/relationships" xmlns:p="http://schemas.openxmlformats.org/presentationml/2006/main" type="secHead" preserve="1">
   <p:cSld name="Section Header">
     <p:spTree>
@@ -1926,7 +2519,7 @@
 </p:sldLayout>
 </file>
 
-<file path=ppt/slideLayouts/slideLayout4.xml><?xml version="1.0" encoding="utf-8"?>
+<file path=ppt/slideLayouts/slideLayout5.xml><?xml version="1.0" encoding="utf-8"?>
 <p:sldLayout xmlns:a="http://schemas.openxmlformats.org/drawingml/2006/main" xmlns:r="http://schemas.openxmlformats.org/officeDocument/2006/relationships" xmlns:p="http://schemas.openxmlformats.org/presentationml/2006/main" type="twoObj" preserve="1">
   <p:cSld name="Two Content">
     <p:spTree>
@@ -2218,7 +2811,7 @@
 </p:sldLayout>
 </file>
 
-<file path=ppt/slideLayouts/slideLayout5.xml><?xml version="1.0" encoding="utf-8"?>
+<file path=ppt/slideLayouts/slideLayout6.xml><?xml version="1.0" encoding="utf-8"?>
 <p:sldLayout xmlns:a="http://schemas.openxmlformats.org/drawingml/2006/main" xmlns:r="http://schemas.openxmlformats.org/officeDocument/2006/relationships" xmlns:p="http://schemas.openxmlformats.org/presentationml/2006/main" type="twoTxTwoObj" preserve="1">
   <p:cSld name="Comparison">
     <p:spTree>
@@ -2657,7 +3250,7 @@
 </p:sldLayout>
 </file>
 
-<file path=ppt/slideLayouts/slideLayout6.xml><?xml version="1.0" encoding="utf-8"?>
+<file path=ppt/slideLayouts/slideLayout7.xml><?xml version="1.0" encoding="utf-8"?>
 <p:sldLayout xmlns:a="http://schemas.openxmlformats.org/drawingml/2006/main" xmlns:r="http://schemas.openxmlformats.org/officeDocument/2006/relationships" xmlns:p="http://schemas.openxmlformats.org/presentationml/2006/main" type="titleOnly" preserve="1">
   <p:cSld name="Title Only">
     <p:spTree>
@@ -2823,7 +3416,7 @@
 </p:sldLayout>
 </file>
 
-<file path=ppt/slideLayouts/slideLayout7.xml><?xml version="1.0" encoding="utf-8"?>
+<file path=ppt/slideLayouts/slideLayout8.xml><?xml version="1.0" encoding="utf-8"?>
 <p:sldLayout xmlns:a="http://schemas.openxmlformats.org/drawingml/2006/main" xmlns:r="http://schemas.openxmlformats.org/officeDocument/2006/relationships" xmlns:p="http://schemas.openxmlformats.org/presentationml/2006/main" type="blank" preserve="1">
   <p:cSld name="Blank">
     <p:spTree>
@@ -2960,7 +3553,7 @@
 </p:sldLayout>
 </file>
 
-<file path=ppt/slideLayouts/slideLayout8.xml><?xml version="1.0" encoding="utf-8"?>
+<file path=ppt/slideLayouts/slideLayout9.xml><?xml version="1.0" encoding="utf-8"?>
 <p:sldLayout xmlns:a="http://schemas.openxmlformats.org/drawingml/2006/main" xmlns:r="http://schemas.openxmlformats.org/officeDocument/2006/relationships" xmlns:p="http://schemas.openxmlformats.org/presentationml/2006/main" type="objTx" preserve="1">
   <p:cSld name="Content with Caption">
     <p:spTree>
@@ -3297,319 +3890,6 @@
 </p:sldLayout>
 </file>
 
-<file path=ppt/slideLayouts/slideLayout9.xml><?xml version="1.0" encoding="utf-8"?>
-<p:sldLayout xmlns:a="http://schemas.openxmlformats.org/drawingml/2006/main" xmlns:r="http://schemas.openxmlformats.org/officeDocument/2006/relationships" xmlns:p="http://schemas.openxmlformats.org/presentationml/2006/main" type="picTx" preserve="1">
-  <p:cSld name="Picture with Caption">
-    <p:spTree>
-      <p:nvGrpSpPr>
-        <p:cNvPr id="1" name=""/>
-        <p:cNvGrpSpPr/>
-        <p:nvPr/>
-      </p:nvGrpSpPr>
-      <p:grpSpPr>
-        <a:xfrm>
-          <a:off x="0" y="0"/>
-          <a:ext cx="0" cy="0"/>
-          <a:chOff x="0" y="0"/>
-          <a:chExt cx="0" cy="0"/>
-        </a:xfrm>
-      </p:grpSpPr>
-      <p:sp>
-        <p:nvSpPr>
-          <p:cNvPr id="2" name="Title 1">
-            <a:extLst>
-              <a:ext uri="{FF2B5EF4-FFF2-40B4-BE49-F238E27FC236}">
-                <a16:creationId xmlns:a16="http://schemas.microsoft.com/office/drawing/2014/main" id="{6BC36CE6-23D3-AD4E-BC5D-4DE77A95B376}"/>
-              </a:ext>
-            </a:extLst>
-          </p:cNvPr>
-          <p:cNvSpPr>
-            <a:spLocks noGrp="1"/>
-          </p:cNvSpPr>
-          <p:nvPr>
-            <p:ph type="title"/>
-          </p:nvPr>
-        </p:nvSpPr>
-        <p:spPr>
-          <a:xfrm>
-            <a:off x="839788" y="457200"/>
-            <a:ext cx="3932237" cy="1600200"/>
-          </a:xfrm>
-        </p:spPr>
-        <p:txBody>
-          <a:bodyPr anchor="b"/>
-          <a:lstStyle>
-            <a:lvl1pPr>
-              <a:defRPr sz="3200"/>
-            </a:lvl1pPr>
-          </a:lstStyle>
-          <a:p>
-            <a:r>
-              <a:rPr lang="en-GB"/>
-              <a:t>Click to edit Master title style</a:t>
-            </a:r>
-            <a:endParaRPr lang="en-US"/>
-          </a:p>
-        </p:txBody>
-      </p:sp>
-      <p:sp>
-        <p:nvSpPr>
-          <p:cNvPr id="3" name="Picture Placeholder 2">
-            <a:extLst>
-              <a:ext uri="{FF2B5EF4-FFF2-40B4-BE49-F238E27FC236}">
-                <a16:creationId xmlns:a16="http://schemas.microsoft.com/office/drawing/2014/main" id="{415272EA-E112-A04C-922A-6497E225C90D}"/>
-              </a:ext>
-            </a:extLst>
-          </p:cNvPr>
-          <p:cNvSpPr>
-            <a:spLocks noGrp="1"/>
-          </p:cNvSpPr>
-          <p:nvPr>
-            <p:ph type="pic" idx="1"/>
-          </p:nvPr>
-        </p:nvSpPr>
-        <p:spPr>
-          <a:xfrm>
-            <a:off x="5183188" y="987425"/>
-            <a:ext cx="6172200" cy="4873625"/>
-          </a:xfrm>
-        </p:spPr>
-        <p:txBody>
-          <a:bodyPr/>
-          <a:lstStyle>
-            <a:lvl1pPr marL="0" indent="0">
-              <a:buNone/>
-              <a:defRPr sz="3200"/>
-            </a:lvl1pPr>
-            <a:lvl2pPr marL="457200" indent="0">
-              <a:buNone/>
-              <a:defRPr sz="2800"/>
-            </a:lvl2pPr>
-            <a:lvl3pPr marL="914400" indent="0">
-              <a:buNone/>
-              <a:defRPr sz="2400"/>
-            </a:lvl3pPr>
-            <a:lvl4pPr marL="1371600" indent="0">
-              <a:buNone/>
-              <a:defRPr sz="2000"/>
-            </a:lvl4pPr>
-            <a:lvl5pPr marL="1828800" indent="0">
-              <a:buNone/>
-              <a:defRPr sz="2000"/>
-            </a:lvl5pPr>
-            <a:lvl6pPr marL="2286000" indent="0">
-              <a:buNone/>
-              <a:defRPr sz="2000"/>
-            </a:lvl6pPr>
-            <a:lvl7pPr marL="2743200" indent="0">
-              <a:buNone/>
-              <a:defRPr sz="2000"/>
-            </a:lvl7pPr>
-            <a:lvl8pPr marL="3200400" indent="0">
-              <a:buNone/>
-              <a:defRPr sz="2000"/>
-            </a:lvl8pPr>
-            <a:lvl9pPr marL="3657600" indent="0">
-              <a:buNone/>
-              <a:defRPr sz="2000"/>
-            </a:lvl9pPr>
-          </a:lstStyle>
-          <a:p>
-            <a:endParaRPr lang="en-US"/>
-          </a:p>
-        </p:txBody>
-      </p:sp>
-      <p:sp>
-        <p:nvSpPr>
-          <p:cNvPr id="4" name="Text Placeholder 3">
-            <a:extLst>
-              <a:ext uri="{FF2B5EF4-FFF2-40B4-BE49-F238E27FC236}">
-                <a16:creationId xmlns:a16="http://schemas.microsoft.com/office/drawing/2014/main" id="{6E66E274-1AAA-CF40-8AF3-9AC301183F40}"/>
-              </a:ext>
-            </a:extLst>
-          </p:cNvPr>
-          <p:cNvSpPr>
-            <a:spLocks noGrp="1"/>
-          </p:cNvSpPr>
-          <p:nvPr>
-            <p:ph type="body" sz="half" idx="2"/>
-          </p:nvPr>
-        </p:nvSpPr>
-        <p:spPr>
-          <a:xfrm>
-            <a:off x="839788" y="2057400"/>
-            <a:ext cx="3932237" cy="3811588"/>
-          </a:xfrm>
-        </p:spPr>
-        <p:txBody>
-          <a:bodyPr/>
-          <a:lstStyle>
-            <a:lvl1pPr marL="0" indent="0">
-              <a:buNone/>
-              <a:defRPr sz="1600"/>
-            </a:lvl1pPr>
-            <a:lvl2pPr marL="457200" indent="0">
-              <a:buNone/>
-              <a:defRPr sz="1400"/>
-            </a:lvl2pPr>
-            <a:lvl3pPr marL="914400" indent="0">
-              <a:buNone/>
-              <a:defRPr sz="1200"/>
-            </a:lvl3pPr>
-            <a:lvl4pPr marL="1371600" indent="0">
-              <a:buNone/>
-              <a:defRPr sz="1000"/>
-            </a:lvl4pPr>
-            <a:lvl5pPr marL="1828800" indent="0">
-              <a:buNone/>
-              <a:defRPr sz="1000"/>
-            </a:lvl5pPr>
-            <a:lvl6pPr marL="2286000" indent="0">
-              <a:buNone/>
-              <a:defRPr sz="1000"/>
-            </a:lvl6pPr>
-            <a:lvl7pPr marL="2743200" indent="0">
-              <a:buNone/>
-              <a:defRPr sz="1000"/>
-            </a:lvl7pPr>
-            <a:lvl8pPr marL="3200400" indent="0">
-              <a:buNone/>
-              <a:defRPr sz="1000"/>
-            </a:lvl8pPr>
-            <a:lvl9pPr marL="3657600" indent="0">
-              <a:buNone/>
-              <a:defRPr sz="1000"/>
-            </a:lvl9pPr>
-          </a:lstStyle>
-          <a:p>
-            <a:pPr lvl="0"/>
-            <a:r>
-              <a:rPr lang="en-GB"/>
-              <a:t>Click to edit Master text styles</a:t>
-            </a:r>
-          </a:p>
-        </p:txBody>
-      </p:sp>
-      <p:sp>
-        <p:nvSpPr>
-          <p:cNvPr id="5" name="Date Placeholder 4">
-            <a:extLst>
-              <a:ext uri="{FF2B5EF4-FFF2-40B4-BE49-F238E27FC236}">
-                <a16:creationId xmlns:a16="http://schemas.microsoft.com/office/drawing/2014/main" id="{F6DACF90-501E-3B48-A33B-B8D299D59F6A}"/>
-              </a:ext>
-            </a:extLst>
-          </p:cNvPr>
-          <p:cNvSpPr>
-            <a:spLocks noGrp="1"/>
-          </p:cNvSpPr>
-          <p:nvPr>
-            <p:ph type="dt" sz="half" idx="10"/>
-          </p:nvPr>
-        </p:nvSpPr>
-        <p:spPr>
-          <a:xfrm>
-            <a:off x="838200" y="6356350"/>
-            <a:ext cx="2743200" cy="365125"/>
-          </a:xfrm>
-          <a:prstGeom prst="rect">
-            <a:avLst/>
-          </a:prstGeom>
-        </p:spPr>
-        <p:txBody>
-          <a:bodyPr/>
-          <a:lstStyle/>
-          <a:p>
-            <a:fld id="{5940F215-8337-114F-9F3D-71B1107C1CD3}" type="datetimeFigureOut">
-              <a:rPr lang="en-US" smtClean="0"/>
-              <a:t>6/1/21</a:t>
-            </a:fld>
-            <a:endParaRPr lang="en-US"/>
-          </a:p>
-        </p:txBody>
-      </p:sp>
-      <p:sp>
-        <p:nvSpPr>
-          <p:cNvPr id="6" name="Footer Placeholder 5">
-            <a:extLst>
-              <a:ext uri="{FF2B5EF4-FFF2-40B4-BE49-F238E27FC236}">
-                <a16:creationId xmlns:a16="http://schemas.microsoft.com/office/drawing/2014/main" id="{D3805EF1-2D9C-F94B-B395-B87BA337758D}"/>
-              </a:ext>
-            </a:extLst>
-          </p:cNvPr>
-          <p:cNvSpPr>
-            <a:spLocks noGrp="1"/>
-          </p:cNvSpPr>
-          <p:nvPr>
-            <p:ph type="ftr" sz="quarter" idx="11"/>
-          </p:nvPr>
-        </p:nvSpPr>
-        <p:spPr>
-          <a:xfrm>
-            <a:off x="4038600" y="6356350"/>
-            <a:ext cx="4114800" cy="365125"/>
-          </a:xfrm>
-          <a:prstGeom prst="rect">
-            <a:avLst/>
-          </a:prstGeom>
-        </p:spPr>
-        <p:txBody>
-          <a:bodyPr/>
-          <a:lstStyle/>
-          <a:p>
-            <a:endParaRPr lang="en-US"/>
-          </a:p>
-        </p:txBody>
-      </p:sp>
-      <p:sp>
-        <p:nvSpPr>
-          <p:cNvPr id="7" name="Slide Number Placeholder 6">
-            <a:extLst>
-              <a:ext uri="{FF2B5EF4-FFF2-40B4-BE49-F238E27FC236}">
-                <a16:creationId xmlns:a16="http://schemas.microsoft.com/office/drawing/2014/main" id="{5B32C62D-CD56-274A-98CF-572DD895BF90}"/>
-              </a:ext>
-            </a:extLst>
-          </p:cNvPr>
-          <p:cNvSpPr>
-            <a:spLocks noGrp="1"/>
-          </p:cNvSpPr>
-          <p:nvPr>
-            <p:ph type="sldNum" sz="quarter" idx="12"/>
-          </p:nvPr>
-        </p:nvSpPr>
-        <p:spPr>
-          <a:xfrm>
-            <a:off x="8610600" y="6356350"/>
-            <a:ext cx="2743200" cy="365125"/>
-          </a:xfrm>
-          <a:prstGeom prst="rect">
-            <a:avLst/>
-          </a:prstGeom>
-        </p:spPr>
-        <p:txBody>
-          <a:bodyPr/>
-          <a:lstStyle/>
-          <a:p>
-            <a:fld id="{32C22F88-62C5-2644-B791-2ED748792D1D}" type="slidenum">
-              <a:rPr lang="en-US" smtClean="0"/>
-              <a:t>‹#›</a:t>
-            </a:fld>
-            <a:endParaRPr lang="en-US"/>
-          </a:p>
-        </p:txBody>
-      </p:sp>
-    </p:spTree>
-    <p:extLst>
-      <p:ext uri="{BB962C8B-B14F-4D97-AF65-F5344CB8AC3E}">
-        <p14:creationId xmlns:p14="http://schemas.microsoft.com/office/powerpoint/2010/main" val="1030721991"/>
-      </p:ext>
-    </p:extLst>
-  </p:cSld>
-  <p:clrMapOvr>
-    <a:masterClrMapping/>
-  </p:clrMapOvr>
-</p:sldLayout>
-</file>
-
 <file path=ppt/slideMasters/slideMaster1.xml><?xml version="1.0" encoding="utf-8"?>
 <p:sldMaster xmlns:a="http://schemas.openxmlformats.org/drawingml/2006/main" xmlns:r="http://schemas.openxmlformats.org/officeDocument/2006/relationships" xmlns:p="http://schemas.openxmlformats.org/presentationml/2006/main">
   <p:cSld>
@@ -3808,7 +4088,7 @@
           <p:nvPr userDrawn="1"/>
         </p:nvPicPr>
         <p:blipFill>
-          <a:blip r:embed="rId14"/>
+          <a:blip r:embed="rId15"/>
           <a:stretch>
             <a:fillRect/>
           </a:stretch>
@@ -3838,7 +4118,7 @@
           <p:nvPr userDrawn="1"/>
         </p:nvPicPr>
         <p:blipFill>
-          <a:blip r:embed="rId15"/>
+          <a:blip r:embed="rId16"/>
           <a:stretch>
             <a:fillRect/>
           </a:stretch>
@@ -3868,7 +4148,7 @@
           <p:nvPr userDrawn="1"/>
         </p:nvPicPr>
         <p:blipFill>
-          <a:blip r:embed="rId14"/>
+          <a:blip r:embed="rId15"/>
           <a:stretch>
             <a:fillRect/>
           </a:stretch>
@@ -3898,7 +4178,7 @@
           <p:nvPr userDrawn="1"/>
         </p:nvPicPr>
         <p:blipFill>
-          <a:blip r:embed="rId15"/>
+          <a:blip r:embed="rId16"/>
           <a:stretch>
             <a:fillRect/>
           </a:stretch>
@@ -3923,17 +4203,18 @@
   <p:clrMap bg1="lt1" tx1="dk1" bg2="lt2" tx2="dk2" accent1="accent1" accent2="accent2" accent3="accent3" accent4="accent4" accent5="accent5" accent6="accent6" hlink="hlink" folHlink="folHlink"/>
   <p:sldLayoutIdLst>
     <p:sldLayoutId id="2147483649" r:id="rId1"/>
-    <p:sldLayoutId id="2147483650" r:id="rId2"/>
-    <p:sldLayoutId id="2147483651" r:id="rId3"/>
-    <p:sldLayoutId id="2147483652" r:id="rId4"/>
-    <p:sldLayoutId id="2147483653" r:id="rId5"/>
-    <p:sldLayoutId id="2147483654" r:id="rId6"/>
-    <p:sldLayoutId id="2147483655" r:id="rId7"/>
-    <p:sldLayoutId id="2147483656" r:id="rId8"/>
-    <p:sldLayoutId id="2147483657" r:id="rId9"/>
-    <p:sldLayoutId id="2147483658" r:id="rId10"/>
-    <p:sldLayoutId id="2147483659" r:id="rId11"/>
-    <p:sldLayoutId id="2147483660" r:id="rId12"/>
+    <p:sldLayoutId id="2147483661" r:id="rId2"/>
+    <p:sldLayoutId id="2147483650" r:id="rId3"/>
+    <p:sldLayoutId id="2147483651" r:id="rId4"/>
+    <p:sldLayoutId id="2147483652" r:id="rId5"/>
+    <p:sldLayoutId id="2147483653" r:id="rId6"/>
+    <p:sldLayoutId id="2147483654" r:id="rId7"/>
+    <p:sldLayoutId id="2147483655" r:id="rId8"/>
+    <p:sldLayoutId id="2147483656" r:id="rId9"/>
+    <p:sldLayoutId id="2147483657" r:id="rId10"/>
+    <p:sldLayoutId id="2147483658" r:id="rId11"/>
+    <p:sldLayoutId id="2147483659" r:id="rId12"/>
+    <p:sldLayoutId id="2147483660" r:id="rId13"/>
   </p:sldLayoutIdLst>
   <p:txStyles>
     <p:titleStyle>
@@ -4281,6 +4562,228 @@
 </p:sld>
 </file>
 
+<file path=ppt/slides/slide10.xml><?xml version="1.0" encoding="utf-8"?>
+<p:sld xmlns:a="http://schemas.openxmlformats.org/drawingml/2006/main" xmlns:r="http://schemas.openxmlformats.org/officeDocument/2006/relationships" xmlns:p="http://schemas.openxmlformats.org/presentationml/2006/main">
+  <p:cSld>
+    <p:bg>
+      <p:bgPr>
+        <a:solidFill>
+          <a:srgbClr val="002060"/>
+        </a:solidFill>
+        <a:effectLst/>
+      </p:bgPr>
+    </p:bg>
+    <p:spTree>
+      <p:nvGrpSpPr>
+        <p:cNvPr id="1" name=""/>
+        <p:cNvGrpSpPr/>
+        <p:nvPr/>
+      </p:nvGrpSpPr>
+      <p:grpSpPr>
+        <a:xfrm>
+          <a:off x="0" y="0"/>
+          <a:ext cx="0" cy="0"/>
+          <a:chOff x="0" y="0"/>
+          <a:chExt cx="0" cy="0"/>
+        </a:xfrm>
+      </p:grpSpPr>
+      <p:sp>
+        <p:nvSpPr>
+          <p:cNvPr id="19" name="TextBox 18"/>
+          <p:cNvSpPr txBox="1"/>
+          <p:nvPr/>
+        </p:nvSpPr>
+        <p:spPr>
+          <a:xfrm>
+            <a:off x="11568748" y="7650480"/>
+            <a:ext cx="184731" cy="230832"/>
+          </a:xfrm>
+          <a:prstGeom prst="rect">
+            <a:avLst/>
+          </a:prstGeom>
+          <a:noFill/>
+        </p:spPr>
+        <p:txBody>
+          <a:bodyPr wrap="none" rtlCol="0">
+            <a:spAutoFit/>
+          </a:bodyPr>
+          <a:lstStyle/>
+          <a:p>
+            <a:pPr marL="0" marR="0" lvl="0" indent="0" algn="l" defTabSz="914400" rtl="0" eaLnBrk="1" fontAlgn="auto" latinLnBrk="0" hangingPunct="1">
+              <a:lnSpc>
+                <a:spcPct val="100000"/>
+              </a:lnSpc>
+              <a:spcBef>
+                <a:spcPts val="0"/>
+              </a:spcBef>
+              <a:spcAft>
+                <a:spcPts val="0"/>
+              </a:spcAft>
+              <a:buClrTx/>
+              <a:buSzTx/>
+              <a:buFontTx/>
+              <a:buNone/>
+              <a:tabLst/>
+              <a:defRPr/>
+            </a:pPr>
+            <a:endParaRPr kumimoji="0" lang="en-US" sz="900" b="0" i="0" u="none" strike="noStrike" kern="1200" cap="none" spc="0" normalizeH="0" baseline="0" noProof="0" dirty="0">
+              <a:ln>
+                <a:noFill/>
+              </a:ln>
+              <a:solidFill>
+                <a:prstClr val="black"/>
+              </a:solidFill>
+              <a:effectLst/>
+              <a:uLnTx/>
+              <a:uFillTx/>
+              <a:latin typeface="Calibri" panose="020F0502020204030204"/>
+              <a:ea typeface="+mn-ea"/>
+              <a:cs typeface="+mn-cs"/>
+            </a:endParaRPr>
+          </a:p>
+        </p:txBody>
+      </p:sp>
+      <p:sp>
+        <p:nvSpPr>
+          <p:cNvPr id="20" name="TextBox 19"/>
+          <p:cNvSpPr txBox="1"/>
+          <p:nvPr/>
+        </p:nvSpPr>
+        <p:spPr>
+          <a:xfrm>
+            <a:off x="12469495" y="7452360"/>
+            <a:ext cx="184731" cy="230832"/>
+          </a:xfrm>
+          <a:prstGeom prst="rect">
+            <a:avLst/>
+          </a:prstGeom>
+          <a:noFill/>
+        </p:spPr>
+        <p:txBody>
+          <a:bodyPr wrap="none" rtlCol="0">
+            <a:spAutoFit/>
+          </a:bodyPr>
+          <a:lstStyle/>
+          <a:p>
+            <a:pPr marL="0" marR="0" lvl="0" indent="0" algn="l" defTabSz="914400" rtl="0" eaLnBrk="1" fontAlgn="auto" latinLnBrk="0" hangingPunct="1">
+              <a:lnSpc>
+                <a:spcPct val="100000"/>
+              </a:lnSpc>
+              <a:spcBef>
+                <a:spcPts val="0"/>
+              </a:spcBef>
+              <a:spcAft>
+                <a:spcPts val="0"/>
+              </a:spcAft>
+              <a:buClrTx/>
+              <a:buSzTx/>
+              <a:buFontTx/>
+              <a:buNone/>
+              <a:tabLst/>
+              <a:defRPr/>
+            </a:pPr>
+            <a:endParaRPr kumimoji="0" lang="en-US" sz="900" b="0" i="0" u="none" strike="noStrike" kern="1200" cap="none" spc="0" normalizeH="0" baseline="0" noProof="0" dirty="0">
+              <a:ln>
+                <a:noFill/>
+              </a:ln>
+              <a:solidFill>
+                <a:prstClr val="black"/>
+              </a:solidFill>
+              <a:effectLst/>
+              <a:uLnTx/>
+              <a:uFillTx/>
+              <a:latin typeface="Calibri" panose="020F0502020204030204"/>
+              <a:ea typeface="+mn-ea"/>
+              <a:cs typeface="+mn-cs"/>
+            </a:endParaRPr>
+          </a:p>
+        </p:txBody>
+      </p:sp>
+      <p:pic>
+        <p:nvPicPr>
+          <p:cNvPr id="6" name="Picture 5">
+            <a:extLst>
+              <a:ext uri="{FF2B5EF4-FFF2-40B4-BE49-F238E27FC236}">
+                <a16:creationId xmlns:a16="http://schemas.microsoft.com/office/drawing/2014/main" id="{7987C2E3-63F6-C54A-9092-9CEBB5BB53D8}"/>
+              </a:ext>
+            </a:extLst>
+          </p:cNvPr>
+          <p:cNvPicPr>
+            <a:picLocks noChangeAspect="1"/>
+          </p:cNvPicPr>
+          <p:nvPr/>
+        </p:nvPicPr>
+        <p:blipFill>
+          <a:blip r:embed="rId3">
+            <a:extLst>
+              <a:ext uri="{28A0092B-C50C-407E-A947-70E740481C1C}">
+                <a14:useLocalDpi xmlns:a14="http://schemas.microsoft.com/office/drawing/2010/main" val="0"/>
+              </a:ext>
+            </a:extLst>
+          </a:blip>
+          <a:stretch>
+            <a:fillRect/>
+          </a:stretch>
+        </p:blipFill>
+        <p:spPr>
+          <a:xfrm>
+            <a:off x="4242976" y="4266563"/>
+            <a:ext cx="3706048" cy="454572"/>
+          </a:xfrm>
+          <a:prstGeom prst="rect">
+            <a:avLst/>
+          </a:prstGeom>
+        </p:spPr>
+      </p:pic>
+      <p:pic>
+        <p:nvPicPr>
+          <p:cNvPr id="8" name="Picture 7">
+            <a:extLst>
+              <a:ext uri="{FF2B5EF4-FFF2-40B4-BE49-F238E27FC236}">
+                <a16:creationId xmlns:a16="http://schemas.microsoft.com/office/drawing/2014/main" id="{1FD0E27D-5C10-BC4A-9EAA-1A74FD881D5F}"/>
+              </a:ext>
+            </a:extLst>
+          </p:cNvPr>
+          <p:cNvPicPr>
+            <a:picLocks noChangeAspect="1"/>
+          </p:cNvPicPr>
+          <p:nvPr/>
+        </p:nvPicPr>
+        <p:blipFill>
+          <a:blip r:embed="rId4">
+            <a:extLst>
+              <a:ext uri="{28A0092B-C50C-407E-A947-70E740481C1C}">
+                <a14:useLocalDpi xmlns:a14="http://schemas.microsoft.com/office/drawing/2010/main" val="0"/>
+              </a:ext>
+            </a:extLst>
+          </a:blip>
+          <a:stretch>
+            <a:fillRect/>
+          </a:stretch>
+        </p:blipFill>
+        <p:spPr>
+          <a:xfrm>
+            <a:off x="2521440" y="2563030"/>
+            <a:ext cx="7155945" cy="1409267"/>
+          </a:xfrm>
+          <a:prstGeom prst="rect">
+            <a:avLst/>
+          </a:prstGeom>
+        </p:spPr>
+      </p:pic>
+    </p:spTree>
+    <p:extLst>
+      <p:ext uri="{BB962C8B-B14F-4D97-AF65-F5344CB8AC3E}">
+        <p14:creationId xmlns:p14="http://schemas.microsoft.com/office/powerpoint/2010/main" val="197452808"/>
+      </p:ext>
+    </p:extLst>
+  </p:cSld>
+  <p:clrMapOvr>
+    <a:masterClrMapping/>
+  </p:clrMapOvr>
+</p:sld>
+</file>
+
 <file path=ppt/slides/slide2.xml><?xml version="1.0" encoding="utf-8"?>
 <p:sld xmlns:a="http://schemas.openxmlformats.org/drawingml/2006/main" xmlns:r="http://schemas.openxmlformats.org/officeDocument/2006/relationships" xmlns:p="http://schemas.openxmlformats.org/presentationml/2006/main">
   <p:cSld>
@@ -4323,6 +4826,31 @@
               <a:rPr lang="en-US" dirty="0"/>
               <a:t>Core IAM concepts</a:t>
             </a:r>
+          </a:p>
+        </p:txBody>
+      </p:sp>
+      <p:sp>
+        <p:nvSpPr>
+          <p:cNvPr id="18" name="Content Placeholder 17">
+            <a:extLst>
+              <a:ext uri="{FF2B5EF4-FFF2-40B4-BE49-F238E27FC236}">
+                <a16:creationId xmlns:a16="http://schemas.microsoft.com/office/drawing/2014/main" id="{61258C6B-AEFE-CD4C-9C92-7D82AEBFC37E}"/>
+              </a:ext>
+            </a:extLst>
+          </p:cNvPr>
+          <p:cNvSpPr>
+            <a:spLocks noGrp="1"/>
+          </p:cNvSpPr>
+          <p:nvPr>
+            <p:ph idx="1"/>
+          </p:nvPr>
+        </p:nvSpPr>
+        <p:spPr/>
+        <p:txBody>
+          <a:bodyPr/>
+          <a:lstStyle/>
+          <a:p>
+            <a:endParaRPr lang="en-US"/>
           </a:p>
         </p:txBody>
       </p:sp>
@@ -7088,10 +7616,10 @@
         </p:nvGrpSpPr>
         <p:grpSpPr>
           <a:xfrm>
-            <a:off x="6620805" y="2399820"/>
-            <a:ext cx="4853883" cy="2609856"/>
+            <a:off x="6321178" y="2201358"/>
+            <a:ext cx="2366070" cy="1571341"/>
             <a:chOff x="6022664" y="1494631"/>
-            <a:chExt cx="4853883" cy="2609856"/>
+            <a:chExt cx="2366070" cy="1571341"/>
           </a:xfrm>
         </p:grpSpPr>
         <p:sp>
@@ -7108,8 +7636,8 @@
           </p:nvSpPr>
           <p:spPr>
             <a:xfrm>
-              <a:off x="6022664" y="1494631"/>
-              <a:ext cx="4853883" cy="2609856"/>
+              <a:off x="6022665" y="1494632"/>
+              <a:ext cx="2366069" cy="1571340"/>
             </a:xfrm>
             <a:prstGeom prst="rect">
               <a:avLst/>
@@ -7238,7 +7766,7 @@
         </p:nvGrpSpPr>
         <p:grpSpPr>
           <a:xfrm>
-            <a:off x="8103672" y="3428022"/>
+            <a:off x="3062169" y="2695871"/>
             <a:ext cx="1073150" cy="1023505"/>
             <a:chOff x="3367880" y="2959099"/>
             <a:chExt cx="1073150" cy="1023505"/>
@@ -7468,22 +7996,57 @@
       </p:grpSp>
       <p:sp>
         <p:nvSpPr>
-          <p:cNvPr id="10" name="TextBox 40">
+          <p:cNvPr id="24" name="TextBox 23">
             <a:extLst>
               <a:ext uri="{FF2B5EF4-FFF2-40B4-BE49-F238E27FC236}">
-                <a16:creationId xmlns:a16="http://schemas.microsoft.com/office/drawing/2014/main" id="{858EB9A9-3DEB-FA4B-B4BD-E7F32193ECD2}"/>
+                <a16:creationId xmlns:a16="http://schemas.microsoft.com/office/drawing/2014/main" id="{D98582CC-9109-5740-9052-9EA5A29501CD}"/>
               </a:ext>
             </a:extLst>
           </p:cNvPr>
-          <p:cNvSpPr txBox="1">
-            <a:spLocks noChangeArrowheads="1"/>
-          </p:cNvSpPr>
+          <p:cNvSpPr txBox="1"/>
           <p:nvPr/>
         </p:nvSpPr>
-        <p:spPr bwMode="auto">
+        <p:spPr>
           <a:xfrm>
-            <a:off x="1044974" y="2543827"/>
-            <a:ext cx="2396057" cy="307777"/>
+            <a:off x="4768147" y="2441412"/>
+            <a:ext cx="816249" cy="1107996"/>
+          </a:xfrm>
+          <a:prstGeom prst="rect">
+            <a:avLst/>
+          </a:prstGeom>
+          <a:noFill/>
+        </p:spPr>
+        <p:txBody>
+          <a:bodyPr wrap="none" rtlCol="0">
+            <a:spAutoFit/>
+          </a:bodyPr>
+          <a:lstStyle/>
+          <a:p>
+            <a:r>
+              <a:rPr lang="en-US" sz="6600" dirty="0">
+                <a:latin typeface="Gotham Medium" panose="02000604030000020004" pitchFamily="2" charset="0"/>
+              </a:rPr>
+              <a:t>≠</a:t>
+            </a:r>
+          </a:p>
+        </p:txBody>
+      </p:sp>
+      <p:sp>
+        <p:nvSpPr>
+          <p:cNvPr id="25" name="TextBox 24">
+            <a:extLst>
+              <a:ext uri="{FF2B5EF4-FFF2-40B4-BE49-F238E27FC236}">
+                <a16:creationId xmlns:a16="http://schemas.microsoft.com/office/drawing/2014/main" id="{D288CCA6-99BD-024D-88DC-3A0559CD73B6}"/>
+              </a:ext>
+            </a:extLst>
+          </p:cNvPr>
+          <p:cNvSpPr txBox="1"/>
+          <p:nvPr/>
+        </p:nvSpPr>
+        <p:spPr>
+          <a:xfrm>
+            <a:off x="2400791" y="4815162"/>
+            <a:ext cx="7039106" cy="369332"/>
           </a:xfrm>
           <a:prstGeom prst="rect">
             <a:avLst/>
@@ -7491,959 +8054,21 @@
           <a:solidFill>
             <a:srgbClr val="002060"/>
           </a:solidFill>
-          <a:ln>
-            <a:noFill/>
-          </a:ln>
         </p:spPr>
         <p:txBody>
-          <a:bodyPr wrap="square">
+          <a:bodyPr wrap="none" rtlCol="0">
             <a:spAutoFit/>
           </a:bodyPr>
-          <a:lstStyle>
-            <a:lvl1pPr>
-              <a:defRPr>
-                <a:solidFill>
-                  <a:schemeClr val="tx1"/>
-                </a:solidFill>
-                <a:latin typeface="Calibri" panose="020F0502020204030204" pitchFamily="34" charset="0"/>
-              </a:defRPr>
-            </a:lvl1pPr>
-            <a:lvl2pPr marL="742950" indent="-285750">
-              <a:defRPr>
-                <a:solidFill>
-                  <a:schemeClr val="tx1"/>
-                </a:solidFill>
-                <a:latin typeface="Calibri" panose="020F0502020204030204" pitchFamily="34" charset="0"/>
-              </a:defRPr>
-            </a:lvl2pPr>
-            <a:lvl3pPr marL="1143000" indent="-228600">
-              <a:defRPr>
-                <a:solidFill>
-                  <a:schemeClr val="tx1"/>
-                </a:solidFill>
-                <a:latin typeface="Calibri" panose="020F0502020204030204" pitchFamily="34" charset="0"/>
-              </a:defRPr>
-            </a:lvl3pPr>
-            <a:lvl4pPr marL="1600200" indent="-228600">
-              <a:defRPr>
-                <a:solidFill>
-                  <a:schemeClr val="tx1"/>
-                </a:solidFill>
-                <a:latin typeface="Calibri" panose="020F0502020204030204" pitchFamily="34" charset="0"/>
-              </a:defRPr>
-            </a:lvl4pPr>
-            <a:lvl5pPr marL="2057400" indent="-228600">
-              <a:defRPr>
-                <a:solidFill>
-                  <a:schemeClr val="tx1"/>
-                </a:solidFill>
-                <a:latin typeface="Calibri" panose="020F0502020204030204" pitchFamily="34" charset="0"/>
-              </a:defRPr>
-            </a:lvl5pPr>
-            <a:lvl6pPr marL="2514600" indent="-228600" eaLnBrk="0" fontAlgn="base" hangingPunct="0">
-              <a:spcBef>
-                <a:spcPct val="0"/>
-              </a:spcBef>
-              <a:spcAft>
-                <a:spcPct val="0"/>
-              </a:spcAft>
-              <a:defRPr>
-                <a:solidFill>
-                  <a:schemeClr val="tx1"/>
-                </a:solidFill>
-                <a:latin typeface="Calibri" panose="020F0502020204030204" pitchFamily="34" charset="0"/>
-              </a:defRPr>
-            </a:lvl6pPr>
-            <a:lvl7pPr marL="2971800" indent="-228600" eaLnBrk="0" fontAlgn="base" hangingPunct="0">
-              <a:spcBef>
-                <a:spcPct val="0"/>
-              </a:spcBef>
-              <a:spcAft>
-                <a:spcPct val="0"/>
-              </a:spcAft>
-              <a:defRPr>
-                <a:solidFill>
-                  <a:schemeClr val="tx1"/>
-                </a:solidFill>
-                <a:latin typeface="Calibri" panose="020F0502020204030204" pitchFamily="34" charset="0"/>
-              </a:defRPr>
-            </a:lvl7pPr>
-            <a:lvl8pPr marL="3429000" indent="-228600" eaLnBrk="0" fontAlgn="base" hangingPunct="0">
-              <a:spcBef>
-                <a:spcPct val="0"/>
-              </a:spcBef>
-              <a:spcAft>
-                <a:spcPct val="0"/>
-              </a:spcAft>
-              <a:defRPr>
-                <a:solidFill>
-                  <a:schemeClr val="tx1"/>
-                </a:solidFill>
-                <a:latin typeface="Calibri" panose="020F0502020204030204" pitchFamily="34" charset="0"/>
-              </a:defRPr>
-            </a:lvl8pPr>
-            <a:lvl9pPr marL="3886200" indent="-228600" eaLnBrk="0" fontAlgn="base" hangingPunct="0">
-              <a:spcBef>
-                <a:spcPct val="0"/>
-              </a:spcBef>
-              <a:spcAft>
-                <a:spcPct val="0"/>
-              </a:spcAft>
-              <a:defRPr>
-                <a:solidFill>
-                  <a:schemeClr val="tx1"/>
-                </a:solidFill>
-                <a:latin typeface="Calibri" panose="020F0502020204030204" pitchFamily="34" charset="0"/>
-              </a:defRPr>
-            </a:lvl9pPr>
-          </a:lstStyle>
-          <a:p>
-            <a:pPr algn="ctr" eaLnBrk="1" hangingPunct="1"/>
+          <a:lstStyle/>
+          <a:p>
             <a:r>
-              <a:rPr lang="en-US" altLang="en-US" sz="1400" b="1" dirty="0">
+              <a:rPr lang="en-US" b="1" dirty="0">
                 <a:solidFill>
                   <a:schemeClr val="accent6"/>
                 </a:solidFill>
                 <a:latin typeface="Montserrat" pitchFamily="2" charset="77"/>
-                <a:cs typeface="Arial" panose="020B0604020202020204" pitchFamily="34" charset="0"/>
               </a:rPr>
-              <a:t>Username + Password</a:t>
-            </a:r>
-          </a:p>
-        </p:txBody>
-      </p:sp>
-      <p:pic>
-        <p:nvPicPr>
-          <p:cNvPr id="15" name="Graphic 43">
-            <a:extLst>
-              <a:ext uri="{FF2B5EF4-FFF2-40B4-BE49-F238E27FC236}">
-                <a16:creationId xmlns:a16="http://schemas.microsoft.com/office/drawing/2014/main" id="{530AC5BD-04FF-2745-B719-BFFE1AC8486C}"/>
-              </a:ext>
-            </a:extLst>
-          </p:cNvPr>
-          <p:cNvPicPr>
-            <a:picLocks noChangeAspect="1" noChangeArrowheads="1"/>
-          </p:cNvPicPr>
-          <p:nvPr/>
-        </p:nvPicPr>
-        <p:blipFill>
-          <a:blip r:embed="rId5">
-            <a:extLst>
-              <a:ext uri="{28A0092B-C50C-407E-A947-70E740481C1C}">
-                <a14:useLocalDpi xmlns:a14="http://schemas.microsoft.com/office/drawing/2010/main" val="0"/>
-              </a:ext>
-            </a:extLst>
-          </a:blip>
-          <a:srcRect/>
-          <a:stretch>
-            <a:fillRect/>
-          </a:stretch>
-        </p:blipFill>
-        <p:spPr bwMode="auto">
-          <a:xfrm>
-            <a:off x="1157280" y="5237672"/>
-            <a:ext cx="462502" cy="462502"/>
-          </a:xfrm>
-          <a:prstGeom prst="rect">
-            <a:avLst/>
-          </a:prstGeom>
-          <a:noFill/>
-          <a:ln>
-            <a:noFill/>
-          </a:ln>
-          <a:extLst>
-            <a:ext uri="{909E8E84-426E-40DD-AFC4-6F175D3DCCD1}">
-              <a14:hiddenFill xmlns:a14="http://schemas.microsoft.com/office/drawing/2010/main">
-                <a:solidFill>
-                  <a:srgbClr val="FFFFFF"/>
-                </a:solidFill>
-              </a14:hiddenFill>
-            </a:ext>
-            <a:ext uri="{91240B29-F687-4F45-9708-019B960494DF}">
-              <a14:hiddenLine xmlns:a14="http://schemas.microsoft.com/office/drawing/2010/main" w="9525">
-                <a:solidFill>
-                  <a:srgbClr val="000000"/>
-                </a:solidFill>
-                <a:miter lim="800000"/>
-                <a:headEnd/>
-                <a:tailEnd/>
-              </a14:hiddenLine>
-            </a:ext>
-          </a:extLst>
-        </p:spPr>
-      </p:pic>
-      <p:pic>
-        <p:nvPicPr>
-          <p:cNvPr id="1026" name="Picture 2" descr="API 101">
-            <a:extLst>
-              <a:ext uri="{FF2B5EF4-FFF2-40B4-BE49-F238E27FC236}">
-                <a16:creationId xmlns:a16="http://schemas.microsoft.com/office/drawing/2014/main" id="{62CBD1F0-2491-1A4C-A10B-26C30024D64C}"/>
-              </a:ext>
-            </a:extLst>
-          </p:cNvPr>
-          <p:cNvPicPr>
-            <a:picLocks noChangeAspect="1" noChangeArrowheads="1"/>
-          </p:cNvPicPr>
-          <p:nvPr/>
-        </p:nvPicPr>
-        <p:blipFill>
-          <a:blip r:embed="rId6">
-            <a:extLst>
-              <a:ext uri="{28A0092B-C50C-407E-A947-70E740481C1C}">
-                <a14:useLocalDpi xmlns:a14="http://schemas.microsoft.com/office/drawing/2010/main" val="0"/>
-              </a:ext>
-            </a:extLst>
-          </a:blip>
-          <a:srcRect/>
-          <a:stretch>
-            <a:fillRect/>
-          </a:stretch>
-        </p:blipFill>
-        <p:spPr bwMode="auto">
-          <a:xfrm>
-            <a:off x="359910" y="3001080"/>
-            <a:ext cx="1370129" cy="1046545"/>
-          </a:xfrm>
-          <a:prstGeom prst="rect">
-            <a:avLst/>
-          </a:prstGeom>
-          <a:noFill/>
-          <a:extLst>
-            <a:ext uri="{909E8E84-426E-40DD-AFC4-6F175D3DCCD1}">
-              <a14:hiddenFill xmlns:a14="http://schemas.microsoft.com/office/drawing/2010/main">
-                <a:solidFill>
-                  <a:srgbClr val="FFFFFF"/>
-                </a:solidFill>
-              </a14:hiddenFill>
-            </a:ext>
-          </a:extLst>
-        </p:spPr>
-      </p:pic>
-      <p:sp>
-        <p:nvSpPr>
-          <p:cNvPr id="17" name="TextBox 40">
-            <a:extLst>
-              <a:ext uri="{FF2B5EF4-FFF2-40B4-BE49-F238E27FC236}">
-                <a16:creationId xmlns:a16="http://schemas.microsoft.com/office/drawing/2014/main" id="{BB23A88E-E291-F443-8CBD-D3E5D5330D71}"/>
-              </a:ext>
-            </a:extLst>
-          </p:cNvPr>
-          <p:cNvSpPr txBox="1">
-            <a:spLocks noChangeArrowheads="1"/>
-          </p:cNvSpPr>
-          <p:nvPr/>
-        </p:nvSpPr>
-        <p:spPr bwMode="auto">
-          <a:xfrm>
-            <a:off x="304680" y="4047625"/>
-            <a:ext cx="1480588" cy="276999"/>
-          </a:xfrm>
-          <a:prstGeom prst="rect">
-            <a:avLst/>
-          </a:prstGeom>
-          <a:noFill/>
-          <a:ln>
-            <a:noFill/>
-          </a:ln>
-          <a:extLst>
-            <a:ext uri="{909E8E84-426E-40DD-AFC4-6F175D3DCCD1}">
-              <a14:hiddenFill xmlns:a14="http://schemas.microsoft.com/office/drawing/2010/main">
-                <a:solidFill>
-                  <a:srgbClr val="FFFFFF"/>
-                </a:solidFill>
-              </a14:hiddenFill>
-            </a:ext>
-            <a:ext uri="{91240B29-F687-4F45-9708-019B960494DF}">
-              <a14:hiddenLine xmlns:a14="http://schemas.microsoft.com/office/drawing/2010/main" w="9525">
-                <a:solidFill>
-                  <a:srgbClr val="000000"/>
-                </a:solidFill>
-                <a:miter lim="800000"/>
-                <a:headEnd/>
-                <a:tailEnd/>
-              </a14:hiddenLine>
-            </a:ext>
-          </a:extLst>
-        </p:spPr>
-        <p:txBody>
-          <a:bodyPr wrap="square">
-            <a:spAutoFit/>
-          </a:bodyPr>
-          <a:lstStyle>
-            <a:lvl1pPr>
-              <a:defRPr>
-                <a:solidFill>
-                  <a:schemeClr val="tx1"/>
-                </a:solidFill>
-                <a:latin typeface="Calibri" panose="020F0502020204030204" pitchFamily="34" charset="0"/>
-              </a:defRPr>
-            </a:lvl1pPr>
-            <a:lvl2pPr marL="742950" indent="-285750">
-              <a:defRPr>
-                <a:solidFill>
-                  <a:schemeClr val="tx1"/>
-                </a:solidFill>
-                <a:latin typeface="Calibri" panose="020F0502020204030204" pitchFamily="34" charset="0"/>
-              </a:defRPr>
-            </a:lvl2pPr>
-            <a:lvl3pPr marL="1143000" indent="-228600">
-              <a:defRPr>
-                <a:solidFill>
-                  <a:schemeClr val="tx1"/>
-                </a:solidFill>
-                <a:latin typeface="Calibri" panose="020F0502020204030204" pitchFamily="34" charset="0"/>
-              </a:defRPr>
-            </a:lvl3pPr>
-            <a:lvl4pPr marL="1600200" indent="-228600">
-              <a:defRPr>
-                <a:solidFill>
-                  <a:schemeClr val="tx1"/>
-                </a:solidFill>
-                <a:latin typeface="Calibri" panose="020F0502020204030204" pitchFamily="34" charset="0"/>
-              </a:defRPr>
-            </a:lvl4pPr>
-            <a:lvl5pPr marL="2057400" indent="-228600">
-              <a:defRPr>
-                <a:solidFill>
-                  <a:schemeClr val="tx1"/>
-                </a:solidFill>
-                <a:latin typeface="Calibri" panose="020F0502020204030204" pitchFamily="34" charset="0"/>
-              </a:defRPr>
-            </a:lvl5pPr>
-            <a:lvl6pPr marL="2514600" indent="-228600" eaLnBrk="0" fontAlgn="base" hangingPunct="0">
-              <a:spcBef>
-                <a:spcPct val="0"/>
-              </a:spcBef>
-              <a:spcAft>
-                <a:spcPct val="0"/>
-              </a:spcAft>
-              <a:defRPr>
-                <a:solidFill>
-                  <a:schemeClr val="tx1"/>
-                </a:solidFill>
-                <a:latin typeface="Calibri" panose="020F0502020204030204" pitchFamily="34" charset="0"/>
-              </a:defRPr>
-            </a:lvl6pPr>
-            <a:lvl7pPr marL="2971800" indent="-228600" eaLnBrk="0" fontAlgn="base" hangingPunct="0">
-              <a:spcBef>
-                <a:spcPct val="0"/>
-              </a:spcBef>
-              <a:spcAft>
-                <a:spcPct val="0"/>
-              </a:spcAft>
-              <a:defRPr>
-                <a:solidFill>
-                  <a:schemeClr val="tx1"/>
-                </a:solidFill>
-                <a:latin typeface="Calibri" panose="020F0502020204030204" pitchFamily="34" charset="0"/>
-              </a:defRPr>
-            </a:lvl7pPr>
-            <a:lvl8pPr marL="3429000" indent="-228600" eaLnBrk="0" fontAlgn="base" hangingPunct="0">
-              <a:spcBef>
-                <a:spcPct val="0"/>
-              </a:spcBef>
-              <a:spcAft>
-                <a:spcPct val="0"/>
-              </a:spcAft>
-              <a:defRPr>
-                <a:solidFill>
-                  <a:schemeClr val="tx1"/>
-                </a:solidFill>
-                <a:latin typeface="Calibri" panose="020F0502020204030204" pitchFamily="34" charset="0"/>
-              </a:defRPr>
-            </a:lvl8pPr>
-            <a:lvl9pPr marL="3886200" indent="-228600" eaLnBrk="0" fontAlgn="base" hangingPunct="0">
-              <a:spcBef>
-                <a:spcPct val="0"/>
-              </a:spcBef>
-              <a:spcAft>
-                <a:spcPct val="0"/>
-              </a:spcAft>
-              <a:defRPr>
-                <a:solidFill>
-                  <a:schemeClr val="tx1"/>
-                </a:solidFill>
-                <a:latin typeface="Calibri" panose="020F0502020204030204" pitchFamily="34" charset="0"/>
-              </a:defRPr>
-            </a:lvl9pPr>
-          </a:lstStyle>
-          <a:p>
-            <a:pPr algn="ctr" eaLnBrk="1" hangingPunct="1"/>
-            <a:r>
-              <a:rPr lang="en-US" altLang="en-US" sz="1200" b="1" dirty="0">
-                <a:solidFill>
-                  <a:srgbClr val="000000"/>
-                </a:solidFill>
-                <a:latin typeface="Arial" panose="020B0604020202020204" pitchFamily="34" charset="0"/>
-                <a:cs typeface="Arial" panose="020B0604020202020204" pitchFamily="34" charset="0"/>
-              </a:rPr>
-              <a:t>Cloud Engineer</a:t>
-            </a:r>
-          </a:p>
-        </p:txBody>
-      </p:sp>
-      <p:sp>
-        <p:nvSpPr>
-          <p:cNvPr id="19" name="Arc 18">
-            <a:extLst>
-              <a:ext uri="{FF2B5EF4-FFF2-40B4-BE49-F238E27FC236}">
-                <a16:creationId xmlns:a16="http://schemas.microsoft.com/office/drawing/2014/main" id="{181E3E15-6D8F-1444-9B6E-AFEF4A9F03F9}"/>
-              </a:ext>
-            </a:extLst>
-          </p:cNvPr>
-          <p:cNvSpPr/>
-          <p:nvPr/>
-        </p:nvSpPr>
-        <p:spPr>
-          <a:xfrm>
-            <a:off x="1500350" y="3127181"/>
-            <a:ext cx="6181945" cy="874112"/>
-          </a:xfrm>
-          <a:prstGeom prst="arc">
-            <a:avLst>
-              <a:gd name="adj1" fmla="val 10996316"/>
-              <a:gd name="adj2" fmla="val 21208763"/>
-            </a:avLst>
-          </a:prstGeom>
-          <a:ln w="28575">
-            <a:solidFill>
-              <a:srgbClr val="002060"/>
-            </a:solidFill>
-            <a:headEnd type="none" w="med" len="med"/>
-            <a:tailEnd type="arrow" w="med" len="med"/>
-          </a:ln>
-        </p:spPr>
-        <p:style>
-          <a:lnRef idx="1">
-            <a:schemeClr val="accent1"/>
-          </a:lnRef>
-          <a:fillRef idx="0">
-            <a:schemeClr val="accent1"/>
-          </a:fillRef>
-          <a:effectRef idx="0">
-            <a:schemeClr val="accent1"/>
-          </a:effectRef>
-          <a:fontRef idx="minor">
-            <a:schemeClr val="tx1"/>
-          </a:fontRef>
-        </p:style>
-        <p:txBody>
-          <a:bodyPr rtlCol="0" anchor="ctr"/>
-          <a:lstStyle/>
-          <a:p>
-            <a:pPr algn="ctr"/>
-            <a:endParaRPr lang="en-US"/>
-          </a:p>
-        </p:txBody>
-      </p:sp>
-      <p:pic>
-        <p:nvPicPr>
-          <p:cNvPr id="12" name="Picture 11">
-            <a:extLst>
-              <a:ext uri="{FF2B5EF4-FFF2-40B4-BE49-F238E27FC236}">
-                <a16:creationId xmlns:a16="http://schemas.microsoft.com/office/drawing/2014/main" id="{1EC069B6-6B40-3845-B518-00F59BA0CD6A}"/>
-              </a:ext>
-            </a:extLst>
-          </p:cNvPr>
-          <p:cNvPicPr>
-            <a:picLocks noChangeAspect="1"/>
-          </p:cNvPicPr>
-          <p:nvPr/>
-        </p:nvPicPr>
-        <p:blipFill>
-          <a:blip r:embed="rId7"/>
-          <a:stretch>
-            <a:fillRect/>
-          </a:stretch>
-        </p:blipFill>
-        <p:spPr>
-          <a:xfrm>
-            <a:off x="3542307" y="1020906"/>
-            <a:ext cx="2124471" cy="2780095"/>
-          </a:xfrm>
-          <a:prstGeom prst="rect">
-            <a:avLst/>
-          </a:prstGeom>
-          <a:ln>
-            <a:solidFill>
-              <a:srgbClr val="002060"/>
-            </a:solidFill>
-          </a:ln>
-        </p:spPr>
-      </p:pic>
-      <p:sp>
-        <p:nvSpPr>
-          <p:cNvPr id="21" name="Arc 20">
-            <a:extLst>
-              <a:ext uri="{FF2B5EF4-FFF2-40B4-BE49-F238E27FC236}">
-                <a16:creationId xmlns:a16="http://schemas.microsoft.com/office/drawing/2014/main" id="{F41BC94C-EF96-B044-AA13-3C72456B6797}"/>
-              </a:ext>
-            </a:extLst>
-          </p:cNvPr>
-          <p:cNvSpPr/>
-          <p:nvPr/>
-        </p:nvSpPr>
-        <p:spPr>
-          <a:xfrm flipV="1">
-            <a:off x="1290055" y="3788366"/>
-            <a:ext cx="6181945" cy="1124522"/>
-          </a:xfrm>
-          <a:prstGeom prst="arc">
-            <a:avLst>
-              <a:gd name="adj1" fmla="val 10863945"/>
-              <a:gd name="adj2" fmla="val 21208763"/>
-            </a:avLst>
-          </a:prstGeom>
-          <a:ln w="28575">
-            <a:solidFill>
-              <a:srgbClr val="002060"/>
-            </a:solidFill>
-            <a:headEnd type="none" w="med" len="med"/>
-            <a:tailEnd type="arrow" w="med" len="med"/>
-          </a:ln>
-        </p:spPr>
-        <p:style>
-          <a:lnRef idx="1">
-            <a:schemeClr val="accent1"/>
-          </a:lnRef>
-          <a:fillRef idx="0">
-            <a:schemeClr val="accent1"/>
-          </a:fillRef>
-          <a:effectRef idx="0">
-            <a:schemeClr val="accent1"/>
-          </a:effectRef>
-          <a:fontRef idx="minor">
-            <a:schemeClr val="tx1"/>
-          </a:fontRef>
-        </p:style>
-        <p:txBody>
-          <a:bodyPr rtlCol="0" anchor="ctr"/>
-          <a:lstStyle/>
-          <a:p>
-            <a:pPr algn="ctr"/>
-            <a:endParaRPr lang="en-US"/>
-          </a:p>
-        </p:txBody>
-      </p:sp>
-      <p:pic>
-        <p:nvPicPr>
-          <p:cNvPr id="20" name="Picture 19">
-            <a:extLst>
-              <a:ext uri="{FF2B5EF4-FFF2-40B4-BE49-F238E27FC236}">
-                <a16:creationId xmlns:a16="http://schemas.microsoft.com/office/drawing/2014/main" id="{A24C0863-3C1C-3C4D-9728-ADB38B7952F8}"/>
-              </a:ext>
-            </a:extLst>
-          </p:cNvPr>
-          <p:cNvPicPr>
-            <a:picLocks noChangeAspect="1"/>
-          </p:cNvPicPr>
-          <p:nvPr/>
-        </p:nvPicPr>
-        <p:blipFill>
-          <a:blip r:embed="rId8"/>
-          <a:stretch>
-            <a:fillRect/>
-          </a:stretch>
-        </p:blipFill>
-        <p:spPr>
-          <a:xfrm>
-            <a:off x="2907282" y="5047837"/>
-            <a:ext cx="2728210" cy="981106"/>
-          </a:xfrm>
-          <a:prstGeom prst="rect">
-            <a:avLst/>
-          </a:prstGeom>
-        </p:spPr>
-      </p:pic>
-      <p:grpSp>
-        <p:nvGrpSpPr>
-          <p:cNvPr id="11" name="Group 10">
-            <a:extLst>
-              <a:ext uri="{FF2B5EF4-FFF2-40B4-BE49-F238E27FC236}">
-                <a16:creationId xmlns:a16="http://schemas.microsoft.com/office/drawing/2014/main" id="{1B6CCF30-5402-8343-A2C5-F30B16B03850}"/>
-              </a:ext>
-            </a:extLst>
-          </p:cNvPr>
-          <p:cNvGrpSpPr/>
-          <p:nvPr/>
-        </p:nvGrpSpPr>
-        <p:grpSpPr>
-          <a:xfrm>
-            <a:off x="3734812" y="4398454"/>
-            <a:ext cx="1073150" cy="885992"/>
-            <a:chOff x="3247214" y="4400683"/>
-            <a:chExt cx="1073150" cy="885992"/>
-          </a:xfrm>
-          <a:solidFill>
-            <a:schemeClr val="bg1"/>
-          </a:solidFill>
-        </p:grpSpPr>
-        <p:pic>
-          <p:nvPicPr>
-            <p:cNvPr id="13" name="Graphic 18">
-              <a:extLst>
-                <a:ext uri="{FF2B5EF4-FFF2-40B4-BE49-F238E27FC236}">
-                  <a16:creationId xmlns:a16="http://schemas.microsoft.com/office/drawing/2014/main" id="{C90569C4-84A1-F040-A7A4-9F669E2F956A}"/>
-                </a:ext>
-              </a:extLst>
-            </p:cNvPr>
-            <p:cNvPicPr>
-              <a:picLocks noChangeAspect="1" noChangeArrowheads="1"/>
-            </p:cNvPicPr>
-            <p:nvPr/>
-          </p:nvPicPr>
-          <p:blipFill>
-            <a:blip r:embed="rId9">
-              <a:extLst>
-                <a:ext uri="{28A0092B-C50C-407E-A947-70E740481C1C}">
-                  <a14:useLocalDpi xmlns:a14="http://schemas.microsoft.com/office/drawing/2010/main" val="0"/>
-                </a:ext>
-              </a:extLst>
-            </a:blip>
-            <a:srcRect/>
-            <a:stretch>
-              <a:fillRect/>
-            </a:stretch>
-          </p:blipFill>
-          <p:spPr bwMode="auto">
-            <a:xfrm>
-              <a:off x="3496273" y="4400683"/>
-              <a:ext cx="575032" cy="575032"/>
-            </a:xfrm>
-            <a:prstGeom prst="rect">
-              <a:avLst/>
-            </a:prstGeom>
-            <a:grpFill/>
-            <a:ln>
-              <a:noFill/>
-            </a:ln>
-            <a:extLst>
-              <a:ext uri="{909E8E84-426E-40DD-AFC4-6F175D3DCCD1}">
-                <a14:hiddenFill xmlns:a14="http://schemas.microsoft.com/office/drawing/2010/main">
-                  <a:solidFill>
-                    <a:srgbClr val="FFFFFF"/>
-                  </a:solidFill>
-                </a14:hiddenFill>
-              </a:ext>
-              <a:ext uri="{91240B29-F687-4F45-9708-019B960494DF}">
-                <a14:hiddenLine xmlns:a14="http://schemas.microsoft.com/office/drawing/2010/main" w="9525">
-                  <a:solidFill>
-                    <a:srgbClr val="000000"/>
-                  </a:solidFill>
-                  <a:miter lim="800000"/>
-                  <a:headEnd/>
-                  <a:tailEnd/>
-                </a14:hiddenLine>
-              </a:ext>
-            </a:extLst>
-          </p:spPr>
-        </p:pic>
-        <p:sp>
-          <p:nvSpPr>
-            <p:cNvPr id="14" name="TextBox 40">
-              <a:extLst>
-                <a:ext uri="{FF2B5EF4-FFF2-40B4-BE49-F238E27FC236}">
-                  <a16:creationId xmlns:a16="http://schemas.microsoft.com/office/drawing/2014/main" id="{CB616646-790B-3F48-B285-EBD24B785226}"/>
-                </a:ext>
-              </a:extLst>
-            </p:cNvPr>
-            <p:cNvSpPr txBox="1">
-              <a:spLocks noChangeArrowheads="1"/>
-            </p:cNvSpPr>
-            <p:nvPr/>
-          </p:nvSpPr>
-          <p:spPr bwMode="auto">
-            <a:xfrm>
-              <a:off x="3247214" y="5009676"/>
-              <a:ext cx="1073150" cy="276999"/>
-            </a:xfrm>
-            <a:prstGeom prst="rect">
-              <a:avLst/>
-            </a:prstGeom>
-            <a:grpFill/>
-            <a:ln>
-              <a:noFill/>
-            </a:ln>
-            <a:extLst>
-              <a:ext uri="{909E8E84-426E-40DD-AFC4-6F175D3DCCD1}">
-                <a14:hiddenFill xmlns:a14="http://schemas.microsoft.com/office/drawing/2010/main">
-                  <a:solidFill>
-                    <a:srgbClr val="FFFFFF"/>
-                  </a:solidFill>
-                </a14:hiddenFill>
-              </a:ext>
-              <a:ext uri="{91240B29-F687-4F45-9708-019B960494DF}">
-                <a14:hiddenLine xmlns:a14="http://schemas.microsoft.com/office/drawing/2010/main" w="9525">
-                  <a:solidFill>
-                    <a:srgbClr val="000000"/>
-                  </a:solidFill>
-                  <a:miter lim="800000"/>
-                  <a:headEnd/>
-                  <a:tailEnd/>
-                </a14:hiddenLine>
-              </a:ext>
-            </a:extLst>
-          </p:spPr>
-          <p:txBody>
-            <a:bodyPr>
-              <a:spAutoFit/>
-            </a:bodyPr>
-            <a:lstStyle>
-              <a:lvl1pPr>
-                <a:defRPr>
-                  <a:solidFill>
-                    <a:schemeClr val="tx1"/>
-                  </a:solidFill>
-                  <a:latin typeface="Calibri" panose="020F0502020204030204" pitchFamily="34" charset="0"/>
-                </a:defRPr>
-              </a:lvl1pPr>
-              <a:lvl2pPr marL="742950" indent="-285750">
-                <a:defRPr>
-                  <a:solidFill>
-                    <a:schemeClr val="tx1"/>
-                  </a:solidFill>
-                  <a:latin typeface="Calibri" panose="020F0502020204030204" pitchFamily="34" charset="0"/>
-                </a:defRPr>
-              </a:lvl2pPr>
-              <a:lvl3pPr marL="1143000" indent="-228600">
-                <a:defRPr>
-                  <a:solidFill>
-                    <a:schemeClr val="tx1"/>
-                  </a:solidFill>
-                  <a:latin typeface="Calibri" panose="020F0502020204030204" pitchFamily="34" charset="0"/>
-                </a:defRPr>
-              </a:lvl3pPr>
-              <a:lvl4pPr marL="1600200" indent="-228600">
-                <a:defRPr>
-                  <a:solidFill>
-                    <a:schemeClr val="tx1"/>
-                  </a:solidFill>
-                  <a:latin typeface="Calibri" panose="020F0502020204030204" pitchFamily="34" charset="0"/>
-                </a:defRPr>
-              </a:lvl4pPr>
-              <a:lvl5pPr marL="2057400" indent="-228600">
-                <a:defRPr>
-                  <a:solidFill>
-                    <a:schemeClr val="tx1"/>
-                  </a:solidFill>
-                  <a:latin typeface="Calibri" panose="020F0502020204030204" pitchFamily="34" charset="0"/>
-                </a:defRPr>
-              </a:lvl5pPr>
-              <a:lvl6pPr marL="2514600" indent="-228600" eaLnBrk="0" fontAlgn="base" hangingPunct="0">
-                <a:spcBef>
-                  <a:spcPct val="0"/>
-                </a:spcBef>
-                <a:spcAft>
-                  <a:spcPct val="0"/>
-                </a:spcAft>
-                <a:defRPr>
-                  <a:solidFill>
-                    <a:schemeClr val="tx1"/>
-                  </a:solidFill>
-                  <a:latin typeface="Calibri" panose="020F0502020204030204" pitchFamily="34" charset="0"/>
-                </a:defRPr>
-              </a:lvl6pPr>
-              <a:lvl7pPr marL="2971800" indent="-228600" eaLnBrk="0" fontAlgn="base" hangingPunct="0">
-                <a:spcBef>
-                  <a:spcPct val="0"/>
-                </a:spcBef>
-                <a:spcAft>
-                  <a:spcPct val="0"/>
-                </a:spcAft>
-                <a:defRPr>
-                  <a:solidFill>
-                    <a:schemeClr val="tx1"/>
-                  </a:solidFill>
-                  <a:latin typeface="Calibri" panose="020F0502020204030204" pitchFamily="34" charset="0"/>
-                </a:defRPr>
-              </a:lvl7pPr>
-              <a:lvl8pPr marL="3429000" indent="-228600" eaLnBrk="0" fontAlgn="base" hangingPunct="0">
-                <a:spcBef>
-                  <a:spcPct val="0"/>
-                </a:spcBef>
-                <a:spcAft>
-                  <a:spcPct val="0"/>
-                </a:spcAft>
-                <a:defRPr>
-                  <a:solidFill>
-                    <a:schemeClr val="tx1"/>
-                  </a:solidFill>
-                  <a:latin typeface="Calibri" panose="020F0502020204030204" pitchFamily="34" charset="0"/>
-                </a:defRPr>
-              </a:lvl8pPr>
-              <a:lvl9pPr marL="3886200" indent="-228600" eaLnBrk="0" fontAlgn="base" hangingPunct="0">
-                <a:spcBef>
-                  <a:spcPct val="0"/>
-                </a:spcBef>
-                <a:spcAft>
-                  <a:spcPct val="0"/>
-                </a:spcAft>
-                <a:defRPr>
-                  <a:solidFill>
-                    <a:schemeClr val="tx1"/>
-                  </a:solidFill>
-                  <a:latin typeface="Calibri" panose="020F0502020204030204" pitchFamily="34" charset="0"/>
-                </a:defRPr>
-              </a:lvl9pPr>
-            </a:lstStyle>
-            <a:p>
-              <a:pPr algn="ctr" eaLnBrk="1" hangingPunct="1"/>
-              <a:r>
-                <a:rPr lang="en-US" altLang="en-US" sz="1200" b="1" dirty="0">
-                  <a:solidFill>
-                    <a:srgbClr val="000000"/>
-                  </a:solidFill>
-                  <a:latin typeface="Arial" panose="020B0604020202020204" pitchFamily="34" charset="0"/>
-                  <a:cs typeface="Arial" panose="020B0604020202020204" pitchFamily="34" charset="0"/>
-                </a:rPr>
-                <a:t>AWS CLI</a:t>
-              </a:r>
-            </a:p>
-          </p:txBody>
-        </p:sp>
-      </p:grpSp>
-      <p:sp>
-        <p:nvSpPr>
-          <p:cNvPr id="23" name="TextBox 40">
-            <a:extLst>
-              <a:ext uri="{FF2B5EF4-FFF2-40B4-BE49-F238E27FC236}">
-                <a16:creationId xmlns:a16="http://schemas.microsoft.com/office/drawing/2014/main" id="{8F118E2D-1B21-754D-AB8C-7914C906C0F3}"/>
-              </a:ext>
-            </a:extLst>
-          </p:cNvPr>
-          <p:cNvSpPr txBox="1">
-            <a:spLocks noChangeArrowheads="1"/>
-          </p:cNvSpPr>
-          <p:nvPr/>
-        </p:nvSpPr>
-        <p:spPr bwMode="auto">
-          <a:xfrm>
-            <a:off x="288009" y="4893949"/>
-            <a:ext cx="2396057" cy="307777"/>
-          </a:xfrm>
-          <a:prstGeom prst="rect">
-            <a:avLst/>
-          </a:prstGeom>
-          <a:solidFill>
-            <a:srgbClr val="002060"/>
-          </a:solidFill>
-          <a:ln>
-            <a:noFill/>
-          </a:ln>
-        </p:spPr>
-        <p:txBody>
-          <a:bodyPr wrap="square">
-            <a:spAutoFit/>
-          </a:bodyPr>
-          <a:lstStyle>
-            <a:lvl1pPr>
-              <a:defRPr>
-                <a:solidFill>
-                  <a:schemeClr val="tx1"/>
-                </a:solidFill>
-                <a:latin typeface="Calibri" panose="020F0502020204030204" pitchFamily="34" charset="0"/>
-              </a:defRPr>
-            </a:lvl1pPr>
-            <a:lvl2pPr marL="742950" indent="-285750">
-              <a:defRPr>
-                <a:solidFill>
-                  <a:schemeClr val="tx1"/>
-                </a:solidFill>
-                <a:latin typeface="Calibri" panose="020F0502020204030204" pitchFamily="34" charset="0"/>
-              </a:defRPr>
-            </a:lvl2pPr>
-            <a:lvl3pPr marL="1143000" indent="-228600">
-              <a:defRPr>
-                <a:solidFill>
-                  <a:schemeClr val="tx1"/>
-                </a:solidFill>
-                <a:latin typeface="Calibri" panose="020F0502020204030204" pitchFamily="34" charset="0"/>
-              </a:defRPr>
-            </a:lvl3pPr>
-            <a:lvl4pPr marL="1600200" indent="-228600">
-              <a:defRPr>
-                <a:solidFill>
-                  <a:schemeClr val="tx1"/>
-                </a:solidFill>
-                <a:latin typeface="Calibri" panose="020F0502020204030204" pitchFamily="34" charset="0"/>
-              </a:defRPr>
-            </a:lvl4pPr>
-            <a:lvl5pPr marL="2057400" indent="-228600">
-              <a:defRPr>
-                <a:solidFill>
-                  <a:schemeClr val="tx1"/>
-                </a:solidFill>
-                <a:latin typeface="Calibri" panose="020F0502020204030204" pitchFamily="34" charset="0"/>
-              </a:defRPr>
-            </a:lvl5pPr>
-            <a:lvl6pPr marL="2514600" indent="-228600" eaLnBrk="0" fontAlgn="base" hangingPunct="0">
-              <a:spcBef>
-                <a:spcPct val="0"/>
-              </a:spcBef>
-              <a:spcAft>
-                <a:spcPct val="0"/>
-              </a:spcAft>
-              <a:defRPr>
-                <a:solidFill>
-                  <a:schemeClr val="tx1"/>
-                </a:solidFill>
-                <a:latin typeface="Calibri" panose="020F0502020204030204" pitchFamily="34" charset="0"/>
-              </a:defRPr>
-            </a:lvl6pPr>
-            <a:lvl7pPr marL="2971800" indent="-228600" eaLnBrk="0" fontAlgn="base" hangingPunct="0">
-              <a:spcBef>
-                <a:spcPct val="0"/>
-              </a:spcBef>
-              <a:spcAft>
-                <a:spcPct val="0"/>
-              </a:spcAft>
-              <a:defRPr>
-                <a:solidFill>
-                  <a:schemeClr val="tx1"/>
-                </a:solidFill>
-                <a:latin typeface="Calibri" panose="020F0502020204030204" pitchFamily="34" charset="0"/>
-              </a:defRPr>
-            </a:lvl7pPr>
-            <a:lvl8pPr marL="3429000" indent="-228600" eaLnBrk="0" fontAlgn="base" hangingPunct="0">
-              <a:spcBef>
-                <a:spcPct val="0"/>
-              </a:spcBef>
-              <a:spcAft>
-                <a:spcPct val="0"/>
-              </a:spcAft>
-              <a:defRPr>
-                <a:solidFill>
-                  <a:schemeClr val="tx1"/>
-                </a:solidFill>
-                <a:latin typeface="Calibri" panose="020F0502020204030204" pitchFamily="34" charset="0"/>
-              </a:defRPr>
-            </a:lvl8pPr>
-            <a:lvl9pPr marL="3886200" indent="-228600" eaLnBrk="0" fontAlgn="base" hangingPunct="0">
-              <a:spcBef>
-                <a:spcPct val="0"/>
-              </a:spcBef>
-              <a:spcAft>
-                <a:spcPct val="0"/>
-              </a:spcAft>
-              <a:defRPr>
-                <a:solidFill>
-                  <a:schemeClr val="tx1"/>
-                </a:solidFill>
-                <a:latin typeface="Calibri" panose="020F0502020204030204" pitchFamily="34" charset="0"/>
-              </a:defRPr>
-            </a:lvl9pPr>
-          </a:lstStyle>
-          <a:p>
-            <a:pPr algn="ctr" eaLnBrk="1" hangingPunct="1"/>
-            <a:r>
-              <a:rPr lang="en-US" altLang="en-US" sz="1400" b="1" dirty="0">
-                <a:solidFill>
-                  <a:schemeClr val="accent6"/>
-                </a:solidFill>
-                <a:latin typeface="Montserrat" pitchFamily="2" charset="77"/>
-                <a:cs typeface="Arial" panose="020B0604020202020204" pitchFamily="34" charset="0"/>
-              </a:rPr>
-              <a:t>Long-term access keys</a:t>
+              <a:t>Many persons typically log in to the same AWS accounts</a:t>
             </a:r>
           </a:p>
         </p:txBody>
@@ -8496,27 +8121,38 @@
         </p:nvSpPr>
         <p:spPr/>
         <p:txBody>
-          <a:bodyPr>
-            <a:normAutofit fontScale="90000"/>
-          </a:bodyPr>
+          <a:bodyPr/>
           <a:lstStyle/>
           <a:p>
             <a:r>
               <a:rPr lang="en-US" dirty="0"/>
-              <a:t>IAM User – Best practice is </a:t>
+              <a:t>IAM User</a:t>
             </a:r>
-            <a:r>
-              <a:rPr lang="en-US" dirty="0">
-                <a:solidFill>
-                  <a:srgbClr val="C00000"/>
-                </a:solidFill>
-              </a:rPr>
-              <a:t>No</a:t>
-            </a:r>
-            <a:r>
-              <a:rPr lang="en-US" dirty="0"/>
-              <a:t> IAM User</a:t>
-            </a:r>
+          </a:p>
+        </p:txBody>
+      </p:sp>
+      <p:sp>
+        <p:nvSpPr>
+          <p:cNvPr id="22" name="Content Placeholder 21">
+            <a:extLst>
+              <a:ext uri="{FF2B5EF4-FFF2-40B4-BE49-F238E27FC236}">
+                <a16:creationId xmlns:a16="http://schemas.microsoft.com/office/drawing/2014/main" id="{A83FA764-BE54-7B4B-B085-68C58D63C5FF}"/>
+              </a:ext>
+            </a:extLst>
+          </p:cNvPr>
+          <p:cNvSpPr>
+            <a:spLocks noGrp="1"/>
+          </p:cNvSpPr>
+          <p:nvPr>
+            <p:ph idx="1"/>
+          </p:nvPr>
+        </p:nvSpPr>
+        <p:spPr/>
+        <p:txBody>
+          <a:bodyPr/>
+          <a:lstStyle/>
+          <a:p>
+            <a:endParaRPr lang="en-US"/>
           </a:p>
         </p:txBody>
       </p:sp>
@@ -8670,6 +8306,1815 @@
           </p:spPr>
         </p:pic>
       </p:grpSp>
+      <p:grpSp>
+        <p:nvGrpSpPr>
+          <p:cNvPr id="7" name="Group 6">
+            <a:extLst>
+              <a:ext uri="{FF2B5EF4-FFF2-40B4-BE49-F238E27FC236}">
+                <a16:creationId xmlns:a16="http://schemas.microsoft.com/office/drawing/2014/main" id="{1A215FEE-F4A8-1E44-AB1D-C1C177FB35D8}"/>
+              </a:ext>
+            </a:extLst>
+          </p:cNvPr>
+          <p:cNvGrpSpPr/>
+          <p:nvPr/>
+        </p:nvGrpSpPr>
+        <p:grpSpPr>
+          <a:xfrm>
+            <a:off x="8103672" y="3428022"/>
+            <a:ext cx="1073150" cy="1023505"/>
+            <a:chOff x="3367880" y="2959099"/>
+            <a:chExt cx="1073150" cy="1023505"/>
+          </a:xfrm>
+        </p:grpSpPr>
+        <p:pic>
+          <p:nvPicPr>
+            <p:cNvPr id="8" name="Graphic 22">
+              <a:extLst>
+                <a:ext uri="{FF2B5EF4-FFF2-40B4-BE49-F238E27FC236}">
+                  <a16:creationId xmlns:a16="http://schemas.microsoft.com/office/drawing/2014/main" id="{7DE4EF1E-DCA0-924E-B7CD-CE3076096531}"/>
+                </a:ext>
+              </a:extLst>
+            </p:cNvPr>
+            <p:cNvPicPr>
+              <a:picLocks noChangeAspect="1" noChangeArrowheads="1"/>
+            </p:cNvPicPr>
+            <p:nvPr/>
+          </p:nvPicPr>
+          <p:blipFill>
+            <a:blip r:embed="rId3">
+              <a:extLst>
+                <a:ext uri="{96DAC541-7B7A-43D3-8B79-37D633B846F1}">
+                  <asvg:svgBlip xmlns:asvg="http://schemas.microsoft.com/office/drawing/2016/SVG/main" r:embed="rId4"/>
+                </a:ext>
+              </a:extLst>
+            </a:blip>
+            <a:srcRect/>
+            <a:stretch/>
+          </p:blipFill>
+          <p:spPr bwMode="auto">
+            <a:xfrm>
+              <a:off x="3531202" y="2959099"/>
+              <a:ext cx="746507" cy="746507"/>
+            </a:xfrm>
+            <a:prstGeom prst="rect">
+              <a:avLst/>
+            </a:prstGeom>
+            <a:noFill/>
+            <a:ln>
+              <a:noFill/>
+            </a:ln>
+            <a:extLst>
+              <a:ext uri="{909E8E84-426E-40DD-AFC4-6F175D3DCCD1}">
+                <a14:hiddenFill xmlns:a14="http://schemas.microsoft.com/office/drawing/2010/main">
+                  <a:solidFill>
+                    <a:srgbClr val="FFFFFF"/>
+                  </a:solidFill>
+                </a14:hiddenFill>
+              </a:ext>
+              <a:ext uri="{91240B29-F687-4F45-9708-019B960494DF}">
+                <a14:hiddenLine xmlns:a14="http://schemas.microsoft.com/office/drawing/2010/main" w="9525">
+                  <a:solidFill>
+                    <a:srgbClr val="000000"/>
+                  </a:solidFill>
+                  <a:miter lim="800000"/>
+                  <a:headEnd/>
+                  <a:tailEnd/>
+                </a14:hiddenLine>
+              </a:ext>
+            </a:extLst>
+          </p:spPr>
+        </p:pic>
+        <p:sp>
+          <p:nvSpPr>
+            <p:cNvPr id="9" name="TextBox 40">
+              <a:extLst>
+                <a:ext uri="{FF2B5EF4-FFF2-40B4-BE49-F238E27FC236}">
+                  <a16:creationId xmlns:a16="http://schemas.microsoft.com/office/drawing/2014/main" id="{4E10DDAD-21A2-2148-9E66-3190861B1BDA}"/>
+                </a:ext>
+              </a:extLst>
+            </p:cNvPr>
+            <p:cNvSpPr txBox="1">
+              <a:spLocks noChangeArrowheads="1"/>
+            </p:cNvSpPr>
+            <p:nvPr/>
+          </p:nvSpPr>
+          <p:spPr bwMode="auto">
+            <a:xfrm>
+              <a:off x="3367880" y="3705605"/>
+              <a:ext cx="1073150" cy="276999"/>
+            </a:xfrm>
+            <a:prstGeom prst="rect">
+              <a:avLst/>
+            </a:prstGeom>
+            <a:noFill/>
+            <a:ln>
+              <a:noFill/>
+            </a:ln>
+            <a:extLst>
+              <a:ext uri="{909E8E84-426E-40DD-AFC4-6F175D3DCCD1}">
+                <a14:hiddenFill xmlns:a14="http://schemas.microsoft.com/office/drawing/2010/main">
+                  <a:solidFill>
+                    <a:srgbClr val="FFFFFF"/>
+                  </a:solidFill>
+                </a14:hiddenFill>
+              </a:ext>
+              <a:ext uri="{91240B29-F687-4F45-9708-019B960494DF}">
+                <a14:hiddenLine xmlns:a14="http://schemas.microsoft.com/office/drawing/2010/main" w="9525">
+                  <a:solidFill>
+                    <a:srgbClr val="000000"/>
+                  </a:solidFill>
+                  <a:miter lim="800000"/>
+                  <a:headEnd/>
+                  <a:tailEnd/>
+                </a14:hiddenLine>
+              </a:ext>
+            </a:extLst>
+          </p:spPr>
+          <p:txBody>
+            <a:bodyPr>
+              <a:spAutoFit/>
+            </a:bodyPr>
+            <a:lstStyle>
+              <a:lvl1pPr>
+                <a:defRPr>
+                  <a:solidFill>
+                    <a:schemeClr val="tx1"/>
+                  </a:solidFill>
+                  <a:latin typeface="Calibri" panose="020F0502020204030204" pitchFamily="34" charset="0"/>
+                </a:defRPr>
+              </a:lvl1pPr>
+              <a:lvl2pPr marL="742950" indent="-285750">
+                <a:defRPr>
+                  <a:solidFill>
+                    <a:schemeClr val="tx1"/>
+                  </a:solidFill>
+                  <a:latin typeface="Calibri" panose="020F0502020204030204" pitchFamily="34" charset="0"/>
+                </a:defRPr>
+              </a:lvl2pPr>
+              <a:lvl3pPr marL="1143000" indent="-228600">
+                <a:defRPr>
+                  <a:solidFill>
+                    <a:schemeClr val="tx1"/>
+                  </a:solidFill>
+                  <a:latin typeface="Calibri" panose="020F0502020204030204" pitchFamily="34" charset="0"/>
+                </a:defRPr>
+              </a:lvl3pPr>
+              <a:lvl4pPr marL="1600200" indent="-228600">
+                <a:defRPr>
+                  <a:solidFill>
+                    <a:schemeClr val="tx1"/>
+                  </a:solidFill>
+                  <a:latin typeface="Calibri" panose="020F0502020204030204" pitchFamily="34" charset="0"/>
+                </a:defRPr>
+              </a:lvl4pPr>
+              <a:lvl5pPr marL="2057400" indent="-228600">
+                <a:defRPr>
+                  <a:solidFill>
+                    <a:schemeClr val="tx1"/>
+                  </a:solidFill>
+                  <a:latin typeface="Calibri" panose="020F0502020204030204" pitchFamily="34" charset="0"/>
+                </a:defRPr>
+              </a:lvl5pPr>
+              <a:lvl6pPr marL="2514600" indent="-228600" eaLnBrk="0" fontAlgn="base" hangingPunct="0">
+                <a:spcBef>
+                  <a:spcPct val="0"/>
+                </a:spcBef>
+                <a:spcAft>
+                  <a:spcPct val="0"/>
+                </a:spcAft>
+                <a:defRPr>
+                  <a:solidFill>
+                    <a:schemeClr val="tx1"/>
+                  </a:solidFill>
+                  <a:latin typeface="Calibri" panose="020F0502020204030204" pitchFamily="34" charset="0"/>
+                </a:defRPr>
+              </a:lvl6pPr>
+              <a:lvl7pPr marL="2971800" indent="-228600" eaLnBrk="0" fontAlgn="base" hangingPunct="0">
+                <a:spcBef>
+                  <a:spcPct val="0"/>
+                </a:spcBef>
+                <a:spcAft>
+                  <a:spcPct val="0"/>
+                </a:spcAft>
+                <a:defRPr>
+                  <a:solidFill>
+                    <a:schemeClr val="tx1"/>
+                  </a:solidFill>
+                  <a:latin typeface="Calibri" panose="020F0502020204030204" pitchFamily="34" charset="0"/>
+                </a:defRPr>
+              </a:lvl7pPr>
+              <a:lvl8pPr marL="3429000" indent="-228600" eaLnBrk="0" fontAlgn="base" hangingPunct="0">
+                <a:spcBef>
+                  <a:spcPct val="0"/>
+                </a:spcBef>
+                <a:spcAft>
+                  <a:spcPct val="0"/>
+                </a:spcAft>
+                <a:defRPr>
+                  <a:solidFill>
+                    <a:schemeClr val="tx1"/>
+                  </a:solidFill>
+                  <a:latin typeface="Calibri" panose="020F0502020204030204" pitchFamily="34" charset="0"/>
+                </a:defRPr>
+              </a:lvl8pPr>
+              <a:lvl9pPr marL="3886200" indent="-228600" eaLnBrk="0" fontAlgn="base" hangingPunct="0">
+                <a:spcBef>
+                  <a:spcPct val="0"/>
+                </a:spcBef>
+                <a:spcAft>
+                  <a:spcPct val="0"/>
+                </a:spcAft>
+                <a:defRPr>
+                  <a:solidFill>
+                    <a:schemeClr val="tx1"/>
+                  </a:solidFill>
+                  <a:latin typeface="Calibri" panose="020F0502020204030204" pitchFamily="34" charset="0"/>
+                </a:defRPr>
+              </a:lvl9pPr>
+            </a:lstStyle>
+            <a:p>
+              <a:pPr algn="ctr" eaLnBrk="1" hangingPunct="1"/>
+              <a:r>
+                <a:rPr lang="en-US" altLang="en-US" sz="1200" b="1" dirty="0">
+                  <a:solidFill>
+                    <a:srgbClr val="000000"/>
+                  </a:solidFill>
+                  <a:latin typeface="Arial" panose="020B0604020202020204" pitchFamily="34" charset="0"/>
+                  <a:cs typeface="Arial" panose="020B0604020202020204" pitchFamily="34" charset="0"/>
+                </a:rPr>
+                <a:t>IAM User</a:t>
+              </a:r>
+            </a:p>
+          </p:txBody>
+        </p:sp>
+      </p:grpSp>
+      <p:sp>
+        <p:nvSpPr>
+          <p:cNvPr id="10" name="TextBox 40">
+            <a:extLst>
+              <a:ext uri="{FF2B5EF4-FFF2-40B4-BE49-F238E27FC236}">
+                <a16:creationId xmlns:a16="http://schemas.microsoft.com/office/drawing/2014/main" id="{858EB9A9-3DEB-FA4B-B4BD-E7F32193ECD2}"/>
+              </a:ext>
+            </a:extLst>
+          </p:cNvPr>
+          <p:cNvSpPr txBox="1">
+            <a:spLocks noChangeArrowheads="1"/>
+          </p:cNvSpPr>
+          <p:nvPr/>
+        </p:nvSpPr>
+        <p:spPr bwMode="auto">
+          <a:xfrm>
+            <a:off x="1044974" y="2543827"/>
+            <a:ext cx="2396057" cy="307777"/>
+          </a:xfrm>
+          <a:prstGeom prst="rect">
+            <a:avLst/>
+          </a:prstGeom>
+          <a:solidFill>
+            <a:srgbClr val="002060"/>
+          </a:solidFill>
+          <a:ln>
+            <a:noFill/>
+          </a:ln>
+        </p:spPr>
+        <p:txBody>
+          <a:bodyPr wrap="square">
+            <a:spAutoFit/>
+          </a:bodyPr>
+          <a:lstStyle>
+            <a:lvl1pPr>
+              <a:defRPr>
+                <a:solidFill>
+                  <a:schemeClr val="tx1"/>
+                </a:solidFill>
+                <a:latin typeface="Calibri" panose="020F0502020204030204" pitchFamily="34" charset="0"/>
+              </a:defRPr>
+            </a:lvl1pPr>
+            <a:lvl2pPr marL="742950" indent="-285750">
+              <a:defRPr>
+                <a:solidFill>
+                  <a:schemeClr val="tx1"/>
+                </a:solidFill>
+                <a:latin typeface="Calibri" panose="020F0502020204030204" pitchFamily="34" charset="0"/>
+              </a:defRPr>
+            </a:lvl2pPr>
+            <a:lvl3pPr marL="1143000" indent="-228600">
+              <a:defRPr>
+                <a:solidFill>
+                  <a:schemeClr val="tx1"/>
+                </a:solidFill>
+                <a:latin typeface="Calibri" panose="020F0502020204030204" pitchFamily="34" charset="0"/>
+              </a:defRPr>
+            </a:lvl3pPr>
+            <a:lvl4pPr marL="1600200" indent="-228600">
+              <a:defRPr>
+                <a:solidFill>
+                  <a:schemeClr val="tx1"/>
+                </a:solidFill>
+                <a:latin typeface="Calibri" panose="020F0502020204030204" pitchFamily="34" charset="0"/>
+              </a:defRPr>
+            </a:lvl4pPr>
+            <a:lvl5pPr marL="2057400" indent="-228600">
+              <a:defRPr>
+                <a:solidFill>
+                  <a:schemeClr val="tx1"/>
+                </a:solidFill>
+                <a:latin typeface="Calibri" panose="020F0502020204030204" pitchFamily="34" charset="0"/>
+              </a:defRPr>
+            </a:lvl5pPr>
+            <a:lvl6pPr marL="2514600" indent="-228600" eaLnBrk="0" fontAlgn="base" hangingPunct="0">
+              <a:spcBef>
+                <a:spcPct val="0"/>
+              </a:spcBef>
+              <a:spcAft>
+                <a:spcPct val="0"/>
+              </a:spcAft>
+              <a:defRPr>
+                <a:solidFill>
+                  <a:schemeClr val="tx1"/>
+                </a:solidFill>
+                <a:latin typeface="Calibri" panose="020F0502020204030204" pitchFamily="34" charset="0"/>
+              </a:defRPr>
+            </a:lvl6pPr>
+            <a:lvl7pPr marL="2971800" indent="-228600" eaLnBrk="0" fontAlgn="base" hangingPunct="0">
+              <a:spcBef>
+                <a:spcPct val="0"/>
+              </a:spcBef>
+              <a:spcAft>
+                <a:spcPct val="0"/>
+              </a:spcAft>
+              <a:defRPr>
+                <a:solidFill>
+                  <a:schemeClr val="tx1"/>
+                </a:solidFill>
+                <a:latin typeface="Calibri" panose="020F0502020204030204" pitchFamily="34" charset="0"/>
+              </a:defRPr>
+            </a:lvl7pPr>
+            <a:lvl8pPr marL="3429000" indent="-228600" eaLnBrk="0" fontAlgn="base" hangingPunct="0">
+              <a:spcBef>
+                <a:spcPct val="0"/>
+              </a:spcBef>
+              <a:spcAft>
+                <a:spcPct val="0"/>
+              </a:spcAft>
+              <a:defRPr>
+                <a:solidFill>
+                  <a:schemeClr val="tx1"/>
+                </a:solidFill>
+                <a:latin typeface="Calibri" panose="020F0502020204030204" pitchFamily="34" charset="0"/>
+              </a:defRPr>
+            </a:lvl8pPr>
+            <a:lvl9pPr marL="3886200" indent="-228600" eaLnBrk="0" fontAlgn="base" hangingPunct="0">
+              <a:spcBef>
+                <a:spcPct val="0"/>
+              </a:spcBef>
+              <a:spcAft>
+                <a:spcPct val="0"/>
+              </a:spcAft>
+              <a:defRPr>
+                <a:solidFill>
+                  <a:schemeClr val="tx1"/>
+                </a:solidFill>
+                <a:latin typeface="Calibri" panose="020F0502020204030204" pitchFamily="34" charset="0"/>
+              </a:defRPr>
+            </a:lvl9pPr>
+          </a:lstStyle>
+          <a:p>
+            <a:pPr algn="ctr" eaLnBrk="1" hangingPunct="1"/>
+            <a:r>
+              <a:rPr lang="en-US" altLang="en-US" sz="1400" b="1" dirty="0">
+                <a:solidFill>
+                  <a:schemeClr val="accent6"/>
+                </a:solidFill>
+                <a:latin typeface="Montserrat" pitchFamily="2" charset="77"/>
+                <a:cs typeface="Arial" panose="020B0604020202020204" pitchFamily="34" charset="0"/>
+              </a:rPr>
+              <a:t>Username + Password</a:t>
+            </a:r>
+          </a:p>
+        </p:txBody>
+      </p:sp>
+      <p:pic>
+        <p:nvPicPr>
+          <p:cNvPr id="15" name="Graphic 43">
+            <a:extLst>
+              <a:ext uri="{FF2B5EF4-FFF2-40B4-BE49-F238E27FC236}">
+                <a16:creationId xmlns:a16="http://schemas.microsoft.com/office/drawing/2014/main" id="{530AC5BD-04FF-2745-B719-BFFE1AC8486C}"/>
+              </a:ext>
+            </a:extLst>
+          </p:cNvPr>
+          <p:cNvPicPr>
+            <a:picLocks noChangeAspect="1" noChangeArrowheads="1"/>
+          </p:cNvPicPr>
+          <p:nvPr/>
+        </p:nvPicPr>
+        <p:blipFill>
+          <a:blip r:embed="rId5">
+            <a:extLst>
+              <a:ext uri="{28A0092B-C50C-407E-A947-70E740481C1C}">
+                <a14:useLocalDpi xmlns:a14="http://schemas.microsoft.com/office/drawing/2010/main" val="0"/>
+              </a:ext>
+            </a:extLst>
+          </a:blip>
+          <a:srcRect/>
+          <a:stretch>
+            <a:fillRect/>
+          </a:stretch>
+        </p:blipFill>
+        <p:spPr bwMode="auto">
+          <a:xfrm>
+            <a:off x="1157280" y="5237672"/>
+            <a:ext cx="462502" cy="462502"/>
+          </a:xfrm>
+          <a:prstGeom prst="rect">
+            <a:avLst/>
+          </a:prstGeom>
+          <a:noFill/>
+          <a:ln>
+            <a:noFill/>
+          </a:ln>
+          <a:extLst>
+            <a:ext uri="{909E8E84-426E-40DD-AFC4-6F175D3DCCD1}">
+              <a14:hiddenFill xmlns:a14="http://schemas.microsoft.com/office/drawing/2010/main">
+                <a:solidFill>
+                  <a:srgbClr val="FFFFFF"/>
+                </a:solidFill>
+              </a14:hiddenFill>
+            </a:ext>
+            <a:ext uri="{91240B29-F687-4F45-9708-019B960494DF}">
+              <a14:hiddenLine xmlns:a14="http://schemas.microsoft.com/office/drawing/2010/main" w="9525">
+                <a:solidFill>
+                  <a:srgbClr val="000000"/>
+                </a:solidFill>
+                <a:miter lim="800000"/>
+                <a:headEnd/>
+                <a:tailEnd/>
+              </a14:hiddenLine>
+            </a:ext>
+          </a:extLst>
+        </p:spPr>
+      </p:pic>
+      <p:pic>
+        <p:nvPicPr>
+          <p:cNvPr id="1026" name="Picture 2" descr="API 101">
+            <a:extLst>
+              <a:ext uri="{FF2B5EF4-FFF2-40B4-BE49-F238E27FC236}">
+                <a16:creationId xmlns:a16="http://schemas.microsoft.com/office/drawing/2014/main" id="{62CBD1F0-2491-1A4C-A10B-26C30024D64C}"/>
+              </a:ext>
+            </a:extLst>
+          </p:cNvPr>
+          <p:cNvPicPr>
+            <a:picLocks noChangeAspect="1" noChangeArrowheads="1"/>
+          </p:cNvPicPr>
+          <p:nvPr/>
+        </p:nvPicPr>
+        <p:blipFill>
+          <a:blip r:embed="rId6">
+            <a:extLst>
+              <a:ext uri="{28A0092B-C50C-407E-A947-70E740481C1C}">
+                <a14:useLocalDpi xmlns:a14="http://schemas.microsoft.com/office/drawing/2010/main" val="0"/>
+              </a:ext>
+            </a:extLst>
+          </a:blip>
+          <a:srcRect/>
+          <a:stretch>
+            <a:fillRect/>
+          </a:stretch>
+        </p:blipFill>
+        <p:spPr bwMode="auto">
+          <a:xfrm>
+            <a:off x="359910" y="3001080"/>
+            <a:ext cx="1370129" cy="1046545"/>
+          </a:xfrm>
+          <a:prstGeom prst="rect">
+            <a:avLst/>
+          </a:prstGeom>
+          <a:noFill/>
+          <a:extLst>
+            <a:ext uri="{909E8E84-426E-40DD-AFC4-6F175D3DCCD1}">
+              <a14:hiddenFill xmlns:a14="http://schemas.microsoft.com/office/drawing/2010/main">
+                <a:solidFill>
+                  <a:srgbClr val="FFFFFF"/>
+                </a:solidFill>
+              </a14:hiddenFill>
+            </a:ext>
+          </a:extLst>
+        </p:spPr>
+      </p:pic>
+      <p:sp>
+        <p:nvSpPr>
+          <p:cNvPr id="17" name="TextBox 40">
+            <a:extLst>
+              <a:ext uri="{FF2B5EF4-FFF2-40B4-BE49-F238E27FC236}">
+                <a16:creationId xmlns:a16="http://schemas.microsoft.com/office/drawing/2014/main" id="{BB23A88E-E291-F443-8CBD-D3E5D5330D71}"/>
+              </a:ext>
+            </a:extLst>
+          </p:cNvPr>
+          <p:cNvSpPr txBox="1">
+            <a:spLocks noChangeArrowheads="1"/>
+          </p:cNvSpPr>
+          <p:nvPr/>
+        </p:nvSpPr>
+        <p:spPr bwMode="auto">
+          <a:xfrm>
+            <a:off x="304680" y="4047625"/>
+            <a:ext cx="1480588" cy="276999"/>
+          </a:xfrm>
+          <a:prstGeom prst="rect">
+            <a:avLst/>
+          </a:prstGeom>
+          <a:noFill/>
+          <a:ln>
+            <a:noFill/>
+          </a:ln>
+          <a:extLst>
+            <a:ext uri="{909E8E84-426E-40DD-AFC4-6F175D3DCCD1}">
+              <a14:hiddenFill xmlns:a14="http://schemas.microsoft.com/office/drawing/2010/main">
+                <a:solidFill>
+                  <a:srgbClr val="FFFFFF"/>
+                </a:solidFill>
+              </a14:hiddenFill>
+            </a:ext>
+            <a:ext uri="{91240B29-F687-4F45-9708-019B960494DF}">
+              <a14:hiddenLine xmlns:a14="http://schemas.microsoft.com/office/drawing/2010/main" w="9525">
+                <a:solidFill>
+                  <a:srgbClr val="000000"/>
+                </a:solidFill>
+                <a:miter lim="800000"/>
+                <a:headEnd/>
+                <a:tailEnd/>
+              </a14:hiddenLine>
+            </a:ext>
+          </a:extLst>
+        </p:spPr>
+        <p:txBody>
+          <a:bodyPr wrap="square">
+            <a:spAutoFit/>
+          </a:bodyPr>
+          <a:lstStyle>
+            <a:lvl1pPr>
+              <a:defRPr>
+                <a:solidFill>
+                  <a:schemeClr val="tx1"/>
+                </a:solidFill>
+                <a:latin typeface="Calibri" panose="020F0502020204030204" pitchFamily="34" charset="0"/>
+              </a:defRPr>
+            </a:lvl1pPr>
+            <a:lvl2pPr marL="742950" indent="-285750">
+              <a:defRPr>
+                <a:solidFill>
+                  <a:schemeClr val="tx1"/>
+                </a:solidFill>
+                <a:latin typeface="Calibri" panose="020F0502020204030204" pitchFamily="34" charset="0"/>
+              </a:defRPr>
+            </a:lvl2pPr>
+            <a:lvl3pPr marL="1143000" indent="-228600">
+              <a:defRPr>
+                <a:solidFill>
+                  <a:schemeClr val="tx1"/>
+                </a:solidFill>
+                <a:latin typeface="Calibri" panose="020F0502020204030204" pitchFamily="34" charset="0"/>
+              </a:defRPr>
+            </a:lvl3pPr>
+            <a:lvl4pPr marL="1600200" indent="-228600">
+              <a:defRPr>
+                <a:solidFill>
+                  <a:schemeClr val="tx1"/>
+                </a:solidFill>
+                <a:latin typeface="Calibri" panose="020F0502020204030204" pitchFamily="34" charset="0"/>
+              </a:defRPr>
+            </a:lvl4pPr>
+            <a:lvl5pPr marL="2057400" indent="-228600">
+              <a:defRPr>
+                <a:solidFill>
+                  <a:schemeClr val="tx1"/>
+                </a:solidFill>
+                <a:latin typeface="Calibri" panose="020F0502020204030204" pitchFamily="34" charset="0"/>
+              </a:defRPr>
+            </a:lvl5pPr>
+            <a:lvl6pPr marL="2514600" indent="-228600" eaLnBrk="0" fontAlgn="base" hangingPunct="0">
+              <a:spcBef>
+                <a:spcPct val="0"/>
+              </a:spcBef>
+              <a:spcAft>
+                <a:spcPct val="0"/>
+              </a:spcAft>
+              <a:defRPr>
+                <a:solidFill>
+                  <a:schemeClr val="tx1"/>
+                </a:solidFill>
+                <a:latin typeface="Calibri" panose="020F0502020204030204" pitchFamily="34" charset="0"/>
+              </a:defRPr>
+            </a:lvl6pPr>
+            <a:lvl7pPr marL="2971800" indent="-228600" eaLnBrk="0" fontAlgn="base" hangingPunct="0">
+              <a:spcBef>
+                <a:spcPct val="0"/>
+              </a:spcBef>
+              <a:spcAft>
+                <a:spcPct val="0"/>
+              </a:spcAft>
+              <a:defRPr>
+                <a:solidFill>
+                  <a:schemeClr val="tx1"/>
+                </a:solidFill>
+                <a:latin typeface="Calibri" panose="020F0502020204030204" pitchFamily="34" charset="0"/>
+              </a:defRPr>
+            </a:lvl7pPr>
+            <a:lvl8pPr marL="3429000" indent="-228600" eaLnBrk="0" fontAlgn="base" hangingPunct="0">
+              <a:spcBef>
+                <a:spcPct val="0"/>
+              </a:spcBef>
+              <a:spcAft>
+                <a:spcPct val="0"/>
+              </a:spcAft>
+              <a:defRPr>
+                <a:solidFill>
+                  <a:schemeClr val="tx1"/>
+                </a:solidFill>
+                <a:latin typeface="Calibri" panose="020F0502020204030204" pitchFamily="34" charset="0"/>
+              </a:defRPr>
+            </a:lvl8pPr>
+            <a:lvl9pPr marL="3886200" indent="-228600" eaLnBrk="0" fontAlgn="base" hangingPunct="0">
+              <a:spcBef>
+                <a:spcPct val="0"/>
+              </a:spcBef>
+              <a:spcAft>
+                <a:spcPct val="0"/>
+              </a:spcAft>
+              <a:defRPr>
+                <a:solidFill>
+                  <a:schemeClr val="tx1"/>
+                </a:solidFill>
+                <a:latin typeface="Calibri" panose="020F0502020204030204" pitchFamily="34" charset="0"/>
+              </a:defRPr>
+            </a:lvl9pPr>
+          </a:lstStyle>
+          <a:p>
+            <a:pPr algn="ctr" eaLnBrk="1" hangingPunct="1"/>
+            <a:r>
+              <a:rPr lang="en-US" altLang="en-US" sz="1200" b="1" dirty="0">
+                <a:solidFill>
+                  <a:srgbClr val="000000"/>
+                </a:solidFill>
+                <a:latin typeface="Arial" panose="020B0604020202020204" pitchFamily="34" charset="0"/>
+                <a:cs typeface="Arial" panose="020B0604020202020204" pitchFamily="34" charset="0"/>
+              </a:rPr>
+              <a:t>Cloud Engineer</a:t>
+            </a:r>
+          </a:p>
+        </p:txBody>
+      </p:sp>
+      <p:sp>
+        <p:nvSpPr>
+          <p:cNvPr id="19" name="Arc 18">
+            <a:extLst>
+              <a:ext uri="{FF2B5EF4-FFF2-40B4-BE49-F238E27FC236}">
+                <a16:creationId xmlns:a16="http://schemas.microsoft.com/office/drawing/2014/main" id="{181E3E15-6D8F-1444-9B6E-AFEF4A9F03F9}"/>
+              </a:ext>
+            </a:extLst>
+          </p:cNvPr>
+          <p:cNvSpPr/>
+          <p:nvPr/>
+        </p:nvSpPr>
+        <p:spPr>
+          <a:xfrm>
+            <a:off x="1500350" y="3127181"/>
+            <a:ext cx="6181945" cy="874112"/>
+          </a:xfrm>
+          <a:prstGeom prst="arc">
+            <a:avLst>
+              <a:gd name="adj1" fmla="val 10996316"/>
+              <a:gd name="adj2" fmla="val 21208763"/>
+            </a:avLst>
+          </a:prstGeom>
+          <a:ln w="28575">
+            <a:solidFill>
+              <a:srgbClr val="002060"/>
+            </a:solidFill>
+            <a:headEnd type="none" w="med" len="med"/>
+            <a:tailEnd type="arrow" w="med" len="med"/>
+          </a:ln>
+        </p:spPr>
+        <p:style>
+          <a:lnRef idx="1">
+            <a:schemeClr val="accent1"/>
+          </a:lnRef>
+          <a:fillRef idx="0">
+            <a:schemeClr val="accent1"/>
+          </a:fillRef>
+          <a:effectRef idx="0">
+            <a:schemeClr val="accent1"/>
+          </a:effectRef>
+          <a:fontRef idx="minor">
+            <a:schemeClr val="tx1"/>
+          </a:fontRef>
+        </p:style>
+        <p:txBody>
+          <a:bodyPr rtlCol="0" anchor="ctr"/>
+          <a:lstStyle/>
+          <a:p>
+            <a:pPr algn="ctr"/>
+            <a:endParaRPr lang="en-US"/>
+          </a:p>
+        </p:txBody>
+      </p:sp>
+      <p:pic>
+        <p:nvPicPr>
+          <p:cNvPr id="12" name="Picture 11">
+            <a:extLst>
+              <a:ext uri="{FF2B5EF4-FFF2-40B4-BE49-F238E27FC236}">
+                <a16:creationId xmlns:a16="http://schemas.microsoft.com/office/drawing/2014/main" id="{1EC069B6-6B40-3845-B518-00F59BA0CD6A}"/>
+              </a:ext>
+            </a:extLst>
+          </p:cNvPr>
+          <p:cNvPicPr>
+            <a:picLocks noChangeAspect="1"/>
+          </p:cNvPicPr>
+          <p:nvPr/>
+        </p:nvPicPr>
+        <p:blipFill>
+          <a:blip r:embed="rId7"/>
+          <a:stretch>
+            <a:fillRect/>
+          </a:stretch>
+        </p:blipFill>
+        <p:spPr>
+          <a:xfrm>
+            <a:off x="3542307" y="1020906"/>
+            <a:ext cx="2124471" cy="2780095"/>
+          </a:xfrm>
+          <a:prstGeom prst="rect">
+            <a:avLst/>
+          </a:prstGeom>
+          <a:ln>
+            <a:solidFill>
+              <a:srgbClr val="002060"/>
+            </a:solidFill>
+          </a:ln>
+        </p:spPr>
+      </p:pic>
+      <p:sp>
+        <p:nvSpPr>
+          <p:cNvPr id="21" name="Arc 20">
+            <a:extLst>
+              <a:ext uri="{FF2B5EF4-FFF2-40B4-BE49-F238E27FC236}">
+                <a16:creationId xmlns:a16="http://schemas.microsoft.com/office/drawing/2014/main" id="{F41BC94C-EF96-B044-AA13-3C72456B6797}"/>
+              </a:ext>
+            </a:extLst>
+          </p:cNvPr>
+          <p:cNvSpPr/>
+          <p:nvPr/>
+        </p:nvSpPr>
+        <p:spPr>
+          <a:xfrm flipV="1">
+            <a:off x="1290055" y="3788366"/>
+            <a:ext cx="6181945" cy="1124522"/>
+          </a:xfrm>
+          <a:prstGeom prst="arc">
+            <a:avLst>
+              <a:gd name="adj1" fmla="val 10863945"/>
+              <a:gd name="adj2" fmla="val 21208763"/>
+            </a:avLst>
+          </a:prstGeom>
+          <a:ln w="28575">
+            <a:solidFill>
+              <a:srgbClr val="002060"/>
+            </a:solidFill>
+            <a:headEnd type="none" w="med" len="med"/>
+            <a:tailEnd type="arrow" w="med" len="med"/>
+          </a:ln>
+        </p:spPr>
+        <p:style>
+          <a:lnRef idx="1">
+            <a:schemeClr val="accent1"/>
+          </a:lnRef>
+          <a:fillRef idx="0">
+            <a:schemeClr val="accent1"/>
+          </a:fillRef>
+          <a:effectRef idx="0">
+            <a:schemeClr val="accent1"/>
+          </a:effectRef>
+          <a:fontRef idx="minor">
+            <a:schemeClr val="tx1"/>
+          </a:fontRef>
+        </p:style>
+        <p:txBody>
+          <a:bodyPr rtlCol="0" anchor="ctr"/>
+          <a:lstStyle/>
+          <a:p>
+            <a:pPr algn="ctr"/>
+            <a:endParaRPr lang="en-US"/>
+          </a:p>
+        </p:txBody>
+      </p:sp>
+      <p:pic>
+        <p:nvPicPr>
+          <p:cNvPr id="20" name="Picture 19">
+            <a:extLst>
+              <a:ext uri="{FF2B5EF4-FFF2-40B4-BE49-F238E27FC236}">
+                <a16:creationId xmlns:a16="http://schemas.microsoft.com/office/drawing/2014/main" id="{A24C0863-3C1C-3C4D-9728-ADB38B7952F8}"/>
+              </a:ext>
+            </a:extLst>
+          </p:cNvPr>
+          <p:cNvPicPr>
+            <a:picLocks noChangeAspect="1"/>
+          </p:cNvPicPr>
+          <p:nvPr/>
+        </p:nvPicPr>
+        <p:blipFill>
+          <a:blip r:embed="rId8"/>
+          <a:stretch>
+            <a:fillRect/>
+          </a:stretch>
+        </p:blipFill>
+        <p:spPr>
+          <a:xfrm>
+            <a:off x="2907282" y="5047837"/>
+            <a:ext cx="2728210" cy="981106"/>
+          </a:xfrm>
+          <a:prstGeom prst="rect">
+            <a:avLst/>
+          </a:prstGeom>
+        </p:spPr>
+      </p:pic>
+      <p:grpSp>
+        <p:nvGrpSpPr>
+          <p:cNvPr id="11" name="Group 10">
+            <a:extLst>
+              <a:ext uri="{FF2B5EF4-FFF2-40B4-BE49-F238E27FC236}">
+                <a16:creationId xmlns:a16="http://schemas.microsoft.com/office/drawing/2014/main" id="{1B6CCF30-5402-8343-A2C5-F30B16B03850}"/>
+              </a:ext>
+            </a:extLst>
+          </p:cNvPr>
+          <p:cNvGrpSpPr/>
+          <p:nvPr/>
+        </p:nvGrpSpPr>
+        <p:grpSpPr>
+          <a:xfrm>
+            <a:off x="3734812" y="4398454"/>
+            <a:ext cx="1073150" cy="885992"/>
+            <a:chOff x="3247214" y="4400683"/>
+            <a:chExt cx="1073150" cy="885992"/>
+          </a:xfrm>
+          <a:solidFill>
+            <a:schemeClr val="bg1"/>
+          </a:solidFill>
+        </p:grpSpPr>
+        <p:pic>
+          <p:nvPicPr>
+            <p:cNvPr id="13" name="Graphic 18">
+              <a:extLst>
+                <a:ext uri="{FF2B5EF4-FFF2-40B4-BE49-F238E27FC236}">
+                  <a16:creationId xmlns:a16="http://schemas.microsoft.com/office/drawing/2014/main" id="{C90569C4-84A1-F040-A7A4-9F669E2F956A}"/>
+                </a:ext>
+              </a:extLst>
+            </p:cNvPr>
+            <p:cNvPicPr>
+              <a:picLocks noChangeAspect="1" noChangeArrowheads="1"/>
+            </p:cNvPicPr>
+            <p:nvPr/>
+          </p:nvPicPr>
+          <p:blipFill>
+            <a:blip r:embed="rId9">
+              <a:extLst>
+                <a:ext uri="{28A0092B-C50C-407E-A947-70E740481C1C}">
+                  <a14:useLocalDpi xmlns:a14="http://schemas.microsoft.com/office/drawing/2010/main" val="0"/>
+                </a:ext>
+              </a:extLst>
+            </a:blip>
+            <a:srcRect/>
+            <a:stretch>
+              <a:fillRect/>
+            </a:stretch>
+          </p:blipFill>
+          <p:spPr bwMode="auto">
+            <a:xfrm>
+              <a:off x="3496273" y="4400683"/>
+              <a:ext cx="575032" cy="575032"/>
+            </a:xfrm>
+            <a:prstGeom prst="rect">
+              <a:avLst/>
+            </a:prstGeom>
+            <a:grpFill/>
+            <a:ln>
+              <a:noFill/>
+            </a:ln>
+            <a:extLst>
+              <a:ext uri="{91240B29-F687-4F45-9708-019B960494DF}">
+                <a14:hiddenLine xmlns:a14="http://schemas.microsoft.com/office/drawing/2010/main" w="9525">
+                  <a:solidFill>
+                    <a:srgbClr val="000000"/>
+                  </a:solidFill>
+                  <a:miter lim="800000"/>
+                  <a:headEnd/>
+                  <a:tailEnd/>
+                </a14:hiddenLine>
+              </a:ext>
+            </a:extLst>
+          </p:spPr>
+        </p:pic>
+        <p:sp>
+          <p:nvSpPr>
+            <p:cNvPr id="14" name="TextBox 40">
+              <a:extLst>
+                <a:ext uri="{FF2B5EF4-FFF2-40B4-BE49-F238E27FC236}">
+                  <a16:creationId xmlns:a16="http://schemas.microsoft.com/office/drawing/2014/main" id="{CB616646-790B-3F48-B285-EBD24B785226}"/>
+                </a:ext>
+              </a:extLst>
+            </p:cNvPr>
+            <p:cNvSpPr txBox="1">
+              <a:spLocks noChangeArrowheads="1"/>
+            </p:cNvSpPr>
+            <p:nvPr/>
+          </p:nvSpPr>
+          <p:spPr bwMode="auto">
+            <a:xfrm>
+              <a:off x="3247214" y="5009676"/>
+              <a:ext cx="1073150" cy="276999"/>
+            </a:xfrm>
+            <a:prstGeom prst="rect">
+              <a:avLst/>
+            </a:prstGeom>
+            <a:grpFill/>
+            <a:ln>
+              <a:noFill/>
+            </a:ln>
+            <a:extLst>
+              <a:ext uri="{91240B29-F687-4F45-9708-019B960494DF}">
+                <a14:hiddenLine xmlns:a14="http://schemas.microsoft.com/office/drawing/2010/main" w="9525">
+                  <a:solidFill>
+                    <a:srgbClr val="000000"/>
+                  </a:solidFill>
+                  <a:miter lim="800000"/>
+                  <a:headEnd/>
+                  <a:tailEnd/>
+                </a14:hiddenLine>
+              </a:ext>
+            </a:extLst>
+          </p:spPr>
+          <p:txBody>
+            <a:bodyPr>
+              <a:spAutoFit/>
+            </a:bodyPr>
+            <a:lstStyle>
+              <a:lvl1pPr>
+                <a:defRPr>
+                  <a:solidFill>
+                    <a:schemeClr val="tx1"/>
+                  </a:solidFill>
+                  <a:latin typeface="Calibri" panose="020F0502020204030204" pitchFamily="34" charset="0"/>
+                </a:defRPr>
+              </a:lvl1pPr>
+              <a:lvl2pPr marL="742950" indent="-285750">
+                <a:defRPr>
+                  <a:solidFill>
+                    <a:schemeClr val="tx1"/>
+                  </a:solidFill>
+                  <a:latin typeface="Calibri" panose="020F0502020204030204" pitchFamily="34" charset="0"/>
+                </a:defRPr>
+              </a:lvl2pPr>
+              <a:lvl3pPr marL="1143000" indent="-228600">
+                <a:defRPr>
+                  <a:solidFill>
+                    <a:schemeClr val="tx1"/>
+                  </a:solidFill>
+                  <a:latin typeface="Calibri" panose="020F0502020204030204" pitchFamily="34" charset="0"/>
+                </a:defRPr>
+              </a:lvl3pPr>
+              <a:lvl4pPr marL="1600200" indent="-228600">
+                <a:defRPr>
+                  <a:solidFill>
+                    <a:schemeClr val="tx1"/>
+                  </a:solidFill>
+                  <a:latin typeface="Calibri" panose="020F0502020204030204" pitchFamily="34" charset="0"/>
+                </a:defRPr>
+              </a:lvl4pPr>
+              <a:lvl5pPr marL="2057400" indent="-228600">
+                <a:defRPr>
+                  <a:solidFill>
+                    <a:schemeClr val="tx1"/>
+                  </a:solidFill>
+                  <a:latin typeface="Calibri" panose="020F0502020204030204" pitchFamily="34" charset="0"/>
+                </a:defRPr>
+              </a:lvl5pPr>
+              <a:lvl6pPr marL="2514600" indent="-228600" eaLnBrk="0" fontAlgn="base" hangingPunct="0">
+                <a:spcBef>
+                  <a:spcPct val="0"/>
+                </a:spcBef>
+                <a:spcAft>
+                  <a:spcPct val="0"/>
+                </a:spcAft>
+                <a:defRPr>
+                  <a:solidFill>
+                    <a:schemeClr val="tx1"/>
+                  </a:solidFill>
+                  <a:latin typeface="Calibri" panose="020F0502020204030204" pitchFamily="34" charset="0"/>
+                </a:defRPr>
+              </a:lvl6pPr>
+              <a:lvl7pPr marL="2971800" indent="-228600" eaLnBrk="0" fontAlgn="base" hangingPunct="0">
+                <a:spcBef>
+                  <a:spcPct val="0"/>
+                </a:spcBef>
+                <a:spcAft>
+                  <a:spcPct val="0"/>
+                </a:spcAft>
+                <a:defRPr>
+                  <a:solidFill>
+                    <a:schemeClr val="tx1"/>
+                  </a:solidFill>
+                  <a:latin typeface="Calibri" panose="020F0502020204030204" pitchFamily="34" charset="0"/>
+                </a:defRPr>
+              </a:lvl7pPr>
+              <a:lvl8pPr marL="3429000" indent="-228600" eaLnBrk="0" fontAlgn="base" hangingPunct="0">
+                <a:spcBef>
+                  <a:spcPct val="0"/>
+                </a:spcBef>
+                <a:spcAft>
+                  <a:spcPct val="0"/>
+                </a:spcAft>
+                <a:defRPr>
+                  <a:solidFill>
+                    <a:schemeClr val="tx1"/>
+                  </a:solidFill>
+                  <a:latin typeface="Calibri" panose="020F0502020204030204" pitchFamily="34" charset="0"/>
+                </a:defRPr>
+              </a:lvl8pPr>
+              <a:lvl9pPr marL="3886200" indent="-228600" eaLnBrk="0" fontAlgn="base" hangingPunct="0">
+                <a:spcBef>
+                  <a:spcPct val="0"/>
+                </a:spcBef>
+                <a:spcAft>
+                  <a:spcPct val="0"/>
+                </a:spcAft>
+                <a:defRPr>
+                  <a:solidFill>
+                    <a:schemeClr val="tx1"/>
+                  </a:solidFill>
+                  <a:latin typeface="Calibri" panose="020F0502020204030204" pitchFamily="34" charset="0"/>
+                </a:defRPr>
+              </a:lvl9pPr>
+            </a:lstStyle>
+            <a:p>
+              <a:pPr algn="ctr" eaLnBrk="1" hangingPunct="1"/>
+              <a:r>
+                <a:rPr lang="en-US" altLang="en-US" sz="1200" b="1" dirty="0">
+                  <a:solidFill>
+                    <a:srgbClr val="000000"/>
+                  </a:solidFill>
+                  <a:latin typeface="Arial" panose="020B0604020202020204" pitchFamily="34" charset="0"/>
+                  <a:cs typeface="Arial" panose="020B0604020202020204" pitchFamily="34" charset="0"/>
+                </a:rPr>
+                <a:t>AWS CLI</a:t>
+              </a:r>
+            </a:p>
+          </p:txBody>
+        </p:sp>
+      </p:grpSp>
+      <p:sp>
+        <p:nvSpPr>
+          <p:cNvPr id="23" name="TextBox 40">
+            <a:extLst>
+              <a:ext uri="{FF2B5EF4-FFF2-40B4-BE49-F238E27FC236}">
+                <a16:creationId xmlns:a16="http://schemas.microsoft.com/office/drawing/2014/main" id="{8F118E2D-1B21-754D-AB8C-7914C906C0F3}"/>
+              </a:ext>
+            </a:extLst>
+          </p:cNvPr>
+          <p:cNvSpPr txBox="1">
+            <a:spLocks noChangeArrowheads="1"/>
+          </p:cNvSpPr>
+          <p:nvPr/>
+        </p:nvSpPr>
+        <p:spPr bwMode="auto">
+          <a:xfrm>
+            <a:off x="288009" y="4893949"/>
+            <a:ext cx="2396057" cy="307777"/>
+          </a:xfrm>
+          <a:prstGeom prst="rect">
+            <a:avLst/>
+          </a:prstGeom>
+          <a:solidFill>
+            <a:srgbClr val="002060"/>
+          </a:solidFill>
+          <a:ln>
+            <a:noFill/>
+          </a:ln>
+        </p:spPr>
+        <p:txBody>
+          <a:bodyPr wrap="square">
+            <a:spAutoFit/>
+          </a:bodyPr>
+          <a:lstStyle>
+            <a:lvl1pPr>
+              <a:defRPr>
+                <a:solidFill>
+                  <a:schemeClr val="tx1"/>
+                </a:solidFill>
+                <a:latin typeface="Calibri" panose="020F0502020204030204" pitchFamily="34" charset="0"/>
+              </a:defRPr>
+            </a:lvl1pPr>
+            <a:lvl2pPr marL="742950" indent="-285750">
+              <a:defRPr>
+                <a:solidFill>
+                  <a:schemeClr val="tx1"/>
+                </a:solidFill>
+                <a:latin typeface="Calibri" panose="020F0502020204030204" pitchFamily="34" charset="0"/>
+              </a:defRPr>
+            </a:lvl2pPr>
+            <a:lvl3pPr marL="1143000" indent="-228600">
+              <a:defRPr>
+                <a:solidFill>
+                  <a:schemeClr val="tx1"/>
+                </a:solidFill>
+                <a:latin typeface="Calibri" panose="020F0502020204030204" pitchFamily="34" charset="0"/>
+              </a:defRPr>
+            </a:lvl3pPr>
+            <a:lvl4pPr marL="1600200" indent="-228600">
+              <a:defRPr>
+                <a:solidFill>
+                  <a:schemeClr val="tx1"/>
+                </a:solidFill>
+                <a:latin typeface="Calibri" panose="020F0502020204030204" pitchFamily="34" charset="0"/>
+              </a:defRPr>
+            </a:lvl4pPr>
+            <a:lvl5pPr marL="2057400" indent="-228600">
+              <a:defRPr>
+                <a:solidFill>
+                  <a:schemeClr val="tx1"/>
+                </a:solidFill>
+                <a:latin typeface="Calibri" panose="020F0502020204030204" pitchFamily="34" charset="0"/>
+              </a:defRPr>
+            </a:lvl5pPr>
+            <a:lvl6pPr marL="2514600" indent="-228600" eaLnBrk="0" fontAlgn="base" hangingPunct="0">
+              <a:spcBef>
+                <a:spcPct val="0"/>
+              </a:spcBef>
+              <a:spcAft>
+                <a:spcPct val="0"/>
+              </a:spcAft>
+              <a:defRPr>
+                <a:solidFill>
+                  <a:schemeClr val="tx1"/>
+                </a:solidFill>
+                <a:latin typeface="Calibri" panose="020F0502020204030204" pitchFamily="34" charset="0"/>
+              </a:defRPr>
+            </a:lvl6pPr>
+            <a:lvl7pPr marL="2971800" indent="-228600" eaLnBrk="0" fontAlgn="base" hangingPunct="0">
+              <a:spcBef>
+                <a:spcPct val="0"/>
+              </a:spcBef>
+              <a:spcAft>
+                <a:spcPct val="0"/>
+              </a:spcAft>
+              <a:defRPr>
+                <a:solidFill>
+                  <a:schemeClr val="tx1"/>
+                </a:solidFill>
+                <a:latin typeface="Calibri" panose="020F0502020204030204" pitchFamily="34" charset="0"/>
+              </a:defRPr>
+            </a:lvl7pPr>
+            <a:lvl8pPr marL="3429000" indent="-228600" eaLnBrk="0" fontAlgn="base" hangingPunct="0">
+              <a:spcBef>
+                <a:spcPct val="0"/>
+              </a:spcBef>
+              <a:spcAft>
+                <a:spcPct val="0"/>
+              </a:spcAft>
+              <a:defRPr>
+                <a:solidFill>
+                  <a:schemeClr val="tx1"/>
+                </a:solidFill>
+                <a:latin typeface="Calibri" panose="020F0502020204030204" pitchFamily="34" charset="0"/>
+              </a:defRPr>
+            </a:lvl8pPr>
+            <a:lvl9pPr marL="3886200" indent="-228600" eaLnBrk="0" fontAlgn="base" hangingPunct="0">
+              <a:spcBef>
+                <a:spcPct val="0"/>
+              </a:spcBef>
+              <a:spcAft>
+                <a:spcPct val="0"/>
+              </a:spcAft>
+              <a:defRPr>
+                <a:solidFill>
+                  <a:schemeClr val="tx1"/>
+                </a:solidFill>
+                <a:latin typeface="Calibri" panose="020F0502020204030204" pitchFamily="34" charset="0"/>
+              </a:defRPr>
+            </a:lvl9pPr>
+          </a:lstStyle>
+          <a:p>
+            <a:pPr algn="ctr" eaLnBrk="1" hangingPunct="1"/>
+            <a:r>
+              <a:rPr lang="en-US" altLang="en-US" sz="1400" b="1" dirty="0">
+                <a:solidFill>
+                  <a:schemeClr val="accent6"/>
+                </a:solidFill>
+                <a:latin typeface="Montserrat" pitchFamily="2" charset="77"/>
+                <a:cs typeface="Arial" panose="020B0604020202020204" pitchFamily="34" charset="0"/>
+              </a:rPr>
+              <a:t>Long-term access keys</a:t>
+            </a:r>
+          </a:p>
+        </p:txBody>
+      </p:sp>
+    </p:spTree>
+    <p:extLst>
+      <p:ext uri="{BB962C8B-B14F-4D97-AF65-F5344CB8AC3E}">
+        <p14:creationId xmlns:p14="http://schemas.microsoft.com/office/powerpoint/2010/main" val="1241274697"/>
+      </p:ext>
+    </p:extLst>
+  </p:cSld>
+  <p:clrMapOvr>
+    <a:masterClrMapping/>
+  </p:clrMapOvr>
+  <p:timing>
+    <p:tnLst>
+      <p:par>
+        <p:cTn id="1" dur="indefinite" restart="never" nodeType="tmRoot">
+          <p:childTnLst>
+            <p:seq concurrent="1" nextAc="seek">
+              <p:cTn id="2" dur="indefinite" nodeType="mainSeq">
+                <p:childTnLst>
+                  <p:par>
+                    <p:cTn id="3" fill="hold">
+                      <p:stCondLst>
+                        <p:cond delay="indefinite"/>
+                      </p:stCondLst>
+                      <p:childTnLst>
+                        <p:par>
+                          <p:cTn id="4" fill="hold">
+                            <p:stCondLst>
+                              <p:cond delay="0"/>
+                            </p:stCondLst>
+                            <p:childTnLst>
+                              <p:par>
+                                <p:cTn id="5" presetID="10" presetClass="entr" presetSubtype="0" fill="hold" grpId="0" nodeType="clickEffect">
+                                  <p:stCondLst>
+                                    <p:cond delay="0"/>
+                                  </p:stCondLst>
+                                  <p:childTnLst>
+                                    <p:set>
+                                      <p:cBhvr>
+                                        <p:cTn id="6" dur="1" fill="hold">
+                                          <p:stCondLst>
+                                            <p:cond delay="0"/>
+                                          </p:stCondLst>
+                                        </p:cTn>
+                                        <p:tgtEl>
+                                          <p:spTgt spid="10"/>
+                                        </p:tgtEl>
+                                        <p:attrNameLst>
+                                          <p:attrName>style.visibility</p:attrName>
+                                        </p:attrNameLst>
+                                      </p:cBhvr>
+                                      <p:to>
+                                        <p:strVal val="visible"/>
+                                      </p:to>
+                                    </p:set>
+                                    <p:animEffect transition="in" filter="fade">
+                                      <p:cBhvr>
+                                        <p:cTn id="7" dur="500"/>
+                                        <p:tgtEl>
+                                          <p:spTgt spid="10"/>
+                                        </p:tgtEl>
+                                      </p:cBhvr>
+                                    </p:animEffect>
+                                  </p:childTnLst>
+                                </p:cTn>
+                              </p:par>
+                              <p:par>
+                                <p:cTn id="8" presetID="10" presetClass="entr" presetSubtype="0" fill="hold" nodeType="withEffect">
+                                  <p:stCondLst>
+                                    <p:cond delay="0"/>
+                                  </p:stCondLst>
+                                  <p:childTnLst>
+                                    <p:set>
+                                      <p:cBhvr>
+                                        <p:cTn id="9" dur="1" fill="hold">
+                                          <p:stCondLst>
+                                            <p:cond delay="0"/>
+                                          </p:stCondLst>
+                                        </p:cTn>
+                                        <p:tgtEl>
+                                          <p:spTgt spid="12"/>
+                                        </p:tgtEl>
+                                        <p:attrNameLst>
+                                          <p:attrName>style.visibility</p:attrName>
+                                        </p:attrNameLst>
+                                      </p:cBhvr>
+                                      <p:to>
+                                        <p:strVal val="visible"/>
+                                      </p:to>
+                                    </p:set>
+                                    <p:animEffect transition="in" filter="fade">
+                                      <p:cBhvr>
+                                        <p:cTn id="10" dur="500"/>
+                                        <p:tgtEl>
+                                          <p:spTgt spid="12"/>
+                                        </p:tgtEl>
+                                      </p:cBhvr>
+                                    </p:animEffect>
+                                  </p:childTnLst>
+                                </p:cTn>
+                              </p:par>
+                              <p:par>
+                                <p:cTn id="11" presetID="10" presetClass="entr" presetSubtype="0" fill="hold" grpId="0" nodeType="withEffect">
+                                  <p:stCondLst>
+                                    <p:cond delay="0"/>
+                                  </p:stCondLst>
+                                  <p:childTnLst>
+                                    <p:set>
+                                      <p:cBhvr>
+                                        <p:cTn id="12" dur="1" fill="hold">
+                                          <p:stCondLst>
+                                            <p:cond delay="0"/>
+                                          </p:stCondLst>
+                                        </p:cTn>
+                                        <p:tgtEl>
+                                          <p:spTgt spid="19"/>
+                                        </p:tgtEl>
+                                        <p:attrNameLst>
+                                          <p:attrName>style.visibility</p:attrName>
+                                        </p:attrNameLst>
+                                      </p:cBhvr>
+                                      <p:to>
+                                        <p:strVal val="visible"/>
+                                      </p:to>
+                                    </p:set>
+                                    <p:animEffect transition="in" filter="fade">
+                                      <p:cBhvr>
+                                        <p:cTn id="13" dur="500"/>
+                                        <p:tgtEl>
+                                          <p:spTgt spid="19"/>
+                                        </p:tgtEl>
+                                      </p:cBhvr>
+                                    </p:animEffect>
+                                  </p:childTnLst>
+                                </p:cTn>
+                              </p:par>
+                            </p:childTnLst>
+                          </p:cTn>
+                        </p:par>
+                      </p:childTnLst>
+                    </p:cTn>
+                  </p:par>
+                  <p:par>
+                    <p:cTn id="14" fill="hold">
+                      <p:stCondLst>
+                        <p:cond delay="indefinite"/>
+                      </p:stCondLst>
+                      <p:childTnLst>
+                        <p:par>
+                          <p:cTn id="15" fill="hold">
+                            <p:stCondLst>
+                              <p:cond delay="0"/>
+                            </p:stCondLst>
+                            <p:childTnLst>
+                              <p:par>
+                                <p:cTn id="16" presetID="10" presetClass="entr" presetSubtype="0" fill="hold" grpId="0" nodeType="clickEffect">
+                                  <p:stCondLst>
+                                    <p:cond delay="0"/>
+                                  </p:stCondLst>
+                                  <p:childTnLst>
+                                    <p:set>
+                                      <p:cBhvr>
+                                        <p:cTn id="17" dur="1" fill="hold">
+                                          <p:stCondLst>
+                                            <p:cond delay="0"/>
+                                          </p:stCondLst>
+                                        </p:cTn>
+                                        <p:tgtEl>
+                                          <p:spTgt spid="21"/>
+                                        </p:tgtEl>
+                                        <p:attrNameLst>
+                                          <p:attrName>style.visibility</p:attrName>
+                                        </p:attrNameLst>
+                                      </p:cBhvr>
+                                      <p:to>
+                                        <p:strVal val="visible"/>
+                                      </p:to>
+                                    </p:set>
+                                    <p:animEffect transition="in" filter="fade">
+                                      <p:cBhvr>
+                                        <p:cTn id="18" dur="500"/>
+                                        <p:tgtEl>
+                                          <p:spTgt spid="21"/>
+                                        </p:tgtEl>
+                                      </p:cBhvr>
+                                    </p:animEffect>
+                                  </p:childTnLst>
+                                </p:cTn>
+                              </p:par>
+                              <p:par>
+                                <p:cTn id="19" presetID="10" presetClass="entr" presetSubtype="0" fill="hold" grpId="0" nodeType="withEffect">
+                                  <p:stCondLst>
+                                    <p:cond delay="0"/>
+                                  </p:stCondLst>
+                                  <p:childTnLst>
+                                    <p:set>
+                                      <p:cBhvr>
+                                        <p:cTn id="20" dur="1" fill="hold">
+                                          <p:stCondLst>
+                                            <p:cond delay="0"/>
+                                          </p:stCondLst>
+                                        </p:cTn>
+                                        <p:tgtEl>
+                                          <p:spTgt spid="23"/>
+                                        </p:tgtEl>
+                                        <p:attrNameLst>
+                                          <p:attrName>style.visibility</p:attrName>
+                                        </p:attrNameLst>
+                                      </p:cBhvr>
+                                      <p:to>
+                                        <p:strVal val="visible"/>
+                                      </p:to>
+                                    </p:set>
+                                    <p:animEffect transition="in" filter="fade">
+                                      <p:cBhvr>
+                                        <p:cTn id="21" dur="500"/>
+                                        <p:tgtEl>
+                                          <p:spTgt spid="23"/>
+                                        </p:tgtEl>
+                                      </p:cBhvr>
+                                    </p:animEffect>
+                                  </p:childTnLst>
+                                </p:cTn>
+                              </p:par>
+                              <p:par>
+                                <p:cTn id="22" presetID="10" presetClass="entr" presetSubtype="0" fill="hold" nodeType="withEffect">
+                                  <p:stCondLst>
+                                    <p:cond delay="0"/>
+                                  </p:stCondLst>
+                                  <p:childTnLst>
+                                    <p:set>
+                                      <p:cBhvr>
+                                        <p:cTn id="23" dur="1" fill="hold">
+                                          <p:stCondLst>
+                                            <p:cond delay="0"/>
+                                          </p:stCondLst>
+                                        </p:cTn>
+                                        <p:tgtEl>
+                                          <p:spTgt spid="15"/>
+                                        </p:tgtEl>
+                                        <p:attrNameLst>
+                                          <p:attrName>style.visibility</p:attrName>
+                                        </p:attrNameLst>
+                                      </p:cBhvr>
+                                      <p:to>
+                                        <p:strVal val="visible"/>
+                                      </p:to>
+                                    </p:set>
+                                    <p:animEffect transition="in" filter="fade">
+                                      <p:cBhvr>
+                                        <p:cTn id="24" dur="500"/>
+                                        <p:tgtEl>
+                                          <p:spTgt spid="15"/>
+                                        </p:tgtEl>
+                                      </p:cBhvr>
+                                    </p:animEffect>
+                                  </p:childTnLst>
+                                </p:cTn>
+                              </p:par>
+                              <p:par>
+                                <p:cTn id="25" presetID="10" presetClass="entr" presetSubtype="0" fill="hold" nodeType="withEffect">
+                                  <p:stCondLst>
+                                    <p:cond delay="0"/>
+                                  </p:stCondLst>
+                                  <p:childTnLst>
+                                    <p:set>
+                                      <p:cBhvr>
+                                        <p:cTn id="26" dur="1" fill="hold">
+                                          <p:stCondLst>
+                                            <p:cond delay="0"/>
+                                          </p:stCondLst>
+                                        </p:cTn>
+                                        <p:tgtEl>
+                                          <p:spTgt spid="20"/>
+                                        </p:tgtEl>
+                                        <p:attrNameLst>
+                                          <p:attrName>style.visibility</p:attrName>
+                                        </p:attrNameLst>
+                                      </p:cBhvr>
+                                      <p:to>
+                                        <p:strVal val="visible"/>
+                                      </p:to>
+                                    </p:set>
+                                    <p:animEffect transition="in" filter="fade">
+                                      <p:cBhvr>
+                                        <p:cTn id="27" dur="500"/>
+                                        <p:tgtEl>
+                                          <p:spTgt spid="20"/>
+                                        </p:tgtEl>
+                                      </p:cBhvr>
+                                    </p:animEffect>
+                                  </p:childTnLst>
+                                </p:cTn>
+                              </p:par>
+                              <p:par>
+                                <p:cTn id="28" presetID="10" presetClass="entr" presetSubtype="0" fill="hold" nodeType="withEffect">
+                                  <p:stCondLst>
+                                    <p:cond delay="0"/>
+                                  </p:stCondLst>
+                                  <p:childTnLst>
+                                    <p:set>
+                                      <p:cBhvr>
+                                        <p:cTn id="29" dur="1" fill="hold">
+                                          <p:stCondLst>
+                                            <p:cond delay="0"/>
+                                          </p:stCondLst>
+                                        </p:cTn>
+                                        <p:tgtEl>
+                                          <p:spTgt spid="11"/>
+                                        </p:tgtEl>
+                                        <p:attrNameLst>
+                                          <p:attrName>style.visibility</p:attrName>
+                                        </p:attrNameLst>
+                                      </p:cBhvr>
+                                      <p:to>
+                                        <p:strVal val="visible"/>
+                                      </p:to>
+                                    </p:set>
+                                    <p:animEffect transition="in" filter="fade">
+                                      <p:cBhvr>
+                                        <p:cTn id="30" dur="500"/>
+                                        <p:tgtEl>
+                                          <p:spTgt spid="11"/>
+                                        </p:tgtEl>
+                                      </p:cBhvr>
+                                    </p:animEffect>
+                                  </p:childTnLst>
+                                </p:cTn>
+                              </p:par>
+                            </p:childTnLst>
+                          </p:cTn>
+                        </p:par>
+                      </p:childTnLst>
+                    </p:cTn>
+                  </p:par>
+                </p:childTnLst>
+              </p:cTn>
+              <p:prevCondLst>
+                <p:cond evt="onPrev" delay="0">
+                  <p:tgtEl>
+                    <p:sldTgt/>
+                  </p:tgtEl>
+                </p:cond>
+              </p:prevCondLst>
+              <p:nextCondLst>
+                <p:cond evt="onNext" delay="0">
+                  <p:tgtEl>
+                    <p:sldTgt/>
+                  </p:tgtEl>
+                </p:cond>
+              </p:nextCondLst>
+            </p:seq>
+          </p:childTnLst>
+        </p:cTn>
+      </p:par>
+    </p:tnLst>
+    <p:bldLst>
+      <p:bldP spid="10" grpId="0" animBg="1"/>
+      <p:bldP spid="19" grpId="0" animBg="1"/>
+      <p:bldP spid="21" grpId="0" animBg="1"/>
+      <p:bldP spid="23" grpId="0" animBg="1"/>
+    </p:bldLst>
+  </p:timing>
+</p:sld>
+</file>
+
+<file path=ppt/slides/slide6.xml><?xml version="1.0" encoding="utf-8"?>
+<p:sld xmlns:a="http://schemas.openxmlformats.org/drawingml/2006/main" xmlns:r="http://schemas.openxmlformats.org/officeDocument/2006/relationships" xmlns:p="http://schemas.openxmlformats.org/presentationml/2006/main">
+  <p:cSld>
+    <p:spTree>
+      <p:nvGrpSpPr>
+        <p:cNvPr id="1" name=""/>
+        <p:cNvGrpSpPr/>
+        <p:nvPr/>
+      </p:nvGrpSpPr>
+      <p:grpSpPr>
+        <a:xfrm>
+          <a:off x="0" y="0"/>
+          <a:ext cx="0" cy="0"/>
+          <a:chOff x="0" y="0"/>
+          <a:chExt cx="0" cy="0"/>
+        </a:xfrm>
+      </p:grpSpPr>
+      <p:sp>
+        <p:nvSpPr>
+          <p:cNvPr id="2" name="Title 1">
+            <a:extLst>
+              <a:ext uri="{FF2B5EF4-FFF2-40B4-BE49-F238E27FC236}">
+                <a16:creationId xmlns:a16="http://schemas.microsoft.com/office/drawing/2014/main" id="{0DBBFF93-0DFD-C14D-B625-F83E88782E10}"/>
+              </a:ext>
+            </a:extLst>
+          </p:cNvPr>
+          <p:cNvSpPr>
+            <a:spLocks noGrp="1"/>
+          </p:cNvSpPr>
+          <p:nvPr>
+            <p:ph type="title"/>
+          </p:nvPr>
+        </p:nvSpPr>
+        <p:spPr/>
+        <p:txBody>
+          <a:bodyPr>
+            <a:normAutofit fontScale="90000"/>
+          </a:bodyPr>
+          <a:lstStyle/>
+          <a:p>
+            <a:r>
+              <a:rPr lang="en-US" dirty="0"/>
+              <a:t>IAM User – Best practice is </a:t>
+            </a:r>
+            <a:r>
+              <a:rPr lang="en-US" dirty="0">
+                <a:solidFill>
+                  <a:srgbClr val="C00000"/>
+                </a:solidFill>
+              </a:rPr>
+              <a:t>No</a:t>
+            </a:r>
+            <a:r>
+              <a:rPr lang="en-US" dirty="0"/>
+              <a:t> IAM User</a:t>
+            </a:r>
+          </a:p>
+        </p:txBody>
+      </p:sp>
+      <p:sp>
+        <p:nvSpPr>
+          <p:cNvPr id="40" name="Content Placeholder 39">
+            <a:extLst>
+              <a:ext uri="{FF2B5EF4-FFF2-40B4-BE49-F238E27FC236}">
+                <a16:creationId xmlns:a16="http://schemas.microsoft.com/office/drawing/2014/main" id="{5B6587A7-CDE2-3A4E-AEB0-D9CEA0BC02B4}"/>
+              </a:ext>
+            </a:extLst>
+          </p:cNvPr>
+          <p:cNvSpPr>
+            <a:spLocks noGrp="1"/>
+          </p:cNvSpPr>
+          <p:nvPr>
+            <p:ph idx="1"/>
+          </p:nvPr>
+        </p:nvSpPr>
+        <p:spPr/>
+        <p:txBody>
+          <a:bodyPr/>
+          <a:lstStyle/>
+          <a:p>
+            <a:endParaRPr lang="en-US" dirty="0"/>
+          </a:p>
+        </p:txBody>
+      </p:sp>
+      <p:grpSp>
+        <p:nvGrpSpPr>
+          <p:cNvPr id="6" name="Group 5">
+            <a:extLst>
+              <a:ext uri="{FF2B5EF4-FFF2-40B4-BE49-F238E27FC236}">
+                <a16:creationId xmlns:a16="http://schemas.microsoft.com/office/drawing/2014/main" id="{DCF62444-2D53-654D-96A1-5544BB2CCACD}"/>
+              </a:ext>
+            </a:extLst>
+          </p:cNvPr>
+          <p:cNvGrpSpPr/>
+          <p:nvPr/>
+        </p:nvGrpSpPr>
+        <p:grpSpPr>
+          <a:xfrm>
+            <a:off x="6620805" y="2399820"/>
+            <a:ext cx="4853883" cy="2609856"/>
+            <a:chOff x="6022664" y="1494631"/>
+            <a:chExt cx="4853883" cy="2609856"/>
+          </a:xfrm>
+        </p:grpSpPr>
+        <p:sp>
+          <p:nvSpPr>
+            <p:cNvPr id="4" name="Rectangle 3">
+              <a:extLst>
+                <a:ext uri="{FF2B5EF4-FFF2-40B4-BE49-F238E27FC236}">
+                  <a16:creationId xmlns:a16="http://schemas.microsoft.com/office/drawing/2014/main" id="{ED1998BD-6295-1E41-8B35-E5EEF50658A1}"/>
+                </a:ext>
+              </a:extLst>
+            </p:cNvPr>
+            <p:cNvSpPr/>
+            <p:nvPr/>
+          </p:nvSpPr>
+          <p:spPr>
+            <a:xfrm>
+              <a:off x="6022664" y="1494631"/>
+              <a:ext cx="4853883" cy="2609856"/>
+            </a:xfrm>
+            <a:prstGeom prst="rect">
+              <a:avLst/>
+            </a:prstGeom>
+            <a:noFill/>
+            <a:ln w="12700">
+              <a:solidFill>
+                <a:schemeClr val="tx1"/>
+              </a:solidFill>
+            </a:ln>
+          </p:spPr>
+          <p:style>
+            <a:lnRef idx="2">
+              <a:schemeClr val="accent1">
+                <a:shade val="50000"/>
+              </a:schemeClr>
+            </a:lnRef>
+            <a:fillRef idx="1">
+              <a:schemeClr val="accent1"/>
+            </a:fillRef>
+            <a:effectRef idx="0">
+              <a:schemeClr val="accent1"/>
+            </a:effectRef>
+            <a:fontRef idx="minor">
+              <a:schemeClr val="lt1"/>
+            </a:fontRef>
+          </p:style>
+          <p:txBody>
+            <a:bodyPr lIns="457200" tIns="91440"/>
+            <a:lstStyle/>
+            <a:p>
+              <a:pPr eaLnBrk="1" fontAlgn="auto" hangingPunct="1">
+                <a:spcBef>
+                  <a:spcPts val="0"/>
+                </a:spcBef>
+                <a:spcAft>
+                  <a:spcPts val="0"/>
+                </a:spcAft>
+                <a:defRPr/>
+              </a:pPr>
+              <a:r>
+                <a:rPr lang="en-US" sz="1200" dirty="0">
+                  <a:solidFill>
+                    <a:sysClr val="windowText" lastClr="000000"/>
+                  </a:solidFill>
+                  <a:latin typeface="Arial" panose="020B0604020202020204" pitchFamily="34" charset="0"/>
+                  <a:cs typeface="Arial" panose="020B0604020202020204" pitchFamily="34" charset="0"/>
+                </a:rPr>
+                <a:t>AWS Cloud Account</a:t>
+              </a:r>
+            </a:p>
+          </p:txBody>
+        </p:sp>
+        <p:pic>
+          <p:nvPicPr>
+            <p:cNvPr id="5" name="Graphic 5">
+              <a:extLst>
+                <a:ext uri="{FF2B5EF4-FFF2-40B4-BE49-F238E27FC236}">
+                  <a16:creationId xmlns:a16="http://schemas.microsoft.com/office/drawing/2014/main" id="{D629925C-6679-D84D-A8EA-4CA187496259}"/>
+                </a:ext>
+              </a:extLst>
+            </p:cNvPr>
+            <p:cNvPicPr>
+              <a:picLocks noChangeAspect="1" noChangeArrowheads="1"/>
+            </p:cNvPicPr>
+            <p:nvPr/>
+          </p:nvPicPr>
+          <p:blipFill>
+            <a:blip r:embed="rId2">
+              <a:extLst>
+                <a:ext uri="{28A0092B-C50C-407E-A947-70E740481C1C}">
+                  <a14:useLocalDpi xmlns:a14="http://schemas.microsoft.com/office/drawing/2010/main" val="0"/>
+                </a:ext>
+              </a:extLst>
+            </a:blip>
+            <a:srcRect/>
+            <a:stretch>
+              <a:fillRect/>
+            </a:stretch>
+          </p:blipFill>
+          <p:spPr bwMode="auto">
+            <a:xfrm>
+              <a:off x="6022664" y="1494631"/>
+              <a:ext cx="330200" cy="330200"/>
+            </a:xfrm>
+            <a:prstGeom prst="rect">
+              <a:avLst/>
+            </a:prstGeom>
+            <a:noFill/>
+            <a:ln>
+              <a:noFill/>
+            </a:ln>
+            <a:extLst>
+              <a:ext uri="{909E8E84-426E-40DD-AFC4-6F175D3DCCD1}">
+                <a14:hiddenFill xmlns:a14="http://schemas.microsoft.com/office/drawing/2010/main">
+                  <a:solidFill>
+                    <a:srgbClr val="FFFFFF"/>
+                  </a:solidFill>
+                </a14:hiddenFill>
+              </a:ext>
+              <a:ext uri="{91240B29-F687-4F45-9708-019B960494DF}">
+                <a14:hiddenLine xmlns:a14="http://schemas.microsoft.com/office/drawing/2010/main" w="9525">
+                  <a:solidFill>
+                    <a:srgbClr val="000000"/>
+                  </a:solidFill>
+                  <a:miter lim="800000"/>
+                  <a:headEnd/>
+                  <a:tailEnd/>
+                </a14:hiddenLine>
+              </a:ext>
+            </a:extLst>
+          </p:spPr>
+        </p:pic>
+      </p:grpSp>
       <p:pic>
         <p:nvPicPr>
           <p:cNvPr id="1026" name="Picture 2" descr="API 101">
@@ -9826,6 +11271,152 @@
           </a:p>
         </p:txBody>
       </p:sp>
+      <p:sp>
+        <p:nvSpPr>
+          <p:cNvPr id="47" name="TextBox 40">
+            <a:extLst>
+              <a:ext uri="{FF2B5EF4-FFF2-40B4-BE49-F238E27FC236}">
+                <a16:creationId xmlns:a16="http://schemas.microsoft.com/office/drawing/2014/main" id="{9BB59EBE-A047-E644-A35F-3FDFB765F9DC}"/>
+              </a:ext>
+            </a:extLst>
+          </p:cNvPr>
+          <p:cNvSpPr txBox="1">
+            <a:spLocks noChangeArrowheads="1"/>
+          </p:cNvSpPr>
+          <p:nvPr/>
+        </p:nvSpPr>
+        <p:spPr bwMode="auto">
+          <a:xfrm>
+            <a:off x="8631909" y="4391248"/>
+            <a:ext cx="1378365" cy="307777"/>
+          </a:xfrm>
+          <a:prstGeom prst="rect">
+            <a:avLst/>
+          </a:prstGeom>
+          <a:solidFill>
+            <a:srgbClr val="002060"/>
+          </a:solidFill>
+          <a:ln>
+            <a:noFill/>
+          </a:ln>
+        </p:spPr>
+        <p:txBody>
+          <a:bodyPr wrap="square">
+            <a:spAutoFit/>
+          </a:bodyPr>
+          <a:lstStyle>
+            <a:lvl1pPr>
+              <a:defRPr>
+                <a:solidFill>
+                  <a:schemeClr val="tx1"/>
+                </a:solidFill>
+                <a:latin typeface="Calibri" panose="020F0502020204030204" pitchFamily="34" charset="0"/>
+              </a:defRPr>
+            </a:lvl1pPr>
+            <a:lvl2pPr marL="742950" indent="-285750">
+              <a:defRPr>
+                <a:solidFill>
+                  <a:schemeClr val="tx1"/>
+                </a:solidFill>
+                <a:latin typeface="Calibri" panose="020F0502020204030204" pitchFamily="34" charset="0"/>
+              </a:defRPr>
+            </a:lvl2pPr>
+            <a:lvl3pPr marL="1143000" indent="-228600">
+              <a:defRPr>
+                <a:solidFill>
+                  <a:schemeClr val="tx1"/>
+                </a:solidFill>
+                <a:latin typeface="Calibri" panose="020F0502020204030204" pitchFamily="34" charset="0"/>
+              </a:defRPr>
+            </a:lvl3pPr>
+            <a:lvl4pPr marL="1600200" indent="-228600">
+              <a:defRPr>
+                <a:solidFill>
+                  <a:schemeClr val="tx1"/>
+                </a:solidFill>
+                <a:latin typeface="Calibri" panose="020F0502020204030204" pitchFamily="34" charset="0"/>
+              </a:defRPr>
+            </a:lvl4pPr>
+            <a:lvl5pPr marL="2057400" indent="-228600">
+              <a:defRPr>
+                <a:solidFill>
+                  <a:schemeClr val="tx1"/>
+                </a:solidFill>
+                <a:latin typeface="Calibri" panose="020F0502020204030204" pitchFamily="34" charset="0"/>
+              </a:defRPr>
+            </a:lvl5pPr>
+            <a:lvl6pPr marL="2514600" indent="-228600" eaLnBrk="0" fontAlgn="base" hangingPunct="0">
+              <a:spcBef>
+                <a:spcPct val="0"/>
+              </a:spcBef>
+              <a:spcAft>
+                <a:spcPct val="0"/>
+              </a:spcAft>
+              <a:defRPr>
+                <a:solidFill>
+                  <a:schemeClr val="tx1"/>
+                </a:solidFill>
+                <a:latin typeface="Calibri" panose="020F0502020204030204" pitchFamily="34" charset="0"/>
+              </a:defRPr>
+            </a:lvl6pPr>
+            <a:lvl7pPr marL="2971800" indent="-228600" eaLnBrk="0" fontAlgn="base" hangingPunct="0">
+              <a:spcBef>
+                <a:spcPct val="0"/>
+              </a:spcBef>
+              <a:spcAft>
+                <a:spcPct val="0"/>
+              </a:spcAft>
+              <a:defRPr>
+                <a:solidFill>
+                  <a:schemeClr val="tx1"/>
+                </a:solidFill>
+                <a:latin typeface="Calibri" panose="020F0502020204030204" pitchFamily="34" charset="0"/>
+              </a:defRPr>
+            </a:lvl7pPr>
+            <a:lvl8pPr marL="3429000" indent="-228600" eaLnBrk="0" fontAlgn="base" hangingPunct="0">
+              <a:spcBef>
+                <a:spcPct val="0"/>
+              </a:spcBef>
+              <a:spcAft>
+                <a:spcPct val="0"/>
+              </a:spcAft>
+              <a:defRPr>
+                <a:solidFill>
+                  <a:schemeClr val="tx1"/>
+                </a:solidFill>
+                <a:latin typeface="Calibri" panose="020F0502020204030204" pitchFamily="34" charset="0"/>
+              </a:defRPr>
+            </a:lvl8pPr>
+            <a:lvl9pPr marL="3886200" indent="-228600" eaLnBrk="0" fontAlgn="base" hangingPunct="0">
+              <a:spcBef>
+                <a:spcPct val="0"/>
+              </a:spcBef>
+              <a:spcAft>
+                <a:spcPct val="0"/>
+              </a:spcAft>
+              <a:defRPr>
+                <a:solidFill>
+                  <a:schemeClr val="tx1"/>
+                </a:solidFill>
+                <a:latin typeface="Calibri" panose="020F0502020204030204" pitchFamily="34" charset="0"/>
+              </a:defRPr>
+            </a:lvl9pPr>
+          </a:lstStyle>
+          <a:p>
+            <a:pPr algn="ctr" eaLnBrk="1" hangingPunct="1"/>
+            <a:r>
+              <a:rPr lang="en-US" altLang="en-US" sz="1400" b="1" dirty="0">
+                <a:solidFill>
+                  <a:schemeClr val="accent6"/>
+                </a:solidFill>
+                <a:latin typeface="Montserrat" pitchFamily="2" charset="77"/>
+                <a:cs typeface="Arial" panose="020B0604020202020204" pitchFamily="34" charset="0"/>
+              </a:rPr>
+              <a:t>Trust policy</a:t>
+            </a:r>
+          </a:p>
+        </p:txBody>
+      </p:sp>
     </p:spTree>
     <p:extLst>
       <p:ext uri="{BB962C8B-B14F-4D97-AF65-F5344CB8AC3E}">
@@ -9836,10 +11427,397 @@
   <p:clrMapOvr>
     <a:masterClrMapping/>
   </p:clrMapOvr>
+  <p:timing>
+    <p:tnLst>
+      <p:par>
+        <p:cTn id="1" dur="indefinite" restart="never" nodeType="tmRoot">
+          <p:childTnLst>
+            <p:seq concurrent="1" nextAc="seek">
+              <p:cTn id="2" dur="indefinite" nodeType="mainSeq">
+                <p:childTnLst>
+                  <p:par>
+                    <p:cTn id="3" fill="hold">
+                      <p:stCondLst>
+                        <p:cond delay="indefinite"/>
+                      </p:stCondLst>
+                      <p:childTnLst>
+                        <p:par>
+                          <p:cTn id="4" fill="hold">
+                            <p:stCondLst>
+                              <p:cond delay="0"/>
+                            </p:stCondLst>
+                            <p:childTnLst>
+                              <p:par>
+                                <p:cTn id="5" presetID="10" presetClass="entr" presetSubtype="0" fill="hold" grpId="0" nodeType="clickEffect">
+                                  <p:stCondLst>
+                                    <p:cond delay="0"/>
+                                  </p:stCondLst>
+                                  <p:childTnLst>
+                                    <p:set>
+                                      <p:cBhvr>
+                                        <p:cTn id="6" dur="1" fill="hold">
+                                          <p:stCondLst>
+                                            <p:cond delay="0"/>
+                                          </p:stCondLst>
+                                        </p:cTn>
+                                        <p:tgtEl>
+                                          <p:spTgt spid="35"/>
+                                        </p:tgtEl>
+                                        <p:attrNameLst>
+                                          <p:attrName>style.visibility</p:attrName>
+                                        </p:attrNameLst>
+                                      </p:cBhvr>
+                                      <p:to>
+                                        <p:strVal val="visible"/>
+                                      </p:to>
+                                    </p:set>
+                                    <p:animEffect transition="in" filter="fade">
+                                      <p:cBhvr>
+                                        <p:cTn id="7" dur="500"/>
+                                        <p:tgtEl>
+                                          <p:spTgt spid="35"/>
+                                        </p:tgtEl>
+                                      </p:cBhvr>
+                                    </p:animEffect>
+                                  </p:childTnLst>
+                                </p:cTn>
+                              </p:par>
+                              <p:par>
+                                <p:cTn id="8" presetID="10" presetClass="entr" presetSubtype="0" fill="hold" grpId="0" nodeType="withEffect">
+                                  <p:stCondLst>
+                                    <p:cond delay="0"/>
+                                  </p:stCondLst>
+                                  <p:childTnLst>
+                                    <p:set>
+                                      <p:cBhvr>
+                                        <p:cTn id="9" dur="1" fill="hold">
+                                          <p:stCondLst>
+                                            <p:cond delay="0"/>
+                                          </p:stCondLst>
+                                        </p:cTn>
+                                        <p:tgtEl>
+                                          <p:spTgt spid="45"/>
+                                        </p:tgtEl>
+                                        <p:attrNameLst>
+                                          <p:attrName>style.visibility</p:attrName>
+                                        </p:attrNameLst>
+                                      </p:cBhvr>
+                                      <p:to>
+                                        <p:strVal val="visible"/>
+                                      </p:to>
+                                    </p:set>
+                                    <p:animEffect transition="in" filter="fade">
+                                      <p:cBhvr>
+                                        <p:cTn id="10" dur="500"/>
+                                        <p:tgtEl>
+                                          <p:spTgt spid="45"/>
+                                        </p:tgtEl>
+                                      </p:cBhvr>
+                                    </p:animEffect>
+                                  </p:childTnLst>
+                                </p:cTn>
+                              </p:par>
+                              <p:par>
+                                <p:cTn id="11" presetID="10" presetClass="entr" presetSubtype="0" fill="hold" nodeType="withEffect">
+                                  <p:stCondLst>
+                                    <p:cond delay="0"/>
+                                  </p:stCondLst>
+                                  <p:childTnLst>
+                                    <p:set>
+                                      <p:cBhvr>
+                                        <p:cTn id="12" dur="1" fill="hold">
+                                          <p:stCondLst>
+                                            <p:cond delay="0"/>
+                                          </p:stCondLst>
+                                        </p:cTn>
+                                        <p:tgtEl>
+                                          <p:spTgt spid="37"/>
+                                        </p:tgtEl>
+                                        <p:attrNameLst>
+                                          <p:attrName>style.visibility</p:attrName>
+                                        </p:attrNameLst>
+                                      </p:cBhvr>
+                                      <p:to>
+                                        <p:strVal val="visible"/>
+                                      </p:to>
+                                    </p:set>
+                                    <p:animEffect transition="in" filter="fade">
+                                      <p:cBhvr>
+                                        <p:cTn id="13" dur="500"/>
+                                        <p:tgtEl>
+                                          <p:spTgt spid="37"/>
+                                        </p:tgtEl>
+                                      </p:cBhvr>
+                                    </p:animEffect>
+                                  </p:childTnLst>
+                                </p:cTn>
+                              </p:par>
+                            </p:childTnLst>
+                          </p:cTn>
+                        </p:par>
+                      </p:childTnLst>
+                    </p:cTn>
+                  </p:par>
+                  <p:par>
+                    <p:cTn id="14" fill="hold">
+                      <p:stCondLst>
+                        <p:cond delay="indefinite"/>
+                      </p:stCondLst>
+                      <p:childTnLst>
+                        <p:par>
+                          <p:cTn id="15" fill="hold">
+                            <p:stCondLst>
+                              <p:cond delay="0"/>
+                            </p:stCondLst>
+                            <p:childTnLst>
+                              <p:par>
+                                <p:cTn id="16" presetID="10" presetClass="entr" presetSubtype="0" fill="hold" nodeType="clickEffect">
+                                  <p:stCondLst>
+                                    <p:cond delay="0"/>
+                                  </p:stCondLst>
+                                  <p:childTnLst>
+                                    <p:set>
+                                      <p:cBhvr>
+                                        <p:cTn id="17" dur="1" fill="hold">
+                                          <p:stCondLst>
+                                            <p:cond delay="0"/>
+                                          </p:stCondLst>
+                                        </p:cTn>
+                                        <p:tgtEl>
+                                          <p:spTgt spid="16"/>
+                                        </p:tgtEl>
+                                        <p:attrNameLst>
+                                          <p:attrName>style.visibility</p:attrName>
+                                        </p:attrNameLst>
+                                      </p:cBhvr>
+                                      <p:to>
+                                        <p:strVal val="visible"/>
+                                      </p:to>
+                                    </p:set>
+                                    <p:animEffect transition="in" filter="fade">
+                                      <p:cBhvr>
+                                        <p:cTn id="18" dur="500"/>
+                                        <p:tgtEl>
+                                          <p:spTgt spid="16"/>
+                                        </p:tgtEl>
+                                      </p:cBhvr>
+                                    </p:animEffect>
+                                  </p:childTnLst>
+                                </p:cTn>
+                              </p:par>
+                              <p:par>
+                                <p:cTn id="19" presetID="10" presetClass="entr" presetSubtype="0" fill="hold" grpId="0" nodeType="withEffect">
+                                  <p:stCondLst>
+                                    <p:cond delay="0"/>
+                                  </p:stCondLst>
+                                  <p:childTnLst>
+                                    <p:set>
+                                      <p:cBhvr>
+                                        <p:cTn id="20" dur="1" fill="hold">
+                                          <p:stCondLst>
+                                            <p:cond delay="0"/>
+                                          </p:stCondLst>
+                                        </p:cTn>
+                                        <p:tgtEl>
+                                          <p:spTgt spid="36"/>
+                                        </p:tgtEl>
+                                        <p:attrNameLst>
+                                          <p:attrName>style.visibility</p:attrName>
+                                        </p:attrNameLst>
+                                      </p:cBhvr>
+                                      <p:to>
+                                        <p:strVal val="visible"/>
+                                      </p:to>
+                                    </p:set>
+                                    <p:animEffect transition="in" filter="fade">
+                                      <p:cBhvr>
+                                        <p:cTn id="21" dur="500"/>
+                                        <p:tgtEl>
+                                          <p:spTgt spid="36"/>
+                                        </p:tgtEl>
+                                      </p:cBhvr>
+                                    </p:animEffect>
+                                  </p:childTnLst>
+                                </p:cTn>
+                              </p:par>
+                              <p:par>
+                                <p:cTn id="22" presetID="10" presetClass="entr" presetSubtype="0" fill="hold" grpId="0" nodeType="withEffect">
+                                  <p:stCondLst>
+                                    <p:cond delay="0"/>
+                                  </p:stCondLst>
+                                  <p:childTnLst>
+                                    <p:set>
+                                      <p:cBhvr>
+                                        <p:cTn id="23" dur="1" fill="hold">
+                                          <p:stCondLst>
+                                            <p:cond delay="0"/>
+                                          </p:stCondLst>
+                                        </p:cTn>
+                                        <p:tgtEl>
+                                          <p:spTgt spid="22"/>
+                                        </p:tgtEl>
+                                        <p:attrNameLst>
+                                          <p:attrName>style.visibility</p:attrName>
+                                        </p:attrNameLst>
+                                      </p:cBhvr>
+                                      <p:to>
+                                        <p:strVal val="visible"/>
+                                      </p:to>
+                                    </p:set>
+                                    <p:animEffect transition="in" filter="fade">
+                                      <p:cBhvr>
+                                        <p:cTn id="24" dur="500"/>
+                                        <p:tgtEl>
+                                          <p:spTgt spid="22"/>
+                                        </p:tgtEl>
+                                      </p:cBhvr>
+                                    </p:animEffect>
+                                  </p:childTnLst>
+                                </p:cTn>
+                              </p:par>
+                              <p:par>
+                                <p:cTn id="25" presetID="10" presetClass="entr" presetSubtype="0" fill="hold" nodeType="withEffect">
+                                  <p:stCondLst>
+                                    <p:cond delay="0"/>
+                                  </p:stCondLst>
+                                  <p:childTnLst>
+                                    <p:set>
+                                      <p:cBhvr>
+                                        <p:cTn id="26" dur="1" fill="hold">
+                                          <p:stCondLst>
+                                            <p:cond delay="0"/>
+                                          </p:stCondLst>
+                                        </p:cTn>
+                                        <p:tgtEl>
+                                          <p:spTgt spid="3074"/>
+                                        </p:tgtEl>
+                                        <p:attrNameLst>
+                                          <p:attrName>style.visibility</p:attrName>
+                                        </p:attrNameLst>
+                                      </p:cBhvr>
+                                      <p:to>
+                                        <p:strVal val="visible"/>
+                                      </p:to>
+                                    </p:set>
+                                    <p:animEffect transition="in" filter="fade">
+                                      <p:cBhvr>
+                                        <p:cTn id="27" dur="500"/>
+                                        <p:tgtEl>
+                                          <p:spTgt spid="3074"/>
+                                        </p:tgtEl>
+                                      </p:cBhvr>
+                                    </p:animEffect>
+                                  </p:childTnLst>
+                                </p:cTn>
+                              </p:par>
+                              <p:par>
+                                <p:cTn id="28" presetID="10" presetClass="entr" presetSubtype="0" fill="hold" nodeType="withEffect">
+                                  <p:stCondLst>
+                                    <p:cond delay="0"/>
+                                  </p:stCondLst>
+                                  <p:childTnLst>
+                                    <p:set>
+                                      <p:cBhvr>
+                                        <p:cTn id="29" dur="1" fill="hold">
+                                          <p:stCondLst>
+                                            <p:cond delay="0"/>
+                                          </p:stCondLst>
+                                        </p:cTn>
+                                        <p:tgtEl>
+                                          <p:spTgt spid="31"/>
+                                        </p:tgtEl>
+                                        <p:attrNameLst>
+                                          <p:attrName>style.visibility</p:attrName>
+                                        </p:attrNameLst>
+                                      </p:cBhvr>
+                                      <p:to>
+                                        <p:strVal val="visible"/>
+                                      </p:to>
+                                    </p:set>
+                                    <p:animEffect transition="in" filter="fade">
+                                      <p:cBhvr>
+                                        <p:cTn id="30" dur="500"/>
+                                        <p:tgtEl>
+                                          <p:spTgt spid="31"/>
+                                        </p:tgtEl>
+                                      </p:cBhvr>
+                                    </p:animEffect>
+                                  </p:childTnLst>
+                                </p:cTn>
+                              </p:par>
+                              <p:par>
+                                <p:cTn id="31" presetID="10" presetClass="entr" presetSubtype="0" fill="hold" nodeType="withEffect">
+                                  <p:stCondLst>
+                                    <p:cond delay="0"/>
+                                  </p:stCondLst>
+                                  <p:childTnLst>
+                                    <p:set>
+                                      <p:cBhvr>
+                                        <p:cTn id="32" dur="1" fill="hold">
+                                          <p:stCondLst>
+                                            <p:cond delay="0"/>
+                                          </p:stCondLst>
+                                        </p:cTn>
+                                        <p:tgtEl>
+                                          <p:spTgt spid="26"/>
+                                        </p:tgtEl>
+                                        <p:attrNameLst>
+                                          <p:attrName>style.visibility</p:attrName>
+                                        </p:attrNameLst>
+                                      </p:cBhvr>
+                                      <p:to>
+                                        <p:strVal val="visible"/>
+                                      </p:to>
+                                    </p:set>
+                                    <p:animEffect transition="in" filter="fade">
+                                      <p:cBhvr>
+                                        <p:cTn id="33" dur="500"/>
+                                        <p:tgtEl>
+                                          <p:spTgt spid="26"/>
+                                        </p:tgtEl>
+                                      </p:cBhvr>
+                                    </p:animEffect>
+                                  </p:childTnLst>
+                                </p:cTn>
+                              </p:par>
+                            </p:childTnLst>
+                          </p:cTn>
+                        </p:par>
+                      </p:childTnLst>
+                    </p:cTn>
+                  </p:par>
+                </p:childTnLst>
+              </p:cTn>
+              <p:prevCondLst>
+                <p:cond evt="onPrev" delay="0">
+                  <p:tgtEl>
+                    <p:sldTgt/>
+                  </p:tgtEl>
+                </p:cond>
+              </p:prevCondLst>
+              <p:nextCondLst>
+                <p:cond evt="onNext" delay="0">
+                  <p:tgtEl>
+                    <p:sldTgt/>
+                  </p:tgtEl>
+                </p:cond>
+              </p:nextCondLst>
+            </p:seq>
+          </p:childTnLst>
+        </p:cTn>
+      </p:par>
+    </p:tnLst>
+    <p:bldLst>
+      <p:bldP spid="22" grpId="0"/>
+      <p:bldP spid="36" grpId="0" animBg="1"/>
+      <p:bldP spid="35" grpId="0" animBg="1"/>
+      <p:bldP spid="45" grpId="0" animBg="1"/>
+    </p:bldLst>
+  </p:timing>
 </p:sld>
 </file>
 
-<file path=ppt/slides/slide6.xml><?xml version="1.0" encoding="utf-8"?>
+<file path=ppt/slides/slide7.xml><?xml version="1.0" encoding="utf-8"?>
 <p:sld xmlns:a="http://schemas.openxmlformats.org/drawingml/2006/main" xmlns:r="http://schemas.openxmlformats.org/officeDocument/2006/relationships" xmlns:p="http://schemas.openxmlformats.org/presentationml/2006/main">
   <p:cSld>
     <p:bg>
@@ -9864,36 +11842,6 @@
           <a:chExt cx="0" cy="0"/>
         </a:xfrm>
       </p:grpSpPr>
-      <p:pic>
-        <p:nvPicPr>
-          <p:cNvPr id="18" name="Picture 17"/>
-          <p:cNvPicPr>
-            <a:picLocks noChangeAspect="1"/>
-          </p:cNvPicPr>
-          <p:nvPr/>
-        </p:nvPicPr>
-        <p:blipFill>
-          <a:blip r:embed="rId3">
-            <a:extLst>
-              <a:ext uri="{28A0092B-C50C-407E-A947-70E740481C1C}">
-                <a14:useLocalDpi xmlns:a14="http://schemas.microsoft.com/office/drawing/2010/main" val="0"/>
-              </a:ext>
-            </a:extLst>
-          </a:blip>
-          <a:stretch>
-            <a:fillRect/>
-          </a:stretch>
-        </p:blipFill>
-        <p:spPr>
-          <a:xfrm>
-            <a:off x="4242976" y="4266563"/>
-            <a:ext cx="3706048" cy="454572"/>
-          </a:xfrm>
-          <a:prstGeom prst="rect">
-            <a:avLst/>
-          </a:prstGeom>
-        </p:spPr>
-      </p:pic>
       <p:sp>
         <p:nvSpPr>
           <p:cNvPr id="19" name="TextBox 18"/>
@@ -9946,40 +11894,1478 @@
           </a:p>
         </p:txBody>
       </p:sp>
-      <p:pic>
-        <p:nvPicPr>
-          <p:cNvPr id="9" name="Picture 8"/>
-          <p:cNvPicPr>
-            <a:picLocks noChangeAspect="1"/>
-          </p:cNvPicPr>
+      <p:sp>
+        <p:nvSpPr>
+          <p:cNvPr id="2" name="TextBox 1">
+            <a:extLst>
+              <a:ext uri="{FF2B5EF4-FFF2-40B4-BE49-F238E27FC236}">
+                <a16:creationId xmlns:a16="http://schemas.microsoft.com/office/drawing/2014/main" id="{0B5E3AE2-E597-C142-B4C8-CD429D899687}"/>
+              </a:ext>
+            </a:extLst>
+          </p:cNvPr>
+          <p:cNvSpPr txBox="1"/>
           <p:nvPr/>
-        </p:nvPicPr>
-        <p:blipFill>
-          <a:blip r:embed="rId4">
-            <a:extLst>
-              <a:ext uri="{28A0092B-C50C-407E-A947-70E740481C1C}">
-                <a14:useLocalDpi xmlns:a14="http://schemas.microsoft.com/office/drawing/2010/main" val="0"/>
-              </a:ext>
-            </a:extLst>
-          </a:blip>
-          <a:stretch>
-            <a:fillRect/>
-          </a:stretch>
-        </p:blipFill>
+        </p:nvSpPr>
         <p:spPr>
           <a:xfrm>
-            <a:off x="2521440" y="2563030"/>
-            <a:ext cx="7155945" cy="1409267"/>
+            <a:off x="4540125" y="1975756"/>
+            <a:ext cx="3111749" cy="1200329"/>
           </a:xfrm>
           <a:prstGeom prst="rect">
             <a:avLst/>
           </a:prstGeom>
+          <a:solidFill>
+            <a:schemeClr val="accent6"/>
+          </a:solidFill>
         </p:spPr>
-      </p:pic>
+        <p:txBody>
+          <a:bodyPr wrap="none" rtlCol="0">
+            <a:spAutoFit/>
+          </a:bodyPr>
+          <a:lstStyle/>
+          <a:p>
+            <a:r>
+              <a:rPr lang="en-US" sz="7200" dirty="0">
+                <a:solidFill>
+                  <a:srgbClr val="002060"/>
+                </a:solidFill>
+                <a:latin typeface="Gotham Medium" panose="02000604030000020004" pitchFamily="2" charset="0"/>
+              </a:rPr>
+              <a:t>DEMO</a:t>
+            </a:r>
+          </a:p>
+        </p:txBody>
+      </p:sp>
+      <p:sp>
+        <p:nvSpPr>
+          <p:cNvPr id="7" name="TextBox 6">
+            <a:extLst>
+              <a:ext uri="{FF2B5EF4-FFF2-40B4-BE49-F238E27FC236}">
+                <a16:creationId xmlns:a16="http://schemas.microsoft.com/office/drawing/2014/main" id="{3BA05420-51F1-2F47-A91C-A292B0A7CC2E}"/>
+              </a:ext>
+            </a:extLst>
+          </p:cNvPr>
+          <p:cNvSpPr txBox="1"/>
+          <p:nvPr/>
+        </p:nvSpPr>
+        <p:spPr>
+          <a:xfrm>
+            <a:off x="3141568" y="3981449"/>
+            <a:ext cx="5908862" cy="1384995"/>
+          </a:xfrm>
+          <a:prstGeom prst="rect">
+            <a:avLst/>
+          </a:prstGeom>
+          <a:solidFill>
+            <a:schemeClr val="accent6"/>
+          </a:solidFill>
+        </p:spPr>
+        <p:txBody>
+          <a:bodyPr wrap="none" rtlCol="0">
+            <a:spAutoFit/>
+          </a:bodyPr>
+          <a:lstStyle/>
+          <a:p>
+            <a:pPr marL="457200" indent="-457200">
+              <a:buFont typeface="Arial" panose="020B0604020202020204" pitchFamily="34" charset="0"/>
+              <a:buChar char="•"/>
+            </a:pPr>
+            <a:r>
+              <a:rPr lang="en-US" sz="2800" dirty="0">
+                <a:solidFill>
+                  <a:srgbClr val="002060"/>
+                </a:solidFill>
+                <a:latin typeface="Gotham Medium" panose="02000604030000020004" pitchFamily="2" charset="0"/>
+              </a:rPr>
+              <a:t>Creation of IAM User</a:t>
+            </a:r>
+          </a:p>
+          <a:p>
+            <a:pPr marL="457200" indent="-457200">
+              <a:buFont typeface="Arial" panose="020B0604020202020204" pitchFamily="34" charset="0"/>
+              <a:buChar char="•"/>
+            </a:pPr>
+            <a:r>
+              <a:rPr lang="en-US" sz="2800" dirty="0">
+                <a:solidFill>
+                  <a:srgbClr val="002060"/>
+                </a:solidFill>
+                <a:latin typeface="Gotham Medium" panose="02000604030000020004" pitchFamily="2" charset="0"/>
+              </a:rPr>
+              <a:t>Login to AWS Console</a:t>
+            </a:r>
+          </a:p>
+          <a:p>
+            <a:pPr marL="457200" indent="-457200">
+              <a:buFont typeface="Arial" panose="020B0604020202020204" pitchFamily="34" charset="0"/>
+              <a:buChar char="•"/>
+            </a:pPr>
+            <a:r>
+              <a:rPr lang="en-US" sz="2800" dirty="0">
+                <a:solidFill>
+                  <a:srgbClr val="002060"/>
+                </a:solidFill>
+                <a:latin typeface="Gotham Medium" panose="02000604030000020004" pitchFamily="2" charset="0"/>
+              </a:rPr>
+              <a:t>Familiarize with IAM Policies </a:t>
+            </a:r>
+          </a:p>
+        </p:txBody>
+      </p:sp>
     </p:spTree>
     <p:extLst>
       <p:ext uri="{BB962C8B-B14F-4D97-AF65-F5344CB8AC3E}">
         <p14:creationId xmlns:p14="http://schemas.microsoft.com/office/powerpoint/2010/main" val="1531741955"/>
+      </p:ext>
+    </p:extLst>
+  </p:cSld>
+  <p:clrMapOvr>
+    <a:masterClrMapping/>
+  </p:clrMapOvr>
+</p:sld>
+</file>
+
+<file path=ppt/slides/slide8.xml><?xml version="1.0" encoding="utf-8"?>
+<p:sld xmlns:a="http://schemas.openxmlformats.org/drawingml/2006/main" xmlns:r="http://schemas.openxmlformats.org/officeDocument/2006/relationships" xmlns:p="http://schemas.openxmlformats.org/presentationml/2006/main">
+  <p:cSld>
+    <p:spTree>
+      <p:nvGrpSpPr>
+        <p:cNvPr id="1" name=""/>
+        <p:cNvGrpSpPr/>
+        <p:nvPr/>
+      </p:nvGrpSpPr>
+      <p:grpSpPr>
+        <a:xfrm>
+          <a:off x="0" y="0"/>
+          <a:ext cx="0" cy="0"/>
+          <a:chOff x="0" y="0"/>
+          <a:chExt cx="0" cy="0"/>
+        </a:xfrm>
+      </p:grpSpPr>
+      <p:sp>
+        <p:nvSpPr>
+          <p:cNvPr id="2" name="Title 1">
+            <a:extLst>
+              <a:ext uri="{FF2B5EF4-FFF2-40B4-BE49-F238E27FC236}">
+                <a16:creationId xmlns:a16="http://schemas.microsoft.com/office/drawing/2014/main" id="{0DBBFF93-0DFD-C14D-B625-F83E88782E10}"/>
+              </a:ext>
+            </a:extLst>
+          </p:cNvPr>
+          <p:cNvSpPr>
+            <a:spLocks noGrp="1"/>
+          </p:cNvSpPr>
+          <p:nvPr>
+            <p:ph type="title"/>
+          </p:nvPr>
+        </p:nvSpPr>
+        <p:spPr/>
+        <p:txBody>
+          <a:bodyPr/>
+          <a:lstStyle/>
+          <a:p>
+            <a:r>
+              <a:rPr lang="en-US" dirty="0"/>
+              <a:t>IAM User summary…</a:t>
+            </a:r>
+          </a:p>
+        </p:txBody>
+      </p:sp>
+      <p:sp>
+        <p:nvSpPr>
+          <p:cNvPr id="8" name="Content Placeholder 7">
+            <a:extLst>
+              <a:ext uri="{FF2B5EF4-FFF2-40B4-BE49-F238E27FC236}">
+                <a16:creationId xmlns:a16="http://schemas.microsoft.com/office/drawing/2014/main" id="{28DBD3E3-63AE-0143-82E5-7F6F5E42CC6A}"/>
+              </a:ext>
+            </a:extLst>
+          </p:cNvPr>
+          <p:cNvSpPr>
+            <a:spLocks noGrp="1"/>
+          </p:cNvSpPr>
+          <p:nvPr>
+            <p:ph idx="1"/>
+          </p:nvPr>
+        </p:nvSpPr>
+        <p:spPr/>
+        <p:txBody>
+          <a:bodyPr/>
+          <a:lstStyle/>
+          <a:p>
+            <a:endParaRPr lang="en-US" dirty="0"/>
+          </a:p>
+        </p:txBody>
+      </p:sp>
+      <p:sp>
+        <p:nvSpPr>
+          <p:cNvPr id="9" name="TextBox 8">
+            <a:extLst>
+              <a:ext uri="{FF2B5EF4-FFF2-40B4-BE49-F238E27FC236}">
+                <a16:creationId xmlns:a16="http://schemas.microsoft.com/office/drawing/2014/main" id="{4BE6AE17-5249-FE47-A48D-0663F31EE1BF}"/>
+              </a:ext>
+            </a:extLst>
+          </p:cNvPr>
+          <p:cNvSpPr txBox="1"/>
+          <p:nvPr/>
+        </p:nvSpPr>
+        <p:spPr>
+          <a:xfrm>
+            <a:off x="2054573" y="2960555"/>
+            <a:ext cx="8082854" cy="1200329"/>
+          </a:xfrm>
+          <a:prstGeom prst="rect">
+            <a:avLst/>
+          </a:prstGeom>
+          <a:solidFill>
+            <a:srgbClr val="FF0000"/>
+          </a:solidFill>
+          <a:ln w="76200">
+            <a:solidFill>
+              <a:srgbClr val="002060"/>
+            </a:solidFill>
+          </a:ln>
+        </p:spPr>
+        <p:txBody>
+          <a:bodyPr wrap="none" rtlCol="0">
+            <a:spAutoFit/>
+          </a:bodyPr>
+          <a:lstStyle/>
+          <a:p>
+            <a:r>
+              <a:rPr lang="en-US" sz="7200" dirty="0">
+                <a:solidFill>
+                  <a:srgbClr val="002060"/>
+                </a:solidFill>
+                <a:latin typeface="Gotham Medium" panose="02000604030000020004" pitchFamily="2" charset="0"/>
+              </a:rPr>
+              <a:t>Avoid IAM Users!</a:t>
+            </a:r>
+          </a:p>
+        </p:txBody>
+      </p:sp>
+    </p:spTree>
+    <p:extLst>
+      <p:ext uri="{BB962C8B-B14F-4D97-AF65-F5344CB8AC3E}">
+        <p14:creationId xmlns:p14="http://schemas.microsoft.com/office/powerpoint/2010/main" val="3332891335"/>
+      </p:ext>
+    </p:extLst>
+  </p:cSld>
+  <p:clrMapOvr>
+    <a:masterClrMapping/>
+  </p:clrMapOvr>
+  <p:timing>
+    <p:tnLst>
+      <p:par>
+        <p:cTn id="1" dur="indefinite" restart="never" nodeType="tmRoot">
+          <p:childTnLst>
+            <p:seq concurrent="1" nextAc="seek">
+              <p:cTn id="2" dur="indefinite" nodeType="mainSeq">
+                <p:childTnLst>
+                  <p:par>
+                    <p:cTn id="3" fill="hold">
+                      <p:stCondLst>
+                        <p:cond delay="indefinite"/>
+                      </p:stCondLst>
+                      <p:childTnLst>
+                        <p:par>
+                          <p:cTn id="4" fill="hold">
+                            <p:stCondLst>
+                              <p:cond delay="0"/>
+                            </p:stCondLst>
+                            <p:childTnLst>
+                              <p:par>
+                                <p:cTn id="5" presetID="10" presetClass="entr" presetSubtype="0" fill="hold" grpId="0" nodeType="clickEffect">
+                                  <p:stCondLst>
+                                    <p:cond delay="0"/>
+                                  </p:stCondLst>
+                                  <p:childTnLst>
+                                    <p:set>
+                                      <p:cBhvr>
+                                        <p:cTn id="6" dur="1" fill="hold">
+                                          <p:stCondLst>
+                                            <p:cond delay="0"/>
+                                          </p:stCondLst>
+                                        </p:cTn>
+                                        <p:tgtEl>
+                                          <p:spTgt spid="9"/>
+                                        </p:tgtEl>
+                                        <p:attrNameLst>
+                                          <p:attrName>style.visibility</p:attrName>
+                                        </p:attrNameLst>
+                                      </p:cBhvr>
+                                      <p:to>
+                                        <p:strVal val="visible"/>
+                                      </p:to>
+                                    </p:set>
+                                    <p:animEffect transition="in" filter="fade">
+                                      <p:cBhvr>
+                                        <p:cTn id="7" dur="500"/>
+                                        <p:tgtEl>
+                                          <p:spTgt spid="9"/>
+                                        </p:tgtEl>
+                                      </p:cBhvr>
+                                    </p:animEffect>
+                                  </p:childTnLst>
+                                </p:cTn>
+                              </p:par>
+                            </p:childTnLst>
+                          </p:cTn>
+                        </p:par>
+                      </p:childTnLst>
+                    </p:cTn>
+                  </p:par>
+                </p:childTnLst>
+              </p:cTn>
+              <p:prevCondLst>
+                <p:cond evt="onPrev" delay="0">
+                  <p:tgtEl>
+                    <p:sldTgt/>
+                  </p:tgtEl>
+                </p:cond>
+              </p:prevCondLst>
+              <p:nextCondLst>
+                <p:cond evt="onNext" delay="0">
+                  <p:tgtEl>
+                    <p:sldTgt/>
+                  </p:tgtEl>
+                </p:cond>
+              </p:nextCondLst>
+            </p:seq>
+          </p:childTnLst>
+        </p:cTn>
+      </p:par>
+    </p:tnLst>
+    <p:bldLst>
+      <p:bldP spid="9" grpId="0" animBg="1"/>
+    </p:bldLst>
+  </p:timing>
+</p:sld>
+</file>
+
+<file path=ppt/slides/slide9.xml><?xml version="1.0" encoding="utf-8"?>
+<p:sld xmlns:a="http://schemas.openxmlformats.org/drawingml/2006/main" xmlns:r="http://schemas.openxmlformats.org/officeDocument/2006/relationships" xmlns:p="http://schemas.openxmlformats.org/presentationml/2006/main">
+  <p:cSld>
+    <p:spTree>
+      <p:nvGrpSpPr>
+        <p:cNvPr id="1" name=""/>
+        <p:cNvGrpSpPr/>
+        <p:nvPr/>
+      </p:nvGrpSpPr>
+      <p:grpSpPr>
+        <a:xfrm>
+          <a:off x="0" y="0"/>
+          <a:ext cx="0" cy="0"/>
+          <a:chOff x="0" y="0"/>
+          <a:chExt cx="0" cy="0"/>
+        </a:xfrm>
+      </p:grpSpPr>
+      <p:sp>
+        <p:nvSpPr>
+          <p:cNvPr id="2" name="Title 1">
+            <a:extLst>
+              <a:ext uri="{FF2B5EF4-FFF2-40B4-BE49-F238E27FC236}">
+                <a16:creationId xmlns:a16="http://schemas.microsoft.com/office/drawing/2014/main" id="{0DBBFF93-0DFD-C14D-B625-F83E88782E10}"/>
+              </a:ext>
+            </a:extLst>
+          </p:cNvPr>
+          <p:cNvSpPr>
+            <a:spLocks noGrp="1"/>
+          </p:cNvSpPr>
+          <p:nvPr>
+            <p:ph type="title"/>
+          </p:nvPr>
+        </p:nvSpPr>
+        <p:spPr/>
+        <p:txBody>
+          <a:bodyPr/>
+          <a:lstStyle/>
+          <a:p>
+            <a:r>
+              <a:rPr lang="en-US" dirty="0"/>
+              <a:t>IAM User summary…</a:t>
+            </a:r>
+          </a:p>
+        </p:txBody>
+      </p:sp>
+      <p:grpSp>
+        <p:nvGrpSpPr>
+          <p:cNvPr id="6" name="Group 5">
+            <a:extLst>
+              <a:ext uri="{FF2B5EF4-FFF2-40B4-BE49-F238E27FC236}">
+                <a16:creationId xmlns:a16="http://schemas.microsoft.com/office/drawing/2014/main" id="{DCF62444-2D53-654D-96A1-5544BB2CCACD}"/>
+              </a:ext>
+            </a:extLst>
+          </p:cNvPr>
+          <p:cNvGrpSpPr/>
+          <p:nvPr/>
+        </p:nvGrpSpPr>
+        <p:grpSpPr>
+          <a:xfrm>
+            <a:off x="2860937" y="1903757"/>
+            <a:ext cx="6470126" cy="3678896"/>
+            <a:chOff x="6624243" y="1360665"/>
+            <a:chExt cx="6470126" cy="3678896"/>
+          </a:xfrm>
+        </p:grpSpPr>
+        <p:sp>
+          <p:nvSpPr>
+            <p:cNvPr id="4" name="Rectangle 3">
+              <a:extLst>
+                <a:ext uri="{FF2B5EF4-FFF2-40B4-BE49-F238E27FC236}">
+                  <a16:creationId xmlns:a16="http://schemas.microsoft.com/office/drawing/2014/main" id="{ED1998BD-6295-1E41-8B35-E5EEF50658A1}"/>
+                </a:ext>
+              </a:extLst>
+            </p:cNvPr>
+            <p:cNvSpPr/>
+            <p:nvPr/>
+          </p:nvSpPr>
+          <p:spPr>
+            <a:xfrm>
+              <a:off x="6624243" y="1360665"/>
+              <a:ext cx="6470126" cy="3678896"/>
+            </a:xfrm>
+            <a:prstGeom prst="rect">
+              <a:avLst/>
+            </a:prstGeom>
+            <a:solidFill>
+              <a:schemeClr val="bg1"/>
+            </a:solidFill>
+            <a:ln w="12700">
+              <a:solidFill>
+                <a:schemeClr val="tx1"/>
+              </a:solidFill>
+            </a:ln>
+          </p:spPr>
+          <p:style>
+            <a:lnRef idx="2">
+              <a:schemeClr val="accent1">
+                <a:shade val="50000"/>
+              </a:schemeClr>
+            </a:lnRef>
+            <a:fillRef idx="1">
+              <a:schemeClr val="accent1"/>
+            </a:fillRef>
+            <a:effectRef idx="0">
+              <a:schemeClr val="accent1"/>
+            </a:effectRef>
+            <a:fontRef idx="minor">
+              <a:schemeClr val="lt1"/>
+            </a:fontRef>
+          </p:style>
+          <p:txBody>
+            <a:bodyPr lIns="457200" tIns="91440"/>
+            <a:lstStyle/>
+            <a:p>
+              <a:pPr eaLnBrk="1" fontAlgn="auto" hangingPunct="1">
+                <a:spcBef>
+                  <a:spcPts val="0"/>
+                </a:spcBef>
+                <a:spcAft>
+                  <a:spcPts val="0"/>
+                </a:spcAft>
+                <a:defRPr/>
+              </a:pPr>
+              <a:r>
+                <a:rPr lang="en-US" sz="1200" dirty="0">
+                  <a:solidFill>
+                    <a:sysClr val="windowText" lastClr="000000"/>
+                  </a:solidFill>
+                  <a:latin typeface="Arial" panose="020B0604020202020204" pitchFamily="34" charset="0"/>
+                  <a:cs typeface="Arial" panose="020B0604020202020204" pitchFamily="34" charset="0"/>
+                </a:rPr>
+                <a:t>AWS Cloud Account</a:t>
+              </a:r>
+            </a:p>
+          </p:txBody>
+        </p:sp>
+        <p:pic>
+          <p:nvPicPr>
+            <p:cNvPr id="5" name="Graphic 5">
+              <a:extLst>
+                <a:ext uri="{FF2B5EF4-FFF2-40B4-BE49-F238E27FC236}">
+                  <a16:creationId xmlns:a16="http://schemas.microsoft.com/office/drawing/2014/main" id="{D629925C-6679-D84D-A8EA-4CA187496259}"/>
+                </a:ext>
+              </a:extLst>
+            </p:cNvPr>
+            <p:cNvPicPr>
+              <a:picLocks noChangeAspect="1" noChangeArrowheads="1"/>
+            </p:cNvPicPr>
+            <p:nvPr/>
+          </p:nvPicPr>
+          <p:blipFill>
+            <a:blip r:embed="rId2">
+              <a:extLst>
+                <a:ext uri="{28A0092B-C50C-407E-A947-70E740481C1C}">
+                  <a14:useLocalDpi xmlns:a14="http://schemas.microsoft.com/office/drawing/2010/main" val="0"/>
+                </a:ext>
+              </a:extLst>
+            </a:blip>
+            <a:srcRect/>
+            <a:stretch>
+              <a:fillRect/>
+            </a:stretch>
+          </p:blipFill>
+          <p:spPr bwMode="auto">
+            <a:xfrm>
+              <a:off x="6624243" y="1360665"/>
+              <a:ext cx="330200" cy="330200"/>
+            </a:xfrm>
+            <a:prstGeom prst="rect">
+              <a:avLst/>
+            </a:prstGeom>
+            <a:noFill/>
+            <a:ln>
+              <a:noFill/>
+            </a:ln>
+            <a:extLst>
+              <a:ext uri="{909E8E84-426E-40DD-AFC4-6F175D3DCCD1}">
+                <a14:hiddenFill xmlns:a14="http://schemas.microsoft.com/office/drawing/2010/main">
+                  <a:solidFill>
+                    <a:srgbClr val="FFFFFF"/>
+                  </a:solidFill>
+                </a14:hiddenFill>
+              </a:ext>
+              <a:ext uri="{91240B29-F687-4F45-9708-019B960494DF}">
+                <a14:hiddenLine xmlns:a14="http://schemas.microsoft.com/office/drawing/2010/main" w="9525">
+                  <a:solidFill>
+                    <a:srgbClr val="000000"/>
+                  </a:solidFill>
+                  <a:miter lim="800000"/>
+                  <a:headEnd/>
+                  <a:tailEnd/>
+                </a14:hiddenLine>
+              </a:ext>
+            </a:extLst>
+          </p:spPr>
+        </p:pic>
+      </p:grpSp>
+      <p:grpSp>
+        <p:nvGrpSpPr>
+          <p:cNvPr id="9" name="Group 8">
+            <a:extLst>
+              <a:ext uri="{FF2B5EF4-FFF2-40B4-BE49-F238E27FC236}">
+                <a16:creationId xmlns:a16="http://schemas.microsoft.com/office/drawing/2014/main" id="{F90B6EEF-05FF-7440-85A4-81E3A35F14AE}"/>
+              </a:ext>
+            </a:extLst>
+          </p:cNvPr>
+          <p:cNvGrpSpPr/>
+          <p:nvPr/>
+        </p:nvGrpSpPr>
+        <p:grpSpPr>
+          <a:xfrm>
+            <a:off x="6808118" y="2747127"/>
+            <a:ext cx="1073150" cy="1069047"/>
+            <a:chOff x="4277300" y="2313474"/>
+            <a:chExt cx="1073150" cy="1069047"/>
+          </a:xfrm>
+        </p:grpSpPr>
+        <p:pic>
+          <p:nvPicPr>
+            <p:cNvPr id="10" name="Graphic 49">
+              <a:extLst>
+                <a:ext uri="{FF2B5EF4-FFF2-40B4-BE49-F238E27FC236}">
+                  <a16:creationId xmlns:a16="http://schemas.microsoft.com/office/drawing/2014/main" id="{833960CF-B9BE-7E49-BB0F-33A91A7BD583}"/>
+                </a:ext>
+              </a:extLst>
+            </p:cNvPr>
+            <p:cNvPicPr>
+              <a:picLocks noChangeAspect="1" noChangeArrowheads="1"/>
+            </p:cNvPicPr>
+            <p:nvPr/>
+          </p:nvPicPr>
+          <p:blipFill>
+            <a:blip r:embed="rId3">
+              <a:extLst>
+                <a:ext uri="{28A0092B-C50C-407E-A947-70E740481C1C}">
+                  <a14:useLocalDpi xmlns:a14="http://schemas.microsoft.com/office/drawing/2010/main" val="0"/>
+                </a:ext>
+              </a:extLst>
+            </a:blip>
+            <a:srcRect/>
+            <a:stretch>
+              <a:fillRect/>
+            </a:stretch>
+          </p:blipFill>
+          <p:spPr bwMode="auto">
+            <a:xfrm>
+              <a:off x="4348601" y="2313474"/>
+              <a:ext cx="930548" cy="930548"/>
+            </a:xfrm>
+            <a:prstGeom prst="rect">
+              <a:avLst/>
+            </a:prstGeom>
+            <a:noFill/>
+            <a:ln>
+              <a:noFill/>
+            </a:ln>
+            <a:extLst>
+              <a:ext uri="{909E8E84-426E-40DD-AFC4-6F175D3DCCD1}">
+                <a14:hiddenFill xmlns:a14="http://schemas.microsoft.com/office/drawing/2010/main">
+                  <a:solidFill>
+                    <a:srgbClr val="FFFFFF"/>
+                  </a:solidFill>
+                </a14:hiddenFill>
+              </a:ext>
+              <a:ext uri="{91240B29-F687-4F45-9708-019B960494DF}">
+                <a14:hiddenLine xmlns:a14="http://schemas.microsoft.com/office/drawing/2010/main" w="9525">
+                  <a:solidFill>
+                    <a:srgbClr val="000000"/>
+                  </a:solidFill>
+                  <a:miter lim="800000"/>
+                  <a:headEnd/>
+                  <a:tailEnd/>
+                </a14:hiddenLine>
+              </a:ext>
+            </a:extLst>
+          </p:spPr>
+        </p:pic>
+        <p:sp>
+          <p:nvSpPr>
+            <p:cNvPr id="11" name="TextBox 40">
+              <a:extLst>
+                <a:ext uri="{FF2B5EF4-FFF2-40B4-BE49-F238E27FC236}">
+                  <a16:creationId xmlns:a16="http://schemas.microsoft.com/office/drawing/2014/main" id="{3ABAAAFC-0894-1F41-8920-5FDAA42DAE2E}"/>
+                </a:ext>
+              </a:extLst>
+            </p:cNvPr>
+            <p:cNvSpPr txBox="1">
+              <a:spLocks noChangeArrowheads="1"/>
+            </p:cNvSpPr>
+            <p:nvPr/>
+          </p:nvSpPr>
+          <p:spPr bwMode="auto">
+            <a:xfrm>
+              <a:off x="4277300" y="3105522"/>
+              <a:ext cx="1073150" cy="276999"/>
+            </a:xfrm>
+            <a:prstGeom prst="rect">
+              <a:avLst/>
+            </a:prstGeom>
+            <a:noFill/>
+            <a:ln>
+              <a:noFill/>
+            </a:ln>
+            <a:extLst>
+              <a:ext uri="{909E8E84-426E-40DD-AFC4-6F175D3DCCD1}">
+                <a14:hiddenFill xmlns:a14="http://schemas.microsoft.com/office/drawing/2010/main">
+                  <a:solidFill>
+                    <a:srgbClr val="FFFFFF"/>
+                  </a:solidFill>
+                </a14:hiddenFill>
+              </a:ext>
+              <a:ext uri="{91240B29-F687-4F45-9708-019B960494DF}">
+                <a14:hiddenLine xmlns:a14="http://schemas.microsoft.com/office/drawing/2010/main" w="9525">
+                  <a:solidFill>
+                    <a:srgbClr val="000000"/>
+                  </a:solidFill>
+                  <a:miter lim="800000"/>
+                  <a:headEnd/>
+                  <a:tailEnd/>
+                </a14:hiddenLine>
+              </a:ext>
+            </a:extLst>
+          </p:spPr>
+          <p:txBody>
+            <a:bodyPr>
+              <a:spAutoFit/>
+            </a:bodyPr>
+            <a:lstStyle>
+              <a:lvl1pPr>
+                <a:defRPr>
+                  <a:solidFill>
+                    <a:schemeClr val="tx1"/>
+                  </a:solidFill>
+                  <a:latin typeface="Calibri" panose="020F0502020204030204" pitchFamily="34" charset="0"/>
+                </a:defRPr>
+              </a:lvl1pPr>
+              <a:lvl2pPr marL="742950" indent="-285750">
+                <a:defRPr>
+                  <a:solidFill>
+                    <a:schemeClr val="tx1"/>
+                  </a:solidFill>
+                  <a:latin typeface="Calibri" panose="020F0502020204030204" pitchFamily="34" charset="0"/>
+                </a:defRPr>
+              </a:lvl2pPr>
+              <a:lvl3pPr marL="1143000" indent="-228600">
+                <a:defRPr>
+                  <a:solidFill>
+                    <a:schemeClr val="tx1"/>
+                  </a:solidFill>
+                  <a:latin typeface="Calibri" panose="020F0502020204030204" pitchFamily="34" charset="0"/>
+                </a:defRPr>
+              </a:lvl3pPr>
+              <a:lvl4pPr marL="1600200" indent="-228600">
+                <a:defRPr>
+                  <a:solidFill>
+                    <a:schemeClr val="tx1"/>
+                  </a:solidFill>
+                  <a:latin typeface="Calibri" panose="020F0502020204030204" pitchFamily="34" charset="0"/>
+                </a:defRPr>
+              </a:lvl4pPr>
+              <a:lvl5pPr marL="2057400" indent="-228600">
+                <a:defRPr>
+                  <a:solidFill>
+                    <a:schemeClr val="tx1"/>
+                  </a:solidFill>
+                  <a:latin typeface="Calibri" panose="020F0502020204030204" pitchFamily="34" charset="0"/>
+                </a:defRPr>
+              </a:lvl5pPr>
+              <a:lvl6pPr marL="2514600" indent="-228600" eaLnBrk="0" fontAlgn="base" hangingPunct="0">
+                <a:spcBef>
+                  <a:spcPct val="0"/>
+                </a:spcBef>
+                <a:spcAft>
+                  <a:spcPct val="0"/>
+                </a:spcAft>
+                <a:defRPr>
+                  <a:solidFill>
+                    <a:schemeClr val="tx1"/>
+                  </a:solidFill>
+                  <a:latin typeface="Calibri" panose="020F0502020204030204" pitchFamily="34" charset="0"/>
+                </a:defRPr>
+              </a:lvl6pPr>
+              <a:lvl7pPr marL="2971800" indent="-228600" eaLnBrk="0" fontAlgn="base" hangingPunct="0">
+                <a:spcBef>
+                  <a:spcPct val="0"/>
+                </a:spcBef>
+                <a:spcAft>
+                  <a:spcPct val="0"/>
+                </a:spcAft>
+                <a:defRPr>
+                  <a:solidFill>
+                    <a:schemeClr val="tx1"/>
+                  </a:solidFill>
+                  <a:latin typeface="Calibri" panose="020F0502020204030204" pitchFamily="34" charset="0"/>
+                </a:defRPr>
+              </a:lvl7pPr>
+              <a:lvl8pPr marL="3429000" indent="-228600" eaLnBrk="0" fontAlgn="base" hangingPunct="0">
+                <a:spcBef>
+                  <a:spcPct val="0"/>
+                </a:spcBef>
+                <a:spcAft>
+                  <a:spcPct val="0"/>
+                </a:spcAft>
+                <a:defRPr>
+                  <a:solidFill>
+                    <a:schemeClr val="tx1"/>
+                  </a:solidFill>
+                  <a:latin typeface="Calibri" panose="020F0502020204030204" pitchFamily="34" charset="0"/>
+                </a:defRPr>
+              </a:lvl8pPr>
+              <a:lvl9pPr marL="3886200" indent="-228600" eaLnBrk="0" fontAlgn="base" hangingPunct="0">
+                <a:spcBef>
+                  <a:spcPct val="0"/>
+                </a:spcBef>
+                <a:spcAft>
+                  <a:spcPct val="0"/>
+                </a:spcAft>
+                <a:defRPr>
+                  <a:solidFill>
+                    <a:schemeClr val="tx1"/>
+                  </a:solidFill>
+                  <a:latin typeface="Calibri" panose="020F0502020204030204" pitchFamily="34" charset="0"/>
+                </a:defRPr>
+              </a:lvl9pPr>
+            </a:lstStyle>
+            <a:p>
+              <a:pPr algn="ctr" eaLnBrk="1" hangingPunct="1"/>
+              <a:r>
+                <a:rPr lang="en-US" altLang="en-US" sz="1200" b="1" dirty="0">
+                  <a:solidFill>
+                    <a:srgbClr val="000000"/>
+                  </a:solidFill>
+                  <a:latin typeface="Arial" panose="020B0604020202020204" pitchFamily="34" charset="0"/>
+                  <a:cs typeface="Arial" panose="020B0604020202020204" pitchFamily="34" charset="0"/>
+                </a:rPr>
+                <a:t>IAM Role</a:t>
+              </a:r>
+            </a:p>
+          </p:txBody>
+        </p:sp>
+      </p:grpSp>
+      <p:sp>
+        <p:nvSpPr>
+          <p:cNvPr id="12" name="TextBox 40">
+            <a:extLst>
+              <a:ext uri="{FF2B5EF4-FFF2-40B4-BE49-F238E27FC236}">
+                <a16:creationId xmlns:a16="http://schemas.microsoft.com/office/drawing/2014/main" id="{846ED284-066E-1B45-AFD0-B5624641513E}"/>
+              </a:ext>
+            </a:extLst>
+          </p:cNvPr>
+          <p:cNvSpPr txBox="1">
+            <a:spLocks noChangeArrowheads="1"/>
+          </p:cNvSpPr>
+          <p:nvPr/>
+        </p:nvSpPr>
+        <p:spPr bwMode="auto">
+          <a:xfrm>
+            <a:off x="6655510" y="3893237"/>
+            <a:ext cx="1378365" cy="307777"/>
+          </a:xfrm>
+          <a:prstGeom prst="rect">
+            <a:avLst/>
+          </a:prstGeom>
+          <a:solidFill>
+            <a:srgbClr val="002060"/>
+          </a:solidFill>
+          <a:ln>
+            <a:noFill/>
+          </a:ln>
+        </p:spPr>
+        <p:txBody>
+          <a:bodyPr wrap="square">
+            <a:spAutoFit/>
+          </a:bodyPr>
+          <a:lstStyle>
+            <a:lvl1pPr>
+              <a:defRPr>
+                <a:solidFill>
+                  <a:schemeClr val="tx1"/>
+                </a:solidFill>
+                <a:latin typeface="Calibri" panose="020F0502020204030204" pitchFamily="34" charset="0"/>
+              </a:defRPr>
+            </a:lvl1pPr>
+            <a:lvl2pPr marL="742950" indent="-285750">
+              <a:defRPr>
+                <a:solidFill>
+                  <a:schemeClr val="tx1"/>
+                </a:solidFill>
+                <a:latin typeface="Calibri" panose="020F0502020204030204" pitchFamily="34" charset="0"/>
+              </a:defRPr>
+            </a:lvl2pPr>
+            <a:lvl3pPr marL="1143000" indent="-228600">
+              <a:defRPr>
+                <a:solidFill>
+                  <a:schemeClr val="tx1"/>
+                </a:solidFill>
+                <a:latin typeface="Calibri" panose="020F0502020204030204" pitchFamily="34" charset="0"/>
+              </a:defRPr>
+            </a:lvl3pPr>
+            <a:lvl4pPr marL="1600200" indent="-228600">
+              <a:defRPr>
+                <a:solidFill>
+                  <a:schemeClr val="tx1"/>
+                </a:solidFill>
+                <a:latin typeface="Calibri" panose="020F0502020204030204" pitchFamily="34" charset="0"/>
+              </a:defRPr>
+            </a:lvl4pPr>
+            <a:lvl5pPr marL="2057400" indent="-228600">
+              <a:defRPr>
+                <a:solidFill>
+                  <a:schemeClr val="tx1"/>
+                </a:solidFill>
+                <a:latin typeface="Calibri" panose="020F0502020204030204" pitchFamily="34" charset="0"/>
+              </a:defRPr>
+            </a:lvl5pPr>
+            <a:lvl6pPr marL="2514600" indent="-228600" eaLnBrk="0" fontAlgn="base" hangingPunct="0">
+              <a:spcBef>
+                <a:spcPct val="0"/>
+              </a:spcBef>
+              <a:spcAft>
+                <a:spcPct val="0"/>
+              </a:spcAft>
+              <a:defRPr>
+                <a:solidFill>
+                  <a:schemeClr val="tx1"/>
+                </a:solidFill>
+                <a:latin typeface="Calibri" panose="020F0502020204030204" pitchFamily="34" charset="0"/>
+              </a:defRPr>
+            </a:lvl6pPr>
+            <a:lvl7pPr marL="2971800" indent="-228600" eaLnBrk="0" fontAlgn="base" hangingPunct="0">
+              <a:spcBef>
+                <a:spcPct val="0"/>
+              </a:spcBef>
+              <a:spcAft>
+                <a:spcPct val="0"/>
+              </a:spcAft>
+              <a:defRPr>
+                <a:solidFill>
+                  <a:schemeClr val="tx1"/>
+                </a:solidFill>
+                <a:latin typeface="Calibri" panose="020F0502020204030204" pitchFamily="34" charset="0"/>
+              </a:defRPr>
+            </a:lvl7pPr>
+            <a:lvl8pPr marL="3429000" indent="-228600" eaLnBrk="0" fontAlgn="base" hangingPunct="0">
+              <a:spcBef>
+                <a:spcPct val="0"/>
+              </a:spcBef>
+              <a:spcAft>
+                <a:spcPct val="0"/>
+              </a:spcAft>
+              <a:defRPr>
+                <a:solidFill>
+                  <a:schemeClr val="tx1"/>
+                </a:solidFill>
+                <a:latin typeface="Calibri" panose="020F0502020204030204" pitchFamily="34" charset="0"/>
+              </a:defRPr>
+            </a:lvl8pPr>
+            <a:lvl9pPr marL="3886200" indent="-228600" eaLnBrk="0" fontAlgn="base" hangingPunct="0">
+              <a:spcBef>
+                <a:spcPct val="0"/>
+              </a:spcBef>
+              <a:spcAft>
+                <a:spcPct val="0"/>
+              </a:spcAft>
+              <a:defRPr>
+                <a:solidFill>
+                  <a:schemeClr val="tx1"/>
+                </a:solidFill>
+                <a:latin typeface="Calibri" panose="020F0502020204030204" pitchFamily="34" charset="0"/>
+              </a:defRPr>
+            </a:lvl9pPr>
+          </a:lstStyle>
+          <a:p>
+            <a:pPr algn="ctr" eaLnBrk="1" hangingPunct="1"/>
+            <a:r>
+              <a:rPr lang="en-US" altLang="en-US" sz="1400" b="1" dirty="0">
+                <a:solidFill>
+                  <a:schemeClr val="accent6"/>
+                </a:solidFill>
+                <a:latin typeface="Montserrat" pitchFamily="2" charset="77"/>
+                <a:cs typeface="Arial" panose="020B0604020202020204" pitchFamily="34" charset="0"/>
+              </a:rPr>
+              <a:t>Trust policy</a:t>
+            </a:r>
+          </a:p>
+        </p:txBody>
+      </p:sp>
+      <p:grpSp>
+        <p:nvGrpSpPr>
+          <p:cNvPr id="13" name="Group 12">
+            <a:extLst>
+              <a:ext uri="{FF2B5EF4-FFF2-40B4-BE49-F238E27FC236}">
+                <a16:creationId xmlns:a16="http://schemas.microsoft.com/office/drawing/2014/main" id="{4E860DC2-6EFB-0347-AD65-4D06728E4101}"/>
+              </a:ext>
+            </a:extLst>
+          </p:cNvPr>
+          <p:cNvGrpSpPr/>
+          <p:nvPr/>
+        </p:nvGrpSpPr>
+        <p:grpSpPr>
+          <a:xfrm>
+            <a:off x="3904651" y="2851604"/>
+            <a:ext cx="1073150" cy="1023505"/>
+            <a:chOff x="3367880" y="2959099"/>
+            <a:chExt cx="1073150" cy="1023505"/>
+          </a:xfrm>
+        </p:grpSpPr>
+        <p:pic>
+          <p:nvPicPr>
+            <p:cNvPr id="14" name="Graphic 22">
+              <a:extLst>
+                <a:ext uri="{FF2B5EF4-FFF2-40B4-BE49-F238E27FC236}">
+                  <a16:creationId xmlns:a16="http://schemas.microsoft.com/office/drawing/2014/main" id="{E4EC1BE4-0905-F241-B890-21AAEFF5EC0F}"/>
+                </a:ext>
+              </a:extLst>
+            </p:cNvPr>
+            <p:cNvPicPr>
+              <a:picLocks noChangeAspect="1" noChangeArrowheads="1"/>
+            </p:cNvPicPr>
+            <p:nvPr/>
+          </p:nvPicPr>
+          <p:blipFill>
+            <a:blip r:embed="rId4">
+              <a:extLst>
+                <a:ext uri="{96DAC541-7B7A-43D3-8B79-37D633B846F1}">
+                  <asvg:svgBlip xmlns:asvg="http://schemas.microsoft.com/office/drawing/2016/SVG/main" r:embed="rId5"/>
+                </a:ext>
+              </a:extLst>
+            </a:blip>
+            <a:srcRect/>
+            <a:stretch/>
+          </p:blipFill>
+          <p:spPr bwMode="auto">
+            <a:xfrm>
+              <a:off x="3531202" y="2959099"/>
+              <a:ext cx="746507" cy="746507"/>
+            </a:xfrm>
+            <a:prstGeom prst="rect">
+              <a:avLst/>
+            </a:prstGeom>
+            <a:noFill/>
+            <a:ln>
+              <a:noFill/>
+            </a:ln>
+            <a:extLst>
+              <a:ext uri="{909E8E84-426E-40DD-AFC4-6F175D3DCCD1}">
+                <a14:hiddenFill xmlns:a14="http://schemas.microsoft.com/office/drawing/2010/main">
+                  <a:solidFill>
+                    <a:srgbClr val="FFFFFF"/>
+                  </a:solidFill>
+                </a14:hiddenFill>
+              </a:ext>
+              <a:ext uri="{91240B29-F687-4F45-9708-019B960494DF}">
+                <a14:hiddenLine xmlns:a14="http://schemas.microsoft.com/office/drawing/2010/main" w="9525">
+                  <a:solidFill>
+                    <a:srgbClr val="000000"/>
+                  </a:solidFill>
+                  <a:miter lim="800000"/>
+                  <a:headEnd/>
+                  <a:tailEnd/>
+                </a14:hiddenLine>
+              </a:ext>
+            </a:extLst>
+          </p:spPr>
+        </p:pic>
+        <p:sp>
+          <p:nvSpPr>
+            <p:cNvPr id="15" name="TextBox 40">
+              <a:extLst>
+                <a:ext uri="{FF2B5EF4-FFF2-40B4-BE49-F238E27FC236}">
+                  <a16:creationId xmlns:a16="http://schemas.microsoft.com/office/drawing/2014/main" id="{DE667813-0497-D24B-90F5-3B649039F193}"/>
+                </a:ext>
+              </a:extLst>
+            </p:cNvPr>
+            <p:cNvSpPr txBox="1">
+              <a:spLocks noChangeArrowheads="1"/>
+            </p:cNvSpPr>
+            <p:nvPr/>
+          </p:nvSpPr>
+          <p:spPr bwMode="auto">
+            <a:xfrm>
+              <a:off x="3367880" y="3705605"/>
+              <a:ext cx="1073150" cy="276999"/>
+            </a:xfrm>
+            <a:prstGeom prst="rect">
+              <a:avLst/>
+            </a:prstGeom>
+            <a:noFill/>
+            <a:ln>
+              <a:noFill/>
+            </a:ln>
+            <a:extLst>
+              <a:ext uri="{909E8E84-426E-40DD-AFC4-6F175D3DCCD1}">
+                <a14:hiddenFill xmlns:a14="http://schemas.microsoft.com/office/drawing/2010/main">
+                  <a:solidFill>
+                    <a:srgbClr val="FFFFFF"/>
+                  </a:solidFill>
+                </a14:hiddenFill>
+              </a:ext>
+              <a:ext uri="{91240B29-F687-4F45-9708-019B960494DF}">
+                <a14:hiddenLine xmlns:a14="http://schemas.microsoft.com/office/drawing/2010/main" w="9525">
+                  <a:solidFill>
+                    <a:srgbClr val="000000"/>
+                  </a:solidFill>
+                  <a:miter lim="800000"/>
+                  <a:headEnd/>
+                  <a:tailEnd/>
+                </a14:hiddenLine>
+              </a:ext>
+            </a:extLst>
+          </p:spPr>
+          <p:txBody>
+            <a:bodyPr>
+              <a:spAutoFit/>
+            </a:bodyPr>
+            <a:lstStyle>
+              <a:lvl1pPr>
+                <a:defRPr>
+                  <a:solidFill>
+                    <a:schemeClr val="tx1"/>
+                  </a:solidFill>
+                  <a:latin typeface="Calibri" panose="020F0502020204030204" pitchFamily="34" charset="0"/>
+                </a:defRPr>
+              </a:lvl1pPr>
+              <a:lvl2pPr marL="742950" indent="-285750">
+                <a:defRPr>
+                  <a:solidFill>
+                    <a:schemeClr val="tx1"/>
+                  </a:solidFill>
+                  <a:latin typeface="Calibri" panose="020F0502020204030204" pitchFamily="34" charset="0"/>
+                </a:defRPr>
+              </a:lvl2pPr>
+              <a:lvl3pPr marL="1143000" indent="-228600">
+                <a:defRPr>
+                  <a:solidFill>
+                    <a:schemeClr val="tx1"/>
+                  </a:solidFill>
+                  <a:latin typeface="Calibri" panose="020F0502020204030204" pitchFamily="34" charset="0"/>
+                </a:defRPr>
+              </a:lvl3pPr>
+              <a:lvl4pPr marL="1600200" indent="-228600">
+                <a:defRPr>
+                  <a:solidFill>
+                    <a:schemeClr val="tx1"/>
+                  </a:solidFill>
+                  <a:latin typeface="Calibri" panose="020F0502020204030204" pitchFamily="34" charset="0"/>
+                </a:defRPr>
+              </a:lvl4pPr>
+              <a:lvl5pPr marL="2057400" indent="-228600">
+                <a:defRPr>
+                  <a:solidFill>
+                    <a:schemeClr val="tx1"/>
+                  </a:solidFill>
+                  <a:latin typeface="Calibri" panose="020F0502020204030204" pitchFamily="34" charset="0"/>
+                </a:defRPr>
+              </a:lvl5pPr>
+              <a:lvl6pPr marL="2514600" indent="-228600" eaLnBrk="0" fontAlgn="base" hangingPunct="0">
+                <a:spcBef>
+                  <a:spcPct val="0"/>
+                </a:spcBef>
+                <a:spcAft>
+                  <a:spcPct val="0"/>
+                </a:spcAft>
+                <a:defRPr>
+                  <a:solidFill>
+                    <a:schemeClr val="tx1"/>
+                  </a:solidFill>
+                  <a:latin typeface="Calibri" panose="020F0502020204030204" pitchFamily="34" charset="0"/>
+                </a:defRPr>
+              </a:lvl6pPr>
+              <a:lvl7pPr marL="2971800" indent="-228600" eaLnBrk="0" fontAlgn="base" hangingPunct="0">
+                <a:spcBef>
+                  <a:spcPct val="0"/>
+                </a:spcBef>
+                <a:spcAft>
+                  <a:spcPct val="0"/>
+                </a:spcAft>
+                <a:defRPr>
+                  <a:solidFill>
+                    <a:schemeClr val="tx1"/>
+                  </a:solidFill>
+                  <a:latin typeface="Calibri" panose="020F0502020204030204" pitchFamily="34" charset="0"/>
+                </a:defRPr>
+              </a:lvl7pPr>
+              <a:lvl8pPr marL="3429000" indent="-228600" eaLnBrk="0" fontAlgn="base" hangingPunct="0">
+                <a:spcBef>
+                  <a:spcPct val="0"/>
+                </a:spcBef>
+                <a:spcAft>
+                  <a:spcPct val="0"/>
+                </a:spcAft>
+                <a:defRPr>
+                  <a:solidFill>
+                    <a:schemeClr val="tx1"/>
+                  </a:solidFill>
+                  <a:latin typeface="Calibri" panose="020F0502020204030204" pitchFamily="34" charset="0"/>
+                </a:defRPr>
+              </a:lvl8pPr>
+              <a:lvl9pPr marL="3886200" indent="-228600" eaLnBrk="0" fontAlgn="base" hangingPunct="0">
+                <a:spcBef>
+                  <a:spcPct val="0"/>
+                </a:spcBef>
+                <a:spcAft>
+                  <a:spcPct val="0"/>
+                </a:spcAft>
+                <a:defRPr>
+                  <a:solidFill>
+                    <a:schemeClr val="tx1"/>
+                  </a:solidFill>
+                  <a:latin typeface="Calibri" panose="020F0502020204030204" pitchFamily="34" charset="0"/>
+                </a:defRPr>
+              </a:lvl9pPr>
+            </a:lstStyle>
+            <a:p>
+              <a:pPr algn="ctr" eaLnBrk="1" hangingPunct="1"/>
+              <a:r>
+                <a:rPr lang="en-US" altLang="en-US" sz="1200" b="1" dirty="0">
+                  <a:solidFill>
+                    <a:srgbClr val="000000"/>
+                  </a:solidFill>
+                  <a:latin typeface="Arial" panose="020B0604020202020204" pitchFamily="34" charset="0"/>
+                  <a:cs typeface="Arial" panose="020B0604020202020204" pitchFamily="34" charset="0"/>
+                </a:rPr>
+                <a:t>IAM User</a:t>
+              </a:r>
+            </a:p>
+          </p:txBody>
+        </p:sp>
+      </p:grpSp>
+      <p:sp>
+        <p:nvSpPr>
+          <p:cNvPr id="16" name="TextBox 40">
+            <a:extLst>
+              <a:ext uri="{FF2B5EF4-FFF2-40B4-BE49-F238E27FC236}">
+                <a16:creationId xmlns:a16="http://schemas.microsoft.com/office/drawing/2014/main" id="{52B9FED4-49C3-F549-B3C5-BDC82A69B2E4}"/>
+              </a:ext>
+            </a:extLst>
+          </p:cNvPr>
+          <p:cNvSpPr txBox="1">
+            <a:spLocks noChangeArrowheads="1"/>
+          </p:cNvSpPr>
+          <p:nvPr/>
+        </p:nvSpPr>
+        <p:spPr bwMode="auto">
+          <a:xfrm>
+            <a:off x="3243196" y="3893237"/>
+            <a:ext cx="2396057" cy="307777"/>
+          </a:xfrm>
+          <a:prstGeom prst="rect">
+            <a:avLst/>
+          </a:prstGeom>
+          <a:solidFill>
+            <a:srgbClr val="002060"/>
+          </a:solidFill>
+          <a:ln>
+            <a:noFill/>
+          </a:ln>
+        </p:spPr>
+        <p:txBody>
+          <a:bodyPr wrap="square">
+            <a:spAutoFit/>
+          </a:bodyPr>
+          <a:lstStyle>
+            <a:lvl1pPr>
+              <a:defRPr>
+                <a:solidFill>
+                  <a:schemeClr val="tx1"/>
+                </a:solidFill>
+                <a:latin typeface="Calibri" panose="020F0502020204030204" pitchFamily="34" charset="0"/>
+              </a:defRPr>
+            </a:lvl1pPr>
+            <a:lvl2pPr marL="742950" indent="-285750">
+              <a:defRPr>
+                <a:solidFill>
+                  <a:schemeClr val="tx1"/>
+                </a:solidFill>
+                <a:latin typeface="Calibri" panose="020F0502020204030204" pitchFamily="34" charset="0"/>
+              </a:defRPr>
+            </a:lvl2pPr>
+            <a:lvl3pPr marL="1143000" indent="-228600">
+              <a:defRPr>
+                <a:solidFill>
+                  <a:schemeClr val="tx1"/>
+                </a:solidFill>
+                <a:latin typeface="Calibri" panose="020F0502020204030204" pitchFamily="34" charset="0"/>
+              </a:defRPr>
+            </a:lvl3pPr>
+            <a:lvl4pPr marL="1600200" indent="-228600">
+              <a:defRPr>
+                <a:solidFill>
+                  <a:schemeClr val="tx1"/>
+                </a:solidFill>
+                <a:latin typeface="Calibri" panose="020F0502020204030204" pitchFamily="34" charset="0"/>
+              </a:defRPr>
+            </a:lvl4pPr>
+            <a:lvl5pPr marL="2057400" indent="-228600">
+              <a:defRPr>
+                <a:solidFill>
+                  <a:schemeClr val="tx1"/>
+                </a:solidFill>
+                <a:latin typeface="Calibri" panose="020F0502020204030204" pitchFamily="34" charset="0"/>
+              </a:defRPr>
+            </a:lvl5pPr>
+            <a:lvl6pPr marL="2514600" indent="-228600" eaLnBrk="0" fontAlgn="base" hangingPunct="0">
+              <a:spcBef>
+                <a:spcPct val="0"/>
+              </a:spcBef>
+              <a:spcAft>
+                <a:spcPct val="0"/>
+              </a:spcAft>
+              <a:defRPr>
+                <a:solidFill>
+                  <a:schemeClr val="tx1"/>
+                </a:solidFill>
+                <a:latin typeface="Calibri" panose="020F0502020204030204" pitchFamily="34" charset="0"/>
+              </a:defRPr>
+            </a:lvl6pPr>
+            <a:lvl7pPr marL="2971800" indent="-228600" eaLnBrk="0" fontAlgn="base" hangingPunct="0">
+              <a:spcBef>
+                <a:spcPct val="0"/>
+              </a:spcBef>
+              <a:spcAft>
+                <a:spcPct val="0"/>
+              </a:spcAft>
+              <a:defRPr>
+                <a:solidFill>
+                  <a:schemeClr val="tx1"/>
+                </a:solidFill>
+                <a:latin typeface="Calibri" panose="020F0502020204030204" pitchFamily="34" charset="0"/>
+              </a:defRPr>
+            </a:lvl7pPr>
+            <a:lvl8pPr marL="3429000" indent="-228600" eaLnBrk="0" fontAlgn="base" hangingPunct="0">
+              <a:spcBef>
+                <a:spcPct val="0"/>
+              </a:spcBef>
+              <a:spcAft>
+                <a:spcPct val="0"/>
+              </a:spcAft>
+              <a:defRPr>
+                <a:solidFill>
+                  <a:schemeClr val="tx1"/>
+                </a:solidFill>
+                <a:latin typeface="Calibri" panose="020F0502020204030204" pitchFamily="34" charset="0"/>
+              </a:defRPr>
+            </a:lvl8pPr>
+            <a:lvl9pPr marL="3886200" indent="-228600" eaLnBrk="0" fontAlgn="base" hangingPunct="0">
+              <a:spcBef>
+                <a:spcPct val="0"/>
+              </a:spcBef>
+              <a:spcAft>
+                <a:spcPct val="0"/>
+              </a:spcAft>
+              <a:defRPr>
+                <a:solidFill>
+                  <a:schemeClr val="tx1"/>
+                </a:solidFill>
+                <a:latin typeface="Calibri" panose="020F0502020204030204" pitchFamily="34" charset="0"/>
+              </a:defRPr>
+            </a:lvl9pPr>
+          </a:lstStyle>
+          <a:p>
+            <a:pPr algn="ctr" eaLnBrk="1" hangingPunct="1"/>
+            <a:r>
+              <a:rPr lang="en-US" altLang="en-US" sz="1400" b="1" dirty="0">
+                <a:solidFill>
+                  <a:schemeClr val="accent6"/>
+                </a:solidFill>
+                <a:latin typeface="Montserrat" pitchFamily="2" charset="77"/>
+                <a:cs typeface="Arial" panose="020B0604020202020204" pitchFamily="34" charset="0"/>
+              </a:rPr>
+              <a:t>Username + Password</a:t>
+            </a:r>
+          </a:p>
+        </p:txBody>
+      </p:sp>
+      <p:sp>
+        <p:nvSpPr>
+          <p:cNvPr id="17" name="TextBox 40">
+            <a:extLst>
+              <a:ext uri="{FF2B5EF4-FFF2-40B4-BE49-F238E27FC236}">
+                <a16:creationId xmlns:a16="http://schemas.microsoft.com/office/drawing/2014/main" id="{D901575E-C3F8-4940-AAF6-0BE1F6A78CCD}"/>
+              </a:ext>
+            </a:extLst>
+          </p:cNvPr>
+          <p:cNvSpPr txBox="1">
+            <a:spLocks noChangeArrowheads="1"/>
+          </p:cNvSpPr>
+          <p:nvPr/>
+        </p:nvSpPr>
+        <p:spPr bwMode="auto">
+          <a:xfrm>
+            <a:off x="3243196" y="4258151"/>
+            <a:ext cx="2396057" cy="307777"/>
+          </a:xfrm>
+          <a:prstGeom prst="rect">
+            <a:avLst/>
+          </a:prstGeom>
+          <a:solidFill>
+            <a:srgbClr val="002060"/>
+          </a:solidFill>
+          <a:ln>
+            <a:noFill/>
+          </a:ln>
+        </p:spPr>
+        <p:txBody>
+          <a:bodyPr wrap="square">
+            <a:spAutoFit/>
+          </a:bodyPr>
+          <a:lstStyle>
+            <a:lvl1pPr>
+              <a:defRPr>
+                <a:solidFill>
+                  <a:schemeClr val="tx1"/>
+                </a:solidFill>
+                <a:latin typeface="Calibri" panose="020F0502020204030204" pitchFamily="34" charset="0"/>
+              </a:defRPr>
+            </a:lvl1pPr>
+            <a:lvl2pPr marL="742950" indent="-285750">
+              <a:defRPr>
+                <a:solidFill>
+                  <a:schemeClr val="tx1"/>
+                </a:solidFill>
+                <a:latin typeface="Calibri" panose="020F0502020204030204" pitchFamily="34" charset="0"/>
+              </a:defRPr>
+            </a:lvl2pPr>
+            <a:lvl3pPr marL="1143000" indent="-228600">
+              <a:defRPr>
+                <a:solidFill>
+                  <a:schemeClr val="tx1"/>
+                </a:solidFill>
+                <a:latin typeface="Calibri" panose="020F0502020204030204" pitchFamily="34" charset="0"/>
+              </a:defRPr>
+            </a:lvl3pPr>
+            <a:lvl4pPr marL="1600200" indent="-228600">
+              <a:defRPr>
+                <a:solidFill>
+                  <a:schemeClr val="tx1"/>
+                </a:solidFill>
+                <a:latin typeface="Calibri" panose="020F0502020204030204" pitchFamily="34" charset="0"/>
+              </a:defRPr>
+            </a:lvl4pPr>
+            <a:lvl5pPr marL="2057400" indent="-228600">
+              <a:defRPr>
+                <a:solidFill>
+                  <a:schemeClr val="tx1"/>
+                </a:solidFill>
+                <a:latin typeface="Calibri" panose="020F0502020204030204" pitchFamily="34" charset="0"/>
+              </a:defRPr>
+            </a:lvl5pPr>
+            <a:lvl6pPr marL="2514600" indent="-228600" eaLnBrk="0" fontAlgn="base" hangingPunct="0">
+              <a:spcBef>
+                <a:spcPct val="0"/>
+              </a:spcBef>
+              <a:spcAft>
+                <a:spcPct val="0"/>
+              </a:spcAft>
+              <a:defRPr>
+                <a:solidFill>
+                  <a:schemeClr val="tx1"/>
+                </a:solidFill>
+                <a:latin typeface="Calibri" panose="020F0502020204030204" pitchFamily="34" charset="0"/>
+              </a:defRPr>
+            </a:lvl6pPr>
+            <a:lvl7pPr marL="2971800" indent="-228600" eaLnBrk="0" fontAlgn="base" hangingPunct="0">
+              <a:spcBef>
+                <a:spcPct val="0"/>
+              </a:spcBef>
+              <a:spcAft>
+                <a:spcPct val="0"/>
+              </a:spcAft>
+              <a:defRPr>
+                <a:solidFill>
+                  <a:schemeClr val="tx1"/>
+                </a:solidFill>
+                <a:latin typeface="Calibri" panose="020F0502020204030204" pitchFamily="34" charset="0"/>
+              </a:defRPr>
+            </a:lvl7pPr>
+            <a:lvl8pPr marL="3429000" indent="-228600" eaLnBrk="0" fontAlgn="base" hangingPunct="0">
+              <a:spcBef>
+                <a:spcPct val="0"/>
+              </a:spcBef>
+              <a:spcAft>
+                <a:spcPct val="0"/>
+              </a:spcAft>
+              <a:defRPr>
+                <a:solidFill>
+                  <a:schemeClr val="tx1"/>
+                </a:solidFill>
+                <a:latin typeface="Calibri" panose="020F0502020204030204" pitchFamily="34" charset="0"/>
+              </a:defRPr>
+            </a:lvl8pPr>
+            <a:lvl9pPr marL="3886200" indent="-228600" eaLnBrk="0" fontAlgn="base" hangingPunct="0">
+              <a:spcBef>
+                <a:spcPct val="0"/>
+              </a:spcBef>
+              <a:spcAft>
+                <a:spcPct val="0"/>
+              </a:spcAft>
+              <a:defRPr>
+                <a:solidFill>
+                  <a:schemeClr val="tx1"/>
+                </a:solidFill>
+                <a:latin typeface="Calibri" panose="020F0502020204030204" pitchFamily="34" charset="0"/>
+              </a:defRPr>
+            </a:lvl9pPr>
+          </a:lstStyle>
+          <a:p>
+            <a:pPr algn="ctr" eaLnBrk="1" hangingPunct="1"/>
+            <a:r>
+              <a:rPr lang="en-US" altLang="en-US" sz="1400" b="1" dirty="0">
+                <a:solidFill>
+                  <a:schemeClr val="accent6"/>
+                </a:solidFill>
+                <a:latin typeface="Montserrat" pitchFamily="2" charset="77"/>
+                <a:cs typeface="Arial" panose="020B0604020202020204" pitchFamily="34" charset="0"/>
+              </a:rPr>
+              <a:t>Long-term access keys</a:t>
+            </a:r>
+          </a:p>
+        </p:txBody>
+      </p:sp>
+    </p:spTree>
+    <p:extLst>
+      <p:ext uri="{BB962C8B-B14F-4D97-AF65-F5344CB8AC3E}">
+        <p14:creationId xmlns:p14="http://schemas.microsoft.com/office/powerpoint/2010/main" val="3634420125"/>
       </p:ext>
     </p:extLst>
   </p:cSld>

--- a/02-identity-and-access-management/02-identity-and-access-management.pptx
+++ b/02-identity-and-access-management/02-identity-and-access-management.pptx
@@ -5,19 +5,20 @@
     <p:sldMasterId id="2147483648" r:id="rId1"/>
   </p:sldMasterIdLst>
   <p:notesMasterIdLst>
-    <p:notesMasterId r:id="rId12"/>
+    <p:notesMasterId r:id="rId13"/>
   </p:notesMasterIdLst>
   <p:sldIdLst>
     <p:sldId id="256" r:id="rId2"/>
     <p:sldId id="2563" r:id="rId3"/>
     <p:sldId id="2564" r:id="rId4"/>
     <p:sldId id="2565" r:id="rId5"/>
-    <p:sldId id="2571" r:id="rId6"/>
-    <p:sldId id="2566" r:id="rId7"/>
-    <p:sldId id="2562" r:id="rId8"/>
-    <p:sldId id="2570" r:id="rId9"/>
-    <p:sldId id="2569" r:id="rId10"/>
-    <p:sldId id="2568" r:id="rId11"/>
+    <p:sldId id="2572" r:id="rId6"/>
+    <p:sldId id="2571" r:id="rId7"/>
+    <p:sldId id="2566" r:id="rId8"/>
+    <p:sldId id="2562" r:id="rId9"/>
+    <p:sldId id="2570" r:id="rId10"/>
+    <p:sldId id="2569" r:id="rId11"/>
+    <p:sldId id="2568" r:id="rId12"/>
   </p:sldIdLst>
   <p:sldSz cx="12192000" cy="6858000"/>
   <p:notesSz cx="6858000" cy="9144000"/>
@@ -206,7 +207,7 @@
           <a:p>
             <a:fld id="{926F5171-4620-824D-BBEE-9B12D10DDA40}" type="datetimeFigureOut">
               <a:rPr lang="en-US" smtClean="0"/>
-              <a:t>6/1/21</a:t>
+              <a:t>6/8/21</a:t>
             </a:fld>
             <a:endParaRPr lang="en-US"/>
           </a:p>
@@ -635,7 +636,7 @@
             <a:fld id="{006BE02D-20C0-F840-AFAC-BEA99C74FDC2}" type="slidenum">
               <a:rPr lang="en-US" smtClean="0"/>
               <a:pPr/>
-              <a:t>7</a:t>
+              <a:t>8</a:t>
             </a:fld>
             <a:endParaRPr lang="en-US" dirty="0"/>
           </a:p>
@@ -766,7 +767,7 @@
                 <a:tabLst/>
                 <a:defRPr/>
               </a:pPr>
-              <a:t>10</a:t>
+              <a:t>11</a:t>
             </a:fld>
             <a:endParaRPr kumimoji="0" lang="en-US" sz="1200" b="0" i="0" u="none" strike="noStrike" kern="1200" cap="none" spc="0" normalizeH="0" baseline="0" noProof="0" dirty="0">
               <a:ln>
@@ -1146,7 +1147,7 @@
           <a:p>
             <a:fld id="{5940F215-8337-114F-9F3D-71B1107C1CD3}" type="datetimeFigureOut">
               <a:rPr lang="en-US" smtClean="0"/>
-              <a:t>6/1/21</a:t>
+              <a:t>6/8/21</a:t>
             </a:fld>
             <a:endParaRPr lang="en-US"/>
           </a:p>
@@ -1370,7 +1371,7 @@
           <a:p>
             <a:fld id="{5940F215-8337-114F-9F3D-71B1107C1CD3}" type="datetimeFigureOut">
               <a:rPr lang="en-US" smtClean="0"/>
-              <a:t>6/1/21</a:t>
+              <a:t>6/8/21</a:t>
             </a:fld>
             <a:endParaRPr lang="en-US"/>
           </a:p>
@@ -1604,7 +1605,7 @@
           <a:p>
             <a:fld id="{5940F215-8337-114F-9F3D-71B1107C1CD3}" type="datetimeFigureOut">
               <a:rPr lang="en-US" smtClean="0"/>
-              <a:t>6/1/21</a:t>
+              <a:t>6/8/21</a:t>
             </a:fld>
             <a:endParaRPr lang="en-US"/>
           </a:p>
@@ -1998,7 +1999,7 @@
           <a:p>
             <a:fld id="{5940F215-8337-114F-9F3D-71B1107C1CD3}" type="datetimeFigureOut">
               <a:rPr lang="en-US" smtClean="0"/>
-              <a:t>6/4/21</a:t>
+              <a:t>6/8/21</a:t>
             </a:fld>
             <a:endParaRPr lang="en-US"/>
           </a:p>
@@ -2430,7 +2431,7 @@
           <a:p>
             <a:fld id="{5940F215-8337-114F-9F3D-71B1107C1CD3}" type="datetimeFigureOut">
               <a:rPr lang="en-US" smtClean="0"/>
-              <a:t>6/1/21</a:t>
+              <a:t>6/8/21</a:t>
             </a:fld>
             <a:endParaRPr lang="en-US"/>
           </a:p>
@@ -2722,7 +2723,7 @@
           <a:p>
             <a:fld id="{5940F215-8337-114F-9F3D-71B1107C1CD3}" type="datetimeFigureOut">
               <a:rPr lang="en-US" smtClean="0"/>
-              <a:t>6/1/21</a:t>
+              <a:t>6/8/21</a:t>
             </a:fld>
             <a:endParaRPr lang="en-US"/>
           </a:p>
@@ -3161,7 +3162,7 @@
           <a:p>
             <a:fld id="{5940F215-8337-114F-9F3D-71B1107C1CD3}" type="datetimeFigureOut">
               <a:rPr lang="en-US" smtClean="0"/>
-              <a:t>6/1/21</a:t>
+              <a:t>6/8/21</a:t>
             </a:fld>
             <a:endParaRPr lang="en-US"/>
           </a:p>
@@ -3327,7 +3328,7 @@
           <a:p>
             <a:fld id="{5940F215-8337-114F-9F3D-71B1107C1CD3}" type="datetimeFigureOut">
               <a:rPr lang="en-US" smtClean="0"/>
-              <a:t>6/1/21</a:t>
+              <a:t>6/8/21</a:t>
             </a:fld>
             <a:endParaRPr lang="en-US"/>
           </a:p>
@@ -3464,7 +3465,7 @@
           <a:p>
             <a:fld id="{5940F215-8337-114F-9F3D-71B1107C1CD3}" type="datetimeFigureOut">
               <a:rPr lang="en-US" smtClean="0"/>
-              <a:t>6/1/21</a:t>
+              <a:t>6/8/21</a:t>
             </a:fld>
             <a:endParaRPr lang="en-US"/>
           </a:p>
@@ -3801,7 +3802,7 @@
           <a:p>
             <a:fld id="{5940F215-8337-114F-9F3D-71B1107C1CD3}" type="datetimeFigureOut">
               <a:rPr lang="en-US" smtClean="0"/>
-              <a:t>6/1/21</a:t>
+              <a:t>6/8/21</a:t>
             </a:fld>
             <a:endParaRPr lang="en-US"/>
           </a:p>
@@ -4565,6 +4566,1572 @@
 <file path=ppt/slides/slide10.xml><?xml version="1.0" encoding="utf-8"?>
 <p:sld xmlns:a="http://schemas.openxmlformats.org/drawingml/2006/main" xmlns:r="http://schemas.openxmlformats.org/officeDocument/2006/relationships" xmlns:p="http://schemas.openxmlformats.org/presentationml/2006/main">
   <p:cSld>
+    <p:spTree>
+      <p:nvGrpSpPr>
+        <p:cNvPr id="1" name=""/>
+        <p:cNvGrpSpPr/>
+        <p:nvPr/>
+      </p:nvGrpSpPr>
+      <p:grpSpPr>
+        <a:xfrm>
+          <a:off x="0" y="0"/>
+          <a:ext cx="0" cy="0"/>
+          <a:chOff x="0" y="0"/>
+          <a:chExt cx="0" cy="0"/>
+        </a:xfrm>
+      </p:grpSpPr>
+      <p:sp>
+        <p:nvSpPr>
+          <p:cNvPr id="2" name="Title 1">
+            <a:extLst>
+              <a:ext uri="{FF2B5EF4-FFF2-40B4-BE49-F238E27FC236}">
+                <a16:creationId xmlns:a16="http://schemas.microsoft.com/office/drawing/2014/main" id="{0DBBFF93-0DFD-C14D-B625-F83E88782E10}"/>
+              </a:ext>
+            </a:extLst>
+          </p:cNvPr>
+          <p:cNvSpPr>
+            <a:spLocks noGrp="1"/>
+          </p:cNvSpPr>
+          <p:nvPr>
+            <p:ph type="title"/>
+          </p:nvPr>
+        </p:nvSpPr>
+        <p:spPr/>
+        <p:txBody>
+          <a:bodyPr/>
+          <a:lstStyle/>
+          <a:p>
+            <a:r>
+              <a:rPr lang="en-US" dirty="0"/>
+              <a:t>IAM User summary…</a:t>
+            </a:r>
+          </a:p>
+        </p:txBody>
+      </p:sp>
+      <p:grpSp>
+        <p:nvGrpSpPr>
+          <p:cNvPr id="6" name="Group 5">
+            <a:extLst>
+              <a:ext uri="{FF2B5EF4-FFF2-40B4-BE49-F238E27FC236}">
+                <a16:creationId xmlns:a16="http://schemas.microsoft.com/office/drawing/2014/main" id="{DCF62444-2D53-654D-96A1-5544BB2CCACD}"/>
+              </a:ext>
+            </a:extLst>
+          </p:cNvPr>
+          <p:cNvGrpSpPr/>
+          <p:nvPr/>
+        </p:nvGrpSpPr>
+        <p:grpSpPr>
+          <a:xfrm>
+            <a:off x="2860937" y="1903757"/>
+            <a:ext cx="6470126" cy="3678896"/>
+            <a:chOff x="6624243" y="1360665"/>
+            <a:chExt cx="6470126" cy="3678896"/>
+          </a:xfrm>
+        </p:grpSpPr>
+        <p:sp>
+          <p:nvSpPr>
+            <p:cNvPr id="4" name="Rectangle 3">
+              <a:extLst>
+                <a:ext uri="{FF2B5EF4-FFF2-40B4-BE49-F238E27FC236}">
+                  <a16:creationId xmlns:a16="http://schemas.microsoft.com/office/drawing/2014/main" id="{ED1998BD-6295-1E41-8B35-E5EEF50658A1}"/>
+                </a:ext>
+              </a:extLst>
+            </p:cNvPr>
+            <p:cNvSpPr/>
+            <p:nvPr/>
+          </p:nvSpPr>
+          <p:spPr>
+            <a:xfrm>
+              <a:off x="6624243" y="1360665"/>
+              <a:ext cx="6470126" cy="3678896"/>
+            </a:xfrm>
+            <a:prstGeom prst="rect">
+              <a:avLst/>
+            </a:prstGeom>
+            <a:solidFill>
+              <a:schemeClr val="bg1"/>
+            </a:solidFill>
+            <a:ln w="12700">
+              <a:solidFill>
+                <a:schemeClr val="tx1"/>
+              </a:solidFill>
+            </a:ln>
+          </p:spPr>
+          <p:style>
+            <a:lnRef idx="2">
+              <a:schemeClr val="accent1">
+                <a:shade val="50000"/>
+              </a:schemeClr>
+            </a:lnRef>
+            <a:fillRef idx="1">
+              <a:schemeClr val="accent1"/>
+            </a:fillRef>
+            <a:effectRef idx="0">
+              <a:schemeClr val="accent1"/>
+            </a:effectRef>
+            <a:fontRef idx="minor">
+              <a:schemeClr val="lt1"/>
+            </a:fontRef>
+          </p:style>
+          <p:txBody>
+            <a:bodyPr lIns="457200" tIns="91440"/>
+            <a:lstStyle/>
+            <a:p>
+              <a:pPr eaLnBrk="1" fontAlgn="auto" hangingPunct="1">
+                <a:spcBef>
+                  <a:spcPts val="0"/>
+                </a:spcBef>
+                <a:spcAft>
+                  <a:spcPts val="0"/>
+                </a:spcAft>
+                <a:defRPr/>
+              </a:pPr>
+              <a:r>
+                <a:rPr lang="en-US" sz="1200" dirty="0">
+                  <a:solidFill>
+                    <a:sysClr val="windowText" lastClr="000000"/>
+                  </a:solidFill>
+                  <a:latin typeface="Arial" panose="020B0604020202020204" pitchFamily="34" charset="0"/>
+                  <a:cs typeface="Arial" panose="020B0604020202020204" pitchFamily="34" charset="0"/>
+                </a:rPr>
+                <a:t>AWS Cloud Account</a:t>
+              </a:r>
+            </a:p>
+          </p:txBody>
+        </p:sp>
+        <p:pic>
+          <p:nvPicPr>
+            <p:cNvPr id="5" name="Graphic 5">
+              <a:extLst>
+                <a:ext uri="{FF2B5EF4-FFF2-40B4-BE49-F238E27FC236}">
+                  <a16:creationId xmlns:a16="http://schemas.microsoft.com/office/drawing/2014/main" id="{D629925C-6679-D84D-A8EA-4CA187496259}"/>
+                </a:ext>
+              </a:extLst>
+            </p:cNvPr>
+            <p:cNvPicPr>
+              <a:picLocks noChangeAspect="1" noChangeArrowheads="1"/>
+            </p:cNvPicPr>
+            <p:nvPr/>
+          </p:nvPicPr>
+          <p:blipFill>
+            <a:blip r:embed="rId2">
+              <a:extLst>
+                <a:ext uri="{28A0092B-C50C-407E-A947-70E740481C1C}">
+                  <a14:useLocalDpi xmlns:a14="http://schemas.microsoft.com/office/drawing/2010/main" val="0"/>
+                </a:ext>
+              </a:extLst>
+            </a:blip>
+            <a:srcRect/>
+            <a:stretch>
+              <a:fillRect/>
+            </a:stretch>
+          </p:blipFill>
+          <p:spPr bwMode="auto">
+            <a:xfrm>
+              <a:off x="6624243" y="1360665"/>
+              <a:ext cx="330200" cy="330200"/>
+            </a:xfrm>
+            <a:prstGeom prst="rect">
+              <a:avLst/>
+            </a:prstGeom>
+            <a:noFill/>
+            <a:ln>
+              <a:noFill/>
+            </a:ln>
+            <a:extLst>
+              <a:ext uri="{909E8E84-426E-40DD-AFC4-6F175D3DCCD1}">
+                <a14:hiddenFill xmlns:a14="http://schemas.microsoft.com/office/drawing/2010/main">
+                  <a:solidFill>
+                    <a:srgbClr val="FFFFFF"/>
+                  </a:solidFill>
+                </a14:hiddenFill>
+              </a:ext>
+              <a:ext uri="{91240B29-F687-4F45-9708-019B960494DF}">
+                <a14:hiddenLine xmlns:a14="http://schemas.microsoft.com/office/drawing/2010/main" w="9525">
+                  <a:solidFill>
+                    <a:srgbClr val="000000"/>
+                  </a:solidFill>
+                  <a:miter lim="800000"/>
+                  <a:headEnd/>
+                  <a:tailEnd/>
+                </a14:hiddenLine>
+              </a:ext>
+            </a:extLst>
+          </p:spPr>
+        </p:pic>
+      </p:grpSp>
+      <p:grpSp>
+        <p:nvGrpSpPr>
+          <p:cNvPr id="9" name="Group 8">
+            <a:extLst>
+              <a:ext uri="{FF2B5EF4-FFF2-40B4-BE49-F238E27FC236}">
+                <a16:creationId xmlns:a16="http://schemas.microsoft.com/office/drawing/2014/main" id="{F90B6EEF-05FF-7440-85A4-81E3A35F14AE}"/>
+              </a:ext>
+            </a:extLst>
+          </p:cNvPr>
+          <p:cNvGrpSpPr/>
+          <p:nvPr/>
+        </p:nvGrpSpPr>
+        <p:grpSpPr>
+          <a:xfrm>
+            <a:off x="7316963" y="2767053"/>
+            <a:ext cx="1073150" cy="1069047"/>
+            <a:chOff x="4277300" y="2313474"/>
+            <a:chExt cx="1073150" cy="1069047"/>
+          </a:xfrm>
+        </p:grpSpPr>
+        <p:pic>
+          <p:nvPicPr>
+            <p:cNvPr id="10" name="Graphic 49">
+              <a:extLst>
+                <a:ext uri="{FF2B5EF4-FFF2-40B4-BE49-F238E27FC236}">
+                  <a16:creationId xmlns:a16="http://schemas.microsoft.com/office/drawing/2014/main" id="{833960CF-B9BE-7E49-BB0F-33A91A7BD583}"/>
+                </a:ext>
+              </a:extLst>
+            </p:cNvPr>
+            <p:cNvPicPr>
+              <a:picLocks noChangeAspect="1" noChangeArrowheads="1"/>
+            </p:cNvPicPr>
+            <p:nvPr/>
+          </p:nvPicPr>
+          <p:blipFill>
+            <a:blip r:embed="rId3">
+              <a:extLst>
+                <a:ext uri="{28A0092B-C50C-407E-A947-70E740481C1C}">
+                  <a14:useLocalDpi xmlns:a14="http://schemas.microsoft.com/office/drawing/2010/main" val="0"/>
+                </a:ext>
+              </a:extLst>
+            </a:blip>
+            <a:srcRect/>
+            <a:stretch>
+              <a:fillRect/>
+            </a:stretch>
+          </p:blipFill>
+          <p:spPr bwMode="auto">
+            <a:xfrm>
+              <a:off x="4348601" y="2313474"/>
+              <a:ext cx="930548" cy="930548"/>
+            </a:xfrm>
+            <a:prstGeom prst="rect">
+              <a:avLst/>
+            </a:prstGeom>
+            <a:noFill/>
+            <a:ln>
+              <a:noFill/>
+            </a:ln>
+            <a:extLst>
+              <a:ext uri="{909E8E84-426E-40DD-AFC4-6F175D3DCCD1}">
+                <a14:hiddenFill xmlns:a14="http://schemas.microsoft.com/office/drawing/2010/main">
+                  <a:solidFill>
+                    <a:srgbClr val="FFFFFF"/>
+                  </a:solidFill>
+                </a14:hiddenFill>
+              </a:ext>
+              <a:ext uri="{91240B29-F687-4F45-9708-019B960494DF}">
+                <a14:hiddenLine xmlns:a14="http://schemas.microsoft.com/office/drawing/2010/main" w="9525">
+                  <a:solidFill>
+                    <a:srgbClr val="000000"/>
+                  </a:solidFill>
+                  <a:miter lim="800000"/>
+                  <a:headEnd/>
+                  <a:tailEnd/>
+                </a14:hiddenLine>
+              </a:ext>
+            </a:extLst>
+          </p:spPr>
+        </p:pic>
+        <p:sp>
+          <p:nvSpPr>
+            <p:cNvPr id="11" name="TextBox 40">
+              <a:extLst>
+                <a:ext uri="{FF2B5EF4-FFF2-40B4-BE49-F238E27FC236}">
+                  <a16:creationId xmlns:a16="http://schemas.microsoft.com/office/drawing/2014/main" id="{3ABAAAFC-0894-1F41-8920-5FDAA42DAE2E}"/>
+                </a:ext>
+              </a:extLst>
+            </p:cNvPr>
+            <p:cNvSpPr txBox="1">
+              <a:spLocks noChangeArrowheads="1"/>
+            </p:cNvSpPr>
+            <p:nvPr/>
+          </p:nvSpPr>
+          <p:spPr bwMode="auto">
+            <a:xfrm>
+              <a:off x="4277300" y="3105522"/>
+              <a:ext cx="1073150" cy="276999"/>
+            </a:xfrm>
+            <a:prstGeom prst="rect">
+              <a:avLst/>
+            </a:prstGeom>
+            <a:noFill/>
+            <a:ln>
+              <a:noFill/>
+            </a:ln>
+            <a:extLst>
+              <a:ext uri="{909E8E84-426E-40DD-AFC4-6F175D3DCCD1}">
+                <a14:hiddenFill xmlns:a14="http://schemas.microsoft.com/office/drawing/2010/main">
+                  <a:solidFill>
+                    <a:srgbClr val="FFFFFF"/>
+                  </a:solidFill>
+                </a14:hiddenFill>
+              </a:ext>
+              <a:ext uri="{91240B29-F687-4F45-9708-019B960494DF}">
+                <a14:hiddenLine xmlns:a14="http://schemas.microsoft.com/office/drawing/2010/main" w="9525">
+                  <a:solidFill>
+                    <a:srgbClr val="000000"/>
+                  </a:solidFill>
+                  <a:miter lim="800000"/>
+                  <a:headEnd/>
+                  <a:tailEnd/>
+                </a14:hiddenLine>
+              </a:ext>
+            </a:extLst>
+          </p:spPr>
+          <p:txBody>
+            <a:bodyPr>
+              <a:spAutoFit/>
+            </a:bodyPr>
+            <a:lstStyle>
+              <a:lvl1pPr>
+                <a:defRPr>
+                  <a:solidFill>
+                    <a:schemeClr val="tx1"/>
+                  </a:solidFill>
+                  <a:latin typeface="Calibri" panose="020F0502020204030204" pitchFamily="34" charset="0"/>
+                </a:defRPr>
+              </a:lvl1pPr>
+              <a:lvl2pPr marL="742950" indent="-285750">
+                <a:defRPr>
+                  <a:solidFill>
+                    <a:schemeClr val="tx1"/>
+                  </a:solidFill>
+                  <a:latin typeface="Calibri" panose="020F0502020204030204" pitchFamily="34" charset="0"/>
+                </a:defRPr>
+              </a:lvl2pPr>
+              <a:lvl3pPr marL="1143000" indent="-228600">
+                <a:defRPr>
+                  <a:solidFill>
+                    <a:schemeClr val="tx1"/>
+                  </a:solidFill>
+                  <a:latin typeface="Calibri" panose="020F0502020204030204" pitchFamily="34" charset="0"/>
+                </a:defRPr>
+              </a:lvl3pPr>
+              <a:lvl4pPr marL="1600200" indent="-228600">
+                <a:defRPr>
+                  <a:solidFill>
+                    <a:schemeClr val="tx1"/>
+                  </a:solidFill>
+                  <a:latin typeface="Calibri" panose="020F0502020204030204" pitchFamily="34" charset="0"/>
+                </a:defRPr>
+              </a:lvl4pPr>
+              <a:lvl5pPr marL="2057400" indent="-228600">
+                <a:defRPr>
+                  <a:solidFill>
+                    <a:schemeClr val="tx1"/>
+                  </a:solidFill>
+                  <a:latin typeface="Calibri" panose="020F0502020204030204" pitchFamily="34" charset="0"/>
+                </a:defRPr>
+              </a:lvl5pPr>
+              <a:lvl6pPr marL="2514600" indent="-228600" eaLnBrk="0" fontAlgn="base" hangingPunct="0">
+                <a:spcBef>
+                  <a:spcPct val="0"/>
+                </a:spcBef>
+                <a:spcAft>
+                  <a:spcPct val="0"/>
+                </a:spcAft>
+                <a:defRPr>
+                  <a:solidFill>
+                    <a:schemeClr val="tx1"/>
+                  </a:solidFill>
+                  <a:latin typeface="Calibri" panose="020F0502020204030204" pitchFamily="34" charset="0"/>
+                </a:defRPr>
+              </a:lvl6pPr>
+              <a:lvl7pPr marL="2971800" indent="-228600" eaLnBrk="0" fontAlgn="base" hangingPunct="0">
+                <a:spcBef>
+                  <a:spcPct val="0"/>
+                </a:spcBef>
+                <a:spcAft>
+                  <a:spcPct val="0"/>
+                </a:spcAft>
+                <a:defRPr>
+                  <a:solidFill>
+                    <a:schemeClr val="tx1"/>
+                  </a:solidFill>
+                  <a:latin typeface="Calibri" panose="020F0502020204030204" pitchFamily="34" charset="0"/>
+                </a:defRPr>
+              </a:lvl7pPr>
+              <a:lvl8pPr marL="3429000" indent="-228600" eaLnBrk="0" fontAlgn="base" hangingPunct="0">
+                <a:spcBef>
+                  <a:spcPct val="0"/>
+                </a:spcBef>
+                <a:spcAft>
+                  <a:spcPct val="0"/>
+                </a:spcAft>
+                <a:defRPr>
+                  <a:solidFill>
+                    <a:schemeClr val="tx1"/>
+                  </a:solidFill>
+                  <a:latin typeface="Calibri" panose="020F0502020204030204" pitchFamily="34" charset="0"/>
+                </a:defRPr>
+              </a:lvl8pPr>
+              <a:lvl9pPr marL="3886200" indent="-228600" eaLnBrk="0" fontAlgn="base" hangingPunct="0">
+                <a:spcBef>
+                  <a:spcPct val="0"/>
+                </a:spcBef>
+                <a:spcAft>
+                  <a:spcPct val="0"/>
+                </a:spcAft>
+                <a:defRPr>
+                  <a:solidFill>
+                    <a:schemeClr val="tx1"/>
+                  </a:solidFill>
+                  <a:latin typeface="Calibri" panose="020F0502020204030204" pitchFamily="34" charset="0"/>
+                </a:defRPr>
+              </a:lvl9pPr>
+            </a:lstStyle>
+            <a:p>
+              <a:pPr algn="ctr" eaLnBrk="1" hangingPunct="1"/>
+              <a:r>
+                <a:rPr lang="en-US" altLang="en-US" sz="1200" b="1" dirty="0">
+                  <a:solidFill>
+                    <a:srgbClr val="000000"/>
+                  </a:solidFill>
+                  <a:latin typeface="Arial" panose="020B0604020202020204" pitchFamily="34" charset="0"/>
+                  <a:cs typeface="Arial" panose="020B0604020202020204" pitchFamily="34" charset="0"/>
+                </a:rPr>
+                <a:t>IAM Role</a:t>
+              </a:r>
+            </a:p>
+          </p:txBody>
+        </p:sp>
+      </p:grpSp>
+      <p:sp>
+        <p:nvSpPr>
+          <p:cNvPr id="12" name="TextBox 40">
+            <a:extLst>
+              <a:ext uri="{FF2B5EF4-FFF2-40B4-BE49-F238E27FC236}">
+                <a16:creationId xmlns:a16="http://schemas.microsoft.com/office/drawing/2014/main" id="{846ED284-066E-1B45-AFD0-B5624641513E}"/>
+              </a:ext>
+            </a:extLst>
+          </p:cNvPr>
+          <p:cNvSpPr txBox="1">
+            <a:spLocks noChangeArrowheads="1"/>
+          </p:cNvSpPr>
+          <p:nvPr/>
+        </p:nvSpPr>
+        <p:spPr bwMode="auto">
+          <a:xfrm>
+            <a:off x="6655510" y="3893237"/>
+            <a:ext cx="2396057" cy="307777"/>
+          </a:xfrm>
+          <a:prstGeom prst="rect">
+            <a:avLst/>
+          </a:prstGeom>
+          <a:solidFill>
+            <a:srgbClr val="002060"/>
+          </a:solidFill>
+          <a:ln>
+            <a:noFill/>
+          </a:ln>
+        </p:spPr>
+        <p:txBody>
+          <a:bodyPr wrap="square">
+            <a:spAutoFit/>
+          </a:bodyPr>
+          <a:lstStyle>
+            <a:lvl1pPr>
+              <a:defRPr>
+                <a:solidFill>
+                  <a:schemeClr val="tx1"/>
+                </a:solidFill>
+                <a:latin typeface="Calibri" panose="020F0502020204030204" pitchFamily="34" charset="0"/>
+              </a:defRPr>
+            </a:lvl1pPr>
+            <a:lvl2pPr marL="742950" indent="-285750">
+              <a:defRPr>
+                <a:solidFill>
+                  <a:schemeClr val="tx1"/>
+                </a:solidFill>
+                <a:latin typeface="Calibri" panose="020F0502020204030204" pitchFamily="34" charset="0"/>
+              </a:defRPr>
+            </a:lvl2pPr>
+            <a:lvl3pPr marL="1143000" indent="-228600">
+              <a:defRPr>
+                <a:solidFill>
+                  <a:schemeClr val="tx1"/>
+                </a:solidFill>
+                <a:latin typeface="Calibri" panose="020F0502020204030204" pitchFamily="34" charset="0"/>
+              </a:defRPr>
+            </a:lvl3pPr>
+            <a:lvl4pPr marL="1600200" indent="-228600">
+              <a:defRPr>
+                <a:solidFill>
+                  <a:schemeClr val="tx1"/>
+                </a:solidFill>
+                <a:latin typeface="Calibri" panose="020F0502020204030204" pitchFamily="34" charset="0"/>
+              </a:defRPr>
+            </a:lvl4pPr>
+            <a:lvl5pPr marL="2057400" indent="-228600">
+              <a:defRPr>
+                <a:solidFill>
+                  <a:schemeClr val="tx1"/>
+                </a:solidFill>
+                <a:latin typeface="Calibri" panose="020F0502020204030204" pitchFamily="34" charset="0"/>
+              </a:defRPr>
+            </a:lvl5pPr>
+            <a:lvl6pPr marL="2514600" indent="-228600" eaLnBrk="0" fontAlgn="base" hangingPunct="0">
+              <a:spcBef>
+                <a:spcPct val="0"/>
+              </a:spcBef>
+              <a:spcAft>
+                <a:spcPct val="0"/>
+              </a:spcAft>
+              <a:defRPr>
+                <a:solidFill>
+                  <a:schemeClr val="tx1"/>
+                </a:solidFill>
+                <a:latin typeface="Calibri" panose="020F0502020204030204" pitchFamily="34" charset="0"/>
+              </a:defRPr>
+            </a:lvl6pPr>
+            <a:lvl7pPr marL="2971800" indent="-228600" eaLnBrk="0" fontAlgn="base" hangingPunct="0">
+              <a:spcBef>
+                <a:spcPct val="0"/>
+              </a:spcBef>
+              <a:spcAft>
+                <a:spcPct val="0"/>
+              </a:spcAft>
+              <a:defRPr>
+                <a:solidFill>
+                  <a:schemeClr val="tx1"/>
+                </a:solidFill>
+                <a:latin typeface="Calibri" panose="020F0502020204030204" pitchFamily="34" charset="0"/>
+              </a:defRPr>
+            </a:lvl7pPr>
+            <a:lvl8pPr marL="3429000" indent="-228600" eaLnBrk="0" fontAlgn="base" hangingPunct="0">
+              <a:spcBef>
+                <a:spcPct val="0"/>
+              </a:spcBef>
+              <a:spcAft>
+                <a:spcPct val="0"/>
+              </a:spcAft>
+              <a:defRPr>
+                <a:solidFill>
+                  <a:schemeClr val="tx1"/>
+                </a:solidFill>
+                <a:latin typeface="Calibri" panose="020F0502020204030204" pitchFamily="34" charset="0"/>
+              </a:defRPr>
+            </a:lvl8pPr>
+            <a:lvl9pPr marL="3886200" indent="-228600" eaLnBrk="0" fontAlgn="base" hangingPunct="0">
+              <a:spcBef>
+                <a:spcPct val="0"/>
+              </a:spcBef>
+              <a:spcAft>
+                <a:spcPct val="0"/>
+              </a:spcAft>
+              <a:defRPr>
+                <a:solidFill>
+                  <a:schemeClr val="tx1"/>
+                </a:solidFill>
+                <a:latin typeface="Calibri" panose="020F0502020204030204" pitchFamily="34" charset="0"/>
+              </a:defRPr>
+            </a:lvl9pPr>
+          </a:lstStyle>
+          <a:p>
+            <a:pPr algn="ctr" eaLnBrk="1" hangingPunct="1"/>
+            <a:r>
+              <a:rPr lang="en-US" altLang="en-US" sz="1400" b="1" dirty="0">
+                <a:solidFill>
+                  <a:schemeClr val="accent6"/>
+                </a:solidFill>
+                <a:latin typeface="Montserrat" pitchFamily="2" charset="77"/>
+                <a:cs typeface="Arial" panose="020B0604020202020204" pitchFamily="34" charset="0"/>
+              </a:rPr>
+              <a:t>Trust policy</a:t>
+            </a:r>
+          </a:p>
+        </p:txBody>
+      </p:sp>
+      <p:grpSp>
+        <p:nvGrpSpPr>
+          <p:cNvPr id="13" name="Group 12">
+            <a:extLst>
+              <a:ext uri="{FF2B5EF4-FFF2-40B4-BE49-F238E27FC236}">
+                <a16:creationId xmlns:a16="http://schemas.microsoft.com/office/drawing/2014/main" id="{4E860DC2-6EFB-0347-AD65-4D06728E4101}"/>
+              </a:ext>
+            </a:extLst>
+          </p:cNvPr>
+          <p:cNvGrpSpPr/>
+          <p:nvPr/>
+        </p:nvGrpSpPr>
+        <p:grpSpPr>
+          <a:xfrm>
+            <a:off x="3855272" y="2869732"/>
+            <a:ext cx="1073150" cy="1023505"/>
+            <a:chOff x="3367880" y="2959099"/>
+            <a:chExt cx="1073150" cy="1023505"/>
+          </a:xfrm>
+        </p:grpSpPr>
+        <p:pic>
+          <p:nvPicPr>
+            <p:cNvPr id="14" name="Graphic 22">
+              <a:extLst>
+                <a:ext uri="{FF2B5EF4-FFF2-40B4-BE49-F238E27FC236}">
+                  <a16:creationId xmlns:a16="http://schemas.microsoft.com/office/drawing/2014/main" id="{E4EC1BE4-0905-F241-B890-21AAEFF5EC0F}"/>
+                </a:ext>
+              </a:extLst>
+            </p:cNvPr>
+            <p:cNvPicPr>
+              <a:picLocks noChangeAspect="1" noChangeArrowheads="1"/>
+            </p:cNvPicPr>
+            <p:nvPr/>
+          </p:nvPicPr>
+          <p:blipFill>
+            <a:blip r:embed="rId4">
+              <a:extLst>
+                <a:ext uri="{96DAC541-7B7A-43D3-8B79-37D633B846F1}">
+                  <asvg:svgBlip xmlns:asvg="http://schemas.microsoft.com/office/drawing/2016/SVG/main" r:embed="rId5"/>
+                </a:ext>
+              </a:extLst>
+            </a:blip>
+            <a:srcRect/>
+            <a:stretch/>
+          </p:blipFill>
+          <p:spPr bwMode="auto">
+            <a:xfrm>
+              <a:off x="3531202" y="2959099"/>
+              <a:ext cx="746507" cy="746507"/>
+            </a:xfrm>
+            <a:prstGeom prst="rect">
+              <a:avLst/>
+            </a:prstGeom>
+            <a:noFill/>
+            <a:ln>
+              <a:noFill/>
+            </a:ln>
+            <a:extLst>
+              <a:ext uri="{909E8E84-426E-40DD-AFC4-6F175D3DCCD1}">
+                <a14:hiddenFill xmlns:a14="http://schemas.microsoft.com/office/drawing/2010/main">
+                  <a:solidFill>
+                    <a:srgbClr val="FFFFFF"/>
+                  </a:solidFill>
+                </a14:hiddenFill>
+              </a:ext>
+              <a:ext uri="{91240B29-F687-4F45-9708-019B960494DF}">
+                <a14:hiddenLine xmlns:a14="http://schemas.microsoft.com/office/drawing/2010/main" w="9525">
+                  <a:solidFill>
+                    <a:srgbClr val="000000"/>
+                  </a:solidFill>
+                  <a:miter lim="800000"/>
+                  <a:headEnd/>
+                  <a:tailEnd/>
+                </a14:hiddenLine>
+              </a:ext>
+            </a:extLst>
+          </p:spPr>
+        </p:pic>
+        <p:sp>
+          <p:nvSpPr>
+            <p:cNvPr id="15" name="TextBox 40">
+              <a:extLst>
+                <a:ext uri="{FF2B5EF4-FFF2-40B4-BE49-F238E27FC236}">
+                  <a16:creationId xmlns:a16="http://schemas.microsoft.com/office/drawing/2014/main" id="{DE667813-0497-D24B-90F5-3B649039F193}"/>
+                </a:ext>
+              </a:extLst>
+            </p:cNvPr>
+            <p:cNvSpPr txBox="1">
+              <a:spLocks noChangeArrowheads="1"/>
+            </p:cNvSpPr>
+            <p:nvPr/>
+          </p:nvSpPr>
+          <p:spPr bwMode="auto">
+            <a:xfrm>
+              <a:off x="3367880" y="3705605"/>
+              <a:ext cx="1073150" cy="276999"/>
+            </a:xfrm>
+            <a:prstGeom prst="rect">
+              <a:avLst/>
+            </a:prstGeom>
+            <a:noFill/>
+            <a:ln>
+              <a:noFill/>
+            </a:ln>
+            <a:extLst>
+              <a:ext uri="{909E8E84-426E-40DD-AFC4-6F175D3DCCD1}">
+                <a14:hiddenFill xmlns:a14="http://schemas.microsoft.com/office/drawing/2010/main">
+                  <a:solidFill>
+                    <a:srgbClr val="FFFFFF"/>
+                  </a:solidFill>
+                </a14:hiddenFill>
+              </a:ext>
+              <a:ext uri="{91240B29-F687-4F45-9708-019B960494DF}">
+                <a14:hiddenLine xmlns:a14="http://schemas.microsoft.com/office/drawing/2010/main" w="9525">
+                  <a:solidFill>
+                    <a:srgbClr val="000000"/>
+                  </a:solidFill>
+                  <a:miter lim="800000"/>
+                  <a:headEnd/>
+                  <a:tailEnd/>
+                </a14:hiddenLine>
+              </a:ext>
+            </a:extLst>
+          </p:spPr>
+          <p:txBody>
+            <a:bodyPr>
+              <a:spAutoFit/>
+            </a:bodyPr>
+            <a:lstStyle>
+              <a:lvl1pPr>
+                <a:defRPr>
+                  <a:solidFill>
+                    <a:schemeClr val="tx1"/>
+                  </a:solidFill>
+                  <a:latin typeface="Calibri" panose="020F0502020204030204" pitchFamily="34" charset="0"/>
+                </a:defRPr>
+              </a:lvl1pPr>
+              <a:lvl2pPr marL="742950" indent="-285750">
+                <a:defRPr>
+                  <a:solidFill>
+                    <a:schemeClr val="tx1"/>
+                  </a:solidFill>
+                  <a:latin typeface="Calibri" panose="020F0502020204030204" pitchFamily="34" charset="0"/>
+                </a:defRPr>
+              </a:lvl2pPr>
+              <a:lvl3pPr marL="1143000" indent="-228600">
+                <a:defRPr>
+                  <a:solidFill>
+                    <a:schemeClr val="tx1"/>
+                  </a:solidFill>
+                  <a:latin typeface="Calibri" panose="020F0502020204030204" pitchFamily="34" charset="0"/>
+                </a:defRPr>
+              </a:lvl3pPr>
+              <a:lvl4pPr marL="1600200" indent="-228600">
+                <a:defRPr>
+                  <a:solidFill>
+                    <a:schemeClr val="tx1"/>
+                  </a:solidFill>
+                  <a:latin typeface="Calibri" panose="020F0502020204030204" pitchFamily="34" charset="0"/>
+                </a:defRPr>
+              </a:lvl4pPr>
+              <a:lvl5pPr marL="2057400" indent="-228600">
+                <a:defRPr>
+                  <a:solidFill>
+                    <a:schemeClr val="tx1"/>
+                  </a:solidFill>
+                  <a:latin typeface="Calibri" panose="020F0502020204030204" pitchFamily="34" charset="0"/>
+                </a:defRPr>
+              </a:lvl5pPr>
+              <a:lvl6pPr marL="2514600" indent="-228600" eaLnBrk="0" fontAlgn="base" hangingPunct="0">
+                <a:spcBef>
+                  <a:spcPct val="0"/>
+                </a:spcBef>
+                <a:spcAft>
+                  <a:spcPct val="0"/>
+                </a:spcAft>
+                <a:defRPr>
+                  <a:solidFill>
+                    <a:schemeClr val="tx1"/>
+                  </a:solidFill>
+                  <a:latin typeface="Calibri" panose="020F0502020204030204" pitchFamily="34" charset="0"/>
+                </a:defRPr>
+              </a:lvl6pPr>
+              <a:lvl7pPr marL="2971800" indent="-228600" eaLnBrk="0" fontAlgn="base" hangingPunct="0">
+                <a:spcBef>
+                  <a:spcPct val="0"/>
+                </a:spcBef>
+                <a:spcAft>
+                  <a:spcPct val="0"/>
+                </a:spcAft>
+                <a:defRPr>
+                  <a:solidFill>
+                    <a:schemeClr val="tx1"/>
+                  </a:solidFill>
+                  <a:latin typeface="Calibri" panose="020F0502020204030204" pitchFamily="34" charset="0"/>
+                </a:defRPr>
+              </a:lvl7pPr>
+              <a:lvl8pPr marL="3429000" indent="-228600" eaLnBrk="0" fontAlgn="base" hangingPunct="0">
+                <a:spcBef>
+                  <a:spcPct val="0"/>
+                </a:spcBef>
+                <a:spcAft>
+                  <a:spcPct val="0"/>
+                </a:spcAft>
+                <a:defRPr>
+                  <a:solidFill>
+                    <a:schemeClr val="tx1"/>
+                  </a:solidFill>
+                  <a:latin typeface="Calibri" panose="020F0502020204030204" pitchFamily="34" charset="0"/>
+                </a:defRPr>
+              </a:lvl8pPr>
+              <a:lvl9pPr marL="3886200" indent="-228600" eaLnBrk="0" fontAlgn="base" hangingPunct="0">
+                <a:spcBef>
+                  <a:spcPct val="0"/>
+                </a:spcBef>
+                <a:spcAft>
+                  <a:spcPct val="0"/>
+                </a:spcAft>
+                <a:defRPr>
+                  <a:solidFill>
+                    <a:schemeClr val="tx1"/>
+                  </a:solidFill>
+                  <a:latin typeface="Calibri" panose="020F0502020204030204" pitchFamily="34" charset="0"/>
+                </a:defRPr>
+              </a:lvl9pPr>
+            </a:lstStyle>
+            <a:p>
+              <a:pPr algn="ctr" eaLnBrk="1" hangingPunct="1"/>
+              <a:r>
+                <a:rPr lang="en-US" altLang="en-US" sz="1200" b="1" dirty="0">
+                  <a:solidFill>
+                    <a:srgbClr val="000000"/>
+                  </a:solidFill>
+                  <a:latin typeface="Arial" panose="020B0604020202020204" pitchFamily="34" charset="0"/>
+                  <a:cs typeface="Arial" panose="020B0604020202020204" pitchFamily="34" charset="0"/>
+                </a:rPr>
+                <a:t>IAM User</a:t>
+              </a:r>
+            </a:p>
+          </p:txBody>
+        </p:sp>
+      </p:grpSp>
+      <p:sp>
+        <p:nvSpPr>
+          <p:cNvPr id="16" name="TextBox 40">
+            <a:extLst>
+              <a:ext uri="{FF2B5EF4-FFF2-40B4-BE49-F238E27FC236}">
+                <a16:creationId xmlns:a16="http://schemas.microsoft.com/office/drawing/2014/main" id="{52B9FED4-49C3-F549-B3C5-BDC82A69B2E4}"/>
+              </a:ext>
+            </a:extLst>
+          </p:cNvPr>
+          <p:cNvSpPr txBox="1">
+            <a:spLocks noChangeArrowheads="1"/>
+          </p:cNvSpPr>
+          <p:nvPr/>
+        </p:nvSpPr>
+        <p:spPr bwMode="auto">
+          <a:xfrm>
+            <a:off x="3243196" y="3893237"/>
+            <a:ext cx="2396057" cy="307777"/>
+          </a:xfrm>
+          <a:prstGeom prst="rect">
+            <a:avLst/>
+          </a:prstGeom>
+          <a:solidFill>
+            <a:srgbClr val="002060"/>
+          </a:solidFill>
+          <a:ln>
+            <a:noFill/>
+          </a:ln>
+        </p:spPr>
+        <p:txBody>
+          <a:bodyPr wrap="square">
+            <a:spAutoFit/>
+          </a:bodyPr>
+          <a:lstStyle>
+            <a:lvl1pPr>
+              <a:defRPr>
+                <a:solidFill>
+                  <a:schemeClr val="tx1"/>
+                </a:solidFill>
+                <a:latin typeface="Calibri" panose="020F0502020204030204" pitchFamily="34" charset="0"/>
+              </a:defRPr>
+            </a:lvl1pPr>
+            <a:lvl2pPr marL="742950" indent="-285750">
+              <a:defRPr>
+                <a:solidFill>
+                  <a:schemeClr val="tx1"/>
+                </a:solidFill>
+                <a:latin typeface="Calibri" panose="020F0502020204030204" pitchFamily="34" charset="0"/>
+              </a:defRPr>
+            </a:lvl2pPr>
+            <a:lvl3pPr marL="1143000" indent="-228600">
+              <a:defRPr>
+                <a:solidFill>
+                  <a:schemeClr val="tx1"/>
+                </a:solidFill>
+                <a:latin typeface="Calibri" panose="020F0502020204030204" pitchFamily="34" charset="0"/>
+              </a:defRPr>
+            </a:lvl3pPr>
+            <a:lvl4pPr marL="1600200" indent="-228600">
+              <a:defRPr>
+                <a:solidFill>
+                  <a:schemeClr val="tx1"/>
+                </a:solidFill>
+                <a:latin typeface="Calibri" panose="020F0502020204030204" pitchFamily="34" charset="0"/>
+              </a:defRPr>
+            </a:lvl4pPr>
+            <a:lvl5pPr marL="2057400" indent="-228600">
+              <a:defRPr>
+                <a:solidFill>
+                  <a:schemeClr val="tx1"/>
+                </a:solidFill>
+                <a:latin typeface="Calibri" panose="020F0502020204030204" pitchFamily="34" charset="0"/>
+              </a:defRPr>
+            </a:lvl5pPr>
+            <a:lvl6pPr marL="2514600" indent="-228600" eaLnBrk="0" fontAlgn="base" hangingPunct="0">
+              <a:spcBef>
+                <a:spcPct val="0"/>
+              </a:spcBef>
+              <a:spcAft>
+                <a:spcPct val="0"/>
+              </a:spcAft>
+              <a:defRPr>
+                <a:solidFill>
+                  <a:schemeClr val="tx1"/>
+                </a:solidFill>
+                <a:latin typeface="Calibri" panose="020F0502020204030204" pitchFamily="34" charset="0"/>
+              </a:defRPr>
+            </a:lvl6pPr>
+            <a:lvl7pPr marL="2971800" indent="-228600" eaLnBrk="0" fontAlgn="base" hangingPunct="0">
+              <a:spcBef>
+                <a:spcPct val="0"/>
+              </a:spcBef>
+              <a:spcAft>
+                <a:spcPct val="0"/>
+              </a:spcAft>
+              <a:defRPr>
+                <a:solidFill>
+                  <a:schemeClr val="tx1"/>
+                </a:solidFill>
+                <a:latin typeface="Calibri" panose="020F0502020204030204" pitchFamily="34" charset="0"/>
+              </a:defRPr>
+            </a:lvl7pPr>
+            <a:lvl8pPr marL="3429000" indent="-228600" eaLnBrk="0" fontAlgn="base" hangingPunct="0">
+              <a:spcBef>
+                <a:spcPct val="0"/>
+              </a:spcBef>
+              <a:spcAft>
+                <a:spcPct val="0"/>
+              </a:spcAft>
+              <a:defRPr>
+                <a:solidFill>
+                  <a:schemeClr val="tx1"/>
+                </a:solidFill>
+                <a:latin typeface="Calibri" panose="020F0502020204030204" pitchFamily="34" charset="0"/>
+              </a:defRPr>
+            </a:lvl8pPr>
+            <a:lvl9pPr marL="3886200" indent="-228600" eaLnBrk="0" fontAlgn="base" hangingPunct="0">
+              <a:spcBef>
+                <a:spcPct val="0"/>
+              </a:spcBef>
+              <a:spcAft>
+                <a:spcPct val="0"/>
+              </a:spcAft>
+              <a:defRPr>
+                <a:solidFill>
+                  <a:schemeClr val="tx1"/>
+                </a:solidFill>
+                <a:latin typeface="Calibri" panose="020F0502020204030204" pitchFamily="34" charset="0"/>
+              </a:defRPr>
+            </a:lvl9pPr>
+          </a:lstStyle>
+          <a:p>
+            <a:pPr algn="ctr" eaLnBrk="1" hangingPunct="1"/>
+            <a:r>
+              <a:rPr lang="en-US" altLang="en-US" sz="1400" b="1" dirty="0">
+                <a:solidFill>
+                  <a:schemeClr val="accent6"/>
+                </a:solidFill>
+                <a:latin typeface="Montserrat" pitchFamily="2" charset="77"/>
+                <a:cs typeface="Arial" panose="020B0604020202020204" pitchFamily="34" charset="0"/>
+              </a:rPr>
+              <a:t>Username + Password</a:t>
+            </a:r>
+          </a:p>
+        </p:txBody>
+      </p:sp>
+      <p:sp>
+        <p:nvSpPr>
+          <p:cNvPr id="17" name="TextBox 40">
+            <a:extLst>
+              <a:ext uri="{FF2B5EF4-FFF2-40B4-BE49-F238E27FC236}">
+                <a16:creationId xmlns:a16="http://schemas.microsoft.com/office/drawing/2014/main" id="{D901575E-C3F8-4940-AAF6-0BE1F6A78CCD}"/>
+              </a:ext>
+            </a:extLst>
+          </p:cNvPr>
+          <p:cNvSpPr txBox="1">
+            <a:spLocks noChangeArrowheads="1"/>
+          </p:cNvSpPr>
+          <p:nvPr/>
+        </p:nvSpPr>
+        <p:spPr bwMode="auto">
+          <a:xfrm>
+            <a:off x="3243196" y="4258151"/>
+            <a:ext cx="2396057" cy="307777"/>
+          </a:xfrm>
+          <a:prstGeom prst="rect">
+            <a:avLst/>
+          </a:prstGeom>
+          <a:solidFill>
+            <a:srgbClr val="002060"/>
+          </a:solidFill>
+          <a:ln>
+            <a:noFill/>
+          </a:ln>
+        </p:spPr>
+        <p:txBody>
+          <a:bodyPr wrap="square">
+            <a:spAutoFit/>
+          </a:bodyPr>
+          <a:lstStyle>
+            <a:lvl1pPr>
+              <a:defRPr>
+                <a:solidFill>
+                  <a:schemeClr val="tx1"/>
+                </a:solidFill>
+                <a:latin typeface="Calibri" panose="020F0502020204030204" pitchFamily="34" charset="0"/>
+              </a:defRPr>
+            </a:lvl1pPr>
+            <a:lvl2pPr marL="742950" indent="-285750">
+              <a:defRPr>
+                <a:solidFill>
+                  <a:schemeClr val="tx1"/>
+                </a:solidFill>
+                <a:latin typeface="Calibri" panose="020F0502020204030204" pitchFamily="34" charset="0"/>
+              </a:defRPr>
+            </a:lvl2pPr>
+            <a:lvl3pPr marL="1143000" indent="-228600">
+              <a:defRPr>
+                <a:solidFill>
+                  <a:schemeClr val="tx1"/>
+                </a:solidFill>
+                <a:latin typeface="Calibri" panose="020F0502020204030204" pitchFamily="34" charset="0"/>
+              </a:defRPr>
+            </a:lvl3pPr>
+            <a:lvl4pPr marL="1600200" indent="-228600">
+              <a:defRPr>
+                <a:solidFill>
+                  <a:schemeClr val="tx1"/>
+                </a:solidFill>
+                <a:latin typeface="Calibri" panose="020F0502020204030204" pitchFamily="34" charset="0"/>
+              </a:defRPr>
+            </a:lvl4pPr>
+            <a:lvl5pPr marL="2057400" indent="-228600">
+              <a:defRPr>
+                <a:solidFill>
+                  <a:schemeClr val="tx1"/>
+                </a:solidFill>
+                <a:latin typeface="Calibri" panose="020F0502020204030204" pitchFamily="34" charset="0"/>
+              </a:defRPr>
+            </a:lvl5pPr>
+            <a:lvl6pPr marL="2514600" indent="-228600" eaLnBrk="0" fontAlgn="base" hangingPunct="0">
+              <a:spcBef>
+                <a:spcPct val="0"/>
+              </a:spcBef>
+              <a:spcAft>
+                <a:spcPct val="0"/>
+              </a:spcAft>
+              <a:defRPr>
+                <a:solidFill>
+                  <a:schemeClr val="tx1"/>
+                </a:solidFill>
+                <a:latin typeface="Calibri" panose="020F0502020204030204" pitchFamily="34" charset="0"/>
+              </a:defRPr>
+            </a:lvl6pPr>
+            <a:lvl7pPr marL="2971800" indent="-228600" eaLnBrk="0" fontAlgn="base" hangingPunct="0">
+              <a:spcBef>
+                <a:spcPct val="0"/>
+              </a:spcBef>
+              <a:spcAft>
+                <a:spcPct val="0"/>
+              </a:spcAft>
+              <a:defRPr>
+                <a:solidFill>
+                  <a:schemeClr val="tx1"/>
+                </a:solidFill>
+                <a:latin typeface="Calibri" panose="020F0502020204030204" pitchFamily="34" charset="0"/>
+              </a:defRPr>
+            </a:lvl7pPr>
+            <a:lvl8pPr marL="3429000" indent="-228600" eaLnBrk="0" fontAlgn="base" hangingPunct="0">
+              <a:spcBef>
+                <a:spcPct val="0"/>
+              </a:spcBef>
+              <a:spcAft>
+                <a:spcPct val="0"/>
+              </a:spcAft>
+              <a:defRPr>
+                <a:solidFill>
+                  <a:schemeClr val="tx1"/>
+                </a:solidFill>
+                <a:latin typeface="Calibri" panose="020F0502020204030204" pitchFamily="34" charset="0"/>
+              </a:defRPr>
+            </a:lvl8pPr>
+            <a:lvl9pPr marL="3886200" indent="-228600" eaLnBrk="0" fontAlgn="base" hangingPunct="0">
+              <a:spcBef>
+                <a:spcPct val="0"/>
+              </a:spcBef>
+              <a:spcAft>
+                <a:spcPct val="0"/>
+              </a:spcAft>
+              <a:defRPr>
+                <a:solidFill>
+                  <a:schemeClr val="tx1"/>
+                </a:solidFill>
+                <a:latin typeface="Calibri" panose="020F0502020204030204" pitchFamily="34" charset="0"/>
+              </a:defRPr>
+            </a:lvl9pPr>
+          </a:lstStyle>
+          <a:p>
+            <a:pPr algn="ctr" eaLnBrk="1" hangingPunct="1"/>
+            <a:r>
+              <a:rPr lang="en-US" altLang="en-US" sz="1400" b="1" dirty="0">
+                <a:solidFill>
+                  <a:schemeClr val="accent6"/>
+                </a:solidFill>
+                <a:latin typeface="Montserrat" pitchFamily="2" charset="77"/>
+                <a:cs typeface="Arial" panose="020B0604020202020204" pitchFamily="34" charset="0"/>
+              </a:rPr>
+              <a:t>Long-term access keys</a:t>
+            </a:r>
+          </a:p>
+        </p:txBody>
+      </p:sp>
+      <p:sp>
+        <p:nvSpPr>
+          <p:cNvPr id="18" name="TextBox 40">
+            <a:extLst>
+              <a:ext uri="{FF2B5EF4-FFF2-40B4-BE49-F238E27FC236}">
+                <a16:creationId xmlns:a16="http://schemas.microsoft.com/office/drawing/2014/main" id="{06869342-4359-DD46-93F7-FF06AE492AE1}"/>
+              </a:ext>
+            </a:extLst>
+          </p:cNvPr>
+          <p:cNvSpPr txBox="1">
+            <a:spLocks noChangeArrowheads="1"/>
+          </p:cNvSpPr>
+          <p:nvPr/>
+        </p:nvSpPr>
+        <p:spPr bwMode="auto">
+          <a:xfrm>
+            <a:off x="6655510" y="4258151"/>
+            <a:ext cx="2396057" cy="307777"/>
+          </a:xfrm>
+          <a:prstGeom prst="rect">
+            <a:avLst/>
+          </a:prstGeom>
+          <a:solidFill>
+            <a:srgbClr val="002060"/>
+          </a:solidFill>
+          <a:ln>
+            <a:noFill/>
+          </a:ln>
+        </p:spPr>
+        <p:txBody>
+          <a:bodyPr wrap="square">
+            <a:spAutoFit/>
+          </a:bodyPr>
+          <a:lstStyle>
+            <a:lvl1pPr>
+              <a:defRPr>
+                <a:solidFill>
+                  <a:schemeClr val="tx1"/>
+                </a:solidFill>
+                <a:latin typeface="Calibri" panose="020F0502020204030204" pitchFamily="34" charset="0"/>
+              </a:defRPr>
+            </a:lvl1pPr>
+            <a:lvl2pPr marL="742950" indent="-285750">
+              <a:defRPr>
+                <a:solidFill>
+                  <a:schemeClr val="tx1"/>
+                </a:solidFill>
+                <a:latin typeface="Calibri" panose="020F0502020204030204" pitchFamily="34" charset="0"/>
+              </a:defRPr>
+            </a:lvl2pPr>
+            <a:lvl3pPr marL="1143000" indent="-228600">
+              <a:defRPr>
+                <a:solidFill>
+                  <a:schemeClr val="tx1"/>
+                </a:solidFill>
+                <a:latin typeface="Calibri" panose="020F0502020204030204" pitchFamily="34" charset="0"/>
+              </a:defRPr>
+            </a:lvl3pPr>
+            <a:lvl4pPr marL="1600200" indent="-228600">
+              <a:defRPr>
+                <a:solidFill>
+                  <a:schemeClr val="tx1"/>
+                </a:solidFill>
+                <a:latin typeface="Calibri" panose="020F0502020204030204" pitchFamily="34" charset="0"/>
+              </a:defRPr>
+            </a:lvl4pPr>
+            <a:lvl5pPr marL="2057400" indent="-228600">
+              <a:defRPr>
+                <a:solidFill>
+                  <a:schemeClr val="tx1"/>
+                </a:solidFill>
+                <a:latin typeface="Calibri" panose="020F0502020204030204" pitchFamily="34" charset="0"/>
+              </a:defRPr>
+            </a:lvl5pPr>
+            <a:lvl6pPr marL="2514600" indent="-228600" eaLnBrk="0" fontAlgn="base" hangingPunct="0">
+              <a:spcBef>
+                <a:spcPct val="0"/>
+              </a:spcBef>
+              <a:spcAft>
+                <a:spcPct val="0"/>
+              </a:spcAft>
+              <a:defRPr>
+                <a:solidFill>
+                  <a:schemeClr val="tx1"/>
+                </a:solidFill>
+                <a:latin typeface="Calibri" panose="020F0502020204030204" pitchFamily="34" charset="0"/>
+              </a:defRPr>
+            </a:lvl6pPr>
+            <a:lvl7pPr marL="2971800" indent="-228600" eaLnBrk="0" fontAlgn="base" hangingPunct="0">
+              <a:spcBef>
+                <a:spcPct val="0"/>
+              </a:spcBef>
+              <a:spcAft>
+                <a:spcPct val="0"/>
+              </a:spcAft>
+              <a:defRPr>
+                <a:solidFill>
+                  <a:schemeClr val="tx1"/>
+                </a:solidFill>
+                <a:latin typeface="Calibri" panose="020F0502020204030204" pitchFamily="34" charset="0"/>
+              </a:defRPr>
+            </a:lvl7pPr>
+            <a:lvl8pPr marL="3429000" indent="-228600" eaLnBrk="0" fontAlgn="base" hangingPunct="0">
+              <a:spcBef>
+                <a:spcPct val="0"/>
+              </a:spcBef>
+              <a:spcAft>
+                <a:spcPct val="0"/>
+              </a:spcAft>
+              <a:defRPr>
+                <a:solidFill>
+                  <a:schemeClr val="tx1"/>
+                </a:solidFill>
+                <a:latin typeface="Calibri" panose="020F0502020204030204" pitchFamily="34" charset="0"/>
+              </a:defRPr>
+            </a:lvl8pPr>
+            <a:lvl9pPr marL="3886200" indent="-228600" eaLnBrk="0" fontAlgn="base" hangingPunct="0">
+              <a:spcBef>
+                <a:spcPct val="0"/>
+              </a:spcBef>
+              <a:spcAft>
+                <a:spcPct val="0"/>
+              </a:spcAft>
+              <a:defRPr>
+                <a:solidFill>
+                  <a:schemeClr val="tx1"/>
+                </a:solidFill>
+                <a:latin typeface="Calibri" panose="020F0502020204030204" pitchFamily="34" charset="0"/>
+              </a:defRPr>
+            </a:lvl9pPr>
+          </a:lstStyle>
+          <a:p>
+            <a:pPr algn="ctr" eaLnBrk="1" hangingPunct="1"/>
+            <a:r>
+              <a:rPr lang="en-US" altLang="en-US" sz="1400" b="1" dirty="0">
+                <a:solidFill>
+                  <a:schemeClr val="accent6"/>
+                </a:solidFill>
+                <a:latin typeface="Montserrat" pitchFamily="2" charset="77"/>
+                <a:cs typeface="Arial" panose="020B0604020202020204" pitchFamily="34" charset="0"/>
+              </a:rPr>
+              <a:t>Short-term credentials</a:t>
+            </a:r>
+          </a:p>
+        </p:txBody>
+      </p:sp>
+      <p:sp>
+        <p:nvSpPr>
+          <p:cNvPr id="19" name="Rounded Rectangular Callout 18">
+            <a:extLst>
+              <a:ext uri="{FF2B5EF4-FFF2-40B4-BE49-F238E27FC236}">
+                <a16:creationId xmlns:a16="http://schemas.microsoft.com/office/drawing/2014/main" id="{11FD4106-A1A8-5848-B392-A84B4FEF50B6}"/>
+              </a:ext>
+            </a:extLst>
+          </p:cNvPr>
+          <p:cNvSpPr/>
+          <p:nvPr/>
+        </p:nvSpPr>
+        <p:spPr>
+          <a:xfrm>
+            <a:off x="192505" y="2767053"/>
+            <a:ext cx="2435192" cy="1987827"/>
+          </a:xfrm>
+          <a:prstGeom prst="wedgeRoundRectCallout">
+            <a:avLst>
+              <a:gd name="adj1" fmla="val 95768"/>
+              <a:gd name="adj2" fmla="val -22598"/>
+              <a:gd name="adj3" fmla="val 16667"/>
+            </a:avLst>
+          </a:prstGeom>
+          <a:solidFill>
+            <a:srgbClr val="C00000"/>
+          </a:solidFill>
+        </p:spPr>
+        <p:style>
+          <a:lnRef idx="2">
+            <a:schemeClr val="accent1">
+              <a:shade val="50000"/>
+            </a:schemeClr>
+          </a:lnRef>
+          <a:fillRef idx="1">
+            <a:schemeClr val="accent1"/>
+          </a:fillRef>
+          <a:effectRef idx="0">
+            <a:schemeClr val="accent1"/>
+          </a:effectRef>
+          <a:fontRef idx="minor">
+            <a:schemeClr val="lt1"/>
+          </a:fontRef>
+        </p:style>
+        <p:txBody>
+          <a:bodyPr rtlCol="0" anchor="ctr"/>
+          <a:lstStyle/>
+          <a:p>
+            <a:pPr algn="ctr"/>
+            <a:r>
+              <a:rPr lang="en-US" b="1" dirty="0">
+                <a:latin typeface="Montserrat" pitchFamily="2" charset="77"/>
+              </a:rPr>
+              <a:t>Life cycle management</a:t>
+            </a:r>
+          </a:p>
+          <a:p>
+            <a:pPr algn="ctr"/>
+            <a:endParaRPr lang="en-US" b="1" dirty="0">
+              <a:latin typeface="Montserrat" pitchFamily="2" charset="77"/>
+            </a:endParaRPr>
+          </a:p>
+          <a:p>
+            <a:pPr algn="ctr"/>
+            <a:r>
+              <a:rPr lang="en-US" b="1" dirty="0">
+                <a:latin typeface="Montserrat" pitchFamily="2" charset="77"/>
+              </a:rPr>
+              <a:t>Password &amp; access keys rotation</a:t>
+            </a:r>
+          </a:p>
+        </p:txBody>
+      </p:sp>
+      <p:sp>
+        <p:nvSpPr>
+          <p:cNvPr id="20" name="Rounded Rectangular Callout 19">
+            <a:extLst>
+              <a:ext uri="{FF2B5EF4-FFF2-40B4-BE49-F238E27FC236}">
+                <a16:creationId xmlns:a16="http://schemas.microsoft.com/office/drawing/2014/main" id="{1DC8C529-7546-A94D-8B2F-C9A3A3EA94E2}"/>
+              </a:ext>
+            </a:extLst>
+          </p:cNvPr>
+          <p:cNvSpPr/>
+          <p:nvPr/>
+        </p:nvSpPr>
+        <p:spPr>
+          <a:xfrm>
+            <a:off x="9494385" y="2767052"/>
+            <a:ext cx="2435192" cy="1987827"/>
+          </a:xfrm>
+          <a:prstGeom prst="wedgeRoundRectCallout">
+            <a:avLst>
+              <a:gd name="adj1" fmla="val -88421"/>
+              <a:gd name="adj2" fmla="val -19208"/>
+              <a:gd name="adj3" fmla="val 16667"/>
+            </a:avLst>
+          </a:prstGeom>
+          <a:solidFill>
+            <a:schemeClr val="accent6"/>
+          </a:solidFill>
+        </p:spPr>
+        <p:style>
+          <a:lnRef idx="2">
+            <a:schemeClr val="accent1">
+              <a:shade val="50000"/>
+            </a:schemeClr>
+          </a:lnRef>
+          <a:fillRef idx="1">
+            <a:schemeClr val="accent1"/>
+          </a:fillRef>
+          <a:effectRef idx="0">
+            <a:schemeClr val="accent1"/>
+          </a:effectRef>
+          <a:fontRef idx="minor">
+            <a:schemeClr val="lt1"/>
+          </a:fontRef>
+        </p:style>
+        <p:txBody>
+          <a:bodyPr rtlCol="0" anchor="ctr"/>
+          <a:lstStyle/>
+          <a:p>
+            <a:pPr algn="ctr"/>
+            <a:r>
+              <a:rPr lang="en-US" b="1" dirty="0">
+                <a:latin typeface="Montserrat" pitchFamily="2" charset="77"/>
+              </a:rPr>
+              <a:t>No password</a:t>
+            </a:r>
+          </a:p>
+          <a:p>
+            <a:pPr algn="ctr"/>
+            <a:endParaRPr lang="en-US" b="1" dirty="0">
+              <a:latin typeface="Montserrat" pitchFamily="2" charset="77"/>
+            </a:endParaRPr>
+          </a:p>
+          <a:p>
+            <a:pPr algn="ctr"/>
+            <a:r>
+              <a:rPr lang="en-US" b="1" dirty="0">
+                <a:latin typeface="Montserrat" pitchFamily="2" charset="77"/>
+              </a:rPr>
+              <a:t>Automatic credentials rotation</a:t>
+            </a:r>
+          </a:p>
+        </p:txBody>
+      </p:sp>
+    </p:spTree>
+    <p:extLst>
+      <p:ext uri="{BB962C8B-B14F-4D97-AF65-F5344CB8AC3E}">
+        <p14:creationId xmlns:p14="http://schemas.microsoft.com/office/powerpoint/2010/main" val="3634420125"/>
+      </p:ext>
+    </p:extLst>
+  </p:cSld>
+  <p:clrMapOvr>
+    <a:masterClrMapping/>
+  </p:clrMapOvr>
+  <p:timing>
+    <p:tnLst>
+      <p:par>
+        <p:cTn id="1" dur="indefinite" restart="never" nodeType="tmRoot">
+          <p:childTnLst>
+            <p:seq concurrent="1" nextAc="seek">
+              <p:cTn id="2" dur="indefinite" nodeType="mainSeq">
+                <p:childTnLst>
+                  <p:par>
+                    <p:cTn id="3" fill="hold">
+                      <p:stCondLst>
+                        <p:cond delay="indefinite"/>
+                      </p:stCondLst>
+                      <p:childTnLst>
+                        <p:par>
+                          <p:cTn id="4" fill="hold">
+                            <p:stCondLst>
+                              <p:cond delay="0"/>
+                            </p:stCondLst>
+                            <p:childTnLst>
+                              <p:par>
+                                <p:cTn id="5" presetID="10" presetClass="entr" presetSubtype="0" fill="hold" grpId="0" nodeType="clickEffect">
+                                  <p:stCondLst>
+                                    <p:cond delay="0"/>
+                                  </p:stCondLst>
+                                  <p:childTnLst>
+                                    <p:set>
+                                      <p:cBhvr>
+                                        <p:cTn id="6" dur="1" fill="hold">
+                                          <p:stCondLst>
+                                            <p:cond delay="0"/>
+                                          </p:stCondLst>
+                                        </p:cTn>
+                                        <p:tgtEl>
+                                          <p:spTgt spid="19"/>
+                                        </p:tgtEl>
+                                        <p:attrNameLst>
+                                          <p:attrName>style.visibility</p:attrName>
+                                        </p:attrNameLst>
+                                      </p:cBhvr>
+                                      <p:to>
+                                        <p:strVal val="visible"/>
+                                      </p:to>
+                                    </p:set>
+                                    <p:animEffect transition="in" filter="fade">
+                                      <p:cBhvr>
+                                        <p:cTn id="7" dur="500"/>
+                                        <p:tgtEl>
+                                          <p:spTgt spid="19"/>
+                                        </p:tgtEl>
+                                      </p:cBhvr>
+                                    </p:animEffect>
+                                  </p:childTnLst>
+                                </p:cTn>
+                              </p:par>
+                            </p:childTnLst>
+                          </p:cTn>
+                        </p:par>
+                      </p:childTnLst>
+                    </p:cTn>
+                  </p:par>
+                  <p:par>
+                    <p:cTn id="8" fill="hold">
+                      <p:stCondLst>
+                        <p:cond delay="indefinite"/>
+                      </p:stCondLst>
+                      <p:childTnLst>
+                        <p:par>
+                          <p:cTn id="9" fill="hold">
+                            <p:stCondLst>
+                              <p:cond delay="0"/>
+                            </p:stCondLst>
+                            <p:childTnLst>
+                              <p:par>
+                                <p:cTn id="10" presetID="10" presetClass="entr" presetSubtype="0" fill="hold" grpId="0" nodeType="clickEffect">
+                                  <p:stCondLst>
+                                    <p:cond delay="0"/>
+                                  </p:stCondLst>
+                                  <p:childTnLst>
+                                    <p:set>
+                                      <p:cBhvr>
+                                        <p:cTn id="11" dur="1" fill="hold">
+                                          <p:stCondLst>
+                                            <p:cond delay="0"/>
+                                          </p:stCondLst>
+                                        </p:cTn>
+                                        <p:tgtEl>
+                                          <p:spTgt spid="20"/>
+                                        </p:tgtEl>
+                                        <p:attrNameLst>
+                                          <p:attrName>style.visibility</p:attrName>
+                                        </p:attrNameLst>
+                                      </p:cBhvr>
+                                      <p:to>
+                                        <p:strVal val="visible"/>
+                                      </p:to>
+                                    </p:set>
+                                    <p:animEffect transition="in" filter="fade">
+                                      <p:cBhvr>
+                                        <p:cTn id="12" dur="500"/>
+                                        <p:tgtEl>
+                                          <p:spTgt spid="20"/>
+                                        </p:tgtEl>
+                                      </p:cBhvr>
+                                    </p:animEffect>
+                                  </p:childTnLst>
+                                </p:cTn>
+                              </p:par>
+                            </p:childTnLst>
+                          </p:cTn>
+                        </p:par>
+                      </p:childTnLst>
+                    </p:cTn>
+                  </p:par>
+                </p:childTnLst>
+              </p:cTn>
+              <p:prevCondLst>
+                <p:cond evt="onPrev" delay="0">
+                  <p:tgtEl>
+                    <p:sldTgt/>
+                  </p:tgtEl>
+                </p:cond>
+              </p:prevCondLst>
+              <p:nextCondLst>
+                <p:cond evt="onNext" delay="0">
+                  <p:tgtEl>
+                    <p:sldTgt/>
+                  </p:tgtEl>
+                </p:cond>
+              </p:nextCondLst>
+            </p:seq>
+          </p:childTnLst>
+        </p:cTn>
+      </p:par>
+    </p:tnLst>
+    <p:bldLst>
+      <p:bldP spid="19" grpId="0" animBg="1"/>
+      <p:bldP spid="20" grpId="0" animBg="1"/>
+    </p:bldLst>
+  </p:timing>
+</p:sld>
+</file>
+
+<file path=ppt/slides/slide11.xml><?xml version="1.0" encoding="utf-8"?>
+<p:sld xmlns:a="http://schemas.openxmlformats.org/drawingml/2006/main" xmlns:r="http://schemas.openxmlformats.org/officeDocument/2006/relationships" xmlns:p="http://schemas.openxmlformats.org/presentationml/2006/main">
+  <p:cSld>
     <p:bg>
       <p:bgPr>
         <a:solidFill>
@@ -4850,7 +6417,7 @@
           <a:bodyPr/>
           <a:lstStyle/>
           <a:p>
-            <a:endParaRPr lang="en-US"/>
+            <a:endParaRPr lang="en-US" dirty="0"/>
           </a:p>
         </p:txBody>
       </p:sp>
@@ -6692,142 +8259,6 @@
           </a:p>
         </p:txBody>
       </p:sp>
-      <p:cxnSp>
-        <p:nvCxnSpPr>
-          <p:cNvPr id="20" name="Straight Arrow Connector 19">
-            <a:extLst>
-              <a:ext uri="{FF2B5EF4-FFF2-40B4-BE49-F238E27FC236}">
-                <a16:creationId xmlns:a16="http://schemas.microsoft.com/office/drawing/2014/main" id="{83A36270-DB19-4D4A-A9B4-A30D5DFF9BC6}"/>
-              </a:ext>
-            </a:extLst>
-          </p:cNvPr>
-          <p:cNvCxnSpPr>
-            <a:cxnSpLocks/>
-            <a:stCxn id="5" idx="3"/>
-          </p:cNvCxnSpPr>
-          <p:nvPr/>
-        </p:nvCxnSpPr>
-        <p:spPr>
-          <a:xfrm flipV="1">
-            <a:off x="2609206" y="3923674"/>
-            <a:ext cx="1436484" cy="935068"/>
-          </a:xfrm>
-          <a:prstGeom prst="straightConnector1">
-            <a:avLst/>
-          </a:prstGeom>
-          <a:ln>
-            <a:solidFill>
-              <a:srgbClr val="002060"/>
-            </a:solidFill>
-            <a:tailEnd type="triangle"/>
-          </a:ln>
-        </p:spPr>
-        <p:style>
-          <a:lnRef idx="1">
-            <a:schemeClr val="accent1"/>
-          </a:lnRef>
-          <a:fillRef idx="0">
-            <a:schemeClr val="accent1"/>
-          </a:fillRef>
-          <a:effectRef idx="0">
-            <a:schemeClr val="accent1"/>
-          </a:effectRef>
-          <a:fontRef idx="minor">
-            <a:schemeClr val="tx1"/>
-          </a:fontRef>
-        </p:style>
-      </p:cxnSp>
-      <p:cxnSp>
-        <p:nvCxnSpPr>
-          <p:cNvPr id="21" name="Straight Arrow Connector 20">
-            <a:extLst>
-              <a:ext uri="{FF2B5EF4-FFF2-40B4-BE49-F238E27FC236}">
-                <a16:creationId xmlns:a16="http://schemas.microsoft.com/office/drawing/2014/main" id="{1CAF4B5A-5824-2946-85AE-B446D1C73655}"/>
-              </a:ext>
-            </a:extLst>
-          </p:cNvPr>
-          <p:cNvCxnSpPr>
-            <a:cxnSpLocks/>
-            <a:stCxn id="7" idx="1"/>
-            <a:endCxn id="14" idx="1"/>
-          </p:cNvCxnSpPr>
-          <p:nvPr/>
-        </p:nvCxnSpPr>
-        <p:spPr>
-          <a:xfrm flipV="1">
-            <a:off x="2517186" y="3647693"/>
-            <a:ext cx="1512826" cy="1"/>
-          </a:xfrm>
-          <a:prstGeom prst="straightConnector1">
-            <a:avLst/>
-          </a:prstGeom>
-          <a:ln>
-            <a:solidFill>
-              <a:srgbClr val="002060"/>
-            </a:solidFill>
-            <a:tailEnd type="triangle"/>
-          </a:ln>
-        </p:spPr>
-        <p:style>
-          <a:lnRef idx="1">
-            <a:schemeClr val="accent1"/>
-          </a:lnRef>
-          <a:fillRef idx="0">
-            <a:schemeClr val="accent1"/>
-          </a:fillRef>
-          <a:effectRef idx="0">
-            <a:schemeClr val="accent1"/>
-          </a:effectRef>
-          <a:fontRef idx="minor">
-            <a:schemeClr val="tx1"/>
-          </a:fontRef>
-        </p:style>
-      </p:cxnSp>
-      <p:cxnSp>
-        <p:nvCxnSpPr>
-          <p:cNvPr id="24" name="Straight Arrow Connector 23">
-            <a:extLst>
-              <a:ext uri="{FF2B5EF4-FFF2-40B4-BE49-F238E27FC236}">
-                <a16:creationId xmlns:a16="http://schemas.microsoft.com/office/drawing/2014/main" id="{98733938-9589-D14B-A3C5-8D909967178D}"/>
-              </a:ext>
-            </a:extLst>
-          </p:cNvPr>
-          <p:cNvCxnSpPr>
-            <a:cxnSpLocks/>
-            <a:stCxn id="6" idx="3"/>
-          </p:cNvCxnSpPr>
-          <p:nvPr/>
-        </p:nvCxnSpPr>
-        <p:spPr>
-          <a:xfrm>
-            <a:off x="2550043" y="2433614"/>
-            <a:ext cx="1512826" cy="914036"/>
-          </a:xfrm>
-          <a:prstGeom prst="straightConnector1">
-            <a:avLst/>
-          </a:prstGeom>
-          <a:ln>
-            <a:solidFill>
-              <a:srgbClr val="002060"/>
-            </a:solidFill>
-            <a:tailEnd type="triangle"/>
-          </a:ln>
-        </p:spPr>
-        <p:style>
-          <a:lnRef idx="1">
-            <a:schemeClr val="accent1"/>
-          </a:lnRef>
-          <a:fillRef idx="0">
-            <a:schemeClr val="accent1"/>
-          </a:fillRef>
-          <a:effectRef idx="0">
-            <a:schemeClr val="accent1"/>
-          </a:effectRef>
-          <a:fontRef idx="minor">
-            <a:schemeClr val="tx1"/>
-          </a:fontRef>
-        </p:style>
-      </p:cxnSp>
       <p:sp>
         <p:nvSpPr>
           <p:cNvPr id="32" name="Freeform 31">
@@ -6995,268 +8426,446 @@
           </a:p>
         </p:txBody>
       </p:sp>
-      <p:cxnSp>
-        <p:nvCxnSpPr>
-          <p:cNvPr id="34" name="Straight Connector 33">
+      <p:grpSp>
+        <p:nvGrpSpPr>
+          <p:cNvPr id="22" name="Group 21">
             <a:extLst>
               <a:ext uri="{FF2B5EF4-FFF2-40B4-BE49-F238E27FC236}">
-                <a16:creationId xmlns:a16="http://schemas.microsoft.com/office/drawing/2014/main" id="{9BA94324-1C57-6F4E-8991-C4BA5D87A587}"/>
+                <a16:creationId xmlns:a16="http://schemas.microsoft.com/office/drawing/2014/main" id="{09EF93B7-8EEE-F941-BC68-7E95A3355490}"/>
               </a:ext>
             </a:extLst>
           </p:cNvPr>
-          <p:cNvCxnSpPr>
-            <a:cxnSpLocks/>
-          </p:cNvCxnSpPr>
+          <p:cNvGrpSpPr/>
           <p:nvPr/>
-        </p:nvCxnSpPr>
-        <p:spPr>
-          <a:xfrm flipV="1">
+        </p:nvGrpSpPr>
+        <p:grpSpPr>
+          <a:xfrm>
             <a:off x="4629873" y="2148840"/>
-            <a:ext cx="765087" cy="1141524"/>
+            <a:ext cx="765087" cy="3214529"/>
+            <a:chOff x="4629873" y="2148840"/>
+            <a:chExt cx="765087" cy="3214529"/>
           </a:xfrm>
-          <a:prstGeom prst="line">
-            <a:avLst/>
-          </a:prstGeom>
-          <a:ln>
-            <a:prstDash val="dash"/>
-          </a:ln>
-        </p:spPr>
-        <p:style>
-          <a:lnRef idx="1">
-            <a:schemeClr val="accent1"/>
-          </a:lnRef>
-          <a:fillRef idx="0">
-            <a:schemeClr val="accent1"/>
-          </a:fillRef>
-          <a:effectRef idx="0">
-            <a:schemeClr val="accent1"/>
-          </a:effectRef>
-          <a:fontRef idx="minor">
-            <a:schemeClr val="tx1"/>
-          </a:fontRef>
-        </p:style>
-      </p:cxnSp>
-      <p:cxnSp>
-        <p:nvCxnSpPr>
-          <p:cNvPr id="36" name="Straight Connector 35">
+        </p:grpSpPr>
+        <p:cxnSp>
+          <p:nvCxnSpPr>
+            <p:cNvPr id="34" name="Straight Connector 33">
+              <a:extLst>
+                <a:ext uri="{FF2B5EF4-FFF2-40B4-BE49-F238E27FC236}">
+                  <a16:creationId xmlns:a16="http://schemas.microsoft.com/office/drawing/2014/main" id="{9BA94324-1C57-6F4E-8991-C4BA5D87A587}"/>
+                </a:ext>
+              </a:extLst>
+            </p:cNvPr>
+            <p:cNvCxnSpPr>
+              <a:cxnSpLocks/>
+            </p:cNvCxnSpPr>
+            <p:nvPr/>
+          </p:nvCxnSpPr>
+          <p:spPr>
+            <a:xfrm flipV="1">
+              <a:off x="4629873" y="2148840"/>
+              <a:ext cx="765087" cy="1141524"/>
+            </a:xfrm>
+            <a:prstGeom prst="line">
+              <a:avLst/>
+            </a:prstGeom>
+            <a:ln>
+              <a:prstDash val="dash"/>
+            </a:ln>
+          </p:spPr>
+          <p:style>
+            <a:lnRef idx="1">
+              <a:schemeClr val="accent1"/>
+            </a:lnRef>
+            <a:fillRef idx="0">
+              <a:schemeClr val="accent1"/>
+            </a:fillRef>
+            <a:effectRef idx="0">
+              <a:schemeClr val="accent1"/>
+            </a:effectRef>
+            <a:fontRef idx="minor">
+              <a:schemeClr val="tx1"/>
+            </a:fontRef>
+          </p:style>
+        </p:cxnSp>
+        <p:cxnSp>
+          <p:nvCxnSpPr>
+            <p:cNvPr id="36" name="Straight Connector 35">
+              <a:extLst>
+                <a:ext uri="{FF2B5EF4-FFF2-40B4-BE49-F238E27FC236}">
+                  <a16:creationId xmlns:a16="http://schemas.microsoft.com/office/drawing/2014/main" id="{21B4FF01-4C4F-A240-BFFC-8B59D299EE3E}"/>
+                </a:ext>
+              </a:extLst>
+            </p:cNvPr>
+            <p:cNvCxnSpPr>
+              <a:cxnSpLocks/>
+            </p:cNvCxnSpPr>
+            <p:nvPr/>
+          </p:nvCxnSpPr>
+          <p:spPr>
+            <a:xfrm>
+              <a:off x="4776518" y="4306794"/>
+              <a:ext cx="618442" cy="1056575"/>
+            </a:xfrm>
+            <a:prstGeom prst="line">
+              <a:avLst/>
+            </a:prstGeom>
+            <a:ln>
+              <a:prstDash val="dash"/>
+            </a:ln>
+          </p:spPr>
+          <p:style>
+            <a:lnRef idx="1">
+              <a:schemeClr val="accent1"/>
+            </a:lnRef>
+            <a:fillRef idx="0">
+              <a:schemeClr val="accent1"/>
+            </a:fillRef>
+            <a:effectRef idx="0">
+              <a:schemeClr val="accent1"/>
+            </a:effectRef>
+            <a:fontRef idx="minor">
+              <a:schemeClr val="tx1"/>
+            </a:fontRef>
+          </p:style>
+        </p:cxnSp>
+      </p:grpSp>
+      <p:grpSp>
+        <p:nvGrpSpPr>
+          <p:cNvPr id="19" name="Group 18">
             <a:extLst>
               <a:ext uri="{FF2B5EF4-FFF2-40B4-BE49-F238E27FC236}">
-                <a16:creationId xmlns:a16="http://schemas.microsoft.com/office/drawing/2014/main" id="{21B4FF01-4C4F-A240-BFFC-8B59D299EE3E}"/>
+                <a16:creationId xmlns:a16="http://schemas.microsoft.com/office/drawing/2014/main" id="{AE6BD674-F9ED-7541-98F9-0916A9C19423}"/>
               </a:ext>
             </a:extLst>
           </p:cNvPr>
-          <p:cNvCxnSpPr>
-            <a:cxnSpLocks/>
-          </p:cNvCxnSpPr>
+          <p:cNvGrpSpPr/>
           <p:nvPr/>
-        </p:nvCxnSpPr>
-        <p:spPr>
+        </p:nvGrpSpPr>
+        <p:grpSpPr>
           <a:xfrm>
-            <a:off x="4776518" y="4306794"/>
-            <a:ext cx="618442" cy="1056575"/>
+            <a:off x="2517186" y="2433614"/>
+            <a:ext cx="1545683" cy="2425128"/>
+            <a:chOff x="2517186" y="2433614"/>
+            <a:chExt cx="1545683" cy="2425128"/>
           </a:xfrm>
-          <a:prstGeom prst="line">
-            <a:avLst/>
-          </a:prstGeom>
-          <a:ln>
-            <a:prstDash val="dash"/>
-          </a:ln>
-        </p:spPr>
-        <p:style>
-          <a:lnRef idx="1">
-            <a:schemeClr val="accent1"/>
-          </a:lnRef>
-          <a:fillRef idx="0">
-            <a:schemeClr val="accent1"/>
-          </a:fillRef>
-          <a:effectRef idx="0">
-            <a:schemeClr val="accent1"/>
-          </a:effectRef>
-          <a:fontRef idx="minor">
-            <a:schemeClr val="tx1"/>
-          </a:fontRef>
-        </p:style>
-      </p:cxnSp>
-      <p:sp>
-        <p:nvSpPr>
-          <p:cNvPr id="40" name="Rectangle 39">
-            <a:extLst>
-              <a:ext uri="{FF2B5EF4-FFF2-40B4-BE49-F238E27FC236}">
-                <a16:creationId xmlns:a16="http://schemas.microsoft.com/office/drawing/2014/main" id="{98122B02-2183-3047-8107-7E177A4E421C}"/>
-              </a:ext>
-            </a:extLst>
-          </p:cNvPr>
-          <p:cNvSpPr/>
-          <p:nvPr/>
-        </p:nvSpPr>
-        <p:spPr>
-          <a:xfrm>
-            <a:off x="2970694" y="2704005"/>
-            <a:ext cx="496233" cy="276999"/>
-          </a:xfrm>
-          <a:prstGeom prst="rect">
-            <a:avLst/>
-          </a:prstGeom>
-          <a:solidFill>
-            <a:schemeClr val="accent1">
-              <a:lumMod val="20000"/>
-              <a:lumOff val="80000"/>
-            </a:schemeClr>
-          </a:solidFill>
-        </p:spPr>
-        <p:style>
-          <a:lnRef idx="2">
-            <a:schemeClr val="accent1">
-              <a:shade val="50000"/>
-            </a:schemeClr>
-          </a:lnRef>
-          <a:fillRef idx="1">
-            <a:schemeClr val="accent1"/>
-          </a:fillRef>
-          <a:effectRef idx="0">
-            <a:schemeClr val="accent1"/>
-          </a:effectRef>
-          <a:fontRef idx="minor">
-            <a:schemeClr val="lt1"/>
-          </a:fontRef>
-        </p:style>
-        <p:txBody>
-          <a:bodyPr rtlCol="0" anchor="ctr"/>
-          <a:lstStyle/>
-          <a:p>
-            <a:pPr algn="ctr"/>
-            <a:r>
-              <a:rPr lang="en-US" sz="1400" dirty="0">
-                <a:solidFill>
-                  <a:srgbClr val="002060"/>
-                </a:solidFill>
-                <a:latin typeface="Montserrat" pitchFamily="2" charset="77"/>
-              </a:rPr>
-              <a:t>has</a:t>
-            </a:r>
-          </a:p>
-        </p:txBody>
-      </p:sp>
-      <p:sp>
-        <p:nvSpPr>
-          <p:cNvPr id="41" name="Rectangle 40">
-            <a:extLst>
-              <a:ext uri="{FF2B5EF4-FFF2-40B4-BE49-F238E27FC236}">
-                <a16:creationId xmlns:a16="http://schemas.microsoft.com/office/drawing/2014/main" id="{33CDEB75-7539-1543-96DF-D8681D225461}"/>
-              </a:ext>
-            </a:extLst>
-          </p:cNvPr>
-          <p:cNvSpPr/>
-          <p:nvPr/>
-        </p:nvSpPr>
-        <p:spPr>
-          <a:xfrm>
-            <a:off x="2948513" y="3510351"/>
-            <a:ext cx="496233" cy="276999"/>
-          </a:xfrm>
-          <a:prstGeom prst="rect">
-            <a:avLst/>
-          </a:prstGeom>
-          <a:solidFill>
-            <a:schemeClr val="accent1">
-              <a:lumMod val="20000"/>
-              <a:lumOff val="80000"/>
-            </a:schemeClr>
-          </a:solidFill>
-        </p:spPr>
-        <p:style>
-          <a:lnRef idx="2">
-            <a:schemeClr val="accent1">
-              <a:shade val="50000"/>
-            </a:schemeClr>
-          </a:lnRef>
-          <a:fillRef idx="1">
-            <a:schemeClr val="accent1"/>
-          </a:fillRef>
-          <a:effectRef idx="0">
-            <a:schemeClr val="accent1"/>
-          </a:effectRef>
-          <a:fontRef idx="minor">
-            <a:schemeClr val="lt1"/>
-          </a:fontRef>
-        </p:style>
-        <p:txBody>
-          <a:bodyPr rtlCol="0" anchor="ctr"/>
-          <a:lstStyle/>
-          <a:p>
-            <a:pPr algn="ctr"/>
-            <a:r>
-              <a:rPr lang="en-US" sz="1400" dirty="0">
-                <a:solidFill>
-                  <a:srgbClr val="002060"/>
-                </a:solidFill>
-                <a:latin typeface="Montserrat" pitchFamily="2" charset="77"/>
-              </a:rPr>
-              <a:t>has</a:t>
-            </a:r>
-          </a:p>
-        </p:txBody>
-      </p:sp>
-      <p:sp>
-        <p:nvSpPr>
-          <p:cNvPr id="42" name="Rectangle 41">
-            <a:extLst>
-              <a:ext uri="{FF2B5EF4-FFF2-40B4-BE49-F238E27FC236}">
-                <a16:creationId xmlns:a16="http://schemas.microsoft.com/office/drawing/2014/main" id="{DE087320-EF72-654D-9925-76C2A2A34D5A}"/>
-              </a:ext>
-            </a:extLst>
-          </p:cNvPr>
-          <p:cNvSpPr/>
-          <p:nvPr/>
-        </p:nvSpPr>
-        <p:spPr>
-          <a:xfrm>
-            <a:off x="2970693" y="4345707"/>
-            <a:ext cx="496233" cy="276999"/>
-          </a:xfrm>
-          <a:prstGeom prst="rect">
-            <a:avLst/>
-          </a:prstGeom>
-          <a:solidFill>
-            <a:schemeClr val="accent1">
-              <a:lumMod val="20000"/>
-              <a:lumOff val="80000"/>
-            </a:schemeClr>
-          </a:solidFill>
-        </p:spPr>
-        <p:style>
-          <a:lnRef idx="2">
-            <a:schemeClr val="accent1">
-              <a:shade val="50000"/>
-            </a:schemeClr>
-          </a:lnRef>
-          <a:fillRef idx="1">
-            <a:schemeClr val="accent1"/>
-          </a:fillRef>
-          <a:effectRef idx="0">
-            <a:schemeClr val="accent1"/>
-          </a:effectRef>
-          <a:fontRef idx="minor">
-            <a:schemeClr val="lt1"/>
-          </a:fontRef>
-        </p:style>
-        <p:txBody>
-          <a:bodyPr rtlCol="0" anchor="ctr"/>
-          <a:lstStyle/>
-          <a:p>
-            <a:pPr algn="ctr"/>
-            <a:r>
-              <a:rPr lang="en-US" sz="1400" dirty="0">
-                <a:solidFill>
-                  <a:srgbClr val="002060"/>
-                </a:solidFill>
-                <a:latin typeface="Montserrat" pitchFamily="2" charset="77"/>
-              </a:rPr>
-              <a:t>has</a:t>
-            </a:r>
-          </a:p>
-        </p:txBody>
-      </p:sp>
+        </p:grpSpPr>
+        <p:cxnSp>
+          <p:nvCxnSpPr>
+            <p:cNvPr id="20" name="Straight Arrow Connector 19">
+              <a:extLst>
+                <a:ext uri="{FF2B5EF4-FFF2-40B4-BE49-F238E27FC236}">
+                  <a16:creationId xmlns:a16="http://schemas.microsoft.com/office/drawing/2014/main" id="{83A36270-DB19-4D4A-A9B4-A30D5DFF9BC6}"/>
+                </a:ext>
+              </a:extLst>
+            </p:cNvPr>
+            <p:cNvCxnSpPr>
+              <a:cxnSpLocks/>
+              <a:stCxn id="5" idx="3"/>
+            </p:cNvCxnSpPr>
+            <p:nvPr/>
+          </p:nvCxnSpPr>
+          <p:spPr>
+            <a:xfrm flipV="1">
+              <a:off x="2609206" y="3923674"/>
+              <a:ext cx="1436484" cy="935068"/>
+            </a:xfrm>
+            <a:prstGeom prst="straightConnector1">
+              <a:avLst/>
+            </a:prstGeom>
+            <a:ln>
+              <a:solidFill>
+                <a:srgbClr val="002060"/>
+              </a:solidFill>
+              <a:tailEnd type="triangle"/>
+            </a:ln>
+          </p:spPr>
+          <p:style>
+            <a:lnRef idx="1">
+              <a:schemeClr val="accent1"/>
+            </a:lnRef>
+            <a:fillRef idx="0">
+              <a:schemeClr val="accent1"/>
+            </a:fillRef>
+            <a:effectRef idx="0">
+              <a:schemeClr val="accent1"/>
+            </a:effectRef>
+            <a:fontRef idx="minor">
+              <a:schemeClr val="tx1"/>
+            </a:fontRef>
+          </p:style>
+        </p:cxnSp>
+        <p:cxnSp>
+          <p:nvCxnSpPr>
+            <p:cNvPr id="21" name="Straight Arrow Connector 20">
+              <a:extLst>
+                <a:ext uri="{FF2B5EF4-FFF2-40B4-BE49-F238E27FC236}">
+                  <a16:creationId xmlns:a16="http://schemas.microsoft.com/office/drawing/2014/main" id="{1CAF4B5A-5824-2946-85AE-B446D1C73655}"/>
+                </a:ext>
+              </a:extLst>
+            </p:cNvPr>
+            <p:cNvCxnSpPr>
+              <a:cxnSpLocks/>
+              <a:stCxn id="7" idx="1"/>
+              <a:endCxn id="14" idx="1"/>
+            </p:cNvCxnSpPr>
+            <p:nvPr/>
+          </p:nvCxnSpPr>
+          <p:spPr>
+            <a:xfrm flipV="1">
+              <a:off x="2517186" y="3647693"/>
+              <a:ext cx="1512826" cy="1"/>
+            </a:xfrm>
+            <a:prstGeom prst="straightConnector1">
+              <a:avLst/>
+            </a:prstGeom>
+            <a:ln>
+              <a:solidFill>
+                <a:srgbClr val="002060"/>
+              </a:solidFill>
+              <a:tailEnd type="triangle"/>
+            </a:ln>
+          </p:spPr>
+          <p:style>
+            <a:lnRef idx="1">
+              <a:schemeClr val="accent1"/>
+            </a:lnRef>
+            <a:fillRef idx="0">
+              <a:schemeClr val="accent1"/>
+            </a:fillRef>
+            <a:effectRef idx="0">
+              <a:schemeClr val="accent1"/>
+            </a:effectRef>
+            <a:fontRef idx="minor">
+              <a:schemeClr val="tx1"/>
+            </a:fontRef>
+          </p:style>
+        </p:cxnSp>
+        <p:cxnSp>
+          <p:nvCxnSpPr>
+            <p:cNvPr id="24" name="Straight Arrow Connector 23">
+              <a:extLst>
+                <a:ext uri="{FF2B5EF4-FFF2-40B4-BE49-F238E27FC236}">
+                  <a16:creationId xmlns:a16="http://schemas.microsoft.com/office/drawing/2014/main" id="{98733938-9589-D14B-A3C5-8D909967178D}"/>
+                </a:ext>
+              </a:extLst>
+            </p:cNvPr>
+            <p:cNvCxnSpPr>
+              <a:cxnSpLocks/>
+              <a:stCxn id="6" idx="3"/>
+            </p:cNvCxnSpPr>
+            <p:nvPr/>
+          </p:nvCxnSpPr>
+          <p:spPr>
+            <a:xfrm>
+              <a:off x="2550043" y="2433614"/>
+              <a:ext cx="1512826" cy="914036"/>
+            </a:xfrm>
+            <a:prstGeom prst="straightConnector1">
+              <a:avLst/>
+            </a:prstGeom>
+            <a:ln>
+              <a:solidFill>
+                <a:srgbClr val="002060"/>
+              </a:solidFill>
+              <a:tailEnd type="triangle"/>
+            </a:ln>
+          </p:spPr>
+          <p:style>
+            <a:lnRef idx="1">
+              <a:schemeClr val="accent1"/>
+            </a:lnRef>
+            <a:fillRef idx="0">
+              <a:schemeClr val="accent1"/>
+            </a:fillRef>
+            <a:effectRef idx="0">
+              <a:schemeClr val="accent1"/>
+            </a:effectRef>
+            <a:fontRef idx="minor">
+              <a:schemeClr val="tx1"/>
+            </a:fontRef>
+          </p:style>
+        </p:cxnSp>
+        <p:sp>
+          <p:nvSpPr>
+            <p:cNvPr id="40" name="Rectangle 39">
+              <a:extLst>
+                <a:ext uri="{FF2B5EF4-FFF2-40B4-BE49-F238E27FC236}">
+                  <a16:creationId xmlns:a16="http://schemas.microsoft.com/office/drawing/2014/main" id="{98122B02-2183-3047-8107-7E177A4E421C}"/>
+                </a:ext>
+              </a:extLst>
+            </p:cNvPr>
+            <p:cNvSpPr/>
+            <p:nvPr/>
+          </p:nvSpPr>
+          <p:spPr>
+            <a:xfrm>
+              <a:off x="2970694" y="2704005"/>
+              <a:ext cx="496233" cy="276999"/>
+            </a:xfrm>
+            <a:prstGeom prst="rect">
+              <a:avLst/>
+            </a:prstGeom>
+            <a:solidFill>
+              <a:schemeClr val="accent1">
+                <a:lumMod val="20000"/>
+                <a:lumOff val="80000"/>
+              </a:schemeClr>
+            </a:solidFill>
+          </p:spPr>
+          <p:style>
+            <a:lnRef idx="2">
+              <a:schemeClr val="accent1">
+                <a:shade val="50000"/>
+              </a:schemeClr>
+            </a:lnRef>
+            <a:fillRef idx="1">
+              <a:schemeClr val="accent1"/>
+            </a:fillRef>
+            <a:effectRef idx="0">
+              <a:schemeClr val="accent1"/>
+            </a:effectRef>
+            <a:fontRef idx="minor">
+              <a:schemeClr val="lt1"/>
+            </a:fontRef>
+          </p:style>
+          <p:txBody>
+            <a:bodyPr rtlCol="0" anchor="ctr"/>
+            <a:lstStyle/>
+            <a:p>
+              <a:pPr algn="ctr"/>
+              <a:r>
+                <a:rPr lang="en-US" sz="1400" dirty="0">
+                  <a:solidFill>
+                    <a:srgbClr val="002060"/>
+                  </a:solidFill>
+                  <a:latin typeface="Montserrat" pitchFamily="2" charset="77"/>
+                </a:rPr>
+                <a:t>has</a:t>
+              </a:r>
+            </a:p>
+          </p:txBody>
+        </p:sp>
+        <p:sp>
+          <p:nvSpPr>
+            <p:cNvPr id="41" name="Rectangle 40">
+              <a:extLst>
+                <a:ext uri="{FF2B5EF4-FFF2-40B4-BE49-F238E27FC236}">
+                  <a16:creationId xmlns:a16="http://schemas.microsoft.com/office/drawing/2014/main" id="{33CDEB75-7539-1543-96DF-D8681D225461}"/>
+                </a:ext>
+              </a:extLst>
+            </p:cNvPr>
+            <p:cNvSpPr/>
+            <p:nvPr/>
+          </p:nvSpPr>
+          <p:spPr>
+            <a:xfrm>
+              <a:off x="2948513" y="3510351"/>
+              <a:ext cx="496233" cy="276999"/>
+            </a:xfrm>
+            <a:prstGeom prst="rect">
+              <a:avLst/>
+            </a:prstGeom>
+            <a:solidFill>
+              <a:schemeClr val="accent1">
+                <a:lumMod val="20000"/>
+                <a:lumOff val="80000"/>
+              </a:schemeClr>
+            </a:solidFill>
+          </p:spPr>
+          <p:style>
+            <a:lnRef idx="2">
+              <a:schemeClr val="accent1">
+                <a:shade val="50000"/>
+              </a:schemeClr>
+            </a:lnRef>
+            <a:fillRef idx="1">
+              <a:schemeClr val="accent1"/>
+            </a:fillRef>
+            <a:effectRef idx="0">
+              <a:schemeClr val="accent1"/>
+            </a:effectRef>
+            <a:fontRef idx="minor">
+              <a:schemeClr val="lt1"/>
+            </a:fontRef>
+          </p:style>
+          <p:txBody>
+            <a:bodyPr rtlCol="0" anchor="ctr"/>
+            <a:lstStyle/>
+            <a:p>
+              <a:pPr algn="ctr"/>
+              <a:r>
+                <a:rPr lang="en-US" sz="1400" dirty="0">
+                  <a:solidFill>
+                    <a:srgbClr val="002060"/>
+                  </a:solidFill>
+                  <a:latin typeface="Montserrat" pitchFamily="2" charset="77"/>
+                </a:rPr>
+                <a:t>has</a:t>
+              </a:r>
+            </a:p>
+          </p:txBody>
+        </p:sp>
+        <p:sp>
+          <p:nvSpPr>
+            <p:cNvPr id="42" name="Rectangle 41">
+              <a:extLst>
+                <a:ext uri="{FF2B5EF4-FFF2-40B4-BE49-F238E27FC236}">
+                  <a16:creationId xmlns:a16="http://schemas.microsoft.com/office/drawing/2014/main" id="{DE087320-EF72-654D-9925-76C2A2A34D5A}"/>
+                </a:ext>
+              </a:extLst>
+            </p:cNvPr>
+            <p:cNvSpPr/>
+            <p:nvPr/>
+          </p:nvSpPr>
+          <p:spPr>
+            <a:xfrm>
+              <a:off x="2970693" y="4345707"/>
+              <a:ext cx="496233" cy="276999"/>
+            </a:xfrm>
+            <a:prstGeom prst="rect">
+              <a:avLst/>
+            </a:prstGeom>
+            <a:solidFill>
+              <a:schemeClr val="accent1">
+                <a:lumMod val="20000"/>
+                <a:lumOff val="80000"/>
+              </a:schemeClr>
+            </a:solidFill>
+          </p:spPr>
+          <p:style>
+            <a:lnRef idx="2">
+              <a:schemeClr val="accent1">
+                <a:shade val="50000"/>
+              </a:schemeClr>
+            </a:lnRef>
+            <a:fillRef idx="1">
+              <a:schemeClr val="accent1"/>
+            </a:fillRef>
+            <a:effectRef idx="0">
+              <a:schemeClr val="accent1"/>
+            </a:effectRef>
+            <a:fontRef idx="minor">
+              <a:schemeClr val="lt1"/>
+            </a:fontRef>
+          </p:style>
+          <p:txBody>
+            <a:bodyPr rtlCol="0" anchor="ctr"/>
+            <a:lstStyle/>
+            <a:p>
+              <a:pPr algn="ctr"/>
+              <a:r>
+                <a:rPr lang="en-US" sz="1400" dirty="0">
+                  <a:solidFill>
+                    <a:srgbClr val="002060"/>
+                  </a:solidFill>
+                  <a:latin typeface="Montserrat" pitchFamily="2" charset="77"/>
+                </a:rPr>
+                <a:t>has</a:t>
+              </a:r>
+            </a:p>
+          </p:txBody>
+        </p:sp>
+      </p:grpSp>
     </p:spTree>
     <p:extLst>
       <p:ext uri="{BB962C8B-B14F-4D97-AF65-F5344CB8AC3E}">
@@ -7267,6 +8876,287 @@
   <p:clrMapOvr>
     <a:masterClrMapping/>
   </p:clrMapOvr>
+  <p:timing>
+    <p:tnLst>
+      <p:par>
+        <p:cTn id="1" dur="indefinite" restart="never" nodeType="tmRoot">
+          <p:childTnLst>
+            <p:seq concurrent="1" nextAc="seek">
+              <p:cTn id="2" dur="indefinite" nodeType="mainSeq">
+                <p:childTnLst>
+                  <p:par>
+                    <p:cTn id="3" fill="hold">
+                      <p:stCondLst>
+                        <p:cond delay="indefinite"/>
+                      </p:stCondLst>
+                      <p:childTnLst>
+                        <p:par>
+                          <p:cTn id="4" fill="hold">
+                            <p:stCondLst>
+                              <p:cond delay="0"/>
+                            </p:stCondLst>
+                            <p:childTnLst>
+                              <p:par>
+                                <p:cTn id="5" presetID="22" presetClass="entr" presetSubtype="1" fill="hold" grpId="0" nodeType="clickEffect">
+                                  <p:stCondLst>
+                                    <p:cond delay="0"/>
+                                  </p:stCondLst>
+                                  <p:childTnLst>
+                                    <p:set>
+                                      <p:cBhvr>
+                                        <p:cTn id="6" dur="1" fill="hold">
+                                          <p:stCondLst>
+                                            <p:cond delay="0"/>
+                                          </p:stCondLst>
+                                        </p:cTn>
+                                        <p:tgtEl>
+                                          <p:spTgt spid="32"/>
+                                        </p:tgtEl>
+                                        <p:attrNameLst>
+                                          <p:attrName>style.visibility</p:attrName>
+                                        </p:attrNameLst>
+                                      </p:cBhvr>
+                                      <p:to>
+                                        <p:strVal val="visible"/>
+                                      </p:to>
+                                    </p:set>
+                                    <p:animEffect transition="in" filter="wipe(up)">
+                                      <p:cBhvr>
+                                        <p:cTn id="7" dur="500"/>
+                                        <p:tgtEl>
+                                          <p:spTgt spid="32"/>
+                                        </p:tgtEl>
+                                      </p:cBhvr>
+                                    </p:animEffect>
+                                  </p:childTnLst>
+                                </p:cTn>
+                              </p:par>
+                            </p:childTnLst>
+                          </p:cTn>
+                        </p:par>
+                      </p:childTnLst>
+                    </p:cTn>
+                  </p:par>
+                  <p:par>
+                    <p:cTn id="8" fill="hold">
+                      <p:stCondLst>
+                        <p:cond delay="indefinite"/>
+                      </p:stCondLst>
+                      <p:childTnLst>
+                        <p:par>
+                          <p:cTn id="9" fill="hold">
+                            <p:stCondLst>
+                              <p:cond delay="0"/>
+                            </p:stCondLst>
+                            <p:childTnLst>
+                              <p:par>
+                                <p:cTn id="10" presetID="10" presetClass="entr" presetSubtype="0" fill="hold" nodeType="clickEffect">
+                                  <p:stCondLst>
+                                    <p:cond delay="0"/>
+                                  </p:stCondLst>
+                                  <p:childTnLst>
+                                    <p:set>
+                                      <p:cBhvr>
+                                        <p:cTn id="11" dur="1" fill="hold">
+                                          <p:stCondLst>
+                                            <p:cond delay="0"/>
+                                          </p:stCondLst>
+                                        </p:cTn>
+                                        <p:tgtEl>
+                                          <p:spTgt spid="16"/>
+                                        </p:tgtEl>
+                                        <p:attrNameLst>
+                                          <p:attrName>style.visibility</p:attrName>
+                                        </p:attrNameLst>
+                                      </p:cBhvr>
+                                      <p:to>
+                                        <p:strVal val="visible"/>
+                                      </p:to>
+                                    </p:set>
+                                    <p:animEffect transition="in" filter="fade">
+                                      <p:cBhvr>
+                                        <p:cTn id="12" dur="500"/>
+                                        <p:tgtEl>
+                                          <p:spTgt spid="16"/>
+                                        </p:tgtEl>
+                                      </p:cBhvr>
+                                    </p:animEffect>
+                                  </p:childTnLst>
+                                </p:cTn>
+                              </p:par>
+                            </p:childTnLst>
+                          </p:cTn>
+                        </p:par>
+                        <p:par>
+                          <p:cTn id="13" fill="hold">
+                            <p:stCondLst>
+                              <p:cond delay="500"/>
+                            </p:stCondLst>
+                            <p:childTnLst>
+                              <p:par>
+                                <p:cTn id="14" presetID="22" presetClass="entr" presetSubtype="8" fill="hold" nodeType="afterEffect">
+                                  <p:stCondLst>
+                                    <p:cond delay="0"/>
+                                  </p:stCondLst>
+                                  <p:childTnLst>
+                                    <p:set>
+                                      <p:cBhvr>
+                                        <p:cTn id="15" dur="1" fill="hold">
+                                          <p:stCondLst>
+                                            <p:cond delay="0"/>
+                                          </p:stCondLst>
+                                        </p:cTn>
+                                        <p:tgtEl>
+                                          <p:spTgt spid="19"/>
+                                        </p:tgtEl>
+                                        <p:attrNameLst>
+                                          <p:attrName>style.visibility</p:attrName>
+                                        </p:attrNameLst>
+                                      </p:cBhvr>
+                                      <p:to>
+                                        <p:strVal val="visible"/>
+                                      </p:to>
+                                    </p:set>
+                                    <p:animEffect transition="in" filter="wipe(left)">
+                                      <p:cBhvr>
+                                        <p:cTn id="16" dur="500"/>
+                                        <p:tgtEl>
+                                          <p:spTgt spid="19"/>
+                                        </p:tgtEl>
+                                      </p:cBhvr>
+                                    </p:animEffect>
+                                  </p:childTnLst>
+                                </p:cTn>
+                              </p:par>
+                            </p:childTnLst>
+                          </p:cTn>
+                        </p:par>
+                      </p:childTnLst>
+                    </p:cTn>
+                  </p:par>
+                  <p:par>
+                    <p:cTn id="17" fill="hold">
+                      <p:stCondLst>
+                        <p:cond delay="indefinite"/>
+                      </p:stCondLst>
+                      <p:childTnLst>
+                        <p:par>
+                          <p:cTn id="18" fill="hold">
+                            <p:stCondLst>
+                              <p:cond delay="0"/>
+                            </p:stCondLst>
+                            <p:childTnLst>
+                              <p:par>
+                                <p:cTn id="19" presetID="22" presetClass="entr" presetSubtype="8" fill="hold" nodeType="clickEffect">
+                                  <p:stCondLst>
+                                    <p:cond delay="0"/>
+                                  </p:stCondLst>
+                                  <p:childTnLst>
+                                    <p:set>
+                                      <p:cBhvr>
+                                        <p:cTn id="20" dur="1" fill="hold">
+                                          <p:stCondLst>
+                                            <p:cond delay="0"/>
+                                          </p:stCondLst>
+                                        </p:cTn>
+                                        <p:tgtEl>
+                                          <p:spTgt spid="22"/>
+                                        </p:tgtEl>
+                                        <p:attrNameLst>
+                                          <p:attrName>style.visibility</p:attrName>
+                                        </p:attrNameLst>
+                                      </p:cBhvr>
+                                      <p:to>
+                                        <p:strVal val="visible"/>
+                                      </p:to>
+                                    </p:set>
+                                    <p:animEffect transition="in" filter="wipe(left)">
+                                      <p:cBhvr>
+                                        <p:cTn id="21" dur="500"/>
+                                        <p:tgtEl>
+                                          <p:spTgt spid="22"/>
+                                        </p:tgtEl>
+                                      </p:cBhvr>
+                                    </p:animEffect>
+                                  </p:childTnLst>
+                                </p:cTn>
+                              </p:par>
+                            </p:childTnLst>
+                          </p:cTn>
+                        </p:par>
+                        <p:par>
+                          <p:cTn id="22" fill="hold">
+                            <p:stCondLst>
+                              <p:cond delay="500"/>
+                            </p:stCondLst>
+                            <p:childTnLst>
+                              <p:par>
+                                <p:cTn id="23" presetID="22" presetClass="entr" presetSubtype="8" fill="hold" grpId="0" nodeType="afterEffect">
+                                  <p:stCondLst>
+                                    <p:cond delay="0"/>
+                                  </p:stCondLst>
+                                  <p:childTnLst>
+                                    <p:set>
+                                      <p:cBhvr>
+                                        <p:cTn id="24" dur="1" fill="hold">
+                                          <p:stCondLst>
+                                            <p:cond delay="0"/>
+                                          </p:stCondLst>
+                                        </p:cTn>
+                                        <p:tgtEl>
+                                          <p:spTgt spid="17"/>
+                                        </p:tgtEl>
+                                        <p:attrNameLst>
+                                          <p:attrName>style.visibility</p:attrName>
+                                        </p:attrNameLst>
+                                      </p:cBhvr>
+                                      <p:to>
+                                        <p:strVal val="visible"/>
+                                      </p:to>
+                                    </p:set>
+                                    <p:animEffect transition="in" filter="wipe(left)">
+                                      <p:cBhvr>
+                                        <p:cTn id="25" dur="500"/>
+                                        <p:tgtEl>
+                                          <p:spTgt spid="17"/>
+                                        </p:tgtEl>
+                                      </p:cBhvr>
+                                    </p:animEffect>
+                                  </p:childTnLst>
+                                </p:cTn>
+                              </p:par>
+                            </p:childTnLst>
+                          </p:cTn>
+                        </p:par>
+                      </p:childTnLst>
+                    </p:cTn>
+                  </p:par>
+                </p:childTnLst>
+              </p:cTn>
+              <p:prevCondLst>
+                <p:cond evt="onPrev" delay="0">
+                  <p:tgtEl>
+                    <p:sldTgt/>
+                  </p:tgtEl>
+                </p:cond>
+              </p:prevCondLst>
+              <p:nextCondLst>
+                <p:cond evt="onNext" delay="0">
+                  <p:tgtEl>
+                    <p:sldTgt/>
+                  </p:tgtEl>
+                </p:cond>
+              </p:nextCondLst>
+            </p:seq>
+          </p:childTnLst>
+        </p:cTn>
+      </p:par>
+    </p:tnLst>
+    <p:bldLst>
+      <p:bldP spid="17" grpId="0" animBg="1"/>
+      <p:bldP spid="32" grpId="0" animBg="1"/>
+    </p:bldLst>
+  </p:timing>
 </p:sld>
 </file>
 
@@ -8031,12 +9921,42 @@
           </a:p>
         </p:txBody>
       </p:sp>
+    </p:spTree>
+    <p:extLst>
+      <p:ext uri="{BB962C8B-B14F-4D97-AF65-F5344CB8AC3E}">
+        <p14:creationId xmlns:p14="http://schemas.microsoft.com/office/powerpoint/2010/main" val="4208979919"/>
+      </p:ext>
+    </p:extLst>
+  </p:cSld>
+  <p:clrMapOvr>
+    <a:masterClrMapping/>
+  </p:clrMapOvr>
+</p:sld>
+</file>
+
+<file path=ppt/slides/slide5.xml><?xml version="1.0" encoding="utf-8"?>
+<p:sld xmlns:a="http://schemas.openxmlformats.org/drawingml/2006/main" xmlns:r="http://schemas.openxmlformats.org/officeDocument/2006/relationships" xmlns:p="http://schemas.openxmlformats.org/presentationml/2006/main">
+  <p:cSld>
+    <p:spTree>
+      <p:nvGrpSpPr>
+        <p:cNvPr id="1" name=""/>
+        <p:cNvGrpSpPr/>
+        <p:nvPr/>
+      </p:nvGrpSpPr>
+      <p:grpSpPr>
+        <a:xfrm>
+          <a:off x="0" y="0"/>
+          <a:ext cx="0" cy="0"/>
+          <a:chOff x="0" y="0"/>
+          <a:chExt cx="0" cy="0"/>
+        </a:xfrm>
+      </p:grpSpPr>
       <p:sp>
         <p:nvSpPr>
-          <p:cNvPr id="25" name="TextBox 24">
+          <p:cNvPr id="29" name="TextBox 28">
             <a:extLst>
               <a:ext uri="{FF2B5EF4-FFF2-40B4-BE49-F238E27FC236}">
-                <a16:creationId xmlns:a16="http://schemas.microsoft.com/office/drawing/2014/main" id="{D288CCA6-99BD-024D-88DC-3A0559CD73B6}"/>
+                <a16:creationId xmlns:a16="http://schemas.microsoft.com/office/drawing/2014/main" id="{6149F698-436A-4E4D-AB10-B03B13A2AA72}"/>
               </a:ext>
             </a:extLst>
           </p:cNvPr>
@@ -8045,7 +9965,473 @@
         </p:nvSpPr>
         <p:spPr>
           <a:xfrm>
-            <a:off x="2400791" y="4815162"/>
+            <a:off x="2404891" y="5183352"/>
+            <a:ext cx="7039106" cy="369332"/>
+          </a:xfrm>
+          <a:prstGeom prst="rect">
+            <a:avLst/>
+          </a:prstGeom>
+          <a:solidFill>
+            <a:schemeClr val="bg1">
+              <a:lumMod val="95000"/>
+            </a:schemeClr>
+          </a:solidFill>
+          <a:ln>
+            <a:solidFill>
+              <a:srgbClr val="002060"/>
+            </a:solidFill>
+          </a:ln>
+        </p:spPr>
+        <p:txBody>
+          <a:bodyPr wrap="square" rtlCol="0">
+            <a:spAutoFit/>
+          </a:bodyPr>
+          <a:lstStyle/>
+          <a:p>
+            <a:endParaRPr lang="en-US" b="1" dirty="0">
+              <a:solidFill>
+                <a:schemeClr val="accent6"/>
+              </a:solidFill>
+              <a:latin typeface="Montserrat" pitchFamily="2" charset="77"/>
+            </a:endParaRPr>
+          </a:p>
+        </p:txBody>
+      </p:sp>
+      <p:sp>
+        <p:nvSpPr>
+          <p:cNvPr id="2" name="Title 1">
+            <a:extLst>
+              <a:ext uri="{FF2B5EF4-FFF2-40B4-BE49-F238E27FC236}">
+                <a16:creationId xmlns:a16="http://schemas.microsoft.com/office/drawing/2014/main" id="{0DBBFF93-0DFD-C14D-B625-F83E88782E10}"/>
+              </a:ext>
+            </a:extLst>
+          </p:cNvPr>
+          <p:cNvSpPr>
+            <a:spLocks noGrp="1"/>
+          </p:cNvSpPr>
+          <p:nvPr>
+            <p:ph type="title"/>
+          </p:nvPr>
+        </p:nvSpPr>
+        <p:spPr/>
+        <p:txBody>
+          <a:bodyPr/>
+          <a:lstStyle/>
+          <a:p>
+            <a:r>
+              <a:rPr lang="en-US" dirty="0"/>
+              <a:t>IAM User</a:t>
+            </a:r>
+          </a:p>
+        </p:txBody>
+      </p:sp>
+      <p:grpSp>
+        <p:nvGrpSpPr>
+          <p:cNvPr id="6" name="Group 5">
+            <a:extLst>
+              <a:ext uri="{FF2B5EF4-FFF2-40B4-BE49-F238E27FC236}">
+                <a16:creationId xmlns:a16="http://schemas.microsoft.com/office/drawing/2014/main" id="{DCF62444-2D53-654D-96A1-5544BB2CCACD}"/>
+              </a:ext>
+            </a:extLst>
+          </p:cNvPr>
+          <p:cNvGrpSpPr/>
+          <p:nvPr/>
+        </p:nvGrpSpPr>
+        <p:grpSpPr>
+          <a:xfrm>
+            <a:off x="6321178" y="2201358"/>
+            <a:ext cx="2366070" cy="1571341"/>
+            <a:chOff x="6022664" y="1494631"/>
+            <a:chExt cx="2366070" cy="1571341"/>
+          </a:xfrm>
+        </p:grpSpPr>
+        <p:sp>
+          <p:nvSpPr>
+            <p:cNvPr id="4" name="Rectangle 3">
+              <a:extLst>
+                <a:ext uri="{FF2B5EF4-FFF2-40B4-BE49-F238E27FC236}">
+                  <a16:creationId xmlns:a16="http://schemas.microsoft.com/office/drawing/2014/main" id="{ED1998BD-6295-1E41-8B35-E5EEF50658A1}"/>
+                </a:ext>
+              </a:extLst>
+            </p:cNvPr>
+            <p:cNvSpPr/>
+            <p:nvPr/>
+          </p:nvSpPr>
+          <p:spPr>
+            <a:xfrm>
+              <a:off x="6022665" y="1494632"/>
+              <a:ext cx="2366069" cy="1571340"/>
+            </a:xfrm>
+            <a:prstGeom prst="rect">
+              <a:avLst/>
+            </a:prstGeom>
+            <a:noFill/>
+            <a:ln w="12700">
+              <a:solidFill>
+                <a:schemeClr val="tx1"/>
+              </a:solidFill>
+            </a:ln>
+          </p:spPr>
+          <p:style>
+            <a:lnRef idx="2">
+              <a:schemeClr val="accent1">
+                <a:shade val="50000"/>
+              </a:schemeClr>
+            </a:lnRef>
+            <a:fillRef idx="1">
+              <a:schemeClr val="accent1"/>
+            </a:fillRef>
+            <a:effectRef idx="0">
+              <a:schemeClr val="accent1"/>
+            </a:effectRef>
+            <a:fontRef idx="minor">
+              <a:schemeClr val="lt1"/>
+            </a:fontRef>
+          </p:style>
+          <p:txBody>
+            <a:bodyPr lIns="457200" tIns="91440"/>
+            <a:lstStyle/>
+            <a:p>
+              <a:pPr eaLnBrk="1" fontAlgn="auto" hangingPunct="1">
+                <a:spcBef>
+                  <a:spcPts val="0"/>
+                </a:spcBef>
+                <a:spcAft>
+                  <a:spcPts val="0"/>
+                </a:spcAft>
+                <a:defRPr/>
+              </a:pPr>
+              <a:r>
+                <a:rPr lang="en-US" sz="1200" dirty="0">
+                  <a:solidFill>
+                    <a:sysClr val="windowText" lastClr="000000"/>
+                  </a:solidFill>
+                  <a:latin typeface="Arial" panose="020B0604020202020204" pitchFamily="34" charset="0"/>
+                  <a:cs typeface="Arial" panose="020B0604020202020204" pitchFamily="34" charset="0"/>
+                </a:rPr>
+                <a:t>AWS Cloud Account</a:t>
+              </a:r>
+            </a:p>
+          </p:txBody>
+        </p:sp>
+        <p:pic>
+          <p:nvPicPr>
+            <p:cNvPr id="5" name="Graphic 5">
+              <a:extLst>
+                <a:ext uri="{FF2B5EF4-FFF2-40B4-BE49-F238E27FC236}">
+                  <a16:creationId xmlns:a16="http://schemas.microsoft.com/office/drawing/2014/main" id="{D629925C-6679-D84D-A8EA-4CA187496259}"/>
+                </a:ext>
+              </a:extLst>
+            </p:cNvPr>
+            <p:cNvPicPr>
+              <a:picLocks noChangeAspect="1" noChangeArrowheads="1"/>
+            </p:cNvPicPr>
+            <p:nvPr/>
+          </p:nvPicPr>
+          <p:blipFill>
+            <a:blip r:embed="rId2">
+              <a:extLst>
+                <a:ext uri="{28A0092B-C50C-407E-A947-70E740481C1C}">
+                  <a14:useLocalDpi xmlns:a14="http://schemas.microsoft.com/office/drawing/2010/main" val="0"/>
+                </a:ext>
+              </a:extLst>
+            </a:blip>
+            <a:srcRect/>
+            <a:stretch>
+              <a:fillRect/>
+            </a:stretch>
+          </p:blipFill>
+          <p:spPr bwMode="auto">
+            <a:xfrm>
+              <a:off x="6022664" y="1494631"/>
+              <a:ext cx="330200" cy="330200"/>
+            </a:xfrm>
+            <a:prstGeom prst="rect">
+              <a:avLst/>
+            </a:prstGeom>
+            <a:noFill/>
+            <a:ln>
+              <a:noFill/>
+            </a:ln>
+            <a:extLst>
+              <a:ext uri="{909E8E84-426E-40DD-AFC4-6F175D3DCCD1}">
+                <a14:hiddenFill xmlns:a14="http://schemas.microsoft.com/office/drawing/2010/main">
+                  <a:solidFill>
+                    <a:srgbClr val="FFFFFF"/>
+                  </a:solidFill>
+                </a14:hiddenFill>
+              </a:ext>
+              <a:ext uri="{91240B29-F687-4F45-9708-019B960494DF}">
+                <a14:hiddenLine xmlns:a14="http://schemas.microsoft.com/office/drawing/2010/main" w="9525">
+                  <a:solidFill>
+                    <a:srgbClr val="000000"/>
+                  </a:solidFill>
+                  <a:miter lim="800000"/>
+                  <a:headEnd/>
+                  <a:tailEnd/>
+                </a14:hiddenLine>
+              </a:ext>
+            </a:extLst>
+          </p:spPr>
+        </p:pic>
+      </p:grpSp>
+      <p:grpSp>
+        <p:nvGrpSpPr>
+          <p:cNvPr id="7" name="Group 6">
+            <a:extLst>
+              <a:ext uri="{FF2B5EF4-FFF2-40B4-BE49-F238E27FC236}">
+                <a16:creationId xmlns:a16="http://schemas.microsoft.com/office/drawing/2014/main" id="{1A215FEE-F4A8-1E44-AB1D-C1C177FB35D8}"/>
+              </a:ext>
+            </a:extLst>
+          </p:cNvPr>
+          <p:cNvGrpSpPr/>
+          <p:nvPr/>
+        </p:nvGrpSpPr>
+        <p:grpSpPr>
+          <a:xfrm>
+            <a:off x="3062169" y="2695871"/>
+            <a:ext cx="1073150" cy="1023505"/>
+            <a:chOff x="3367880" y="2959099"/>
+            <a:chExt cx="1073150" cy="1023505"/>
+          </a:xfrm>
+        </p:grpSpPr>
+        <p:pic>
+          <p:nvPicPr>
+            <p:cNvPr id="8" name="Graphic 22">
+              <a:extLst>
+                <a:ext uri="{FF2B5EF4-FFF2-40B4-BE49-F238E27FC236}">
+                  <a16:creationId xmlns:a16="http://schemas.microsoft.com/office/drawing/2014/main" id="{7DE4EF1E-DCA0-924E-B7CD-CE3076096531}"/>
+                </a:ext>
+              </a:extLst>
+            </p:cNvPr>
+            <p:cNvPicPr>
+              <a:picLocks noChangeAspect="1" noChangeArrowheads="1"/>
+            </p:cNvPicPr>
+            <p:nvPr/>
+          </p:nvPicPr>
+          <p:blipFill>
+            <a:blip r:embed="rId3">
+              <a:extLst>
+                <a:ext uri="{96DAC541-7B7A-43D3-8B79-37D633B846F1}">
+                  <asvg:svgBlip xmlns:asvg="http://schemas.microsoft.com/office/drawing/2016/SVG/main" r:embed="rId4"/>
+                </a:ext>
+              </a:extLst>
+            </a:blip>
+            <a:srcRect/>
+            <a:stretch/>
+          </p:blipFill>
+          <p:spPr bwMode="auto">
+            <a:xfrm>
+              <a:off x="3531202" y="2959099"/>
+              <a:ext cx="746507" cy="746507"/>
+            </a:xfrm>
+            <a:prstGeom prst="rect">
+              <a:avLst/>
+            </a:prstGeom>
+            <a:noFill/>
+            <a:ln>
+              <a:noFill/>
+            </a:ln>
+            <a:extLst>
+              <a:ext uri="{909E8E84-426E-40DD-AFC4-6F175D3DCCD1}">
+                <a14:hiddenFill xmlns:a14="http://schemas.microsoft.com/office/drawing/2010/main">
+                  <a:solidFill>
+                    <a:srgbClr val="FFFFFF"/>
+                  </a:solidFill>
+                </a14:hiddenFill>
+              </a:ext>
+              <a:ext uri="{91240B29-F687-4F45-9708-019B960494DF}">
+                <a14:hiddenLine xmlns:a14="http://schemas.microsoft.com/office/drawing/2010/main" w="9525">
+                  <a:solidFill>
+                    <a:srgbClr val="000000"/>
+                  </a:solidFill>
+                  <a:miter lim="800000"/>
+                  <a:headEnd/>
+                  <a:tailEnd/>
+                </a14:hiddenLine>
+              </a:ext>
+            </a:extLst>
+          </p:spPr>
+        </p:pic>
+        <p:sp>
+          <p:nvSpPr>
+            <p:cNvPr id="9" name="TextBox 40">
+              <a:extLst>
+                <a:ext uri="{FF2B5EF4-FFF2-40B4-BE49-F238E27FC236}">
+                  <a16:creationId xmlns:a16="http://schemas.microsoft.com/office/drawing/2014/main" id="{4E10DDAD-21A2-2148-9E66-3190861B1BDA}"/>
+                </a:ext>
+              </a:extLst>
+            </p:cNvPr>
+            <p:cNvSpPr txBox="1">
+              <a:spLocks noChangeArrowheads="1"/>
+            </p:cNvSpPr>
+            <p:nvPr/>
+          </p:nvSpPr>
+          <p:spPr bwMode="auto">
+            <a:xfrm>
+              <a:off x="3367880" y="3705605"/>
+              <a:ext cx="1073150" cy="276999"/>
+            </a:xfrm>
+            <a:prstGeom prst="rect">
+              <a:avLst/>
+            </a:prstGeom>
+            <a:noFill/>
+            <a:ln>
+              <a:noFill/>
+            </a:ln>
+            <a:extLst>
+              <a:ext uri="{909E8E84-426E-40DD-AFC4-6F175D3DCCD1}">
+                <a14:hiddenFill xmlns:a14="http://schemas.microsoft.com/office/drawing/2010/main">
+                  <a:solidFill>
+                    <a:srgbClr val="FFFFFF"/>
+                  </a:solidFill>
+                </a14:hiddenFill>
+              </a:ext>
+              <a:ext uri="{91240B29-F687-4F45-9708-019B960494DF}">
+                <a14:hiddenLine xmlns:a14="http://schemas.microsoft.com/office/drawing/2010/main" w="9525">
+                  <a:solidFill>
+                    <a:srgbClr val="000000"/>
+                  </a:solidFill>
+                  <a:miter lim="800000"/>
+                  <a:headEnd/>
+                  <a:tailEnd/>
+                </a14:hiddenLine>
+              </a:ext>
+            </a:extLst>
+          </p:spPr>
+          <p:txBody>
+            <a:bodyPr>
+              <a:spAutoFit/>
+            </a:bodyPr>
+            <a:lstStyle>
+              <a:lvl1pPr>
+                <a:defRPr>
+                  <a:solidFill>
+                    <a:schemeClr val="tx1"/>
+                  </a:solidFill>
+                  <a:latin typeface="Calibri" panose="020F0502020204030204" pitchFamily="34" charset="0"/>
+                </a:defRPr>
+              </a:lvl1pPr>
+              <a:lvl2pPr marL="742950" indent="-285750">
+                <a:defRPr>
+                  <a:solidFill>
+                    <a:schemeClr val="tx1"/>
+                  </a:solidFill>
+                  <a:latin typeface="Calibri" panose="020F0502020204030204" pitchFamily="34" charset="0"/>
+                </a:defRPr>
+              </a:lvl2pPr>
+              <a:lvl3pPr marL="1143000" indent="-228600">
+                <a:defRPr>
+                  <a:solidFill>
+                    <a:schemeClr val="tx1"/>
+                  </a:solidFill>
+                  <a:latin typeface="Calibri" panose="020F0502020204030204" pitchFamily="34" charset="0"/>
+                </a:defRPr>
+              </a:lvl3pPr>
+              <a:lvl4pPr marL="1600200" indent="-228600">
+                <a:defRPr>
+                  <a:solidFill>
+                    <a:schemeClr val="tx1"/>
+                  </a:solidFill>
+                  <a:latin typeface="Calibri" panose="020F0502020204030204" pitchFamily="34" charset="0"/>
+                </a:defRPr>
+              </a:lvl4pPr>
+              <a:lvl5pPr marL="2057400" indent="-228600">
+                <a:defRPr>
+                  <a:solidFill>
+                    <a:schemeClr val="tx1"/>
+                  </a:solidFill>
+                  <a:latin typeface="Calibri" panose="020F0502020204030204" pitchFamily="34" charset="0"/>
+                </a:defRPr>
+              </a:lvl5pPr>
+              <a:lvl6pPr marL="2514600" indent="-228600" eaLnBrk="0" fontAlgn="base" hangingPunct="0">
+                <a:spcBef>
+                  <a:spcPct val="0"/>
+                </a:spcBef>
+                <a:spcAft>
+                  <a:spcPct val="0"/>
+                </a:spcAft>
+                <a:defRPr>
+                  <a:solidFill>
+                    <a:schemeClr val="tx1"/>
+                  </a:solidFill>
+                  <a:latin typeface="Calibri" panose="020F0502020204030204" pitchFamily="34" charset="0"/>
+                </a:defRPr>
+              </a:lvl6pPr>
+              <a:lvl7pPr marL="2971800" indent="-228600" eaLnBrk="0" fontAlgn="base" hangingPunct="0">
+                <a:spcBef>
+                  <a:spcPct val="0"/>
+                </a:spcBef>
+                <a:spcAft>
+                  <a:spcPct val="0"/>
+                </a:spcAft>
+                <a:defRPr>
+                  <a:solidFill>
+                    <a:schemeClr val="tx1"/>
+                  </a:solidFill>
+                  <a:latin typeface="Calibri" panose="020F0502020204030204" pitchFamily="34" charset="0"/>
+                </a:defRPr>
+              </a:lvl7pPr>
+              <a:lvl8pPr marL="3429000" indent="-228600" eaLnBrk="0" fontAlgn="base" hangingPunct="0">
+                <a:spcBef>
+                  <a:spcPct val="0"/>
+                </a:spcBef>
+                <a:spcAft>
+                  <a:spcPct val="0"/>
+                </a:spcAft>
+                <a:defRPr>
+                  <a:solidFill>
+                    <a:schemeClr val="tx1"/>
+                  </a:solidFill>
+                  <a:latin typeface="Calibri" panose="020F0502020204030204" pitchFamily="34" charset="0"/>
+                </a:defRPr>
+              </a:lvl8pPr>
+              <a:lvl9pPr marL="3886200" indent="-228600" eaLnBrk="0" fontAlgn="base" hangingPunct="0">
+                <a:spcBef>
+                  <a:spcPct val="0"/>
+                </a:spcBef>
+                <a:spcAft>
+                  <a:spcPct val="0"/>
+                </a:spcAft>
+                <a:defRPr>
+                  <a:solidFill>
+                    <a:schemeClr val="tx1"/>
+                  </a:solidFill>
+                  <a:latin typeface="Calibri" panose="020F0502020204030204" pitchFamily="34" charset="0"/>
+                </a:defRPr>
+              </a:lvl9pPr>
+            </a:lstStyle>
+            <a:p>
+              <a:pPr algn="ctr" eaLnBrk="1" hangingPunct="1"/>
+              <a:r>
+                <a:rPr lang="en-US" altLang="en-US" sz="1200" b="1" dirty="0">
+                  <a:solidFill>
+                    <a:srgbClr val="000000"/>
+                  </a:solidFill>
+                  <a:latin typeface="Arial" panose="020B0604020202020204" pitchFamily="34" charset="0"/>
+                  <a:cs typeface="Arial" panose="020B0604020202020204" pitchFamily="34" charset="0"/>
+                </a:rPr>
+                <a:t>IAM User</a:t>
+              </a:r>
+            </a:p>
+          </p:txBody>
+        </p:sp>
+      </p:grpSp>
+      <p:sp>
+        <p:nvSpPr>
+          <p:cNvPr id="25" name="TextBox 24">
+            <a:extLst>
+              <a:ext uri="{FF2B5EF4-FFF2-40B4-BE49-F238E27FC236}">
+                <a16:creationId xmlns:a16="http://schemas.microsoft.com/office/drawing/2014/main" id="{D288CCA6-99BD-024D-88DC-3A0559CD73B6}"/>
+              </a:ext>
+            </a:extLst>
+          </p:cNvPr>
+          <p:cNvSpPr txBox="1"/>
+          <p:nvPr/>
+        </p:nvSpPr>
+        <p:spPr>
+          <a:xfrm>
+            <a:off x="2400791" y="5183352"/>
             <a:ext cx="7039106" cy="369332"/>
           </a:xfrm>
           <a:prstGeom prst="rect">
@@ -8073,20 +10459,907 @@
           </a:p>
         </p:txBody>
       </p:sp>
+      <p:grpSp>
+        <p:nvGrpSpPr>
+          <p:cNvPr id="11" name="Group 10">
+            <a:extLst>
+              <a:ext uri="{FF2B5EF4-FFF2-40B4-BE49-F238E27FC236}">
+                <a16:creationId xmlns:a16="http://schemas.microsoft.com/office/drawing/2014/main" id="{8D5DFDA5-9B94-104F-BD21-A5622E2EFDBF}"/>
+              </a:ext>
+            </a:extLst>
+          </p:cNvPr>
+          <p:cNvGrpSpPr/>
+          <p:nvPr/>
+        </p:nvGrpSpPr>
+        <p:grpSpPr>
+          <a:xfrm>
+            <a:off x="3531676" y="1759691"/>
+            <a:ext cx="1073150" cy="1023505"/>
+            <a:chOff x="3367880" y="2959099"/>
+            <a:chExt cx="1073150" cy="1023505"/>
+          </a:xfrm>
+        </p:grpSpPr>
+        <p:pic>
+          <p:nvPicPr>
+            <p:cNvPr id="12" name="Graphic 22">
+              <a:extLst>
+                <a:ext uri="{FF2B5EF4-FFF2-40B4-BE49-F238E27FC236}">
+                  <a16:creationId xmlns:a16="http://schemas.microsoft.com/office/drawing/2014/main" id="{F401A8AA-51D6-5543-884E-575EE90319E7}"/>
+                </a:ext>
+              </a:extLst>
+            </p:cNvPr>
+            <p:cNvPicPr>
+              <a:picLocks noChangeAspect="1" noChangeArrowheads="1"/>
+            </p:cNvPicPr>
+            <p:nvPr/>
+          </p:nvPicPr>
+          <p:blipFill>
+            <a:blip r:embed="rId3">
+              <a:extLst>
+                <a:ext uri="{96DAC541-7B7A-43D3-8B79-37D633B846F1}">
+                  <asvg:svgBlip xmlns:asvg="http://schemas.microsoft.com/office/drawing/2016/SVG/main" r:embed="rId4"/>
+                </a:ext>
+              </a:extLst>
+            </a:blip>
+            <a:srcRect/>
+            <a:stretch/>
+          </p:blipFill>
+          <p:spPr bwMode="auto">
+            <a:xfrm>
+              <a:off x="3531202" y="2959099"/>
+              <a:ext cx="746507" cy="746507"/>
+            </a:xfrm>
+            <a:prstGeom prst="rect">
+              <a:avLst/>
+            </a:prstGeom>
+            <a:noFill/>
+            <a:ln>
+              <a:noFill/>
+            </a:ln>
+            <a:extLst>
+              <a:ext uri="{909E8E84-426E-40DD-AFC4-6F175D3DCCD1}">
+                <a14:hiddenFill xmlns:a14="http://schemas.microsoft.com/office/drawing/2010/main">
+                  <a:solidFill>
+                    <a:srgbClr val="FFFFFF"/>
+                  </a:solidFill>
+                </a14:hiddenFill>
+              </a:ext>
+              <a:ext uri="{91240B29-F687-4F45-9708-019B960494DF}">
+                <a14:hiddenLine xmlns:a14="http://schemas.microsoft.com/office/drawing/2010/main" w="9525">
+                  <a:solidFill>
+                    <a:srgbClr val="000000"/>
+                  </a:solidFill>
+                  <a:miter lim="800000"/>
+                  <a:headEnd/>
+                  <a:tailEnd/>
+                </a14:hiddenLine>
+              </a:ext>
+            </a:extLst>
+          </p:spPr>
+        </p:pic>
+        <p:sp>
+          <p:nvSpPr>
+            <p:cNvPr id="13" name="TextBox 40">
+              <a:extLst>
+                <a:ext uri="{FF2B5EF4-FFF2-40B4-BE49-F238E27FC236}">
+                  <a16:creationId xmlns:a16="http://schemas.microsoft.com/office/drawing/2014/main" id="{40D6FE42-82B8-8244-8BD7-E3696CFDD764}"/>
+                </a:ext>
+              </a:extLst>
+            </p:cNvPr>
+            <p:cNvSpPr txBox="1">
+              <a:spLocks noChangeArrowheads="1"/>
+            </p:cNvSpPr>
+            <p:nvPr/>
+          </p:nvSpPr>
+          <p:spPr bwMode="auto">
+            <a:xfrm>
+              <a:off x="3367880" y="3705605"/>
+              <a:ext cx="1073150" cy="276999"/>
+            </a:xfrm>
+            <a:prstGeom prst="rect">
+              <a:avLst/>
+            </a:prstGeom>
+            <a:noFill/>
+            <a:ln>
+              <a:noFill/>
+            </a:ln>
+            <a:extLst>
+              <a:ext uri="{909E8E84-426E-40DD-AFC4-6F175D3DCCD1}">
+                <a14:hiddenFill xmlns:a14="http://schemas.microsoft.com/office/drawing/2010/main">
+                  <a:solidFill>
+                    <a:srgbClr val="FFFFFF"/>
+                  </a:solidFill>
+                </a14:hiddenFill>
+              </a:ext>
+              <a:ext uri="{91240B29-F687-4F45-9708-019B960494DF}">
+                <a14:hiddenLine xmlns:a14="http://schemas.microsoft.com/office/drawing/2010/main" w="9525">
+                  <a:solidFill>
+                    <a:srgbClr val="000000"/>
+                  </a:solidFill>
+                  <a:miter lim="800000"/>
+                  <a:headEnd/>
+                  <a:tailEnd/>
+                </a14:hiddenLine>
+              </a:ext>
+            </a:extLst>
+          </p:spPr>
+          <p:txBody>
+            <a:bodyPr>
+              <a:spAutoFit/>
+            </a:bodyPr>
+            <a:lstStyle>
+              <a:lvl1pPr>
+                <a:defRPr>
+                  <a:solidFill>
+                    <a:schemeClr val="tx1"/>
+                  </a:solidFill>
+                  <a:latin typeface="Calibri" panose="020F0502020204030204" pitchFamily="34" charset="0"/>
+                </a:defRPr>
+              </a:lvl1pPr>
+              <a:lvl2pPr marL="742950" indent="-285750">
+                <a:defRPr>
+                  <a:solidFill>
+                    <a:schemeClr val="tx1"/>
+                  </a:solidFill>
+                  <a:latin typeface="Calibri" panose="020F0502020204030204" pitchFamily="34" charset="0"/>
+                </a:defRPr>
+              </a:lvl2pPr>
+              <a:lvl3pPr marL="1143000" indent="-228600">
+                <a:defRPr>
+                  <a:solidFill>
+                    <a:schemeClr val="tx1"/>
+                  </a:solidFill>
+                  <a:latin typeface="Calibri" panose="020F0502020204030204" pitchFamily="34" charset="0"/>
+                </a:defRPr>
+              </a:lvl3pPr>
+              <a:lvl4pPr marL="1600200" indent="-228600">
+                <a:defRPr>
+                  <a:solidFill>
+                    <a:schemeClr val="tx1"/>
+                  </a:solidFill>
+                  <a:latin typeface="Calibri" panose="020F0502020204030204" pitchFamily="34" charset="0"/>
+                </a:defRPr>
+              </a:lvl4pPr>
+              <a:lvl5pPr marL="2057400" indent="-228600">
+                <a:defRPr>
+                  <a:solidFill>
+                    <a:schemeClr val="tx1"/>
+                  </a:solidFill>
+                  <a:latin typeface="Calibri" panose="020F0502020204030204" pitchFamily="34" charset="0"/>
+                </a:defRPr>
+              </a:lvl5pPr>
+              <a:lvl6pPr marL="2514600" indent="-228600" eaLnBrk="0" fontAlgn="base" hangingPunct="0">
+                <a:spcBef>
+                  <a:spcPct val="0"/>
+                </a:spcBef>
+                <a:spcAft>
+                  <a:spcPct val="0"/>
+                </a:spcAft>
+                <a:defRPr>
+                  <a:solidFill>
+                    <a:schemeClr val="tx1"/>
+                  </a:solidFill>
+                  <a:latin typeface="Calibri" panose="020F0502020204030204" pitchFamily="34" charset="0"/>
+                </a:defRPr>
+              </a:lvl6pPr>
+              <a:lvl7pPr marL="2971800" indent="-228600" eaLnBrk="0" fontAlgn="base" hangingPunct="0">
+                <a:spcBef>
+                  <a:spcPct val="0"/>
+                </a:spcBef>
+                <a:spcAft>
+                  <a:spcPct val="0"/>
+                </a:spcAft>
+                <a:defRPr>
+                  <a:solidFill>
+                    <a:schemeClr val="tx1"/>
+                  </a:solidFill>
+                  <a:latin typeface="Calibri" panose="020F0502020204030204" pitchFamily="34" charset="0"/>
+                </a:defRPr>
+              </a:lvl7pPr>
+              <a:lvl8pPr marL="3429000" indent="-228600" eaLnBrk="0" fontAlgn="base" hangingPunct="0">
+                <a:spcBef>
+                  <a:spcPct val="0"/>
+                </a:spcBef>
+                <a:spcAft>
+                  <a:spcPct val="0"/>
+                </a:spcAft>
+                <a:defRPr>
+                  <a:solidFill>
+                    <a:schemeClr val="tx1"/>
+                  </a:solidFill>
+                  <a:latin typeface="Calibri" panose="020F0502020204030204" pitchFamily="34" charset="0"/>
+                </a:defRPr>
+              </a:lvl8pPr>
+              <a:lvl9pPr marL="3886200" indent="-228600" eaLnBrk="0" fontAlgn="base" hangingPunct="0">
+                <a:spcBef>
+                  <a:spcPct val="0"/>
+                </a:spcBef>
+                <a:spcAft>
+                  <a:spcPct val="0"/>
+                </a:spcAft>
+                <a:defRPr>
+                  <a:solidFill>
+                    <a:schemeClr val="tx1"/>
+                  </a:solidFill>
+                  <a:latin typeface="Calibri" panose="020F0502020204030204" pitchFamily="34" charset="0"/>
+                </a:defRPr>
+              </a:lvl9pPr>
+            </a:lstStyle>
+            <a:p>
+              <a:pPr algn="ctr" eaLnBrk="1" hangingPunct="1"/>
+              <a:r>
+                <a:rPr lang="en-US" altLang="en-US" sz="1200" b="1" dirty="0">
+                  <a:solidFill>
+                    <a:srgbClr val="000000"/>
+                  </a:solidFill>
+                  <a:latin typeface="Arial" panose="020B0604020202020204" pitchFamily="34" charset="0"/>
+                  <a:cs typeface="Arial" panose="020B0604020202020204" pitchFamily="34" charset="0"/>
+                </a:rPr>
+                <a:t>IAM User</a:t>
+              </a:r>
+            </a:p>
+          </p:txBody>
+        </p:sp>
+      </p:grpSp>
+      <p:grpSp>
+        <p:nvGrpSpPr>
+          <p:cNvPr id="14" name="Group 13">
+            <a:extLst>
+              <a:ext uri="{FF2B5EF4-FFF2-40B4-BE49-F238E27FC236}">
+                <a16:creationId xmlns:a16="http://schemas.microsoft.com/office/drawing/2014/main" id="{5172FFAD-A595-1949-B7EF-71FB6045F862}"/>
+              </a:ext>
+            </a:extLst>
+          </p:cNvPr>
+          <p:cNvGrpSpPr/>
+          <p:nvPr/>
+        </p:nvGrpSpPr>
+        <p:grpSpPr>
+          <a:xfrm>
+            <a:off x="3598744" y="3579531"/>
+            <a:ext cx="1073150" cy="1023505"/>
+            <a:chOff x="3367880" y="2959099"/>
+            <a:chExt cx="1073150" cy="1023505"/>
+          </a:xfrm>
+        </p:grpSpPr>
+        <p:pic>
+          <p:nvPicPr>
+            <p:cNvPr id="15" name="Graphic 22">
+              <a:extLst>
+                <a:ext uri="{FF2B5EF4-FFF2-40B4-BE49-F238E27FC236}">
+                  <a16:creationId xmlns:a16="http://schemas.microsoft.com/office/drawing/2014/main" id="{353313FA-FC42-744D-A3D9-6EBBE7806E5D}"/>
+                </a:ext>
+              </a:extLst>
+            </p:cNvPr>
+            <p:cNvPicPr>
+              <a:picLocks noChangeAspect="1" noChangeArrowheads="1"/>
+            </p:cNvPicPr>
+            <p:nvPr/>
+          </p:nvPicPr>
+          <p:blipFill>
+            <a:blip r:embed="rId3">
+              <a:extLst>
+                <a:ext uri="{96DAC541-7B7A-43D3-8B79-37D633B846F1}">
+                  <asvg:svgBlip xmlns:asvg="http://schemas.microsoft.com/office/drawing/2016/SVG/main" r:embed="rId4"/>
+                </a:ext>
+              </a:extLst>
+            </a:blip>
+            <a:srcRect/>
+            <a:stretch/>
+          </p:blipFill>
+          <p:spPr bwMode="auto">
+            <a:xfrm>
+              <a:off x="3531202" y="2959099"/>
+              <a:ext cx="746507" cy="746507"/>
+            </a:xfrm>
+            <a:prstGeom prst="rect">
+              <a:avLst/>
+            </a:prstGeom>
+            <a:noFill/>
+            <a:ln>
+              <a:noFill/>
+            </a:ln>
+            <a:extLst>
+              <a:ext uri="{909E8E84-426E-40DD-AFC4-6F175D3DCCD1}">
+                <a14:hiddenFill xmlns:a14="http://schemas.microsoft.com/office/drawing/2010/main">
+                  <a:solidFill>
+                    <a:srgbClr val="FFFFFF"/>
+                  </a:solidFill>
+                </a14:hiddenFill>
+              </a:ext>
+              <a:ext uri="{91240B29-F687-4F45-9708-019B960494DF}">
+                <a14:hiddenLine xmlns:a14="http://schemas.microsoft.com/office/drawing/2010/main" w="9525">
+                  <a:solidFill>
+                    <a:srgbClr val="000000"/>
+                  </a:solidFill>
+                  <a:miter lim="800000"/>
+                  <a:headEnd/>
+                  <a:tailEnd/>
+                </a14:hiddenLine>
+              </a:ext>
+            </a:extLst>
+          </p:spPr>
+        </p:pic>
+        <p:sp>
+          <p:nvSpPr>
+            <p:cNvPr id="16" name="TextBox 40">
+              <a:extLst>
+                <a:ext uri="{FF2B5EF4-FFF2-40B4-BE49-F238E27FC236}">
+                  <a16:creationId xmlns:a16="http://schemas.microsoft.com/office/drawing/2014/main" id="{02604043-C6CB-2E44-8566-A6A55028327E}"/>
+                </a:ext>
+              </a:extLst>
+            </p:cNvPr>
+            <p:cNvSpPr txBox="1">
+              <a:spLocks noChangeArrowheads="1"/>
+            </p:cNvSpPr>
+            <p:nvPr/>
+          </p:nvSpPr>
+          <p:spPr bwMode="auto">
+            <a:xfrm>
+              <a:off x="3367880" y="3705605"/>
+              <a:ext cx="1073150" cy="276999"/>
+            </a:xfrm>
+            <a:prstGeom prst="rect">
+              <a:avLst/>
+            </a:prstGeom>
+            <a:noFill/>
+            <a:ln>
+              <a:noFill/>
+            </a:ln>
+            <a:extLst>
+              <a:ext uri="{909E8E84-426E-40DD-AFC4-6F175D3DCCD1}">
+                <a14:hiddenFill xmlns:a14="http://schemas.microsoft.com/office/drawing/2010/main">
+                  <a:solidFill>
+                    <a:srgbClr val="FFFFFF"/>
+                  </a:solidFill>
+                </a14:hiddenFill>
+              </a:ext>
+              <a:ext uri="{91240B29-F687-4F45-9708-019B960494DF}">
+                <a14:hiddenLine xmlns:a14="http://schemas.microsoft.com/office/drawing/2010/main" w="9525">
+                  <a:solidFill>
+                    <a:srgbClr val="000000"/>
+                  </a:solidFill>
+                  <a:miter lim="800000"/>
+                  <a:headEnd/>
+                  <a:tailEnd/>
+                </a14:hiddenLine>
+              </a:ext>
+            </a:extLst>
+          </p:spPr>
+          <p:txBody>
+            <a:bodyPr>
+              <a:spAutoFit/>
+            </a:bodyPr>
+            <a:lstStyle>
+              <a:lvl1pPr>
+                <a:defRPr>
+                  <a:solidFill>
+                    <a:schemeClr val="tx1"/>
+                  </a:solidFill>
+                  <a:latin typeface="Calibri" panose="020F0502020204030204" pitchFamily="34" charset="0"/>
+                </a:defRPr>
+              </a:lvl1pPr>
+              <a:lvl2pPr marL="742950" indent="-285750">
+                <a:defRPr>
+                  <a:solidFill>
+                    <a:schemeClr val="tx1"/>
+                  </a:solidFill>
+                  <a:latin typeface="Calibri" panose="020F0502020204030204" pitchFamily="34" charset="0"/>
+                </a:defRPr>
+              </a:lvl2pPr>
+              <a:lvl3pPr marL="1143000" indent="-228600">
+                <a:defRPr>
+                  <a:solidFill>
+                    <a:schemeClr val="tx1"/>
+                  </a:solidFill>
+                  <a:latin typeface="Calibri" panose="020F0502020204030204" pitchFamily="34" charset="0"/>
+                </a:defRPr>
+              </a:lvl3pPr>
+              <a:lvl4pPr marL="1600200" indent="-228600">
+                <a:defRPr>
+                  <a:solidFill>
+                    <a:schemeClr val="tx1"/>
+                  </a:solidFill>
+                  <a:latin typeface="Calibri" panose="020F0502020204030204" pitchFamily="34" charset="0"/>
+                </a:defRPr>
+              </a:lvl4pPr>
+              <a:lvl5pPr marL="2057400" indent="-228600">
+                <a:defRPr>
+                  <a:solidFill>
+                    <a:schemeClr val="tx1"/>
+                  </a:solidFill>
+                  <a:latin typeface="Calibri" panose="020F0502020204030204" pitchFamily="34" charset="0"/>
+                </a:defRPr>
+              </a:lvl5pPr>
+              <a:lvl6pPr marL="2514600" indent="-228600" eaLnBrk="0" fontAlgn="base" hangingPunct="0">
+                <a:spcBef>
+                  <a:spcPct val="0"/>
+                </a:spcBef>
+                <a:spcAft>
+                  <a:spcPct val="0"/>
+                </a:spcAft>
+                <a:defRPr>
+                  <a:solidFill>
+                    <a:schemeClr val="tx1"/>
+                  </a:solidFill>
+                  <a:latin typeface="Calibri" panose="020F0502020204030204" pitchFamily="34" charset="0"/>
+                </a:defRPr>
+              </a:lvl6pPr>
+              <a:lvl7pPr marL="2971800" indent="-228600" eaLnBrk="0" fontAlgn="base" hangingPunct="0">
+                <a:spcBef>
+                  <a:spcPct val="0"/>
+                </a:spcBef>
+                <a:spcAft>
+                  <a:spcPct val="0"/>
+                </a:spcAft>
+                <a:defRPr>
+                  <a:solidFill>
+                    <a:schemeClr val="tx1"/>
+                  </a:solidFill>
+                  <a:latin typeface="Calibri" panose="020F0502020204030204" pitchFamily="34" charset="0"/>
+                </a:defRPr>
+              </a:lvl7pPr>
+              <a:lvl8pPr marL="3429000" indent="-228600" eaLnBrk="0" fontAlgn="base" hangingPunct="0">
+                <a:spcBef>
+                  <a:spcPct val="0"/>
+                </a:spcBef>
+                <a:spcAft>
+                  <a:spcPct val="0"/>
+                </a:spcAft>
+                <a:defRPr>
+                  <a:solidFill>
+                    <a:schemeClr val="tx1"/>
+                  </a:solidFill>
+                  <a:latin typeface="Calibri" panose="020F0502020204030204" pitchFamily="34" charset="0"/>
+                </a:defRPr>
+              </a:lvl8pPr>
+              <a:lvl9pPr marL="3886200" indent="-228600" eaLnBrk="0" fontAlgn="base" hangingPunct="0">
+                <a:spcBef>
+                  <a:spcPct val="0"/>
+                </a:spcBef>
+                <a:spcAft>
+                  <a:spcPct val="0"/>
+                </a:spcAft>
+                <a:defRPr>
+                  <a:solidFill>
+                    <a:schemeClr val="tx1"/>
+                  </a:solidFill>
+                  <a:latin typeface="Calibri" panose="020F0502020204030204" pitchFamily="34" charset="0"/>
+                </a:defRPr>
+              </a:lvl9pPr>
+            </a:lstStyle>
+            <a:p>
+              <a:pPr algn="ctr" eaLnBrk="1" hangingPunct="1"/>
+              <a:r>
+                <a:rPr lang="en-US" altLang="en-US" sz="1200" b="1" dirty="0">
+                  <a:solidFill>
+                    <a:srgbClr val="000000"/>
+                  </a:solidFill>
+                  <a:latin typeface="Arial" panose="020B0604020202020204" pitchFamily="34" charset="0"/>
+                  <a:cs typeface="Arial" panose="020B0604020202020204" pitchFamily="34" charset="0"/>
+                </a:rPr>
+                <a:t>IAM User</a:t>
+              </a:r>
+            </a:p>
+          </p:txBody>
+        </p:sp>
+      </p:grpSp>
+      <p:cxnSp>
+        <p:nvCxnSpPr>
+          <p:cNvPr id="10" name="Straight Arrow Connector 9">
+            <a:extLst>
+              <a:ext uri="{FF2B5EF4-FFF2-40B4-BE49-F238E27FC236}">
+                <a16:creationId xmlns:a16="http://schemas.microsoft.com/office/drawing/2014/main" id="{6083921D-237B-2747-9EBF-9D265242781F}"/>
+              </a:ext>
+            </a:extLst>
+          </p:cNvPr>
+          <p:cNvCxnSpPr>
+            <a:stCxn id="12" idx="3"/>
+          </p:cNvCxnSpPr>
+          <p:nvPr/>
+        </p:nvCxnSpPr>
+        <p:spPr>
+          <a:xfrm>
+            <a:off x="4441505" y="2132945"/>
+            <a:ext cx="1776415" cy="562926"/>
+          </a:xfrm>
+          <a:prstGeom prst="straightConnector1">
+            <a:avLst/>
+          </a:prstGeom>
+          <a:ln w="28575">
+            <a:solidFill>
+              <a:srgbClr val="002060"/>
+            </a:solidFill>
+            <a:headEnd type="none" w="med" len="med"/>
+            <a:tailEnd type="arrow" w="med" len="med"/>
+          </a:ln>
+        </p:spPr>
+        <p:style>
+          <a:lnRef idx="1">
+            <a:schemeClr val="accent1"/>
+          </a:lnRef>
+          <a:fillRef idx="0">
+            <a:schemeClr val="accent1"/>
+          </a:fillRef>
+          <a:effectRef idx="0">
+            <a:schemeClr val="accent1"/>
+          </a:effectRef>
+          <a:fontRef idx="minor">
+            <a:schemeClr val="tx1"/>
+          </a:fontRef>
+        </p:style>
+      </p:cxnSp>
+      <p:cxnSp>
+        <p:nvCxnSpPr>
+          <p:cNvPr id="19" name="Straight Arrow Connector 18">
+            <a:extLst>
+              <a:ext uri="{FF2B5EF4-FFF2-40B4-BE49-F238E27FC236}">
+                <a16:creationId xmlns:a16="http://schemas.microsoft.com/office/drawing/2014/main" id="{8C7BF9DB-C3FD-AB4E-BA9B-78EE1077505C}"/>
+              </a:ext>
+            </a:extLst>
+          </p:cNvPr>
+          <p:cNvCxnSpPr>
+            <a:cxnSpLocks/>
+            <a:stCxn id="8" idx="3"/>
+          </p:cNvCxnSpPr>
+          <p:nvPr/>
+        </p:nvCxnSpPr>
+        <p:spPr>
+          <a:xfrm>
+            <a:off x="3971998" y="3069125"/>
+            <a:ext cx="2245922" cy="0"/>
+          </a:xfrm>
+          <a:prstGeom prst="straightConnector1">
+            <a:avLst/>
+          </a:prstGeom>
+          <a:ln w="28575">
+            <a:solidFill>
+              <a:srgbClr val="002060"/>
+            </a:solidFill>
+            <a:headEnd type="none" w="med" len="med"/>
+            <a:tailEnd type="arrow" w="med" len="med"/>
+          </a:ln>
+        </p:spPr>
+        <p:style>
+          <a:lnRef idx="1">
+            <a:schemeClr val="accent1"/>
+          </a:lnRef>
+          <a:fillRef idx="0">
+            <a:schemeClr val="accent1"/>
+          </a:fillRef>
+          <a:effectRef idx="0">
+            <a:schemeClr val="accent1"/>
+          </a:effectRef>
+          <a:fontRef idx="minor">
+            <a:schemeClr val="tx1"/>
+          </a:fontRef>
+        </p:style>
+      </p:cxnSp>
+      <p:cxnSp>
+        <p:nvCxnSpPr>
+          <p:cNvPr id="22" name="Straight Arrow Connector 21">
+            <a:extLst>
+              <a:ext uri="{FF2B5EF4-FFF2-40B4-BE49-F238E27FC236}">
+                <a16:creationId xmlns:a16="http://schemas.microsoft.com/office/drawing/2014/main" id="{98177AC6-565D-B84B-BAEF-53B8C3B0982E}"/>
+              </a:ext>
+            </a:extLst>
+          </p:cNvPr>
+          <p:cNvCxnSpPr>
+            <a:cxnSpLocks/>
+            <a:stCxn id="15" idx="3"/>
+          </p:cNvCxnSpPr>
+          <p:nvPr/>
+        </p:nvCxnSpPr>
+        <p:spPr>
+          <a:xfrm flipV="1">
+            <a:off x="4508573" y="3463485"/>
+            <a:ext cx="1709347" cy="489300"/>
+          </a:xfrm>
+          <a:prstGeom prst="straightConnector1">
+            <a:avLst/>
+          </a:prstGeom>
+          <a:ln w="28575">
+            <a:solidFill>
+              <a:srgbClr val="002060"/>
+            </a:solidFill>
+            <a:headEnd type="none" w="med" len="med"/>
+            <a:tailEnd type="arrow" w="med" len="med"/>
+          </a:ln>
+        </p:spPr>
+        <p:style>
+          <a:lnRef idx="1">
+            <a:schemeClr val="accent1"/>
+          </a:lnRef>
+          <a:fillRef idx="0">
+            <a:schemeClr val="accent1"/>
+          </a:fillRef>
+          <a:effectRef idx="0">
+            <a:schemeClr val="accent1"/>
+          </a:effectRef>
+          <a:fontRef idx="minor">
+            <a:schemeClr val="tx1"/>
+          </a:fontRef>
+        </p:style>
+      </p:cxnSp>
+      <p:sp>
+        <p:nvSpPr>
+          <p:cNvPr id="26" name="Rectangle 25">
+            <a:extLst>
+              <a:ext uri="{FF2B5EF4-FFF2-40B4-BE49-F238E27FC236}">
+                <a16:creationId xmlns:a16="http://schemas.microsoft.com/office/drawing/2014/main" id="{80B49B02-2D28-714B-8812-EC51A049A664}"/>
+              </a:ext>
+            </a:extLst>
+          </p:cNvPr>
+          <p:cNvSpPr/>
+          <p:nvPr/>
+        </p:nvSpPr>
+        <p:spPr>
+          <a:xfrm>
+            <a:off x="4875970" y="2045621"/>
+            <a:ext cx="1073150" cy="519300"/>
+          </a:xfrm>
+          <a:prstGeom prst="rect">
+            <a:avLst/>
+          </a:prstGeom>
+          <a:solidFill>
+            <a:schemeClr val="accent1">
+              <a:lumMod val="20000"/>
+              <a:lumOff val="80000"/>
+            </a:schemeClr>
+          </a:solidFill>
+        </p:spPr>
+        <p:style>
+          <a:lnRef idx="2">
+            <a:schemeClr val="accent1">
+              <a:shade val="50000"/>
+            </a:schemeClr>
+          </a:lnRef>
+          <a:fillRef idx="1">
+            <a:schemeClr val="accent1"/>
+          </a:fillRef>
+          <a:effectRef idx="0">
+            <a:schemeClr val="accent1"/>
+          </a:effectRef>
+          <a:fontRef idx="minor">
+            <a:schemeClr val="lt1"/>
+          </a:fontRef>
+        </p:style>
+        <p:txBody>
+          <a:bodyPr rtlCol="0" anchor="ctr"/>
+          <a:lstStyle/>
+          <a:p>
+            <a:pPr algn="ctr"/>
+            <a:r>
+              <a:rPr lang="en-US" sz="1400" dirty="0">
+                <a:solidFill>
+                  <a:srgbClr val="002060"/>
+                </a:solidFill>
+                <a:latin typeface="Montserrat" pitchFamily="2" charset="77"/>
+              </a:rPr>
+              <a:t>Interacts with</a:t>
+            </a:r>
+          </a:p>
+        </p:txBody>
+      </p:sp>
+      <p:sp>
+        <p:nvSpPr>
+          <p:cNvPr id="27" name="Rectangle 26">
+            <a:extLst>
+              <a:ext uri="{FF2B5EF4-FFF2-40B4-BE49-F238E27FC236}">
+                <a16:creationId xmlns:a16="http://schemas.microsoft.com/office/drawing/2014/main" id="{D632E6E2-DF55-7D4E-8225-7A3B2A296A3F}"/>
+              </a:ext>
+            </a:extLst>
+          </p:cNvPr>
+          <p:cNvSpPr/>
+          <p:nvPr/>
+        </p:nvSpPr>
+        <p:spPr>
+          <a:xfrm>
+            <a:off x="4558384" y="2813704"/>
+            <a:ext cx="1073150" cy="519300"/>
+          </a:xfrm>
+          <a:prstGeom prst="rect">
+            <a:avLst/>
+          </a:prstGeom>
+          <a:solidFill>
+            <a:schemeClr val="accent1">
+              <a:lumMod val="20000"/>
+              <a:lumOff val="80000"/>
+            </a:schemeClr>
+          </a:solidFill>
+        </p:spPr>
+        <p:style>
+          <a:lnRef idx="2">
+            <a:schemeClr val="accent1">
+              <a:shade val="50000"/>
+            </a:schemeClr>
+          </a:lnRef>
+          <a:fillRef idx="1">
+            <a:schemeClr val="accent1"/>
+          </a:fillRef>
+          <a:effectRef idx="0">
+            <a:schemeClr val="accent1"/>
+          </a:effectRef>
+          <a:fontRef idx="minor">
+            <a:schemeClr val="lt1"/>
+          </a:fontRef>
+        </p:style>
+        <p:txBody>
+          <a:bodyPr rtlCol="0" anchor="ctr"/>
+          <a:lstStyle/>
+          <a:p>
+            <a:pPr algn="ctr"/>
+            <a:r>
+              <a:rPr lang="en-US" sz="1400" dirty="0">
+                <a:solidFill>
+                  <a:srgbClr val="002060"/>
+                </a:solidFill>
+                <a:latin typeface="Montserrat" pitchFamily="2" charset="77"/>
+              </a:rPr>
+              <a:t>Interacts with</a:t>
+            </a:r>
+          </a:p>
+        </p:txBody>
+      </p:sp>
+      <p:sp>
+        <p:nvSpPr>
+          <p:cNvPr id="28" name="Rectangle 27">
+            <a:extLst>
+              <a:ext uri="{FF2B5EF4-FFF2-40B4-BE49-F238E27FC236}">
+                <a16:creationId xmlns:a16="http://schemas.microsoft.com/office/drawing/2014/main" id="{B4D921D4-D096-4441-A9B7-614C0412C8B9}"/>
+              </a:ext>
+            </a:extLst>
+          </p:cNvPr>
+          <p:cNvSpPr/>
+          <p:nvPr/>
+        </p:nvSpPr>
+        <p:spPr>
+          <a:xfrm>
+            <a:off x="4903207" y="3606939"/>
+            <a:ext cx="1073150" cy="519300"/>
+          </a:xfrm>
+          <a:prstGeom prst="rect">
+            <a:avLst/>
+          </a:prstGeom>
+          <a:solidFill>
+            <a:schemeClr val="accent1">
+              <a:lumMod val="20000"/>
+              <a:lumOff val="80000"/>
+            </a:schemeClr>
+          </a:solidFill>
+        </p:spPr>
+        <p:style>
+          <a:lnRef idx="2">
+            <a:schemeClr val="accent1">
+              <a:shade val="50000"/>
+            </a:schemeClr>
+          </a:lnRef>
+          <a:fillRef idx="1">
+            <a:schemeClr val="accent1"/>
+          </a:fillRef>
+          <a:effectRef idx="0">
+            <a:schemeClr val="accent1"/>
+          </a:effectRef>
+          <a:fontRef idx="minor">
+            <a:schemeClr val="lt1"/>
+          </a:fontRef>
+        </p:style>
+        <p:txBody>
+          <a:bodyPr rtlCol="0" anchor="ctr"/>
+          <a:lstStyle/>
+          <a:p>
+            <a:pPr algn="ctr"/>
+            <a:r>
+              <a:rPr lang="en-US" sz="1400" dirty="0">
+                <a:solidFill>
+                  <a:srgbClr val="002060"/>
+                </a:solidFill>
+                <a:latin typeface="Montserrat" pitchFamily="2" charset="77"/>
+              </a:rPr>
+              <a:t>Interacts with</a:t>
+            </a:r>
+          </a:p>
+        </p:txBody>
+      </p:sp>
     </p:spTree>
     <p:extLst>
       <p:ext uri="{BB962C8B-B14F-4D97-AF65-F5344CB8AC3E}">
-        <p14:creationId xmlns:p14="http://schemas.microsoft.com/office/powerpoint/2010/main" val="4208979919"/>
+        <p14:creationId xmlns:p14="http://schemas.microsoft.com/office/powerpoint/2010/main" val="2939468532"/>
       </p:ext>
     </p:extLst>
   </p:cSld>
   <p:clrMapOvr>
     <a:masterClrMapping/>
   </p:clrMapOvr>
+  <p:timing>
+    <p:tnLst>
+      <p:par>
+        <p:cTn id="1" dur="indefinite" restart="never" nodeType="tmRoot">
+          <p:childTnLst>
+            <p:seq concurrent="1" nextAc="seek">
+              <p:cTn id="2" dur="indefinite" nodeType="mainSeq">
+                <p:childTnLst>
+                  <p:par>
+                    <p:cTn id="3" fill="hold">
+                      <p:stCondLst>
+                        <p:cond delay="indefinite"/>
+                      </p:stCondLst>
+                      <p:childTnLst>
+                        <p:par>
+                          <p:cTn id="4" fill="hold">
+                            <p:stCondLst>
+                              <p:cond delay="0"/>
+                            </p:stCondLst>
+                            <p:childTnLst>
+                              <p:par>
+                                <p:cTn id="5" presetID="10" presetClass="entr" presetSubtype="0" fill="hold" grpId="0" nodeType="clickEffect">
+                                  <p:stCondLst>
+                                    <p:cond delay="0"/>
+                                  </p:stCondLst>
+                                  <p:childTnLst>
+                                    <p:set>
+                                      <p:cBhvr>
+                                        <p:cTn id="6" dur="1" fill="hold">
+                                          <p:stCondLst>
+                                            <p:cond delay="0"/>
+                                          </p:stCondLst>
+                                        </p:cTn>
+                                        <p:tgtEl>
+                                          <p:spTgt spid="25"/>
+                                        </p:tgtEl>
+                                        <p:attrNameLst>
+                                          <p:attrName>style.visibility</p:attrName>
+                                        </p:attrNameLst>
+                                      </p:cBhvr>
+                                      <p:to>
+                                        <p:strVal val="visible"/>
+                                      </p:to>
+                                    </p:set>
+                                    <p:animEffect transition="in" filter="fade">
+                                      <p:cBhvr>
+                                        <p:cTn id="7" dur="500"/>
+                                        <p:tgtEl>
+                                          <p:spTgt spid="25"/>
+                                        </p:tgtEl>
+                                      </p:cBhvr>
+                                    </p:animEffect>
+                                  </p:childTnLst>
+                                </p:cTn>
+                              </p:par>
+                            </p:childTnLst>
+                          </p:cTn>
+                        </p:par>
+                      </p:childTnLst>
+                    </p:cTn>
+                  </p:par>
+                </p:childTnLst>
+              </p:cTn>
+              <p:prevCondLst>
+                <p:cond evt="onPrev" delay="0">
+                  <p:tgtEl>
+                    <p:sldTgt/>
+                  </p:tgtEl>
+                </p:cond>
+              </p:prevCondLst>
+              <p:nextCondLst>
+                <p:cond evt="onNext" delay="0">
+                  <p:tgtEl>
+                    <p:sldTgt/>
+                  </p:tgtEl>
+                </p:cond>
+              </p:nextCondLst>
+            </p:seq>
+          </p:childTnLst>
+        </p:cTn>
+      </p:par>
+    </p:tnLst>
+    <p:bldLst>
+      <p:bldP spid="25" grpId="0" animBg="1"/>
+    </p:bldLst>
+  </p:timing>
 </p:sld>
 </file>
 
-<file path=ppt/slides/slide5.xml><?xml version="1.0" encoding="utf-8"?>
+<file path=ppt/slides/slide6.xml><?xml version="1.0" encoding="utf-8"?>
 <p:sld xmlns:a="http://schemas.openxmlformats.org/drawingml/2006/main" xmlns:r="http://schemas.openxmlformats.org/officeDocument/2006/relationships" xmlns:p="http://schemas.openxmlformats.org/presentationml/2006/main">
   <p:cSld>
     <p:spTree>
@@ -9881,7 +13154,7 @@
 </p:sld>
 </file>
 
-<file path=ppt/slides/slide6.xml><?xml version="1.0" encoding="utf-8"?>
+<file path=ppt/slides/slide7.xml><?xml version="1.0" encoding="utf-8"?>
 <p:sld xmlns:a="http://schemas.openxmlformats.org/drawingml/2006/main" xmlns:r="http://schemas.openxmlformats.org/officeDocument/2006/relationships" xmlns:p="http://schemas.openxmlformats.org/presentationml/2006/main">
   <p:cSld>
     <p:spTree>
@@ -10946,13 +14219,7 @@
           <p:nvPr/>
         </p:nvPicPr>
         <p:blipFill>
-          <a:blip r:embed="rId5">
-            <a:extLst>
-              <a:ext uri="{96DAC541-7B7A-43D3-8B79-37D633B846F1}">
-                <asvg:svgBlip xmlns:asvg="http://schemas.microsoft.com/office/drawing/2016/SVG/main" r:embed="rId6"/>
-              </a:ext>
-            </a:extLst>
-          </a:blip>
+          <a:blip/>
           <a:stretch>
             <a:fillRect/>
           </a:stretch>
@@ -11002,7 +14269,7 @@
             <p:nvPr/>
           </p:nvPicPr>
           <p:blipFill>
-            <a:blip r:embed="rId7">
+            <a:blip r:embed="rId5">
               <a:extLst>
                 <a:ext uri="{28A0092B-C50C-407E-A947-70E740481C1C}">
                   <a14:useLocalDpi xmlns:a14="http://schemas.microsoft.com/office/drawing/2010/main" val="0"/>
@@ -11817,7 +15084,7 @@
 </p:sld>
 </file>
 
-<file path=ppt/slides/slide7.xml><?xml version="1.0" encoding="utf-8"?>
+<file path=ppt/slides/slide8.xml><?xml version="1.0" encoding="utf-8"?>
 <p:sld xmlns:a="http://schemas.openxmlformats.org/drawingml/2006/main" xmlns:r="http://schemas.openxmlformats.org/officeDocument/2006/relationships" xmlns:p="http://schemas.openxmlformats.org/presentationml/2006/main">
   <p:cSld>
     <p:bg>
@@ -12025,7 +15292,7 @@
 </p:sld>
 </file>
 
-<file path=ppt/slides/slide8.xml><?xml version="1.0" encoding="utf-8"?>
+<file path=ppt/slides/slide9.xml><?xml version="1.0" encoding="utf-8"?>
 <p:sld xmlns:a="http://schemas.openxmlformats.org/drawingml/2006/main" xmlns:r="http://schemas.openxmlformats.org/officeDocument/2006/relationships" xmlns:p="http://schemas.openxmlformats.org/presentationml/2006/main">
   <p:cSld>
     <p:spTree>
@@ -12164,6 +15431,9 @@
                     <p:cTn id="3" fill="hold">
                       <p:stCondLst>
                         <p:cond delay="indefinite"/>
+                        <p:cond evt="onBegin" delay="0">
+                          <p:tn val="2"/>
+                        </p:cond>
                       </p:stCondLst>
                       <p:childTnLst>
                         <p:par>
@@ -12173,9 +15443,9 @@
                             </p:stCondLst>
                             <p:childTnLst>
                               <p:par>
-                                <p:cTn id="5" presetID="10" presetClass="entr" presetSubtype="0" fill="hold" grpId="0" nodeType="clickEffect">
+                                <p:cTn id="5" presetID="10" presetClass="entr" presetSubtype="0" fill="hold" grpId="0" nodeType="afterEffect">
                                   <p:stCondLst>
-                                    <p:cond delay="0"/>
+                                    <p:cond delay="1000"/>
                                   </p:stCondLst>
                                   <p:childTnLst>
                                     <p:set>
@@ -12238,1140 +15508,6 @@
       <p:bldP spid="9" grpId="0" animBg="1"/>
     </p:bldLst>
   </p:timing>
-</p:sld>
-</file>
-
-<file path=ppt/slides/slide9.xml><?xml version="1.0" encoding="utf-8"?>
-<p:sld xmlns:a="http://schemas.openxmlformats.org/drawingml/2006/main" xmlns:r="http://schemas.openxmlformats.org/officeDocument/2006/relationships" xmlns:p="http://schemas.openxmlformats.org/presentationml/2006/main">
-  <p:cSld>
-    <p:spTree>
-      <p:nvGrpSpPr>
-        <p:cNvPr id="1" name=""/>
-        <p:cNvGrpSpPr/>
-        <p:nvPr/>
-      </p:nvGrpSpPr>
-      <p:grpSpPr>
-        <a:xfrm>
-          <a:off x="0" y="0"/>
-          <a:ext cx="0" cy="0"/>
-          <a:chOff x="0" y="0"/>
-          <a:chExt cx="0" cy="0"/>
-        </a:xfrm>
-      </p:grpSpPr>
-      <p:sp>
-        <p:nvSpPr>
-          <p:cNvPr id="2" name="Title 1">
-            <a:extLst>
-              <a:ext uri="{FF2B5EF4-FFF2-40B4-BE49-F238E27FC236}">
-                <a16:creationId xmlns:a16="http://schemas.microsoft.com/office/drawing/2014/main" id="{0DBBFF93-0DFD-C14D-B625-F83E88782E10}"/>
-              </a:ext>
-            </a:extLst>
-          </p:cNvPr>
-          <p:cNvSpPr>
-            <a:spLocks noGrp="1"/>
-          </p:cNvSpPr>
-          <p:nvPr>
-            <p:ph type="title"/>
-          </p:nvPr>
-        </p:nvSpPr>
-        <p:spPr/>
-        <p:txBody>
-          <a:bodyPr/>
-          <a:lstStyle/>
-          <a:p>
-            <a:r>
-              <a:rPr lang="en-US" dirty="0"/>
-              <a:t>IAM User summary…</a:t>
-            </a:r>
-          </a:p>
-        </p:txBody>
-      </p:sp>
-      <p:grpSp>
-        <p:nvGrpSpPr>
-          <p:cNvPr id="6" name="Group 5">
-            <a:extLst>
-              <a:ext uri="{FF2B5EF4-FFF2-40B4-BE49-F238E27FC236}">
-                <a16:creationId xmlns:a16="http://schemas.microsoft.com/office/drawing/2014/main" id="{DCF62444-2D53-654D-96A1-5544BB2CCACD}"/>
-              </a:ext>
-            </a:extLst>
-          </p:cNvPr>
-          <p:cNvGrpSpPr/>
-          <p:nvPr/>
-        </p:nvGrpSpPr>
-        <p:grpSpPr>
-          <a:xfrm>
-            <a:off x="2860937" y="1903757"/>
-            <a:ext cx="6470126" cy="3678896"/>
-            <a:chOff x="6624243" y="1360665"/>
-            <a:chExt cx="6470126" cy="3678896"/>
-          </a:xfrm>
-        </p:grpSpPr>
-        <p:sp>
-          <p:nvSpPr>
-            <p:cNvPr id="4" name="Rectangle 3">
-              <a:extLst>
-                <a:ext uri="{FF2B5EF4-FFF2-40B4-BE49-F238E27FC236}">
-                  <a16:creationId xmlns:a16="http://schemas.microsoft.com/office/drawing/2014/main" id="{ED1998BD-6295-1E41-8B35-E5EEF50658A1}"/>
-                </a:ext>
-              </a:extLst>
-            </p:cNvPr>
-            <p:cNvSpPr/>
-            <p:nvPr/>
-          </p:nvSpPr>
-          <p:spPr>
-            <a:xfrm>
-              <a:off x="6624243" y="1360665"/>
-              <a:ext cx="6470126" cy="3678896"/>
-            </a:xfrm>
-            <a:prstGeom prst="rect">
-              <a:avLst/>
-            </a:prstGeom>
-            <a:solidFill>
-              <a:schemeClr val="bg1"/>
-            </a:solidFill>
-            <a:ln w="12700">
-              <a:solidFill>
-                <a:schemeClr val="tx1"/>
-              </a:solidFill>
-            </a:ln>
-          </p:spPr>
-          <p:style>
-            <a:lnRef idx="2">
-              <a:schemeClr val="accent1">
-                <a:shade val="50000"/>
-              </a:schemeClr>
-            </a:lnRef>
-            <a:fillRef idx="1">
-              <a:schemeClr val="accent1"/>
-            </a:fillRef>
-            <a:effectRef idx="0">
-              <a:schemeClr val="accent1"/>
-            </a:effectRef>
-            <a:fontRef idx="minor">
-              <a:schemeClr val="lt1"/>
-            </a:fontRef>
-          </p:style>
-          <p:txBody>
-            <a:bodyPr lIns="457200" tIns="91440"/>
-            <a:lstStyle/>
-            <a:p>
-              <a:pPr eaLnBrk="1" fontAlgn="auto" hangingPunct="1">
-                <a:spcBef>
-                  <a:spcPts val="0"/>
-                </a:spcBef>
-                <a:spcAft>
-                  <a:spcPts val="0"/>
-                </a:spcAft>
-                <a:defRPr/>
-              </a:pPr>
-              <a:r>
-                <a:rPr lang="en-US" sz="1200" dirty="0">
-                  <a:solidFill>
-                    <a:sysClr val="windowText" lastClr="000000"/>
-                  </a:solidFill>
-                  <a:latin typeface="Arial" panose="020B0604020202020204" pitchFamily="34" charset="0"/>
-                  <a:cs typeface="Arial" panose="020B0604020202020204" pitchFamily="34" charset="0"/>
-                </a:rPr>
-                <a:t>AWS Cloud Account</a:t>
-              </a:r>
-            </a:p>
-          </p:txBody>
-        </p:sp>
-        <p:pic>
-          <p:nvPicPr>
-            <p:cNvPr id="5" name="Graphic 5">
-              <a:extLst>
-                <a:ext uri="{FF2B5EF4-FFF2-40B4-BE49-F238E27FC236}">
-                  <a16:creationId xmlns:a16="http://schemas.microsoft.com/office/drawing/2014/main" id="{D629925C-6679-D84D-A8EA-4CA187496259}"/>
-                </a:ext>
-              </a:extLst>
-            </p:cNvPr>
-            <p:cNvPicPr>
-              <a:picLocks noChangeAspect="1" noChangeArrowheads="1"/>
-            </p:cNvPicPr>
-            <p:nvPr/>
-          </p:nvPicPr>
-          <p:blipFill>
-            <a:blip r:embed="rId2">
-              <a:extLst>
-                <a:ext uri="{28A0092B-C50C-407E-A947-70E740481C1C}">
-                  <a14:useLocalDpi xmlns:a14="http://schemas.microsoft.com/office/drawing/2010/main" val="0"/>
-                </a:ext>
-              </a:extLst>
-            </a:blip>
-            <a:srcRect/>
-            <a:stretch>
-              <a:fillRect/>
-            </a:stretch>
-          </p:blipFill>
-          <p:spPr bwMode="auto">
-            <a:xfrm>
-              <a:off x="6624243" y="1360665"/>
-              <a:ext cx="330200" cy="330200"/>
-            </a:xfrm>
-            <a:prstGeom prst="rect">
-              <a:avLst/>
-            </a:prstGeom>
-            <a:noFill/>
-            <a:ln>
-              <a:noFill/>
-            </a:ln>
-            <a:extLst>
-              <a:ext uri="{909E8E84-426E-40DD-AFC4-6F175D3DCCD1}">
-                <a14:hiddenFill xmlns:a14="http://schemas.microsoft.com/office/drawing/2010/main">
-                  <a:solidFill>
-                    <a:srgbClr val="FFFFFF"/>
-                  </a:solidFill>
-                </a14:hiddenFill>
-              </a:ext>
-              <a:ext uri="{91240B29-F687-4F45-9708-019B960494DF}">
-                <a14:hiddenLine xmlns:a14="http://schemas.microsoft.com/office/drawing/2010/main" w="9525">
-                  <a:solidFill>
-                    <a:srgbClr val="000000"/>
-                  </a:solidFill>
-                  <a:miter lim="800000"/>
-                  <a:headEnd/>
-                  <a:tailEnd/>
-                </a14:hiddenLine>
-              </a:ext>
-            </a:extLst>
-          </p:spPr>
-        </p:pic>
-      </p:grpSp>
-      <p:grpSp>
-        <p:nvGrpSpPr>
-          <p:cNvPr id="9" name="Group 8">
-            <a:extLst>
-              <a:ext uri="{FF2B5EF4-FFF2-40B4-BE49-F238E27FC236}">
-                <a16:creationId xmlns:a16="http://schemas.microsoft.com/office/drawing/2014/main" id="{F90B6EEF-05FF-7440-85A4-81E3A35F14AE}"/>
-              </a:ext>
-            </a:extLst>
-          </p:cNvPr>
-          <p:cNvGrpSpPr/>
-          <p:nvPr/>
-        </p:nvGrpSpPr>
-        <p:grpSpPr>
-          <a:xfrm>
-            <a:off x="6808118" y="2747127"/>
-            <a:ext cx="1073150" cy="1069047"/>
-            <a:chOff x="4277300" y="2313474"/>
-            <a:chExt cx="1073150" cy="1069047"/>
-          </a:xfrm>
-        </p:grpSpPr>
-        <p:pic>
-          <p:nvPicPr>
-            <p:cNvPr id="10" name="Graphic 49">
-              <a:extLst>
-                <a:ext uri="{FF2B5EF4-FFF2-40B4-BE49-F238E27FC236}">
-                  <a16:creationId xmlns:a16="http://schemas.microsoft.com/office/drawing/2014/main" id="{833960CF-B9BE-7E49-BB0F-33A91A7BD583}"/>
-                </a:ext>
-              </a:extLst>
-            </p:cNvPr>
-            <p:cNvPicPr>
-              <a:picLocks noChangeAspect="1" noChangeArrowheads="1"/>
-            </p:cNvPicPr>
-            <p:nvPr/>
-          </p:nvPicPr>
-          <p:blipFill>
-            <a:blip r:embed="rId3">
-              <a:extLst>
-                <a:ext uri="{28A0092B-C50C-407E-A947-70E740481C1C}">
-                  <a14:useLocalDpi xmlns:a14="http://schemas.microsoft.com/office/drawing/2010/main" val="0"/>
-                </a:ext>
-              </a:extLst>
-            </a:blip>
-            <a:srcRect/>
-            <a:stretch>
-              <a:fillRect/>
-            </a:stretch>
-          </p:blipFill>
-          <p:spPr bwMode="auto">
-            <a:xfrm>
-              <a:off x="4348601" y="2313474"/>
-              <a:ext cx="930548" cy="930548"/>
-            </a:xfrm>
-            <a:prstGeom prst="rect">
-              <a:avLst/>
-            </a:prstGeom>
-            <a:noFill/>
-            <a:ln>
-              <a:noFill/>
-            </a:ln>
-            <a:extLst>
-              <a:ext uri="{909E8E84-426E-40DD-AFC4-6F175D3DCCD1}">
-                <a14:hiddenFill xmlns:a14="http://schemas.microsoft.com/office/drawing/2010/main">
-                  <a:solidFill>
-                    <a:srgbClr val="FFFFFF"/>
-                  </a:solidFill>
-                </a14:hiddenFill>
-              </a:ext>
-              <a:ext uri="{91240B29-F687-4F45-9708-019B960494DF}">
-                <a14:hiddenLine xmlns:a14="http://schemas.microsoft.com/office/drawing/2010/main" w="9525">
-                  <a:solidFill>
-                    <a:srgbClr val="000000"/>
-                  </a:solidFill>
-                  <a:miter lim="800000"/>
-                  <a:headEnd/>
-                  <a:tailEnd/>
-                </a14:hiddenLine>
-              </a:ext>
-            </a:extLst>
-          </p:spPr>
-        </p:pic>
-        <p:sp>
-          <p:nvSpPr>
-            <p:cNvPr id="11" name="TextBox 40">
-              <a:extLst>
-                <a:ext uri="{FF2B5EF4-FFF2-40B4-BE49-F238E27FC236}">
-                  <a16:creationId xmlns:a16="http://schemas.microsoft.com/office/drawing/2014/main" id="{3ABAAAFC-0894-1F41-8920-5FDAA42DAE2E}"/>
-                </a:ext>
-              </a:extLst>
-            </p:cNvPr>
-            <p:cNvSpPr txBox="1">
-              <a:spLocks noChangeArrowheads="1"/>
-            </p:cNvSpPr>
-            <p:nvPr/>
-          </p:nvSpPr>
-          <p:spPr bwMode="auto">
-            <a:xfrm>
-              <a:off x="4277300" y="3105522"/>
-              <a:ext cx="1073150" cy="276999"/>
-            </a:xfrm>
-            <a:prstGeom prst="rect">
-              <a:avLst/>
-            </a:prstGeom>
-            <a:noFill/>
-            <a:ln>
-              <a:noFill/>
-            </a:ln>
-            <a:extLst>
-              <a:ext uri="{909E8E84-426E-40DD-AFC4-6F175D3DCCD1}">
-                <a14:hiddenFill xmlns:a14="http://schemas.microsoft.com/office/drawing/2010/main">
-                  <a:solidFill>
-                    <a:srgbClr val="FFFFFF"/>
-                  </a:solidFill>
-                </a14:hiddenFill>
-              </a:ext>
-              <a:ext uri="{91240B29-F687-4F45-9708-019B960494DF}">
-                <a14:hiddenLine xmlns:a14="http://schemas.microsoft.com/office/drawing/2010/main" w="9525">
-                  <a:solidFill>
-                    <a:srgbClr val="000000"/>
-                  </a:solidFill>
-                  <a:miter lim="800000"/>
-                  <a:headEnd/>
-                  <a:tailEnd/>
-                </a14:hiddenLine>
-              </a:ext>
-            </a:extLst>
-          </p:spPr>
-          <p:txBody>
-            <a:bodyPr>
-              <a:spAutoFit/>
-            </a:bodyPr>
-            <a:lstStyle>
-              <a:lvl1pPr>
-                <a:defRPr>
-                  <a:solidFill>
-                    <a:schemeClr val="tx1"/>
-                  </a:solidFill>
-                  <a:latin typeface="Calibri" panose="020F0502020204030204" pitchFamily="34" charset="0"/>
-                </a:defRPr>
-              </a:lvl1pPr>
-              <a:lvl2pPr marL="742950" indent="-285750">
-                <a:defRPr>
-                  <a:solidFill>
-                    <a:schemeClr val="tx1"/>
-                  </a:solidFill>
-                  <a:latin typeface="Calibri" panose="020F0502020204030204" pitchFamily="34" charset="0"/>
-                </a:defRPr>
-              </a:lvl2pPr>
-              <a:lvl3pPr marL="1143000" indent="-228600">
-                <a:defRPr>
-                  <a:solidFill>
-                    <a:schemeClr val="tx1"/>
-                  </a:solidFill>
-                  <a:latin typeface="Calibri" panose="020F0502020204030204" pitchFamily="34" charset="0"/>
-                </a:defRPr>
-              </a:lvl3pPr>
-              <a:lvl4pPr marL="1600200" indent="-228600">
-                <a:defRPr>
-                  <a:solidFill>
-                    <a:schemeClr val="tx1"/>
-                  </a:solidFill>
-                  <a:latin typeface="Calibri" panose="020F0502020204030204" pitchFamily="34" charset="0"/>
-                </a:defRPr>
-              </a:lvl4pPr>
-              <a:lvl5pPr marL="2057400" indent="-228600">
-                <a:defRPr>
-                  <a:solidFill>
-                    <a:schemeClr val="tx1"/>
-                  </a:solidFill>
-                  <a:latin typeface="Calibri" panose="020F0502020204030204" pitchFamily="34" charset="0"/>
-                </a:defRPr>
-              </a:lvl5pPr>
-              <a:lvl6pPr marL="2514600" indent="-228600" eaLnBrk="0" fontAlgn="base" hangingPunct="0">
-                <a:spcBef>
-                  <a:spcPct val="0"/>
-                </a:spcBef>
-                <a:spcAft>
-                  <a:spcPct val="0"/>
-                </a:spcAft>
-                <a:defRPr>
-                  <a:solidFill>
-                    <a:schemeClr val="tx1"/>
-                  </a:solidFill>
-                  <a:latin typeface="Calibri" panose="020F0502020204030204" pitchFamily="34" charset="0"/>
-                </a:defRPr>
-              </a:lvl6pPr>
-              <a:lvl7pPr marL="2971800" indent="-228600" eaLnBrk="0" fontAlgn="base" hangingPunct="0">
-                <a:spcBef>
-                  <a:spcPct val="0"/>
-                </a:spcBef>
-                <a:spcAft>
-                  <a:spcPct val="0"/>
-                </a:spcAft>
-                <a:defRPr>
-                  <a:solidFill>
-                    <a:schemeClr val="tx1"/>
-                  </a:solidFill>
-                  <a:latin typeface="Calibri" panose="020F0502020204030204" pitchFamily="34" charset="0"/>
-                </a:defRPr>
-              </a:lvl7pPr>
-              <a:lvl8pPr marL="3429000" indent="-228600" eaLnBrk="0" fontAlgn="base" hangingPunct="0">
-                <a:spcBef>
-                  <a:spcPct val="0"/>
-                </a:spcBef>
-                <a:spcAft>
-                  <a:spcPct val="0"/>
-                </a:spcAft>
-                <a:defRPr>
-                  <a:solidFill>
-                    <a:schemeClr val="tx1"/>
-                  </a:solidFill>
-                  <a:latin typeface="Calibri" panose="020F0502020204030204" pitchFamily="34" charset="0"/>
-                </a:defRPr>
-              </a:lvl8pPr>
-              <a:lvl9pPr marL="3886200" indent="-228600" eaLnBrk="0" fontAlgn="base" hangingPunct="0">
-                <a:spcBef>
-                  <a:spcPct val="0"/>
-                </a:spcBef>
-                <a:spcAft>
-                  <a:spcPct val="0"/>
-                </a:spcAft>
-                <a:defRPr>
-                  <a:solidFill>
-                    <a:schemeClr val="tx1"/>
-                  </a:solidFill>
-                  <a:latin typeface="Calibri" panose="020F0502020204030204" pitchFamily="34" charset="0"/>
-                </a:defRPr>
-              </a:lvl9pPr>
-            </a:lstStyle>
-            <a:p>
-              <a:pPr algn="ctr" eaLnBrk="1" hangingPunct="1"/>
-              <a:r>
-                <a:rPr lang="en-US" altLang="en-US" sz="1200" b="1" dirty="0">
-                  <a:solidFill>
-                    <a:srgbClr val="000000"/>
-                  </a:solidFill>
-                  <a:latin typeface="Arial" panose="020B0604020202020204" pitchFamily="34" charset="0"/>
-                  <a:cs typeface="Arial" panose="020B0604020202020204" pitchFamily="34" charset="0"/>
-                </a:rPr>
-                <a:t>IAM Role</a:t>
-              </a:r>
-            </a:p>
-          </p:txBody>
-        </p:sp>
-      </p:grpSp>
-      <p:sp>
-        <p:nvSpPr>
-          <p:cNvPr id="12" name="TextBox 40">
-            <a:extLst>
-              <a:ext uri="{FF2B5EF4-FFF2-40B4-BE49-F238E27FC236}">
-                <a16:creationId xmlns:a16="http://schemas.microsoft.com/office/drawing/2014/main" id="{846ED284-066E-1B45-AFD0-B5624641513E}"/>
-              </a:ext>
-            </a:extLst>
-          </p:cNvPr>
-          <p:cNvSpPr txBox="1">
-            <a:spLocks noChangeArrowheads="1"/>
-          </p:cNvSpPr>
-          <p:nvPr/>
-        </p:nvSpPr>
-        <p:spPr bwMode="auto">
-          <a:xfrm>
-            <a:off x="6655510" y="3893237"/>
-            <a:ext cx="1378365" cy="307777"/>
-          </a:xfrm>
-          <a:prstGeom prst="rect">
-            <a:avLst/>
-          </a:prstGeom>
-          <a:solidFill>
-            <a:srgbClr val="002060"/>
-          </a:solidFill>
-          <a:ln>
-            <a:noFill/>
-          </a:ln>
-        </p:spPr>
-        <p:txBody>
-          <a:bodyPr wrap="square">
-            <a:spAutoFit/>
-          </a:bodyPr>
-          <a:lstStyle>
-            <a:lvl1pPr>
-              <a:defRPr>
-                <a:solidFill>
-                  <a:schemeClr val="tx1"/>
-                </a:solidFill>
-                <a:latin typeface="Calibri" panose="020F0502020204030204" pitchFamily="34" charset="0"/>
-              </a:defRPr>
-            </a:lvl1pPr>
-            <a:lvl2pPr marL="742950" indent="-285750">
-              <a:defRPr>
-                <a:solidFill>
-                  <a:schemeClr val="tx1"/>
-                </a:solidFill>
-                <a:latin typeface="Calibri" panose="020F0502020204030204" pitchFamily="34" charset="0"/>
-              </a:defRPr>
-            </a:lvl2pPr>
-            <a:lvl3pPr marL="1143000" indent="-228600">
-              <a:defRPr>
-                <a:solidFill>
-                  <a:schemeClr val="tx1"/>
-                </a:solidFill>
-                <a:latin typeface="Calibri" panose="020F0502020204030204" pitchFamily="34" charset="0"/>
-              </a:defRPr>
-            </a:lvl3pPr>
-            <a:lvl4pPr marL="1600200" indent="-228600">
-              <a:defRPr>
-                <a:solidFill>
-                  <a:schemeClr val="tx1"/>
-                </a:solidFill>
-                <a:latin typeface="Calibri" panose="020F0502020204030204" pitchFamily="34" charset="0"/>
-              </a:defRPr>
-            </a:lvl4pPr>
-            <a:lvl5pPr marL="2057400" indent="-228600">
-              <a:defRPr>
-                <a:solidFill>
-                  <a:schemeClr val="tx1"/>
-                </a:solidFill>
-                <a:latin typeface="Calibri" panose="020F0502020204030204" pitchFamily="34" charset="0"/>
-              </a:defRPr>
-            </a:lvl5pPr>
-            <a:lvl6pPr marL="2514600" indent="-228600" eaLnBrk="0" fontAlgn="base" hangingPunct="0">
-              <a:spcBef>
-                <a:spcPct val="0"/>
-              </a:spcBef>
-              <a:spcAft>
-                <a:spcPct val="0"/>
-              </a:spcAft>
-              <a:defRPr>
-                <a:solidFill>
-                  <a:schemeClr val="tx1"/>
-                </a:solidFill>
-                <a:latin typeface="Calibri" panose="020F0502020204030204" pitchFamily="34" charset="0"/>
-              </a:defRPr>
-            </a:lvl6pPr>
-            <a:lvl7pPr marL="2971800" indent="-228600" eaLnBrk="0" fontAlgn="base" hangingPunct="0">
-              <a:spcBef>
-                <a:spcPct val="0"/>
-              </a:spcBef>
-              <a:spcAft>
-                <a:spcPct val="0"/>
-              </a:spcAft>
-              <a:defRPr>
-                <a:solidFill>
-                  <a:schemeClr val="tx1"/>
-                </a:solidFill>
-                <a:latin typeface="Calibri" panose="020F0502020204030204" pitchFamily="34" charset="0"/>
-              </a:defRPr>
-            </a:lvl7pPr>
-            <a:lvl8pPr marL="3429000" indent="-228600" eaLnBrk="0" fontAlgn="base" hangingPunct="0">
-              <a:spcBef>
-                <a:spcPct val="0"/>
-              </a:spcBef>
-              <a:spcAft>
-                <a:spcPct val="0"/>
-              </a:spcAft>
-              <a:defRPr>
-                <a:solidFill>
-                  <a:schemeClr val="tx1"/>
-                </a:solidFill>
-                <a:latin typeface="Calibri" panose="020F0502020204030204" pitchFamily="34" charset="0"/>
-              </a:defRPr>
-            </a:lvl8pPr>
-            <a:lvl9pPr marL="3886200" indent="-228600" eaLnBrk="0" fontAlgn="base" hangingPunct="0">
-              <a:spcBef>
-                <a:spcPct val="0"/>
-              </a:spcBef>
-              <a:spcAft>
-                <a:spcPct val="0"/>
-              </a:spcAft>
-              <a:defRPr>
-                <a:solidFill>
-                  <a:schemeClr val="tx1"/>
-                </a:solidFill>
-                <a:latin typeface="Calibri" panose="020F0502020204030204" pitchFamily="34" charset="0"/>
-              </a:defRPr>
-            </a:lvl9pPr>
-          </a:lstStyle>
-          <a:p>
-            <a:pPr algn="ctr" eaLnBrk="1" hangingPunct="1"/>
-            <a:r>
-              <a:rPr lang="en-US" altLang="en-US" sz="1400" b="1" dirty="0">
-                <a:solidFill>
-                  <a:schemeClr val="accent6"/>
-                </a:solidFill>
-                <a:latin typeface="Montserrat" pitchFamily="2" charset="77"/>
-                <a:cs typeface="Arial" panose="020B0604020202020204" pitchFamily="34" charset="0"/>
-              </a:rPr>
-              <a:t>Trust policy</a:t>
-            </a:r>
-          </a:p>
-        </p:txBody>
-      </p:sp>
-      <p:grpSp>
-        <p:nvGrpSpPr>
-          <p:cNvPr id="13" name="Group 12">
-            <a:extLst>
-              <a:ext uri="{FF2B5EF4-FFF2-40B4-BE49-F238E27FC236}">
-                <a16:creationId xmlns:a16="http://schemas.microsoft.com/office/drawing/2014/main" id="{4E860DC2-6EFB-0347-AD65-4D06728E4101}"/>
-              </a:ext>
-            </a:extLst>
-          </p:cNvPr>
-          <p:cNvGrpSpPr/>
-          <p:nvPr/>
-        </p:nvGrpSpPr>
-        <p:grpSpPr>
-          <a:xfrm>
-            <a:off x="3904651" y="2851604"/>
-            <a:ext cx="1073150" cy="1023505"/>
-            <a:chOff x="3367880" y="2959099"/>
-            <a:chExt cx="1073150" cy="1023505"/>
-          </a:xfrm>
-        </p:grpSpPr>
-        <p:pic>
-          <p:nvPicPr>
-            <p:cNvPr id="14" name="Graphic 22">
-              <a:extLst>
-                <a:ext uri="{FF2B5EF4-FFF2-40B4-BE49-F238E27FC236}">
-                  <a16:creationId xmlns:a16="http://schemas.microsoft.com/office/drawing/2014/main" id="{E4EC1BE4-0905-F241-B890-21AAEFF5EC0F}"/>
-                </a:ext>
-              </a:extLst>
-            </p:cNvPr>
-            <p:cNvPicPr>
-              <a:picLocks noChangeAspect="1" noChangeArrowheads="1"/>
-            </p:cNvPicPr>
-            <p:nvPr/>
-          </p:nvPicPr>
-          <p:blipFill>
-            <a:blip r:embed="rId4">
-              <a:extLst>
-                <a:ext uri="{96DAC541-7B7A-43D3-8B79-37D633B846F1}">
-                  <asvg:svgBlip xmlns:asvg="http://schemas.microsoft.com/office/drawing/2016/SVG/main" r:embed="rId5"/>
-                </a:ext>
-              </a:extLst>
-            </a:blip>
-            <a:srcRect/>
-            <a:stretch/>
-          </p:blipFill>
-          <p:spPr bwMode="auto">
-            <a:xfrm>
-              <a:off x="3531202" y="2959099"/>
-              <a:ext cx="746507" cy="746507"/>
-            </a:xfrm>
-            <a:prstGeom prst="rect">
-              <a:avLst/>
-            </a:prstGeom>
-            <a:noFill/>
-            <a:ln>
-              <a:noFill/>
-            </a:ln>
-            <a:extLst>
-              <a:ext uri="{909E8E84-426E-40DD-AFC4-6F175D3DCCD1}">
-                <a14:hiddenFill xmlns:a14="http://schemas.microsoft.com/office/drawing/2010/main">
-                  <a:solidFill>
-                    <a:srgbClr val="FFFFFF"/>
-                  </a:solidFill>
-                </a14:hiddenFill>
-              </a:ext>
-              <a:ext uri="{91240B29-F687-4F45-9708-019B960494DF}">
-                <a14:hiddenLine xmlns:a14="http://schemas.microsoft.com/office/drawing/2010/main" w="9525">
-                  <a:solidFill>
-                    <a:srgbClr val="000000"/>
-                  </a:solidFill>
-                  <a:miter lim="800000"/>
-                  <a:headEnd/>
-                  <a:tailEnd/>
-                </a14:hiddenLine>
-              </a:ext>
-            </a:extLst>
-          </p:spPr>
-        </p:pic>
-        <p:sp>
-          <p:nvSpPr>
-            <p:cNvPr id="15" name="TextBox 40">
-              <a:extLst>
-                <a:ext uri="{FF2B5EF4-FFF2-40B4-BE49-F238E27FC236}">
-                  <a16:creationId xmlns:a16="http://schemas.microsoft.com/office/drawing/2014/main" id="{DE667813-0497-D24B-90F5-3B649039F193}"/>
-                </a:ext>
-              </a:extLst>
-            </p:cNvPr>
-            <p:cNvSpPr txBox="1">
-              <a:spLocks noChangeArrowheads="1"/>
-            </p:cNvSpPr>
-            <p:nvPr/>
-          </p:nvSpPr>
-          <p:spPr bwMode="auto">
-            <a:xfrm>
-              <a:off x="3367880" y="3705605"/>
-              <a:ext cx="1073150" cy="276999"/>
-            </a:xfrm>
-            <a:prstGeom prst="rect">
-              <a:avLst/>
-            </a:prstGeom>
-            <a:noFill/>
-            <a:ln>
-              <a:noFill/>
-            </a:ln>
-            <a:extLst>
-              <a:ext uri="{909E8E84-426E-40DD-AFC4-6F175D3DCCD1}">
-                <a14:hiddenFill xmlns:a14="http://schemas.microsoft.com/office/drawing/2010/main">
-                  <a:solidFill>
-                    <a:srgbClr val="FFFFFF"/>
-                  </a:solidFill>
-                </a14:hiddenFill>
-              </a:ext>
-              <a:ext uri="{91240B29-F687-4F45-9708-019B960494DF}">
-                <a14:hiddenLine xmlns:a14="http://schemas.microsoft.com/office/drawing/2010/main" w="9525">
-                  <a:solidFill>
-                    <a:srgbClr val="000000"/>
-                  </a:solidFill>
-                  <a:miter lim="800000"/>
-                  <a:headEnd/>
-                  <a:tailEnd/>
-                </a14:hiddenLine>
-              </a:ext>
-            </a:extLst>
-          </p:spPr>
-          <p:txBody>
-            <a:bodyPr>
-              <a:spAutoFit/>
-            </a:bodyPr>
-            <a:lstStyle>
-              <a:lvl1pPr>
-                <a:defRPr>
-                  <a:solidFill>
-                    <a:schemeClr val="tx1"/>
-                  </a:solidFill>
-                  <a:latin typeface="Calibri" panose="020F0502020204030204" pitchFamily="34" charset="0"/>
-                </a:defRPr>
-              </a:lvl1pPr>
-              <a:lvl2pPr marL="742950" indent="-285750">
-                <a:defRPr>
-                  <a:solidFill>
-                    <a:schemeClr val="tx1"/>
-                  </a:solidFill>
-                  <a:latin typeface="Calibri" panose="020F0502020204030204" pitchFamily="34" charset="0"/>
-                </a:defRPr>
-              </a:lvl2pPr>
-              <a:lvl3pPr marL="1143000" indent="-228600">
-                <a:defRPr>
-                  <a:solidFill>
-                    <a:schemeClr val="tx1"/>
-                  </a:solidFill>
-                  <a:latin typeface="Calibri" panose="020F0502020204030204" pitchFamily="34" charset="0"/>
-                </a:defRPr>
-              </a:lvl3pPr>
-              <a:lvl4pPr marL="1600200" indent="-228600">
-                <a:defRPr>
-                  <a:solidFill>
-                    <a:schemeClr val="tx1"/>
-                  </a:solidFill>
-                  <a:latin typeface="Calibri" panose="020F0502020204030204" pitchFamily="34" charset="0"/>
-                </a:defRPr>
-              </a:lvl4pPr>
-              <a:lvl5pPr marL="2057400" indent="-228600">
-                <a:defRPr>
-                  <a:solidFill>
-                    <a:schemeClr val="tx1"/>
-                  </a:solidFill>
-                  <a:latin typeface="Calibri" panose="020F0502020204030204" pitchFamily="34" charset="0"/>
-                </a:defRPr>
-              </a:lvl5pPr>
-              <a:lvl6pPr marL="2514600" indent="-228600" eaLnBrk="0" fontAlgn="base" hangingPunct="0">
-                <a:spcBef>
-                  <a:spcPct val="0"/>
-                </a:spcBef>
-                <a:spcAft>
-                  <a:spcPct val="0"/>
-                </a:spcAft>
-                <a:defRPr>
-                  <a:solidFill>
-                    <a:schemeClr val="tx1"/>
-                  </a:solidFill>
-                  <a:latin typeface="Calibri" panose="020F0502020204030204" pitchFamily="34" charset="0"/>
-                </a:defRPr>
-              </a:lvl6pPr>
-              <a:lvl7pPr marL="2971800" indent="-228600" eaLnBrk="0" fontAlgn="base" hangingPunct="0">
-                <a:spcBef>
-                  <a:spcPct val="0"/>
-                </a:spcBef>
-                <a:spcAft>
-                  <a:spcPct val="0"/>
-                </a:spcAft>
-                <a:defRPr>
-                  <a:solidFill>
-                    <a:schemeClr val="tx1"/>
-                  </a:solidFill>
-                  <a:latin typeface="Calibri" panose="020F0502020204030204" pitchFamily="34" charset="0"/>
-                </a:defRPr>
-              </a:lvl7pPr>
-              <a:lvl8pPr marL="3429000" indent="-228600" eaLnBrk="0" fontAlgn="base" hangingPunct="0">
-                <a:spcBef>
-                  <a:spcPct val="0"/>
-                </a:spcBef>
-                <a:spcAft>
-                  <a:spcPct val="0"/>
-                </a:spcAft>
-                <a:defRPr>
-                  <a:solidFill>
-                    <a:schemeClr val="tx1"/>
-                  </a:solidFill>
-                  <a:latin typeface="Calibri" panose="020F0502020204030204" pitchFamily="34" charset="0"/>
-                </a:defRPr>
-              </a:lvl8pPr>
-              <a:lvl9pPr marL="3886200" indent="-228600" eaLnBrk="0" fontAlgn="base" hangingPunct="0">
-                <a:spcBef>
-                  <a:spcPct val="0"/>
-                </a:spcBef>
-                <a:spcAft>
-                  <a:spcPct val="0"/>
-                </a:spcAft>
-                <a:defRPr>
-                  <a:solidFill>
-                    <a:schemeClr val="tx1"/>
-                  </a:solidFill>
-                  <a:latin typeface="Calibri" panose="020F0502020204030204" pitchFamily="34" charset="0"/>
-                </a:defRPr>
-              </a:lvl9pPr>
-            </a:lstStyle>
-            <a:p>
-              <a:pPr algn="ctr" eaLnBrk="1" hangingPunct="1"/>
-              <a:r>
-                <a:rPr lang="en-US" altLang="en-US" sz="1200" b="1" dirty="0">
-                  <a:solidFill>
-                    <a:srgbClr val="000000"/>
-                  </a:solidFill>
-                  <a:latin typeface="Arial" panose="020B0604020202020204" pitchFamily="34" charset="0"/>
-                  <a:cs typeface="Arial" panose="020B0604020202020204" pitchFamily="34" charset="0"/>
-                </a:rPr>
-                <a:t>IAM User</a:t>
-              </a:r>
-            </a:p>
-          </p:txBody>
-        </p:sp>
-      </p:grpSp>
-      <p:sp>
-        <p:nvSpPr>
-          <p:cNvPr id="16" name="TextBox 40">
-            <a:extLst>
-              <a:ext uri="{FF2B5EF4-FFF2-40B4-BE49-F238E27FC236}">
-                <a16:creationId xmlns:a16="http://schemas.microsoft.com/office/drawing/2014/main" id="{52B9FED4-49C3-F549-B3C5-BDC82A69B2E4}"/>
-              </a:ext>
-            </a:extLst>
-          </p:cNvPr>
-          <p:cNvSpPr txBox="1">
-            <a:spLocks noChangeArrowheads="1"/>
-          </p:cNvSpPr>
-          <p:nvPr/>
-        </p:nvSpPr>
-        <p:spPr bwMode="auto">
-          <a:xfrm>
-            <a:off x="3243196" y="3893237"/>
-            <a:ext cx="2396057" cy="307777"/>
-          </a:xfrm>
-          <a:prstGeom prst="rect">
-            <a:avLst/>
-          </a:prstGeom>
-          <a:solidFill>
-            <a:srgbClr val="002060"/>
-          </a:solidFill>
-          <a:ln>
-            <a:noFill/>
-          </a:ln>
-        </p:spPr>
-        <p:txBody>
-          <a:bodyPr wrap="square">
-            <a:spAutoFit/>
-          </a:bodyPr>
-          <a:lstStyle>
-            <a:lvl1pPr>
-              <a:defRPr>
-                <a:solidFill>
-                  <a:schemeClr val="tx1"/>
-                </a:solidFill>
-                <a:latin typeface="Calibri" panose="020F0502020204030204" pitchFamily="34" charset="0"/>
-              </a:defRPr>
-            </a:lvl1pPr>
-            <a:lvl2pPr marL="742950" indent="-285750">
-              <a:defRPr>
-                <a:solidFill>
-                  <a:schemeClr val="tx1"/>
-                </a:solidFill>
-                <a:latin typeface="Calibri" panose="020F0502020204030204" pitchFamily="34" charset="0"/>
-              </a:defRPr>
-            </a:lvl2pPr>
-            <a:lvl3pPr marL="1143000" indent="-228600">
-              <a:defRPr>
-                <a:solidFill>
-                  <a:schemeClr val="tx1"/>
-                </a:solidFill>
-                <a:latin typeface="Calibri" panose="020F0502020204030204" pitchFamily="34" charset="0"/>
-              </a:defRPr>
-            </a:lvl3pPr>
-            <a:lvl4pPr marL="1600200" indent="-228600">
-              <a:defRPr>
-                <a:solidFill>
-                  <a:schemeClr val="tx1"/>
-                </a:solidFill>
-                <a:latin typeface="Calibri" panose="020F0502020204030204" pitchFamily="34" charset="0"/>
-              </a:defRPr>
-            </a:lvl4pPr>
-            <a:lvl5pPr marL="2057400" indent="-228600">
-              <a:defRPr>
-                <a:solidFill>
-                  <a:schemeClr val="tx1"/>
-                </a:solidFill>
-                <a:latin typeface="Calibri" panose="020F0502020204030204" pitchFamily="34" charset="0"/>
-              </a:defRPr>
-            </a:lvl5pPr>
-            <a:lvl6pPr marL="2514600" indent="-228600" eaLnBrk="0" fontAlgn="base" hangingPunct="0">
-              <a:spcBef>
-                <a:spcPct val="0"/>
-              </a:spcBef>
-              <a:spcAft>
-                <a:spcPct val="0"/>
-              </a:spcAft>
-              <a:defRPr>
-                <a:solidFill>
-                  <a:schemeClr val="tx1"/>
-                </a:solidFill>
-                <a:latin typeface="Calibri" panose="020F0502020204030204" pitchFamily="34" charset="0"/>
-              </a:defRPr>
-            </a:lvl6pPr>
-            <a:lvl7pPr marL="2971800" indent="-228600" eaLnBrk="0" fontAlgn="base" hangingPunct="0">
-              <a:spcBef>
-                <a:spcPct val="0"/>
-              </a:spcBef>
-              <a:spcAft>
-                <a:spcPct val="0"/>
-              </a:spcAft>
-              <a:defRPr>
-                <a:solidFill>
-                  <a:schemeClr val="tx1"/>
-                </a:solidFill>
-                <a:latin typeface="Calibri" panose="020F0502020204030204" pitchFamily="34" charset="0"/>
-              </a:defRPr>
-            </a:lvl7pPr>
-            <a:lvl8pPr marL="3429000" indent="-228600" eaLnBrk="0" fontAlgn="base" hangingPunct="0">
-              <a:spcBef>
-                <a:spcPct val="0"/>
-              </a:spcBef>
-              <a:spcAft>
-                <a:spcPct val="0"/>
-              </a:spcAft>
-              <a:defRPr>
-                <a:solidFill>
-                  <a:schemeClr val="tx1"/>
-                </a:solidFill>
-                <a:latin typeface="Calibri" panose="020F0502020204030204" pitchFamily="34" charset="0"/>
-              </a:defRPr>
-            </a:lvl8pPr>
-            <a:lvl9pPr marL="3886200" indent="-228600" eaLnBrk="0" fontAlgn="base" hangingPunct="0">
-              <a:spcBef>
-                <a:spcPct val="0"/>
-              </a:spcBef>
-              <a:spcAft>
-                <a:spcPct val="0"/>
-              </a:spcAft>
-              <a:defRPr>
-                <a:solidFill>
-                  <a:schemeClr val="tx1"/>
-                </a:solidFill>
-                <a:latin typeface="Calibri" panose="020F0502020204030204" pitchFamily="34" charset="0"/>
-              </a:defRPr>
-            </a:lvl9pPr>
-          </a:lstStyle>
-          <a:p>
-            <a:pPr algn="ctr" eaLnBrk="1" hangingPunct="1"/>
-            <a:r>
-              <a:rPr lang="en-US" altLang="en-US" sz="1400" b="1" dirty="0">
-                <a:solidFill>
-                  <a:schemeClr val="accent6"/>
-                </a:solidFill>
-                <a:latin typeface="Montserrat" pitchFamily="2" charset="77"/>
-                <a:cs typeface="Arial" panose="020B0604020202020204" pitchFamily="34" charset="0"/>
-              </a:rPr>
-              <a:t>Username + Password</a:t>
-            </a:r>
-          </a:p>
-        </p:txBody>
-      </p:sp>
-      <p:sp>
-        <p:nvSpPr>
-          <p:cNvPr id="17" name="TextBox 40">
-            <a:extLst>
-              <a:ext uri="{FF2B5EF4-FFF2-40B4-BE49-F238E27FC236}">
-                <a16:creationId xmlns:a16="http://schemas.microsoft.com/office/drawing/2014/main" id="{D901575E-C3F8-4940-AAF6-0BE1F6A78CCD}"/>
-              </a:ext>
-            </a:extLst>
-          </p:cNvPr>
-          <p:cNvSpPr txBox="1">
-            <a:spLocks noChangeArrowheads="1"/>
-          </p:cNvSpPr>
-          <p:nvPr/>
-        </p:nvSpPr>
-        <p:spPr bwMode="auto">
-          <a:xfrm>
-            <a:off x="3243196" y="4258151"/>
-            <a:ext cx="2396057" cy="307777"/>
-          </a:xfrm>
-          <a:prstGeom prst="rect">
-            <a:avLst/>
-          </a:prstGeom>
-          <a:solidFill>
-            <a:srgbClr val="002060"/>
-          </a:solidFill>
-          <a:ln>
-            <a:noFill/>
-          </a:ln>
-        </p:spPr>
-        <p:txBody>
-          <a:bodyPr wrap="square">
-            <a:spAutoFit/>
-          </a:bodyPr>
-          <a:lstStyle>
-            <a:lvl1pPr>
-              <a:defRPr>
-                <a:solidFill>
-                  <a:schemeClr val="tx1"/>
-                </a:solidFill>
-                <a:latin typeface="Calibri" panose="020F0502020204030204" pitchFamily="34" charset="0"/>
-              </a:defRPr>
-            </a:lvl1pPr>
-            <a:lvl2pPr marL="742950" indent="-285750">
-              <a:defRPr>
-                <a:solidFill>
-                  <a:schemeClr val="tx1"/>
-                </a:solidFill>
-                <a:latin typeface="Calibri" panose="020F0502020204030204" pitchFamily="34" charset="0"/>
-              </a:defRPr>
-            </a:lvl2pPr>
-            <a:lvl3pPr marL="1143000" indent="-228600">
-              <a:defRPr>
-                <a:solidFill>
-                  <a:schemeClr val="tx1"/>
-                </a:solidFill>
-                <a:latin typeface="Calibri" panose="020F0502020204030204" pitchFamily="34" charset="0"/>
-              </a:defRPr>
-            </a:lvl3pPr>
-            <a:lvl4pPr marL="1600200" indent="-228600">
-              <a:defRPr>
-                <a:solidFill>
-                  <a:schemeClr val="tx1"/>
-                </a:solidFill>
-                <a:latin typeface="Calibri" panose="020F0502020204030204" pitchFamily="34" charset="0"/>
-              </a:defRPr>
-            </a:lvl4pPr>
-            <a:lvl5pPr marL="2057400" indent="-228600">
-              <a:defRPr>
-                <a:solidFill>
-                  <a:schemeClr val="tx1"/>
-                </a:solidFill>
-                <a:latin typeface="Calibri" panose="020F0502020204030204" pitchFamily="34" charset="0"/>
-              </a:defRPr>
-            </a:lvl5pPr>
-            <a:lvl6pPr marL="2514600" indent="-228600" eaLnBrk="0" fontAlgn="base" hangingPunct="0">
-              <a:spcBef>
-                <a:spcPct val="0"/>
-              </a:spcBef>
-              <a:spcAft>
-                <a:spcPct val="0"/>
-              </a:spcAft>
-              <a:defRPr>
-                <a:solidFill>
-                  <a:schemeClr val="tx1"/>
-                </a:solidFill>
-                <a:latin typeface="Calibri" panose="020F0502020204030204" pitchFamily="34" charset="0"/>
-              </a:defRPr>
-            </a:lvl6pPr>
-            <a:lvl7pPr marL="2971800" indent="-228600" eaLnBrk="0" fontAlgn="base" hangingPunct="0">
-              <a:spcBef>
-                <a:spcPct val="0"/>
-              </a:spcBef>
-              <a:spcAft>
-                <a:spcPct val="0"/>
-              </a:spcAft>
-              <a:defRPr>
-                <a:solidFill>
-                  <a:schemeClr val="tx1"/>
-                </a:solidFill>
-                <a:latin typeface="Calibri" panose="020F0502020204030204" pitchFamily="34" charset="0"/>
-              </a:defRPr>
-            </a:lvl7pPr>
-            <a:lvl8pPr marL="3429000" indent="-228600" eaLnBrk="0" fontAlgn="base" hangingPunct="0">
-              <a:spcBef>
-                <a:spcPct val="0"/>
-              </a:spcBef>
-              <a:spcAft>
-                <a:spcPct val="0"/>
-              </a:spcAft>
-              <a:defRPr>
-                <a:solidFill>
-                  <a:schemeClr val="tx1"/>
-                </a:solidFill>
-                <a:latin typeface="Calibri" panose="020F0502020204030204" pitchFamily="34" charset="0"/>
-              </a:defRPr>
-            </a:lvl8pPr>
-            <a:lvl9pPr marL="3886200" indent="-228600" eaLnBrk="0" fontAlgn="base" hangingPunct="0">
-              <a:spcBef>
-                <a:spcPct val="0"/>
-              </a:spcBef>
-              <a:spcAft>
-                <a:spcPct val="0"/>
-              </a:spcAft>
-              <a:defRPr>
-                <a:solidFill>
-                  <a:schemeClr val="tx1"/>
-                </a:solidFill>
-                <a:latin typeface="Calibri" panose="020F0502020204030204" pitchFamily="34" charset="0"/>
-              </a:defRPr>
-            </a:lvl9pPr>
-          </a:lstStyle>
-          <a:p>
-            <a:pPr algn="ctr" eaLnBrk="1" hangingPunct="1"/>
-            <a:r>
-              <a:rPr lang="en-US" altLang="en-US" sz="1400" b="1" dirty="0">
-                <a:solidFill>
-                  <a:schemeClr val="accent6"/>
-                </a:solidFill>
-                <a:latin typeface="Montserrat" pitchFamily="2" charset="77"/>
-                <a:cs typeface="Arial" panose="020B0604020202020204" pitchFamily="34" charset="0"/>
-              </a:rPr>
-              <a:t>Long-term access keys</a:t>
-            </a:r>
-          </a:p>
-        </p:txBody>
-      </p:sp>
-    </p:spTree>
-    <p:extLst>
-      <p:ext uri="{BB962C8B-B14F-4D97-AF65-F5344CB8AC3E}">
-        <p14:creationId xmlns:p14="http://schemas.microsoft.com/office/powerpoint/2010/main" val="3634420125"/>
-      </p:ext>
-    </p:extLst>
-  </p:cSld>
-  <p:clrMapOvr>
-    <a:masterClrMapping/>
-  </p:clrMapOvr>
 </p:sld>
 </file>
 

--- a/02-identity-and-access-management/02-identity-and-access-management.pptx
+++ b/02-identity-and-access-management/02-identity-and-access-management.pptx
@@ -207,7 +207,7 @@
           <a:p>
             <a:fld id="{926F5171-4620-824D-BBEE-9B12D10DDA40}" type="datetimeFigureOut">
               <a:rPr lang="en-US" smtClean="0"/>
-              <a:t>6/8/21</a:t>
+              <a:t>6/11/21</a:t>
             </a:fld>
             <a:endParaRPr lang="en-US"/>
           </a:p>
@@ -1147,7 +1147,7 @@
           <a:p>
             <a:fld id="{5940F215-8337-114F-9F3D-71B1107C1CD3}" type="datetimeFigureOut">
               <a:rPr lang="en-US" smtClean="0"/>
-              <a:t>6/8/21</a:t>
+              <a:t>6/11/21</a:t>
             </a:fld>
             <a:endParaRPr lang="en-US"/>
           </a:p>
@@ -1371,7 +1371,7 @@
           <a:p>
             <a:fld id="{5940F215-8337-114F-9F3D-71B1107C1CD3}" type="datetimeFigureOut">
               <a:rPr lang="en-US" smtClean="0"/>
-              <a:t>6/8/21</a:t>
+              <a:t>6/11/21</a:t>
             </a:fld>
             <a:endParaRPr lang="en-US"/>
           </a:p>
@@ -1605,7 +1605,7 @@
           <a:p>
             <a:fld id="{5940F215-8337-114F-9F3D-71B1107C1CD3}" type="datetimeFigureOut">
               <a:rPr lang="en-US" smtClean="0"/>
-              <a:t>6/8/21</a:t>
+              <a:t>6/11/21</a:t>
             </a:fld>
             <a:endParaRPr lang="en-US"/>
           </a:p>
@@ -1999,7 +1999,7 @@
           <a:p>
             <a:fld id="{5940F215-8337-114F-9F3D-71B1107C1CD3}" type="datetimeFigureOut">
               <a:rPr lang="en-US" smtClean="0"/>
-              <a:t>6/8/21</a:t>
+              <a:t>6/11/21</a:t>
             </a:fld>
             <a:endParaRPr lang="en-US"/>
           </a:p>
@@ -2431,7 +2431,7 @@
           <a:p>
             <a:fld id="{5940F215-8337-114F-9F3D-71B1107C1CD3}" type="datetimeFigureOut">
               <a:rPr lang="en-US" smtClean="0"/>
-              <a:t>6/8/21</a:t>
+              <a:t>6/11/21</a:t>
             </a:fld>
             <a:endParaRPr lang="en-US"/>
           </a:p>
@@ -2723,7 +2723,7 @@
           <a:p>
             <a:fld id="{5940F215-8337-114F-9F3D-71B1107C1CD3}" type="datetimeFigureOut">
               <a:rPr lang="en-US" smtClean="0"/>
-              <a:t>6/8/21</a:t>
+              <a:t>6/11/21</a:t>
             </a:fld>
             <a:endParaRPr lang="en-US"/>
           </a:p>
@@ -3162,7 +3162,7 @@
           <a:p>
             <a:fld id="{5940F215-8337-114F-9F3D-71B1107C1CD3}" type="datetimeFigureOut">
               <a:rPr lang="en-US" smtClean="0"/>
-              <a:t>6/8/21</a:t>
+              <a:t>6/11/21</a:t>
             </a:fld>
             <a:endParaRPr lang="en-US"/>
           </a:p>
@@ -3328,7 +3328,7 @@
           <a:p>
             <a:fld id="{5940F215-8337-114F-9F3D-71B1107C1CD3}" type="datetimeFigureOut">
               <a:rPr lang="en-US" smtClean="0"/>
-              <a:t>6/8/21</a:t>
+              <a:t>6/11/21</a:t>
             </a:fld>
             <a:endParaRPr lang="en-US"/>
           </a:p>
@@ -3465,7 +3465,7 @@
           <a:p>
             <a:fld id="{5940F215-8337-114F-9F3D-71B1107C1CD3}" type="datetimeFigureOut">
               <a:rPr lang="en-US" smtClean="0"/>
-              <a:t>6/8/21</a:t>
+              <a:t>6/11/21</a:t>
             </a:fld>
             <a:endParaRPr lang="en-US"/>
           </a:p>
@@ -3802,7 +3802,7 @@
           <a:p>
             <a:fld id="{5940F215-8337-114F-9F3D-71B1107C1CD3}" type="datetimeFigureOut">
               <a:rPr lang="en-US" smtClean="0"/>
-              <a:t>6/8/21</a:t>
+              <a:t>6/11/21</a:t>
             </a:fld>
             <a:endParaRPr lang="en-US"/>
           </a:p>
@@ -5917,13 +5917,13 @@
         </p:nvSpPr>
         <p:spPr>
           <a:xfrm>
-            <a:off x="9494385" y="2767052"/>
-            <a:ext cx="2435192" cy="1987827"/>
+            <a:off x="9561058" y="2767052"/>
+            <a:ext cx="2435192" cy="2815601"/>
           </a:xfrm>
           <a:prstGeom prst="wedgeRoundRectCallout">
             <a:avLst>
-              <a:gd name="adj1" fmla="val -88421"/>
-              <a:gd name="adj2" fmla="val -19208"/>
+              <a:gd name="adj1" fmla="val -90053"/>
+              <a:gd name="adj2" fmla="val -30824"/>
               <a:gd name="adj3" fmla="val 16667"/>
             </a:avLst>
           </a:prstGeom>
@@ -5972,6 +5972,21 @@
                 <a:latin typeface="Montserrat" pitchFamily="2" charset="77"/>
               </a:rPr>
               <a:t>Automatic credentials rotation</a:t>
+            </a:r>
+          </a:p>
+          <a:p>
+            <a:pPr algn="ctr"/>
+            <a:endParaRPr lang="en-US" b="1" dirty="0">
+              <a:latin typeface="Montserrat" pitchFamily="2" charset="77"/>
+            </a:endParaRPr>
+          </a:p>
+          <a:p>
+            <a:pPr algn="ctr"/>
+            <a:r>
+              <a:rPr lang="en-US" b="1" dirty="0">
+                <a:latin typeface="Montserrat" pitchFamily="2" charset="77"/>
+              </a:rPr>
+              <a:t>Integrates with other AWS services</a:t>
             </a:r>
           </a:p>
         </p:txBody>
@@ -9298,7 +9313,7 @@
         </p:nvGrpSpPr>
         <p:grpSpPr>
           <a:xfrm>
-            <a:off x="6620805" y="2399820"/>
+            <a:off x="5736885" y="2308380"/>
             <a:ext cx="4853883" cy="2609856"/>
             <a:chOff x="6022664" y="1494631"/>
             <a:chExt cx="4853883" cy="2609856"/>
@@ -9434,6 +9449,201 @@
           </p:spPr>
         </p:pic>
       </p:grpSp>
+      <p:grpSp>
+        <p:nvGrpSpPr>
+          <p:cNvPr id="7" name="Group 6">
+            <a:extLst>
+              <a:ext uri="{FF2B5EF4-FFF2-40B4-BE49-F238E27FC236}">
+                <a16:creationId xmlns:a16="http://schemas.microsoft.com/office/drawing/2014/main" id="{AB82B223-B90A-C44A-9A6E-D4E7711F76E7}"/>
+              </a:ext>
+            </a:extLst>
+          </p:cNvPr>
+          <p:cNvGrpSpPr/>
+          <p:nvPr/>
+        </p:nvGrpSpPr>
+        <p:grpSpPr>
+          <a:xfrm>
+            <a:off x="6209325" y="2727480"/>
+            <a:ext cx="4853883" cy="2609856"/>
+            <a:chOff x="6022664" y="1494631"/>
+            <a:chExt cx="4853883" cy="2609856"/>
+          </a:xfrm>
+          <a:solidFill>
+            <a:schemeClr val="bg1"/>
+          </a:solidFill>
+        </p:grpSpPr>
+        <p:sp>
+          <p:nvSpPr>
+            <p:cNvPr id="8" name="Rectangle 7">
+              <a:extLst>
+                <a:ext uri="{FF2B5EF4-FFF2-40B4-BE49-F238E27FC236}">
+                  <a16:creationId xmlns:a16="http://schemas.microsoft.com/office/drawing/2014/main" id="{0FA840EB-61D3-5346-99C5-F27A0FD5FFD7}"/>
+                </a:ext>
+              </a:extLst>
+            </p:cNvPr>
+            <p:cNvSpPr/>
+            <p:nvPr/>
+          </p:nvSpPr>
+          <p:spPr>
+            <a:xfrm>
+              <a:off x="6022664" y="1494631"/>
+              <a:ext cx="4853883" cy="2609856"/>
+            </a:xfrm>
+            <a:prstGeom prst="rect">
+              <a:avLst/>
+            </a:prstGeom>
+            <a:grpFill/>
+            <a:ln w="12700">
+              <a:solidFill>
+                <a:schemeClr val="tx1"/>
+              </a:solidFill>
+            </a:ln>
+          </p:spPr>
+          <p:style>
+            <a:lnRef idx="2">
+              <a:schemeClr val="accent1">
+                <a:shade val="50000"/>
+              </a:schemeClr>
+            </a:lnRef>
+            <a:fillRef idx="1">
+              <a:schemeClr val="accent1"/>
+            </a:fillRef>
+            <a:effectRef idx="0">
+              <a:schemeClr val="accent1"/>
+            </a:effectRef>
+            <a:fontRef idx="minor">
+              <a:schemeClr val="lt1"/>
+            </a:fontRef>
+          </p:style>
+          <p:txBody>
+            <a:bodyPr lIns="457200" tIns="91440"/>
+            <a:lstStyle/>
+            <a:p>
+              <a:pPr eaLnBrk="1" fontAlgn="auto" hangingPunct="1">
+                <a:spcBef>
+                  <a:spcPts val="0"/>
+                </a:spcBef>
+                <a:spcAft>
+                  <a:spcPts val="0"/>
+                </a:spcAft>
+                <a:defRPr/>
+              </a:pPr>
+              <a:r>
+                <a:rPr lang="en-US" sz="1200" dirty="0">
+                  <a:solidFill>
+                    <a:sysClr val="windowText" lastClr="000000"/>
+                  </a:solidFill>
+                  <a:latin typeface="Arial" panose="020B0604020202020204" pitchFamily="34" charset="0"/>
+                  <a:cs typeface="Arial" panose="020B0604020202020204" pitchFamily="34" charset="0"/>
+                </a:rPr>
+                <a:t>AWS Cloud Account – Production</a:t>
+              </a:r>
+            </a:p>
+          </p:txBody>
+        </p:sp>
+        <p:pic>
+          <p:nvPicPr>
+            <p:cNvPr id="9" name="Graphic 5">
+              <a:extLst>
+                <a:ext uri="{FF2B5EF4-FFF2-40B4-BE49-F238E27FC236}">
+                  <a16:creationId xmlns:a16="http://schemas.microsoft.com/office/drawing/2014/main" id="{04F0A62A-E4F0-0A4F-9884-881E755A1DEB}"/>
+                </a:ext>
+              </a:extLst>
+            </p:cNvPr>
+            <p:cNvPicPr>
+              <a:picLocks noChangeAspect="1" noChangeArrowheads="1"/>
+            </p:cNvPicPr>
+            <p:nvPr/>
+          </p:nvPicPr>
+          <p:blipFill>
+            <a:blip r:embed="rId2">
+              <a:extLst>
+                <a:ext uri="{28A0092B-C50C-407E-A947-70E740481C1C}">
+                  <a14:useLocalDpi xmlns:a14="http://schemas.microsoft.com/office/drawing/2010/main" val="0"/>
+                </a:ext>
+              </a:extLst>
+            </a:blip>
+            <a:srcRect/>
+            <a:stretch>
+              <a:fillRect/>
+            </a:stretch>
+          </p:blipFill>
+          <p:spPr bwMode="auto">
+            <a:xfrm>
+              <a:off x="6022664" y="1494631"/>
+              <a:ext cx="330200" cy="330200"/>
+            </a:xfrm>
+            <a:prstGeom prst="rect">
+              <a:avLst/>
+            </a:prstGeom>
+            <a:grpFill/>
+            <a:ln>
+              <a:noFill/>
+            </a:ln>
+            <a:extLst>
+              <a:ext uri="{909E8E84-426E-40DD-AFC4-6F175D3DCCD1}">
+                <a14:hiddenFill xmlns:a14="http://schemas.microsoft.com/office/drawing/2010/main">
+                  <a:solidFill>
+                    <a:srgbClr val="FFFFFF"/>
+                  </a:solidFill>
+                </a14:hiddenFill>
+              </a:ext>
+              <a:ext uri="{91240B29-F687-4F45-9708-019B960494DF}">
+                <a14:hiddenLine xmlns:a14="http://schemas.microsoft.com/office/drawing/2010/main" w="9525">
+                  <a:solidFill>
+                    <a:srgbClr val="000000"/>
+                  </a:solidFill>
+                  <a:miter lim="800000"/>
+                  <a:headEnd/>
+                  <a:tailEnd/>
+                </a14:hiddenLine>
+              </a:ext>
+            </a:extLst>
+          </p:spPr>
+        </p:pic>
+      </p:grpSp>
+      <p:sp>
+        <p:nvSpPr>
+          <p:cNvPr id="10" name="TextBox 9">
+            <a:extLst>
+              <a:ext uri="{FF2B5EF4-FFF2-40B4-BE49-F238E27FC236}">
+                <a16:creationId xmlns:a16="http://schemas.microsoft.com/office/drawing/2014/main" id="{62031A57-CD67-464B-AE89-2CFA3D8305D8}"/>
+              </a:ext>
+            </a:extLst>
+          </p:cNvPr>
+          <p:cNvSpPr txBox="1"/>
+          <p:nvPr/>
+        </p:nvSpPr>
+        <p:spPr>
+          <a:xfrm>
+            <a:off x="7537447" y="2353961"/>
+            <a:ext cx="1215397" cy="276999"/>
+          </a:xfrm>
+          <a:prstGeom prst="rect">
+            <a:avLst/>
+          </a:prstGeom>
+          <a:noFill/>
+        </p:spPr>
+        <p:txBody>
+          <a:bodyPr wrap="none" rtlCol="0">
+            <a:spAutoFit/>
+          </a:bodyPr>
+          <a:lstStyle/>
+          <a:p>
+            <a:r>
+              <a:rPr lang="en-US" sz="1200" dirty="0">
+                <a:solidFill>
+                  <a:sysClr val="windowText" lastClr="000000"/>
+                </a:solidFill>
+                <a:latin typeface="Arial" panose="020B0604020202020204" pitchFamily="34" charset="0"/>
+                <a:cs typeface="Arial" panose="020B0604020202020204" pitchFamily="34" charset="0"/>
+              </a:rPr>
+              <a:t>– Development</a:t>
+            </a:r>
+            <a:endParaRPr lang="en-US" sz="1200" dirty="0"/>
+          </a:p>
+        </p:txBody>
+      </p:sp>
     </p:spTree>
     <p:extLst>
       <p:ext uri="{BB962C8B-B14F-4D97-AF65-F5344CB8AC3E}">
@@ -9444,6 +9654,421 @@
   <p:clrMapOvr>
     <a:masterClrMapping/>
   </p:clrMapOvr>
+  <p:timing>
+    <p:tnLst>
+      <p:par>
+        <p:cTn id="1" dur="indefinite" restart="never" nodeType="tmRoot">
+          <p:childTnLst>
+            <p:seq concurrent="1" nextAc="seek">
+              <p:cTn id="2" dur="indefinite" nodeType="mainSeq">
+                <p:childTnLst>
+                  <p:par>
+                    <p:cTn id="3" fill="hold">
+                      <p:stCondLst>
+                        <p:cond delay="indefinite"/>
+                      </p:stCondLst>
+                      <p:childTnLst>
+                        <p:par>
+                          <p:cTn id="4" fill="hold">
+                            <p:stCondLst>
+                              <p:cond delay="0"/>
+                            </p:stCondLst>
+                            <p:childTnLst>
+                              <p:par>
+                                <p:cTn id="5" presetID="10" presetClass="entr" presetSubtype="0" fill="hold" nodeType="clickEffect">
+                                  <p:stCondLst>
+                                    <p:cond delay="0"/>
+                                  </p:stCondLst>
+                                  <p:childTnLst>
+                                    <p:set>
+                                      <p:cBhvr>
+                                        <p:cTn id="6" dur="1" fill="hold">
+                                          <p:stCondLst>
+                                            <p:cond delay="0"/>
+                                          </p:stCondLst>
+                                        </p:cTn>
+                                        <p:tgtEl>
+                                          <p:spTgt spid="3">
+                                            <p:txEl>
+                                              <p:pRg st="2" end="2"/>
+                                            </p:txEl>
+                                          </p:spTgt>
+                                        </p:tgtEl>
+                                        <p:attrNameLst>
+                                          <p:attrName>style.visibility</p:attrName>
+                                        </p:attrNameLst>
+                                      </p:cBhvr>
+                                      <p:to>
+                                        <p:strVal val="visible"/>
+                                      </p:to>
+                                    </p:set>
+                                    <p:animEffect transition="in" filter="fade">
+                                      <p:cBhvr>
+                                        <p:cTn id="7" dur="500"/>
+                                        <p:tgtEl>
+                                          <p:spTgt spid="3">
+                                            <p:txEl>
+                                              <p:pRg st="2" end="2"/>
+                                            </p:txEl>
+                                          </p:spTgt>
+                                        </p:tgtEl>
+                                      </p:cBhvr>
+                                    </p:animEffect>
+                                  </p:childTnLst>
+                                </p:cTn>
+                              </p:par>
+                              <p:par>
+                                <p:cTn id="8" presetID="10" presetClass="entr" presetSubtype="0" fill="hold" nodeType="withEffect">
+                                  <p:stCondLst>
+                                    <p:cond delay="0"/>
+                                  </p:stCondLst>
+                                  <p:childTnLst>
+                                    <p:set>
+                                      <p:cBhvr>
+                                        <p:cTn id="9" dur="1" fill="hold">
+                                          <p:stCondLst>
+                                            <p:cond delay="0"/>
+                                          </p:stCondLst>
+                                        </p:cTn>
+                                        <p:tgtEl>
+                                          <p:spTgt spid="3">
+                                            <p:txEl>
+                                              <p:pRg st="3" end="3"/>
+                                            </p:txEl>
+                                          </p:spTgt>
+                                        </p:tgtEl>
+                                        <p:attrNameLst>
+                                          <p:attrName>style.visibility</p:attrName>
+                                        </p:attrNameLst>
+                                      </p:cBhvr>
+                                      <p:to>
+                                        <p:strVal val="visible"/>
+                                      </p:to>
+                                    </p:set>
+                                    <p:animEffect transition="in" filter="fade">
+                                      <p:cBhvr>
+                                        <p:cTn id="10" dur="500"/>
+                                        <p:tgtEl>
+                                          <p:spTgt spid="3">
+                                            <p:txEl>
+                                              <p:pRg st="3" end="3"/>
+                                            </p:txEl>
+                                          </p:spTgt>
+                                        </p:tgtEl>
+                                      </p:cBhvr>
+                                    </p:animEffect>
+                                  </p:childTnLst>
+                                </p:cTn>
+                              </p:par>
+                            </p:childTnLst>
+                          </p:cTn>
+                        </p:par>
+                      </p:childTnLst>
+                    </p:cTn>
+                  </p:par>
+                  <p:par>
+                    <p:cTn id="11" fill="hold">
+                      <p:stCondLst>
+                        <p:cond delay="indefinite"/>
+                      </p:stCondLst>
+                      <p:childTnLst>
+                        <p:par>
+                          <p:cTn id="12" fill="hold">
+                            <p:stCondLst>
+                              <p:cond delay="0"/>
+                            </p:stCondLst>
+                            <p:childTnLst>
+                              <p:par>
+                                <p:cTn id="13" presetID="10" presetClass="entr" presetSubtype="0" fill="hold" nodeType="clickEffect">
+                                  <p:stCondLst>
+                                    <p:cond delay="0"/>
+                                  </p:stCondLst>
+                                  <p:childTnLst>
+                                    <p:set>
+                                      <p:cBhvr>
+                                        <p:cTn id="14" dur="1" fill="hold">
+                                          <p:stCondLst>
+                                            <p:cond delay="0"/>
+                                          </p:stCondLst>
+                                        </p:cTn>
+                                        <p:tgtEl>
+                                          <p:spTgt spid="3">
+                                            <p:txEl>
+                                              <p:pRg st="5" end="5"/>
+                                            </p:txEl>
+                                          </p:spTgt>
+                                        </p:tgtEl>
+                                        <p:attrNameLst>
+                                          <p:attrName>style.visibility</p:attrName>
+                                        </p:attrNameLst>
+                                      </p:cBhvr>
+                                      <p:to>
+                                        <p:strVal val="visible"/>
+                                      </p:to>
+                                    </p:set>
+                                    <p:animEffect transition="in" filter="fade">
+                                      <p:cBhvr>
+                                        <p:cTn id="15" dur="500"/>
+                                        <p:tgtEl>
+                                          <p:spTgt spid="3">
+                                            <p:txEl>
+                                              <p:pRg st="5" end="5"/>
+                                            </p:txEl>
+                                          </p:spTgt>
+                                        </p:tgtEl>
+                                      </p:cBhvr>
+                                    </p:animEffect>
+                                  </p:childTnLst>
+                                </p:cTn>
+                              </p:par>
+                              <p:par>
+                                <p:cTn id="16" presetID="10" presetClass="entr" presetSubtype="0" fill="hold" nodeType="withEffect">
+                                  <p:stCondLst>
+                                    <p:cond delay="0"/>
+                                  </p:stCondLst>
+                                  <p:childTnLst>
+                                    <p:set>
+                                      <p:cBhvr>
+                                        <p:cTn id="17" dur="1" fill="hold">
+                                          <p:stCondLst>
+                                            <p:cond delay="0"/>
+                                          </p:stCondLst>
+                                        </p:cTn>
+                                        <p:tgtEl>
+                                          <p:spTgt spid="3">
+                                            <p:txEl>
+                                              <p:pRg st="6" end="6"/>
+                                            </p:txEl>
+                                          </p:spTgt>
+                                        </p:tgtEl>
+                                        <p:attrNameLst>
+                                          <p:attrName>style.visibility</p:attrName>
+                                        </p:attrNameLst>
+                                      </p:cBhvr>
+                                      <p:to>
+                                        <p:strVal val="visible"/>
+                                      </p:to>
+                                    </p:set>
+                                    <p:animEffect transition="in" filter="fade">
+                                      <p:cBhvr>
+                                        <p:cTn id="18" dur="500"/>
+                                        <p:tgtEl>
+                                          <p:spTgt spid="3">
+                                            <p:txEl>
+                                              <p:pRg st="6" end="6"/>
+                                            </p:txEl>
+                                          </p:spTgt>
+                                        </p:tgtEl>
+                                      </p:cBhvr>
+                                    </p:animEffect>
+                                  </p:childTnLst>
+                                </p:cTn>
+                              </p:par>
+                              <p:par>
+                                <p:cTn id="19" presetID="10" presetClass="entr" presetSubtype="0" fill="hold" nodeType="withEffect">
+                                  <p:stCondLst>
+                                    <p:cond delay="0"/>
+                                  </p:stCondLst>
+                                  <p:childTnLst>
+                                    <p:set>
+                                      <p:cBhvr>
+                                        <p:cTn id="20" dur="1" fill="hold">
+                                          <p:stCondLst>
+                                            <p:cond delay="0"/>
+                                          </p:stCondLst>
+                                        </p:cTn>
+                                        <p:tgtEl>
+                                          <p:spTgt spid="3">
+                                            <p:txEl>
+                                              <p:pRg st="7" end="7"/>
+                                            </p:txEl>
+                                          </p:spTgt>
+                                        </p:tgtEl>
+                                        <p:attrNameLst>
+                                          <p:attrName>style.visibility</p:attrName>
+                                        </p:attrNameLst>
+                                      </p:cBhvr>
+                                      <p:to>
+                                        <p:strVal val="visible"/>
+                                      </p:to>
+                                    </p:set>
+                                    <p:animEffect transition="in" filter="fade">
+                                      <p:cBhvr>
+                                        <p:cTn id="21" dur="500"/>
+                                        <p:tgtEl>
+                                          <p:spTgt spid="3">
+                                            <p:txEl>
+                                              <p:pRg st="7" end="7"/>
+                                            </p:txEl>
+                                          </p:spTgt>
+                                        </p:tgtEl>
+                                      </p:cBhvr>
+                                    </p:animEffect>
+                                  </p:childTnLst>
+                                </p:cTn>
+                              </p:par>
+                              <p:par>
+                                <p:cTn id="22" presetID="10" presetClass="entr" presetSubtype="0" fill="hold" grpId="0" nodeType="withEffect">
+                                  <p:stCondLst>
+                                    <p:cond delay="0"/>
+                                  </p:stCondLst>
+                                  <p:childTnLst>
+                                    <p:set>
+                                      <p:cBhvr>
+                                        <p:cTn id="23" dur="1" fill="hold">
+                                          <p:stCondLst>
+                                            <p:cond delay="0"/>
+                                          </p:stCondLst>
+                                        </p:cTn>
+                                        <p:tgtEl>
+                                          <p:spTgt spid="10"/>
+                                        </p:tgtEl>
+                                        <p:attrNameLst>
+                                          <p:attrName>style.visibility</p:attrName>
+                                        </p:attrNameLst>
+                                      </p:cBhvr>
+                                      <p:to>
+                                        <p:strVal val="visible"/>
+                                      </p:to>
+                                    </p:set>
+                                    <p:animEffect transition="in" filter="fade">
+                                      <p:cBhvr>
+                                        <p:cTn id="24" dur="500"/>
+                                        <p:tgtEl>
+                                          <p:spTgt spid="10"/>
+                                        </p:tgtEl>
+                                      </p:cBhvr>
+                                    </p:animEffect>
+                                  </p:childTnLst>
+                                </p:cTn>
+                              </p:par>
+                              <p:par>
+                                <p:cTn id="25" presetID="10" presetClass="entr" presetSubtype="0" fill="hold" nodeType="withEffect">
+                                  <p:stCondLst>
+                                    <p:cond delay="0"/>
+                                  </p:stCondLst>
+                                  <p:childTnLst>
+                                    <p:set>
+                                      <p:cBhvr>
+                                        <p:cTn id="26" dur="1" fill="hold">
+                                          <p:stCondLst>
+                                            <p:cond delay="0"/>
+                                          </p:stCondLst>
+                                        </p:cTn>
+                                        <p:tgtEl>
+                                          <p:spTgt spid="7"/>
+                                        </p:tgtEl>
+                                        <p:attrNameLst>
+                                          <p:attrName>style.visibility</p:attrName>
+                                        </p:attrNameLst>
+                                      </p:cBhvr>
+                                      <p:to>
+                                        <p:strVal val="visible"/>
+                                      </p:to>
+                                    </p:set>
+                                    <p:animEffect transition="in" filter="fade">
+                                      <p:cBhvr>
+                                        <p:cTn id="27" dur="500"/>
+                                        <p:tgtEl>
+                                          <p:spTgt spid="7"/>
+                                        </p:tgtEl>
+                                      </p:cBhvr>
+                                    </p:animEffect>
+                                  </p:childTnLst>
+                                </p:cTn>
+                              </p:par>
+                            </p:childTnLst>
+                          </p:cTn>
+                        </p:par>
+                      </p:childTnLst>
+                    </p:cTn>
+                  </p:par>
+                  <p:par>
+                    <p:cTn id="28" fill="hold">
+                      <p:stCondLst>
+                        <p:cond delay="indefinite"/>
+                      </p:stCondLst>
+                      <p:childTnLst>
+                        <p:par>
+                          <p:cTn id="29" fill="hold">
+                            <p:stCondLst>
+                              <p:cond delay="0"/>
+                            </p:stCondLst>
+                            <p:childTnLst>
+                              <p:par>
+                                <p:cTn id="30" presetID="10" presetClass="entr" presetSubtype="0" fill="hold" nodeType="clickEffect">
+                                  <p:stCondLst>
+                                    <p:cond delay="0"/>
+                                  </p:stCondLst>
+                                  <p:childTnLst>
+                                    <p:set>
+                                      <p:cBhvr>
+                                        <p:cTn id="31" dur="1" fill="hold">
+                                          <p:stCondLst>
+                                            <p:cond delay="0"/>
+                                          </p:stCondLst>
+                                        </p:cTn>
+                                        <p:tgtEl>
+                                          <p:spTgt spid="3">
+                                            <p:txEl>
+                                              <p:pRg st="9" end="9"/>
+                                            </p:txEl>
+                                          </p:spTgt>
+                                        </p:tgtEl>
+                                        <p:attrNameLst>
+                                          <p:attrName>style.visibility</p:attrName>
+                                        </p:attrNameLst>
+                                      </p:cBhvr>
+                                      <p:to>
+                                        <p:strVal val="visible"/>
+                                      </p:to>
+                                    </p:set>
+                                    <p:animEffect transition="in" filter="fade">
+                                      <p:cBhvr>
+                                        <p:cTn id="32" dur="500"/>
+                                        <p:tgtEl>
+                                          <p:spTgt spid="3">
+                                            <p:txEl>
+                                              <p:pRg st="9" end="9"/>
+                                            </p:txEl>
+                                          </p:spTgt>
+                                        </p:tgtEl>
+                                      </p:cBhvr>
+                                    </p:animEffect>
+                                  </p:childTnLst>
+                                </p:cTn>
+                              </p:par>
+                            </p:childTnLst>
+                          </p:cTn>
+                        </p:par>
+                      </p:childTnLst>
+                    </p:cTn>
+                  </p:par>
+                </p:childTnLst>
+              </p:cTn>
+              <p:prevCondLst>
+                <p:cond evt="onPrev" delay="0">
+                  <p:tgtEl>
+                    <p:sldTgt/>
+                  </p:tgtEl>
+                </p:cond>
+              </p:prevCondLst>
+              <p:nextCondLst>
+                <p:cond evt="onNext" delay="0">
+                  <p:tgtEl>
+                    <p:sldTgt/>
+                  </p:tgtEl>
+                </p:cond>
+              </p:nextCondLst>
+            </p:seq>
+          </p:childTnLst>
+        </p:cTn>
+      </p:par>
+    </p:tnLst>
+    <p:bldLst>
+      <p:bldP spid="10" grpId="0"/>
+    </p:bldLst>
+  </p:timing>
 </p:sld>
 </file>
 
@@ -11094,8 +11719,8 @@
         </p:nvSpPr>
         <p:spPr>
           <a:xfrm>
-            <a:off x="4875970" y="2045621"/>
-            <a:ext cx="1073150" cy="519300"/>
+            <a:off x="4875970" y="2132945"/>
+            <a:ext cx="880774" cy="431976"/>
           </a:xfrm>
           <a:prstGeom prst="rect">
             <a:avLst/>
@@ -11129,7 +11754,7 @@
           <a:p>
             <a:pPr algn="ctr"/>
             <a:r>
-              <a:rPr lang="en-US" sz="1400" dirty="0">
+              <a:rPr lang="en-US" sz="1200" dirty="0">
                 <a:solidFill>
                   <a:srgbClr val="002060"/>
                 </a:solidFill>
@@ -11154,8 +11779,8 @@
         </p:nvSpPr>
         <p:spPr>
           <a:xfrm>
-            <a:off x="4558384" y="2813704"/>
-            <a:ext cx="1073150" cy="519300"/>
+            <a:off x="4582229" y="2864327"/>
+            <a:ext cx="880774" cy="431976"/>
           </a:xfrm>
           <a:prstGeom prst="rect">
             <a:avLst/>
@@ -11189,7 +11814,7 @@
           <a:p>
             <a:pPr algn="ctr"/>
             <a:r>
-              <a:rPr lang="en-US" sz="1400" dirty="0">
+              <a:rPr lang="en-US" sz="1200" dirty="0">
                 <a:solidFill>
                   <a:srgbClr val="002060"/>
                 </a:solidFill>
@@ -11214,8 +11839,8 @@
         </p:nvSpPr>
         <p:spPr>
           <a:xfrm>
-            <a:off x="4903207" y="3606939"/>
-            <a:ext cx="1073150" cy="519300"/>
+            <a:off x="4903207" y="3694263"/>
+            <a:ext cx="880774" cy="431976"/>
           </a:xfrm>
           <a:prstGeom prst="rect">
             <a:avLst/>
@@ -11249,7 +11874,7 @@
           <a:p>
             <a:pPr algn="ctr"/>
             <a:r>
-              <a:rPr lang="en-US" sz="1400" dirty="0">
+              <a:rPr lang="en-US" sz="1200" dirty="0">
                 <a:solidFill>
                   <a:srgbClr val="002060"/>
                 </a:solidFill>
@@ -11282,6 +11907,9 @@
                     <p:cTn id="3" fill="hold">
                       <p:stCondLst>
                         <p:cond delay="indefinite"/>
+                        <p:cond evt="onBegin" delay="0">
+                          <p:tn val="2"/>
+                        </p:cond>
                       </p:stCondLst>
                       <p:childTnLst>
                         <p:par>
@@ -11291,7 +11919,7 @@
                             </p:stCondLst>
                             <p:childTnLst>
                               <p:par>
-                                <p:cTn id="5" presetID="10" presetClass="entr" presetSubtype="0" fill="hold" grpId="0" nodeType="clickEffect">
+                                <p:cTn id="5" presetID="10" presetClass="entr" presetSubtype="0" fill="hold" grpId="0" nodeType="afterEffect">
                                   <p:stCondLst>
                                     <p:cond delay="0"/>
                                   </p:stCondLst>

--- a/02-identity-and-access-management/02-identity-and-access-management.pptx
+++ b/02-identity-and-access-management/02-identity-and-access-management.pptx
@@ -9581,13 +9581,6 @@
               <a:noFill/>
             </a:ln>
             <a:extLst>
-              <a:ext uri="{909E8E84-426E-40DD-AFC4-6F175D3DCCD1}">
-                <a14:hiddenFill xmlns:a14="http://schemas.microsoft.com/office/drawing/2010/main">
-                  <a:solidFill>
-                    <a:srgbClr val="FFFFFF"/>
-                  </a:solidFill>
-                </a14:hiddenFill>
-              </a:ext>
               <a:ext uri="{91240B29-F687-4F45-9708-019B960494DF}">
                 <a14:hiddenLine xmlns:a14="http://schemas.microsoft.com/office/drawing/2010/main" w="9525">
                   <a:solidFill>
